--- a/Whiteboard design session/WDS trainer presentation - Azure Stack.pptx
+++ b/Whiteboard design session/WDS trainer presentation - Azure Stack.pptx
@@ -6,42 +6,47 @@
     <p:sldMasterId id="2147483665" r:id="rId5"/>
   </p:sldMasterIdLst>
   <p:notesMasterIdLst>
-    <p:notesMasterId r:id="rId39"/>
+    <p:notesMasterId r:id="rId44"/>
   </p:notesMasterIdLst>
   <p:sldIdLst>
     <p:sldId id="300" r:id="rId6"/>
     <p:sldId id="323" r:id="rId7"/>
     <p:sldId id="302" r:id="rId8"/>
     <p:sldId id="259" r:id="rId9"/>
-    <p:sldId id="324" r:id="rId10"/>
-    <p:sldId id="354" r:id="rId11"/>
-    <p:sldId id="327" r:id="rId12"/>
-    <p:sldId id="361" r:id="rId13"/>
-    <p:sldId id="326" r:id="rId14"/>
-    <p:sldId id="330" r:id="rId15"/>
-    <p:sldId id="303" r:id="rId16"/>
-    <p:sldId id="331" r:id="rId17"/>
-    <p:sldId id="305" r:id="rId18"/>
-    <p:sldId id="320" r:id="rId19"/>
-    <p:sldId id="322" r:id="rId20"/>
-    <p:sldId id="321" r:id="rId21"/>
-    <p:sldId id="317" r:id="rId22"/>
-    <p:sldId id="338" r:id="rId23"/>
-    <p:sldId id="343" r:id="rId24"/>
-    <p:sldId id="357" r:id="rId25"/>
-    <p:sldId id="340" r:id="rId26"/>
-    <p:sldId id="359" r:id="rId27"/>
-    <p:sldId id="360" r:id="rId28"/>
-    <p:sldId id="358" r:id="rId29"/>
-    <p:sldId id="362" r:id="rId30"/>
-    <p:sldId id="342" r:id="rId31"/>
-    <p:sldId id="356" r:id="rId32"/>
-    <p:sldId id="349" r:id="rId33"/>
-    <p:sldId id="352" r:id="rId34"/>
-    <p:sldId id="353" r:id="rId35"/>
-    <p:sldId id="351" r:id="rId36"/>
-    <p:sldId id="318" r:id="rId37"/>
-    <p:sldId id="315" r:id="rId38"/>
+    <p:sldId id="363" r:id="rId10"/>
+    <p:sldId id="324" r:id="rId11"/>
+    <p:sldId id="354" r:id="rId12"/>
+    <p:sldId id="327" r:id="rId13"/>
+    <p:sldId id="361" r:id="rId14"/>
+    <p:sldId id="326" r:id="rId15"/>
+    <p:sldId id="330" r:id="rId16"/>
+    <p:sldId id="364" r:id="rId17"/>
+    <p:sldId id="303" r:id="rId18"/>
+    <p:sldId id="365" r:id="rId19"/>
+    <p:sldId id="331" r:id="rId20"/>
+    <p:sldId id="305" r:id="rId21"/>
+    <p:sldId id="320" r:id="rId22"/>
+    <p:sldId id="322" r:id="rId23"/>
+    <p:sldId id="321" r:id="rId24"/>
+    <p:sldId id="317" r:id="rId25"/>
+    <p:sldId id="338" r:id="rId26"/>
+    <p:sldId id="343" r:id="rId27"/>
+    <p:sldId id="357" r:id="rId28"/>
+    <p:sldId id="340" r:id="rId29"/>
+    <p:sldId id="366" r:id="rId30"/>
+    <p:sldId id="359" r:id="rId31"/>
+    <p:sldId id="360" r:id="rId32"/>
+    <p:sldId id="358" r:id="rId33"/>
+    <p:sldId id="362" r:id="rId34"/>
+    <p:sldId id="342" r:id="rId35"/>
+    <p:sldId id="356" r:id="rId36"/>
+    <p:sldId id="349" r:id="rId37"/>
+    <p:sldId id="352" r:id="rId38"/>
+    <p:sldId id="353" r:id="rId39"/>
+    <p:sldId id="351" r:id="rId40"/>
+    <p:sldId id="367" r:id="rId41"/>
+    <p:sldId id="318" r:id="rId42"/>
+    <p:sldId id="315" r:id="rId43"/>
   </p:sldIdLst>
   <p:sldSz cx="12192000" cy="6858000"/>
   <p:notesSz cx="6858000" cy="9144000"/>
@@ -264,7 +269,7 @@
           <a:p>
             <a:fld id="{52A13B17-C506-4D51-BB37-16B365906619}" type="datetimeFigureOut">
               <a:rPr lang="en-US" smtClean="0"/>
-              <a:t>11/21/2018</a:t>
+              <a:t>10/15/2019</a:t>
             </a:fld>
             <a:endParaRPr lang="en-US" dirty="0"/>
           </a:p>
@@ -869,7 +874,7 @@
     </p:spTree>
     <p:extLst>
       <p:ext uri="{BB962C8B-B14F-4D97-AF65-F5344CB8AC3E}">
-        <p14:creationId xmlns:p14="http://schemas.microsoft.com/office/powerpoint/2010/main" val="2356007107"/>
+        <p14:creationId xmlns:p14="http://schemas.microsoft.com/office/powerpoint/2010/main" val="3403332790"/>
       </p:ext>
     </p:extLst>
   </p:cSld>
@@ -953,7 +958,7 @@
     </p:spTree>
     <p:extLst>
       <p:ext uri="{BB962C8B-B14F-4D97-AF65-F5344CB8AC3E}">
-        <p14:creationId xmlns:p14="http://schemas.microsoft.com/office/powerpoint/2010/main" val="3292433888"/>
+        <p14:creationId xmlns:p14="http://schemas.microsoft.com/office/powerpoint/2010/main" val="2356007107"/>
       </p:ext>
     </p:extLst>
   </p:cSld>
@@ -1037,7 +1042,7 @@
     </p:spTree>
     <p:extLst>
       <p:ext uri="{BB962C8B-B14F-4D97-AF65-F5344CB8AC3E}">
-        <p14:creationId xmlns:p14="http://schemas.microsoft.com/office/powerpoint/2010/main" val="3994004887"/>
+        <p14:creationId xmlns:p14="http://schemas.microsoft.com/office/powerpoint/2010/main" val="1703179171"/>
       </p:ext>
     </p:extLst>
   </p:cSld>
@@ -1121,7 +1126,7 @@
     </p:spTree>
     <p:extLst>
       <p:ext uri="{BB962C8B-B14F-4D97-AF65-F5344CB8AC3E}">
-        <p14:creationId xmlns:p14="http://schemas.microsoft.com/office/powerpoint/2010/main" val="1267405105"/>
+        <p14:creationId xmlns:p14="http://schemas.microsoft.com/office/powerpoint/2010/main" val="3292433888"/>
       </p:ext>
     </p:extLst>
   </p:cSld>
@@ -1205,7 +1210,7 @@
     </p:spTree>
     <p:extLst>
       <p:ext uri="{BB962C8B-B14F-4D97-AF65-F5344CB8AC3E}">
-        <p14:creationId xmlns:p14="http://schemas.microsoft.com/office/powerpoint/2010/main" val="3229744285"/>
+        <p14:creationId xmlns:p14="http://schemas.microsoft.com/office/powerpoint/2010/main" val="3983231669"/>
       </p:ext>
     </p:extLst>
   </p:cSld>
@@ -1289,7 +1294,7 @@
     </p:spTree>
     <p:extLst>
       <p:ext uri="{BB962C8B-B14F-4D97-AF65-F5344CB8AC3E}">
-        <p14:creationId xmlns:p14="http://schemas.microsoft.com/office/powerpoint/2010/main" val="251902611"/>
+        <p14:creationId xmlns:p14="http://schemas.microsoft.com/office/powerpoint/2010/main" val="3994004887"/>
       </p:ext>
     </p:extLst>
   </p:cSld>
@@ -1373,7 +1378,7 @@
     </p:spTree>
     <p:extLst>
       <p:ext uri="{BB962C8B-B14F-4D97-AF65-F5344CB8AC3E}">
-        <p14:creationId xmlns:p14="http://schemas.microsoft.com/office/powerpoint/2010/main" val="1579283386"/>
+        <p14:creationId xmlns:p14="http://schemas.microsoft.com/office/powerpoint/2010/main" val="1267405105"/>
       </p:ext>
     </p:extLst>
   </p:cSld>
@@ -1457,7 +1462,7 @@
     </p:spTree>
     <p:extLst>
       <p:ext uri="{BB962C8B-B14F-4D97-AF65-F5344CB8AC3E}">
-        <p14:creationId xmlns:p14="http://schemas.microsoft.com/office/powerpoint/2010/main" val="647674203"/>
+        <p14:creationId xmlns:p14="http://schemas.microsoft.com/office/powerpoint/2010/main" val="3229744285"/>
       </p:ext>
     </p:extLst>
   </p:cSld>
@@ -1541,7 +1546,7 @@
     </p:spTree>
     <p:extLst>
       <p:ext uri="{BB962C8B-B14F-4D97-AF65-F5344CB8AC3E}">
-        <p14:creationId xmlns:p14="http://schemas.microsoft.com/office/powerpoint/2010/main" val="3732585128"/>
+        <p14:creationId xmlns:p14="http://schemas.microsoft.com/office/powerpoint/2010/main" val="251902611"/>
       </p:ext>
     </p:extLst>
   </p:cSld>
@@ -1625,7 +1630,7 @@
     </p:spTree>
     <p:extLst>
       <p:ext uri="{BB962C8B-B14F-4D97-AF65-F5344CB8AC3E}">
-        <p14:creationId xmlns:p14="http://schemas.microsoft.com/office/powerpoint/2010/main" val="3866924809"/>
+        <p14:creationId xmlns:p14="http://schemas.microsoft.com/office/powerpoint/2010/main" val="1579283386"/>
       </p:ext>
     </p:extLst>
   </p:cSld>
@@ -1793,7 +1798,7 @@
     </p:spTree>
     <p:extLst>
       <p:ext uri="{BB962C8B-B14F-4D97-AF65-F5344CB8AC3E}">
-        <p14:creationId xmlns:p14="http://schemas.microsoft.com/office/powerpoint/2010/main" val="122040222"/>
+        <p14:creationId xmlns:p14="http://schemas.microsoft.com/office/powerpoint/2010/main" val="647674203"/>
       </p:ext>
     </p:extLst>
   </p:cSld>
@@ -1877,7 +1882,7 @@
     </p:spTree>
     <p:extLst>
       <p:ext uri="{BB962C8B-B14F-4D97-AF65-F5344CB8AC3E}">
-        <p14:creationId xmlns:p14="http://schemas.microsoft.com/office/powerpoint/2010/main" val="686217087"/>
+        <p14:creationId xmlns:p14="http://schemas.microsoft.com/office/powerpoint/2010/main" val="3732585128"/>
       </p:ext>
     </p:extLst>
   </p:cSld>
@@ -1961,7 +1966,7 @@
     </p:spTree>
     <p:extLst>
       <p:ext uri="{BB962C8B-B14F-4D97-AF65-F5344CB8AC3E}">
-        <p14:creationId xmlns:p14="http://schemas.microsoft.com/office/powerpoint/2010/main" val="729092707"/>
+        <p14:creationId xmlns:p14="http://schemas.microsoft.com/office/powerpoint/2010/main" val="3866924809"/>
       </p:ext>
     </p:extLst>
   </p:cSld>
@@ -2045,7 +2050,7 @@
     </p:spTree>
     <p:extLst>
       <p:ext uri="{BB962C8B-B14F-4D97-AF65-F5344CB8AC3E}">
-        <p14:creationId xmlns:p14="http://schemas.microsoft.com/office/powerpoint/2010/main" val="3293172015"/>
+        <p14:creationId xmlns:p14="http://schemas.microsoft.com/office/powerpoint/2010/main" val="122040222"/>
       </p:ext>
     </p:extLst>
   </p:cSld>
@@ -2129,7 +2134,7 @@
     </p:spTree>
     <p:extLst>
       <p:ext uri="{BB962C8B-B14F-4D97-AF65-F5344CB8AC3E}">
-        <p14:creationId xmlns:p14="http://schemas.microsoft.com/office/powerpoint/2010/main" val="2711918252"/>
+        <p14:creationId xmlns:p14="http://schemas.microsoft.com/office/powerpoint/2010/main" val="686217087"/>
       </p:ext>
     </p:extLst>
   </p:cSld>
@@ -2183,79 +2188,6 @@
           <a:bodyPr/>
           <a:lstStyle/>
           <a:p>
-            <a:r>
-              <a:rPr lang="en-US" sz="1200" kern="1200" dirty="0">
-                <a:solidFill>
-                  <a:schemeClr val="tx1"/>
-                </a:solidFill>
-                <a:effectLst/>
-                <a:latin typeface="+mn-lt"/>
-                <a:ea typeface="+mn-ea"/>
-                <a:cs typeface="+mn-cs"/>
-              </a:rPr>
-              <a:t>Azure Resource Manager templates can be used to deploy supported services to both Azure Public and Azure Stack. </a:t>
-            </a:r>
-          </a:p>
-          <a:p>
-            <a:r>
-              <a:rPr lang="en-US" sz="1200" kern="1200" dirty="0">
-                <a:solidFill>
-                  <a:schemeClr val="tx1"/>
-                </a:solidFill>
-                <a:effectLst/>
-                <a:latin typeface="+mn-lt"/>
-                <a:ea typeface="+mn-ea"/>
-                <a:cs typeface="+mn-cs"/>
-              </a:rPr>
-              <a:t>A hybrid continuous integration/continuous delivery(CI/CD) pipeline enables you to build, test, and deploy your app to multiple clouds. A hybrid CI/CD pipeline can help you:</a:t>
-            </a:r>
-          </a:p>
-          <a:p>
-            <a:pPr lvl="0"/>
-            <a:r>
-              <a:rPr lang="en-US" sz="1200" kern="1200" dirty="0">
-                <a:solidFill>
-                  <a:schemeClr val="tx1"/>
-                </a:solidFill>
-                <a:effectLst/>
-                <a:latin typeface="+mn-lt"/>
-                <a:ea typeface="+mn-ea"/>
-                <a:cs typeface="+mn-cs"/>
-              </a:rPr>
-              <a:t>Initiate a new build based on code commits to your Visual Studio Team Services (VSTS) repository.</a:t>
-            </a:r>
-          </a:p>
-          <a:p>
-            <a:pPr lvl="0"/>
-            <a:r>
-              <a:rPr lang="en-US" sz="1200" kern="1200" dirty="0">
-                <a:solidFill>
-                  <a:schemeClr val="tx1"/>
-                </a:solidFill>
-                <a:effectLst/>
-                <a:latin typeface="+mn-lt"/>
-                <a:ea typeface="+mn-ea"/>
-                <a:cs typeface="+mn-cs"/>
-              </a:rPr>
-              <a:t>Automatically deploy your newly built code to Azure for user acceptance testing.</a:t>
-            </a:r>
-          </a:p>
-          <a:p>
-            <a:pPr lvl="0"/>
-            <a:r>
-              <a:rPr lang="en-US" sz="1200" kern="1200" dirty="0">
-                <a:solidFill>
-                  <a:schemeClr val="tx1"/>
-                </a:solidFill>
-                <a:effectLst/>
-                <a:latin typeface="+mn-lt"/>
-                <a:ea typeface="+mn-ea"/>
-                <a:cs typeface="+mn-cs"/>
-              </a:rPr>
-              <a:t>Once your code has passed testing, automatically deploy to Azure Stack.</a:t>
-            </a:r>
-          </a:p>
-          <a:p>
             <a:endParaRPr lang="en-US" dirty="0"/>
           </a:p>
         </p:txBody>
@@ -2286,7 +2218,7 @@
     </p:spTree>
     <p:extLst>
       <p:ext uri="{BB962C8B-B14F-4D97-AF65-F5344CB8AC3E}">
-        <p14:creationId xmlns:p14="http://schemas.microsoft.com/office/powerpoint/2010/main" val="4073144030"/>
+        <p14:creationId xmlns:p14="http://schemas.microsoft.com/office/powerpoint/2010/main" val="950409368"/>
       </p:ext>
     </p:extLst>
   </p:cSld>
@@ -2340,33 +2272,6 @@
           <a:bodyPr/>
           <a:lstStyle/>
           <a:p>
-            <a:pPr lvl="0"/>
-            <a:r>
-              <a:rPr lang="en-US" sz="1200" kern="1200" dirty="0">
-                <a:solidFill>
-                  <a:schemeClr val="tx1"/>
-                </a:solidFill>
-                <a:effectLst/>
-                <a:latin typeface="+mn-lt"/>
-                <a:ea typeface="+mn-ea"/>
-                <a:cs typeface="+mn-cs"/>
-              </a:rPr>
-              <a:t>The initial proof of concept will start with providing a S2S VPN between the virtual network the Azure Web App is connected to and Azure Stack and another S2S Gateway between the Azure Stack Datacenter in FT and the Contoso Regional HQ. </a:t>
-            </a:r>
-          </a:p>
-          <a:p>
-            <a:r>
-              <a:rPr lang="en-US" sz="1200" kern="1200" dirty="0">
-                <a:solidFill>
-                  <a:schemeClr val="tx1"/>
-                </a:solidFill>
-                <a:effectLst/>
-                <a:latin typeface="+mn-lt"/>
-                <a:ea typeface="+mn-ea"/>
-                <a:cs typeface="+mn-cs"/>
-              </a:rPr>
-              <a:t>For the future, both S2S and ExpressRoute will be configured for routing using BGP ensuring the best connections possible and one set of configurations for routing.  FT will provide the Public ASN number for the routes from their datacenter network in Dallas.  FT will also configure the BGP connections between their datacenter and the new routers on-premises at the Contoso Dallas office. Contoso’s Public IP Space will be leveraged along with the addition of public IP Space from FT.</a:t>
-            </a:r>
             <a:endParaRPr lang="en-US" dirty="0"/>
           </a:p>
         </p:txBody>
@@ -2397,7 +2302,7 @@
     </p:spTree>
     <p:extLst>
       <p:ext uri="{BB962C8B-B14F-4D97-AF65-F5344CB8AC3E}">
-        <p14:creationId xmlns:p14="http://schemas.microsoft.com/office/powerpoint/2010/main" val="3168858057"/>
+        <p14:creationId xmlns:p14="http://schemas.microsoft.com/office/powerpoint/2010/main" val="729092707"/>
       </p:ext>
     </p:extLst>
   </p:cSld>
@@ -2481,7 +2386,7 @@
     </p:spTree>
     <p:extLst>
       <p:ext uri="{BB962C8B-B14F-4D97-AF65-F5344CB8AC3E}">
-        <p14:creationId xmlns:p14="http://schemas.microsoft.com/office/powerpoint/2010/main" val="2317620794"/>
+        <p14:creationId xmlns:p14="http://schemas.microsoft.com/office/powerpoint/2010/main" val="3293172015"/>
       </p:ext>
     </p:extLst>
   </p:cSld>
@@ -2565,7 +2470,7 @@
     </p:spTree>
     <p:extLst>
       <p:ext uri="{BB962C8B-B14F-4D97-AF65-F5344CB8AC3E}">
-        <p14:creationId xmlns:p14="http://schemas.microsoft.com/office/powerpoint/2010/main" val="2666464400"/>
+        <p14:creationId xmlns:p14="http://schemas.microsoft.com/office/powerpoint/2010/main" val="2711918252"/>
       </p:ext>
     </p:extLst>
   </p:cSld>
@@ -2619,6 +2524,79 @@
           <a:bodyPr/>
           <a:lstStyle/>
           <a:p>
+            <a:r>
+              <a:rPr lang="en-US" sz="1200" kern="1200" dirty="0">
+                <a:solidFill>
+                  <a:schemeClr val="tx1"/>
+                </a:solidFill>
+                <a:effectLst/>
+                <a:latin typeface="+mn-lt"/>
+                <a:ea typeface="+mn-ea"/>
+                <a:cs typeface="+mn-cs"/>
+              </a:rPr>
+              <a:t>Azure Resource Manager templates can be used to deploy supported services to both Azure Public and Azure Stack. </a:t>
+            </a:r>
+          </a:p>
+          <a:p>
+            <a:r>
+              <a:rPr lang="en-US" sz="1200" kern="1200" dirty="0">
+                <a:solidFill>
+                  <a:schemeClr val="tx1"/>
+                </a:solidFill>
+                <a:effectLst/>
+                <a:latin typeface="+mn-lt"/>
+                <a:ea typeface="+mn-ea"/>
+                <a:cs typeface="+mn-cs"/>
+              </a:rPr>
+              <a:t>A hybrid continuous integration/continuous delivery(CI/CD) pipeline enables you to build, test, and deploy your app to multiple clouds. A hybrid CI/CD pipeline can help you:</a:t>
+            </a:r>
+          </a:p>
+          <a:p>
+            <a:pPr lvl="0"/>
+            <a:r>
+              <a:rPr lang="en-US" sz="1200" kern="1200" dirty="0">
+                <a:solidFill>
+                  <a:schemeClr val="tx1"/>
+                </a:solidFill>
+                <a:effectLst/>
+                <a:latin typeface="+mn-lt"/>
+                <a:ea typeface="+mn-ea"/>
+                <a:cs typeface="+mn-cs"/>
+              </a:rPr>
+              <a:t>Initiate a new build based on code commits to your Visual Studio Team Services (VSTS) repository.</a:t>
+            </a:r>
+          </a:p>
+          <a:p>
+            <a:pPr lvl="0"/>
+            <a:r>
+              <a:rPr lang="en-US" sz="1200" kern="1200" dirty="0">
+                <a:solidFill>
+                  <a:schemeClr val="tx1"/>
+                </a:solidFill>
+                <a:effectLst/>
+                <a:latin typeface="+mn-lt"/>
+                <a:ea typeface="+mn-ea"/>
+                <a:cs typeface="+mn-cs"/>
+              </a:rPr>
+              <a:t>Automatically deploy your newly built code to Azure for user acceptance testing.</a:t>
+            </a:r>
+          </a:p>
+          <a:p>
+            <a:pPr lvl="0"/>
+            <a:r>
+              <a:rPr lang="en-US" sz="1200" kern="1200" dirty="0">
+                <a:solidFill>
+                  <a:schemeClr val="tx1"/>
+                </a:solidFill>
+                <a:effectLst/>
+                <a:latin typeface="+mn-lt"/>
+                <a:ea typeface="+mn-ea"/>
+                <a:cs typeface="+mn-cs"/>
+              </a:rPr>
+              <a:t>Once your code has passed testing, automatically deploy to Azure Stack.</a:t>
+            </a:r>
+          </a:p>
+          <a:p>
             <a:endParaRPr lang="en-US" dirty="0"/>
           </a:p>
         </p:txBody>
@@ -2649,7 +2627,7 @@
     </p:spTree>
     <p:extLst>
       <p:ext uri="{BB962C8B-B14F-4D97-AF65-F5344CB8AC3E}">
-        <p14:creationId xmlns:p14="http://schemas.microsoft.com/office/powerpoint/2010/main" val="552729278"/>
+        <p14:creationId xmlns:p14="http://schemas.microsoft.com/office/powerpoint/2010/main" val="4073144030"/>
       </p:ext>
     </p:extLst>
   </p:cSld>
@@ -2787,6 +2765,33 @@
           <a:bodyPr/>
           <a:lstStyle/>
           <a:p>
+            <a:pPr lvl="0"/>
+            <a:r>
+              <a:rPr lang="en-US" sz="1200" kern="1200" dirty="0">
+                <a:solidFill>
+                  <a:schemeClr val="tx1"/>
+                </a:solidFill>
+                <a:effectLst/>
+                <a:latin typeface="+mn-lt"/>
+                <a:ea typeface="+mn-ea"/>
+                <a:cs typeface="+mn-cs"/>
+              </a:rPr>
+              <a:t>The initial proof of concept will start with providing a S2S VPN between the virtual network the Azure Web App is connected to and Azure Stack and another S2S Gateway between the Azure Stack Datacenter in FT and the Contoso Regional HQ. </a:t>
+            </a:r>
+          </a:p>
+          <a:p>
+            <a:r>
+              <a:rPr lang="en-US" sz="1200" kern="1200" dirty="0">
+                <a:solidFill>
+                  <a:schemeClr val="tx1"/>
+                </a:solidFill>
+                <a:effectLst/>
+                <a:latin typeface="+mn-lt"/>
+                <a:ea typeface="+mn-ea"/>
+                <a:cs typeface="+mn-cs"/>
+              </a:rPr>
+              <a:t>For the future, both S2S and ExpressRoute will be configured for routing using BGP ensuring the best connections possible and one set of configurations for routing.  FT will provide the Public ASN number for the routes from their datacenter network in Dallas.  FT will also configure the BGP connections between their datacenter and the new routers on-premises at the Contoso Dallas office. Contoso’s Public IP Space will be leveraged along with the addition of public IP Space from FT.</a:t>
+            </a:r>
             <a:endParaRPr lang="en-US" dirty="0"/>
           </a:p>
         </p:txBody>
@@ -2817,7 +2822,7 @@
     </p:spTree>
     <p:extLst>
       <p:ext uri="{BB962C8B-B14F-4D97-AF65-F5344CB8AC3E}">
-        <p14:creationId xmlns:p14="http://schemas.microsoft.com/office/powerpoint/2010/main" val="1286020422"/>
+        <p14:creationId xmlns:p14="http://schemas.microsoft.com/office/powerpoint/2010/main" val="3168858057"/>
       </p:ext>
     </p:extLst>
   </p:cSld>
@@ -2901,7 +2906,7 @@
     </p:spTree>
     <p:extLst>
       <p:ext uri="{BB962C8B-B14F-4D97-AF65-F5344CB8AC3E}">
-        <p14:creationId xmlns:p14="http://schemas.microsoft.com/office/powerpoint/2010/main" val="930945961"/>
+        <p14:creationId xmlns:p14="http://schemas.microsoft.com/office/powerpoint/2010/main" val="2317620794"/>
       </p:ext>
     </p:extLst>
   </p:cSld>
@@ -2985,6 +2990,426 @@
     </p:spTree>
     <p:extLst>
       <p:ext uri="{BB962C8B-B14F-4D97-AF65-F5344CB8AC3E}">
+        <p14:creationId xmlns:p14="http://schemas.microsoft.com/office/powerpoint/2010/main" val="2666464400"/>
+      </p:ext>
+    </p:extLst>
+  </p:cSld>
+  <p:clrMapOvr>
+    <a:masterClrMapping/>
+  </p:clrMapOvr>
+</p:notes>
+</file>
+
+<file path=ppt/notesSlides/notesSlide33.xml><?xml version="1.0" encoding="utf-8"?>
+<p:notes xmlns:a="http://schemas.openxmlformats.org/drawingml/2006/main" xmlns:r="http://schemas.openxmlformats.org/officeDocument/2006/relationships" xmlns:p="http://schemas.openxmlformats.org/presentationml/2006/main">
+  <p:cSld>
+    <p:spTree>
+      <p:nvGrpSpPr>
+        <p:cNvPr id="1" name=""/>
+        <p:cNvGrpSpPr/>
+        <p:nvPr/>
+      </p:nvGrpSpPr>
+      <p:grpSpPr>
+        <a:xfrm>
+          <a:off x="0" y="0"/>
+          <a:ext cx="0" cy="0"/>
+          <a:chOff x="0" y="0"/>
+          <a:chExt cx="0" cy="0"/>
+        </a:xfrm>
+      </p:grpSpPr>
+      <p:sp>
+        <p:nvSpPr>
+          <p:cNvPr id="2" name="Slide Image Placeholder 1"/>
+          <p:cNvSpPr>
+            <a:spLocks noGrp="1" noRot="1" noChangeAspect="1"/>
+          </p:cNvSpPr>
+          <p:nvPr>
+            <p:ph type="sldImg"/>
+          </p:nvPr>
+        </p:nvSpPr>
+        <p:spPr/>
+      </p:sp>
+      <p:sp>
+        <p:nvSpPr>
+          <p:cNvPr id="3" name="Notes Placeholder 2"/>
+          <p:cNvSpPr>
+            <a:spLocks noGrp="1"/>
+          </p:cNvSpPr>
+          <p:nvPr>
+            <p:ph type="body" idx="1"/>
+          </p:nvPr>
+        </p:nvSpPr>
+        <p:spPr/>
+        <p:txBody>
+          <a:bodyPr/>
+          <a:lstStyle/>
+          <a:p>
+            <a:endParaRPr lang="en-US" dirty="0"/>
+          </a:p>
+        </p:txBody>
+      </p:sp>
+      <p:sp>
+        <p:nvSpPr>
+          <p:cNvPr id="4" name="Slide Number Placeholder 3"/>
+          <p:cNvSpPr>
+            <a:spLocks noGrp="1"/>
+          </p:cNvSpPr>
+          <p:nvPr>
+            <p:ph type="sldNum" sz="quarter" idx="10"/>
+          </p:nvPr>
+        </p:nvSpPr>
+        <p:spPr/>
+        <p:txBody>
+          <a:bodyPr/>
+          <a:lstStyle/>
+          <a:p>
+            <a:fld id="{0998D5BB-B127-481F-BC0A-2F77C576BB34}" type="slidenum">
+              <a:rPr lang="en-US" smtClean="0"/>
+              <a:t>33</a:t>
+            </a:fld>
+            <a:endParaRPr lang="en-US" dirty="0"/>
+          </a:p>
+        </p:txBody>
+      </p:sp>
+    </p:spTree>
+    <p:extLst>
+      <p:ext uri="{BB962C8B-B14F-4D97-AF65-F5344CB8AC3E}">
+        <p14:creationId xmlns:p14="http://schemas.microsoft.com/office/powerpoint/2010/main" val="552729278"/>
+      </p:ext>
+    </p:extLst>
+  </p:cSld>
+  <p:clrMapOvr>
+    <a:masterClrMapping/>
+  </p:clrMapOvr>
+</p:notes>
+</file>
+
+<file path=ppt/notesSlides/notesSlide34.xml><?xml version="1.0" encoding="utf-8"?>
+<p:notes xmlns:a="http://schemas.openxmlformats.org/drawingml/2006/main" xmlns:r="http://schemas.openxmlformats.org/officeDocument/2006/relationships" xmlns:p="http://schemas.openxmlformats.org/presentationml/2006/main">
+  <p:cSld>
+    <p:spTree>
+      <p:nvGrpSpPr>
+        <p:cNvPr id="1" name=""/>
+        <p:cNvGrpSpPr/>
+        <p:nvPr/>
+      </p:nvGrpSpPr>
+      <p:grpSpPr>
+        <a:xfrm>
+          <a:off x="0" y="0"/>
+          <a:ext cx="0" cy="0"/>
+          <a:chOff x="0" y="0"/>
+          <a:chExt cx="0" cy="0"/>
+        </a:xfrm>
+      </p:grpSpPr>
+      <p:sp>
+        <p:nvSpPr>
+          <p:cNvPr id="2" name="Slide Image Placeholder 1"/>
+          <p:cNvSpPr>
+            <a:spLocks noGrp="1" noRot="1" noChangeAspect="1"/>
+          </p:cNvSpPr>
+          <p:nvPr>
+            <p:ph type="sldImg"/>
+          </p:nvPr>
+        </p:nvSpPr>
+        <p:spPr/>
+      </p:sp>
+      <p:sp>
+        <p:nvSpPr>
+          <p:cNvPr id="3" name="Notes Placeholder 2"/>
+          <p:cNvSpPr>
+            <a:spLocks noGrp="1"/>
+          </p:cNvSpPr>
+          <p:nvPr>
+            <p:ph type="body" idx="1"/>
+          </p:nvPr>
+        </p:nvSpPr>
+        <p:spPr/>
+        <p:txBody>
+          <a:bodyPr/>
+          <a:lstStyle/>
+          <a:p>
+            <a:endParaRPr lang="en-US" dirty="0"/>
+          </a:p>
+        </p:txBody>
+      </p:sp>
+      <p:sp>
+        <p:nvSpPr>
+          <p:cNvPr id="4" name="Slide Number Placeholder 3"/>
+          <p:cNvSpPr>
+            <a:spLocks noGrp="1"/>
+          </p:cNvSpPr>
+          <p:nvPr>
+            <p:ph type="sldNum" sz="quarter" idx="10"/>
+          </p:nvPr>
+        </p:nvSpPr>
+        <p:spPr/>
+        <p:txBody>
+          <a:bodyPr/>
+          <a:lstStyle/>
+          <a:p>
+            <a:fld id="{0998D5BB-B127-481F-BC0A-2F77C576BB34}" type="slidenum">
+              <a:rPr lang="en-US" smtClean="0"/>
+              <a:t>34</a:t>
+            </a:fld>
+            <a:endParaRPr lang="en-US" dirty="0"/>
+          </a:p>
+        </p:txBody>
+      </p:sp>
+    </p:spTree>
+    <p:extLst>
+      <p:ext uri="{BB962C8B-B14F-4D97-AF65-F5344CB8AC3E}">
+        <p14:creationId xmlns:p14="http://schemas.microsoft.com/office/powerpoint/2010/main" val="1286020422"/>
+      </p:ext>
+    </p:extLst>
+  </p:cSld>
+  <p:clrMapOvr>
+    <a:masterClrMapping/>
+  </p:clrMapOvr>
+</p:notes>
+</file>
+
+<file path=ppt/notesSlides/notesSlide35.xml><?xml version="1.0" encoding="utf-8"?>
+<p:notes xmlns:a="http://schemas.openxmlformats.org/drawingml/2006/main" xmlns:r="http://schemas.openxmlformats.org/officeDocument/2006/relationships" xmlns:p="http://schemas.openxmlformats.org/presentationml/2006/main">
+  <p:cSld>
+    <p:spTree>
+      <p:nvGrpSpPr>
+        <p:cNvPr id="1" name=""/>
+        <p:cNvGrpSpPr/>
+        <p:nvPr/>
+      </p:nvGrpSpPr>
+      <p:grpSpPr>
+        <a:xfrm>
+          <a:off x="0" y="0"/>
+          <a:ext cx="0" cy="0"/>
+          <a:chOff x="0" y="0"/>
+          <a:chExt cx="0" cy="0"/>
+        </a:xfrm>
+      </p:grpSpPr>
+      <p:sp>
+        <p:nvSpPr>
+          <p:cNvPr id="2" name="Slide Image Placeholder 1"/>
+          <p:cNvSpPr>
+            <a:spLocks noGrp="1" noRot="1" noChangeAspect="1"/>
+          </p:cNvSpPr>
+          <p:nvPr>
+            <p:ph type="sldImg"/>
+          </p:nvPr>
+        </p:nvSpPr>
+        <p:spPr/>
+      </p:sp>
+      <p:sp>
+        <p:nvSpPr>
+          <p:cNvPr id="3" name="Notes Placeholder 2"/>
+          <p:cNvSpPr>
+            <a:spLocks noGrp="1"/>
+          </p:cNvSpPr>
+          <p:nvPr>
+            <p:ph type="body" idx="1"/>
+          </p:nvPr>
+        </p:nvSpPr>
+        <p:spPr/>
+        <p:txBody>
+          <a:bodyPr/>
+          <a:lstStyle/>
+          <a:p>
+            <a:endParaRPr lang="en-US" dirty="0"/>
+          </a:p>
+        </p:txBody>
+      </p:sp>
+      <p:sp>
+        <p:nvSpPr>
+          <p:cNvPr id="4" name="Slide Number Placeholder 3"/>
+          <p:cNvSpPr>
+            <a:spLocks noGrp="1"/>
+          </p:cNvSpPr>
+          <p:nvPr>
+            <p:ph type="sldNum" sz="quarter" idx="10"/>
+          </p:nvPr>
+        </p:nvSpPr>
+        <p:spPr/>
+        <p:txBody>
+          <a:bodyPr/>
+          <a:lstStyle/>
+          <a:p>
+            <a:fld id="{0998D5BB-B127-481F-BC0A-2F77C576BB34}" type="slidenum">
+              <a:rPr lang="en-US" smtClean="0"/>
+              <a:t>35</a:t>
+            </a:fld>
+            <a:endParaRPr lang="en-US" dirty="0"/>
+          </a:p>
+        </p:txBody>
+      </p:sp>
+    </p:spTree>
+    <p:extLst>
+      <p:ext uri="{BB962C8B-B14F-4D97-AF65-F5344CB8AC3E}">
+        <p14:creationId xmlns:p14="http://schemas.microsoft.com/office/powerpoint/2010/main" val="930945961"/>
+      </p:ext>
+    </p:extLst>
+  </p:cSld>
+  <p:clrMapOvr>
+    <a:masterClrMapping/>
+  </p:clrMapOvr>
+</p:notes>
+</file>
+
+<file path=ppt/notesSlides/notesSlide36.xml><?xml version="1.0" encoding="utf-8"?>
+<p:notes xmlns:a="http://schemas.openxmlformats.org/drawingml/2006/main" xmlns:r="http://schemas.openxmlformats.org/officeDocument/2006/relationships" xmlns:p="http://schemas.openxmlformats.org/presentationml/2006/main">
+  <p:cSld>
+    <p:spTree>
+      <p:nvGrpSpPr>
+        <p:cNvPr id="1" name=""/>
+        <p:cNvGrpSpPr/>
+        <p:nvPr/>
+      </p:nvGrpSpPr>
+      <p:grpSpPr>
+        <a:xfrm>
+          <a:off x="0" y="0"/>
+          <a:ext cx="0" cy="0"/>
+          <a:chOff x="0" y="0"/>
+          <a:chExt cx="0" cy="0"/>
+        </a:xfrm>
+      </p:grpSpPr>
+      <p:sp>
+        <p:nvSpPr>
+          <p:cNvPr id="2" name="Slide Image Placeholder 1"/>
+          <p:cNvSpPr>
+            <a:spLocks noGrp="1" noRot="1" noChangeAspect="1"/>
+          </p:cNvSpPr>
+          <p:nvPr>
+            <p:ph type="sldImg"/>
+          </p:nvPr>
+        </p:nvSpPr>
+        <p:spPr/>
+      </p:sp>
+      <p:sp>
+        <p:nvSpPr>
+          <p:cNvPr id="3" name="Notes Placeholder 2"/>
+          <p:cNvSpPr>
+            <a:spLocks noGrp="1"/>
+          </p:cNvSpPr>
+          <p:nvPr>
+            <p:ph type="body" idx="1"/>
+          </p:nvPr>
+        </p:nvSpPr>
+        <p:spPr/>
+        <p:txBody>
+          <a:bodyPr/>
+          <a:lstStyle/>
+          <a:p>
+            <a:endParaRPr lang="en-US" dirty="0"/>
+          </a:p>
+        </p:txBody>
+      </p:sp>
+      <p:sp>
+        <p:nvSpPr>
+          <p:cNvPr id="4" name="Slide Number Placeholder 3"/>
+          <p:cNvSpPr>
+            <a:spLocks noGrp="1"/>
+          </p:cNvSpPr>
+          <p:nvPr>
+            <p:ph type="sldNum" sz="quarter" idx="10"/>
+          </p:nvPr>
+        </p:nvSpPr>
+        <p:spPr/>
+        <p:txBody>
+          <a:bodyPr/>
+          <a:lstStyle/>
+          <a:p>
+            <a:fld id="{0998D5BB-B127-481F-BC0A-2F77C576BB34}" type="slidenum">
+              <a:rPr lang="en-US" smtClean="0"/>
+              <a:t>36</a:t>
+            </a:fld>
+            <a:endParaRPr lang="en-US" dirty="0"/>
+          </a:p>
+        </p:txBody>
+      </p:sp>
+    </p:spTree>
+    <p:extLst>
+      <p:ext uri="{BB962C8B-B14F-4D97-AF65-F5344CB8AC3E}">
+        <p14:creationId xmlns:p14="http://schemas.microsoft.com/office/powerpoint/2010/main" val="3083286019"/>
+      </p:ext>
+    </p:extLst>
+  </p:cSld>
+  <p:clrMapOvr>
+    <a:masterClrMapping/>
+  </p:clrMapOvr>
+</p:notes>
+</file>
+
+<file path=ppt/notesSlides/notesSlide37.xml><?xml version="1.0" encoding="utf-8"?>
+<p:notes xmlns:a="http://schemas.openxmlformats.org/drawingml/2006/main" xmlns:r="http://schemas.openxmlformats.org/officeDocument/2006/relationships" xmlns:p="http://schemas.openxmlformats.org/presentationml/2006/main">
+  <p:cSld>
+    <p:spTree>
+      <p:nvGrpSpPr>
+        <p:cNvPr id="1" name=""/>
+        <p:cNvGrpSpPr/>
+        <p:nvPr/>
+      </p:nvGrpSpPr>
+      <p:grpSpPr>
+        <a:xfrm>
+          <a:off x="0" y="0"/>
+          <a:ext cx="0" cy="0"/>
+          <a:chOff x="0" y="0"/>
+          <a:chExt cx="0" cy="0"/>
+        </a:xfrm>
+      </p:grpSpPr>
+      <p:sp>
+        <p:nvSpPr>
+          <p:cNvPr id="2" name="Slide Image Placeholder 1"/>
+          <p:cNvSpPr>
+            <a:spLocks noGrp="1" noRot="1" noChangeAspect="1"/>
+          </p:cNvSpPr>
+          <p:nvPr>
+            <p:ph type="sldImg"/>
+          </p:nvPr>
+        </p:nvSpPr>
+        <p:spPr/>
+      </p:sp>
+      <p:sp>
+        <p:nvSpPr>
+          <p:cNvPr id="3" name="Notes Placeholder 2"/>
+          <p:cNvSpPr>
+            <a:spLocks noGrp="1"/>
+          </p:cNvSpPr>
+          <p:nvPr>
+            <p:ph type="body" idx="1"/>
+          </p:nvPr>
+        </p:nvSpPr>
+        <p:spPr/>
+        <p:txBody>
+          <a:bodyPr/>
+          <a:lstStyle/>
+          <a:p>
+            <a:endParaRPr lang="en-US" dirty="0"/>
+          </a:p>
+        </p:txBody>
+      </p:sp>
+      <p:sp>
+        <p:nvSpPr>
+          <p:cNvPr id="4" name="Slide Number Placeholder 3"/>
+          <p:cNvSpPr>
+            <a:spLocks noGrp="1"/>
+          </p:cNvSpPr>
+          <p:nvPr>
+            <p:ph type="sldNum" sz="quarter" idx="10"/>
+          </p:nvPr>
+        </p:nvSpPr>
+        <p:spPr/>
+        <p:txBody>
+          <a:bodyPr/>
+          <a:lstStyle/>
+          <a:p>
+            <a:fld id="{0998D5BB-B127-481F-BC0A-2F77C576BB34}" type="slidenum">
+              <a:rPr lang="en-US" smtClean="0"/>
+              <a:t>37</a:t>
+            </a:fld>
+            <a:endParaRPr lang="en-US" dirty="0"/>
+          </a:p>
+        </p:txBody>
+      </p:sp>
+    </p:spTree>
+    <p:extLst>
+      <p:ext uri="{BB962C8B-B14F-4D97-AF65-F5344CB8AC3E}">
         <p14:creationId xmlns:p14="http://schemas.microsoft.com/office/powerpoint/2010/main" val="671285550"/>
       </p:ext>
     </p:extLst>
@@ -2995,7 +3420,7 @@
 </p:notes>
 </file>
 
-<file path=ppt/notesSlides/notesSlide33.xml><?xml version="1.0" encoding="utf-8"?>
+<file path=ppt/notesSlides/notesSlide38.xml><?xml version="1.0" encoding="utf-8"?>
 <p:notes xmlns:a="http://schemas.openxmlformats.org/drawingml/2006/main" xmlns:r="http://schemas.openxmlformats.org/officeDocument/2006/relationships" xmlns:p="http://schemas.openxmlformats.org/presentationml/2006/main">
   <p:cSld>
     <p:spTree>
@@ -3102,7 +3527,7 @@
                   <a:prstClr val="black"/>
                 </a:solidFill>
               </a:rPr>
-              <a:t>11/21/2018 6:44 AM</a:t>
+              <a:t>10/15/2019 4:35 PM</a:t>
             </a:fld>
             <a:endParaRPr lang="en-US" dirty="0">
               <a:solidFill>
@@ -3134,7 +3559,7 @@
                 </a:solidFill>
               </a:rPr>
               <a:pPr/>
-              <a:t>33</a:t>
+              <a:t>38</a:t>
             </a:fld>
             <a:endParaRPr lang="en-US" dirty="0">
               <a:solidFill>
@@ -3353,7 +3778,7 @@
     </p:spTree>
     <p:extLst>
       <p:ext uri="{BB962C8B-B14F-4D97-AF65-F5344CB8AC3E}">
-        <p14:creationId xmlns:p14="http://schemas.microsoft.com/office/powerpoint/2010/main" val="1254679210"/>
+        <p14:creationId xmlns:p14="http://schemas.microsoft.com/office/powerpoint/2010/main" val="3921200300"/>
       </p:ext>
     </p:extLst>
   </p:cSld>
@@ -3437,7 +3862,7 @@
     </p:spTree>
     <p:extLst>
       <p:ext uri="{BB962C8B-B14F-4D97-AF65-F5344CB8AC3E}">
-        <p14:creationId xmlns:p14="http://schemas.microsoft.com/office/powerpoint/2010/main" val="160435089"/>
+        <p14:creationId xmlns:p14="http://schemas.microsoft.com/office/powerpoint/2010/main" val="1254679210"/>
       </p:ext>
     </p:extLst>
   </p:cSld>
@@ -3521,7 +3946,7 @@
     </p:spTree>
     <p:extLst>
       <p:ext uri="{BB962C8B-B14F-4D97-AF65-F5344CB8AC3E}">
-        <p14:creationId xmlns:p14="http://schemas.microsoft.com/office/powerpoint/2010/main" val="4030087272"/>
+        <p14:creationId xmlns:p14="http://schemas.microsoft.com/office/powerpoint/2010/main" val="160435089"/>
       </p:ext>
     </p:extLst>
   </p:cSld>
@@ -3605,7 +4030,7 @@
     </p:spTree>
     <p:extLst>
       <p:ext uri="{BB962C8B-B14F-4D97-AF65-F5344CB8AC3E}">
-        <p14:creationId xmlns:p14="http://schemas.microsoft.com/office/powerpoint/2010/main" val="1548624346"/>
+        <p14:creationId xmlns:p14="http://schemas.microsoft.com/office/powerpoint/2010/main" val="4030087272"/>
       </p:ext>
     </p:extLst>
   </p:cSld>
@@ -3689,7 +4114,7 @@
     </p:spTree>
     <p:extLst>
       <p:ext uri="{BB962C8B-B14F-4D97-AF65-F5344CB8AC3E}">
-        <p14:creationId xmlns:p14="http://schemas.microsoft.com/office/powerpoint/2010/main" val="3403332790"/>
+        <p14:creationId xmlns:p14="http://schemas.microsoft.com/office/powerpoint/2010/main" val="1548624346"/>
       </p:ext>
     </p:extLst>
   </p:cSld>
@@ -3954,7 +4379,7 @@
       </p:transition>
     </mc:Fallback>
   </mc:AlternateContent>
-  <p:extLst mod="1">
+  <p:extLst>
     <p:ext uri="{DCECCB84-F9BA-43D5-87BE-67443E8EF086}">
       <p15:sldGuideLst xmlns:p15="http://schemas.microsoft.com/office/powerpoint/2012/main">
         <p15:guide id="1" pos="288">
@@ -14959,7 +15384,7 @@
       </a:lvl9pPr>
     </p:otherStyle>
   </p:txStyles>
-  <p:extLst mod="1">
+  <p:extLst>
     <p:ext uri="{27BBF7A9-308A-43DC-89C8-2F10F3537804}">
       <p15:sldGuideLst xmlns:p15="http://schemas.microsoft.com/office/powerpoint/2012/main">
         <p15:guide id="1" orient="horz" pos="187">
@@ -15574,7 +15999,7 @@
       </a:lvl9pPr>
     </p:otherStyle>
   </p:txStyles>
-  <p:extLst mod="1">
+  <p:extLst>
     <p:ext uri="{27BBF7A9-308A-43DC-89C8-2F10F3537804}">
       <p15:sldGuideLst xmlns:p15="http://schemas.microsoft.com/office/powerpoint/2012/main">
         <p15:guide id="1" orient="horz" pos="187">
@@ -15855,77 +16280,58 @@
         </p:nvSpPr>
         <p:spPr/>
         <p:txBody>
-          <a:bodyPr>
-            <a:normAutofit fontScale="90000"/>
-          </a:bodyPr>
+          <a:bodyPr/>
           <a:lstStyle/>
           <a:p>
             <a:r>
-              <a:rPr lang="en-US" sz="4900" dirty="0">
-                <a:solidFill>
-                  <a:schemeClr val="tx1"/>
-                </a:solidFill>
-                <a:cs typeface="Segoe UI" panose="020B0502040204020203" pitchFamily="34" charset="0"/>
-              </a:rPr>
-              <a:t>Customer needs</a:t>
+              <a:rPr lang="en-US" dirty="0"/>
+              <a:t>Customer situation - Contoso Financial</a:t>
             </a:r>
             <a:br>
-              <a:rPr lang="en-US" dirty="0">
-                <a:solidFill>
-                  <a:schemeClr val="tx1"/>
-                </a:solidFill>
-                <a:latin typeface="Segoe UI" panose="020B0502040204020203" pitchFamily="34" charset="0"/>
-              </a:rPr>
+              <a:rPr lang="en-US" dirty="0"/>
             </a:br>
-            <a:endParaRPr lang="en-US" sz="3236" dirty="0">
-              <a:solidFill>
-                <a:schemeClr val="tx1"/>
-              </a:solidFill>
-              <a:latin typeface="Segoe UI" panose="020B0502040204020203" pitchFamily="34" charset="0"/>
-            </a:endParaRPr>
+            <a:br>
+              <a:rPr lang="en-US" dirty="0"/>
+            </a:br>
+            <a:endParaRPr lang="en-US" dirty="0"/>
           </a:p>
         </p:txBody>
       </p:sp>
       <p:sp>
         <p:nvSpPr>
-          <p:cNvPr id="9" name="TextBox 8">
+          <p:cNvPr id="5" name="Text Placeholder 4">
             <a:extLst>
               <a:ext uri="{FF2B5EF4-FFF2-40B4-BE49-F238E27FC236}">
-                <a16:creationId xmlns:a16="http://schemas.microsoft.com/office/drawing/2014/main" id="{1436F8EA-C4FB-4C98-AEB1-08DF6713D14E}"/>
+                <a16:creationId xmlns:a16="http://schemas.microsoft.com/office/drawing/2014/main" id="{5198A72B-D72C-4F52-8D74-C6093B508DAA}"/>
               </a:ext>
             </a:extLst>
           </p:cNvPr>
-          <p:cNvSpPr txBox="1"/>
-          <p:nvPr/>
+          <p:cNvSpPr>
+            <a:spLocks noGrp="1"/>
+          </p:cNvSpPr>
+          <p:nvPr>
+            <p:ph type="body" sz="quarter" idx="10"/>
+          </p:nvPr>
         </p:nvSpPr>
         <p:spPr>
           <a:xfrm>
-            <a:off x="353216" y="1401673"/>
-            <a:ext cx="11215396" cy="5333768"/>
+            <a:off x="269239" y="1227814"/>
+            <a:ext cx="11653523" cy="5991320"/>
           </a:xfrm>
-          <a:prstGeom prst="rect">
-            <a:avLst/>
-          </a:prstGeom>
-          <a:noFill/>
         </p:spPr>
         <p:txBody>
-          <a:bodyPr wrap="square" lIns="182880" tIns="146304" rIns="182880" bIns="146304" rtlCol="0">
-            <a:spAutoFit/>
-          </a:bodyPr>
+          <a:bodyPr/>
           <a:lstStyle/>
           <a:p>
-            <a:pPr marL="514350" indent="-514350">
-              <a:lnSpc>
-                <a:spcPct val="90000"/>
-              </a:lnSpc>
+            <a:pPr marL="457200" indent="-457200">
               <a:spcAft>
                 <a:spcPts val="600"/>
               </a:spcAft>
-              <a:buFont typeface="+mj-lt"/>
-              <a:buAutoNum type="arabicPeriod"/>
+              <a:buFont typeface="Arial" panose="020B0604020202020204" pitchFamily="34" charset="0"/>
+              <a:buChar char="•"/>
             </a:pPr>
             <a:r>
-              <a:rPr lang="en-US" sz="2800" dirty="0">
+              <a:rPr lang="en-US" sz="3200" dirty="0">
                 <a:gradFill>
                   <a:gsLst>
                     <a:gs pos="2917">
@@ -15937,21 +16343,17 @@
                   </a:gsLst>
                   <a:lin ang="5400000" scaled="0"/>
                 </a:gradFill>
-                <a:latin typeface="+mj-lt"/>
               </a:rPr>
-              <a:t>Design a hybrid-cloud architecture that is native Azure end-to-end without the need for hosting the application in a Contoso owned datacenter.</a:t>
-            </a:r>
-          </a:p>
-          <a:p>
-            <a:pPr marL="514350" indent="-514350">
-              <a:lnSpc>
-                <a:spcPct val="90000"/>
-              </a:lnSpc>
+              <a:t>During the planning stages, the corporate compliance team determined that customer data cannot reside in the Azure public cloud.</a:t>
+            </a:r>
+          </a:p>
+          <a:p>
+            <a:pPr marL="571500" indent="-571500">
               <a:spcAft>
                 <a:spcPts val="600"/>
               </a:spcAft>
-              <a:buFont typeface="+mj-lt"/>
-              <a:buAutoNum type="arabicPeriod"/>
+              <a:buFont typeface="Arial" panose="020B0604020202020204" pitchFamily="34" charset="0"/>
+              <a:buChar char="•"/>
             </a:pPr>
             <a:endParaRPr lang="en-US" sz="2800" dirty="0">
               <a:gradFill>
@@ -15965,22 +16367,18 @@
                 </a:gsLst>
                 <a:lin ang="5400000" scaled="0"/>
               </a:gradFill>
-              <a:latin typeface="+mj-lt"/>
             </a:endParaRPr>
           </a:p>
           <a:p>
-            <a:pPr marL="514350" indent="-514350">
-              <a:lnSpc>
-                <a:spcPct val="90000"/>
-              </a:lnSpc>
+            <a:pPr marL="571500" indent="-571500">
               <a:spcAft>
                 <a:spcPts val="600"/>
               </a:spcAft>
-              <a:buFont typeface="+mj-lt"/>
-              <a:buAutoNum type="arabicPeriod"/>
+              <a:buFont typeface="Arial" panose="020B0604020202020204" pitchFamily="34" charset="0"/>
+              <a:buChar char="•"/>
             </a:pPr>
             <a:r>
-              <a:rPr lang="en-US" sz="2800" dirty="0">
+              <a:rPr lang="en-US" sz="3200" dirty="0">
                 <a:gradFill>
                   <a:gsLst>
                     <a:gs pos="2917">
@@ -15992,71 +16390,12 @@
                   </a:gsLst>
                   <a:lin ang="5400000" scaled="0"/>
                 </a:gradFill>
-                <a:latin typeface="+mj-lt"/>
               </a:rPr>
-              <a:t>The design should ensure that customer data is not stored in the Azure Cloud while also allowing future applications to be easily deployed in Azure with access to custom data regardless of where they are deployed.</a:t>
-            </a:r>
-          </a:p>
-          <a:p>
-            <a:pPr marL="514350" indent="-514350">
-              <a:lnSpc>
-                <a:spcPct val="90000"/>
-              </a:lnSpc>
-              <a:spcAft>
-                <a:spcPts val="600"/>
-              </a:spcAft>
-              <a:buFont typeface="+mj-lt"/>
-              <a:buAutoNum type="arabicPeriod"/>
-            </a:pPr>
-            <a:endParaRPr lang="en-US" sz="2800" dirty="0">
-              <a:gradFill>
-                <a:gsLst>
-                  <a:gs pos="2917">
-                    <a:schemeClr val="tx1"/>
-                  </a:gs>
-                  <a:gs pos="30000">
-                    <a:schemeClr val="tx1"/>
-                  </a:gs>
-                </a:gsLst>
-                <a:lin ang="5400000" scaled="0"/>
-              </a:gradFill>
-              <a:latin typeface="+mj-lt"/>
-            </a:endParaRPr>
-          </a:p>
-          <a:p>
-            <a:pPr marL="514350" indent="-514350">
-              <a:lnSpc>
-                <a:spcPct val="90000"/>
-              </a:lnSpc>
-              <a:spcAft>
-                <a:spcPts val="600"/>
-              </a:spcAft>
-              <a:buFont typeface="+mj-lt"/>
-              <a:buAutoNum type="arabicPeriod"/>
-            </a:pPr>
-            <a:r>
-              <a:rPr lang="en-US" sz="2800" dirty="0">
-                <a:gradFill>
-                  <a:gsLst>
-                    <a:gs pos="2917">
-                      <a:schemeClr val="tx1"/>
-                    </a:gs>
-                    <a:gs pos="30000">
-                      <a:schemeClr val="tx1"/>
-                    </a:gs>
-                  </a:gsLst>
-                  <a:lin ang="5400000" scaled="0"/>
-                </a:gradFill>
-                <a:latin typeface="+mj-lt"/>
-              </a:rPr>
-              <a:t>Deploy the Application in a secure manner as to allow for the frontend applications to access the backend customer data.</a:t>
+              <a:t>“This was a cause for great concern, as this means Contoso may not be able to move to cloud-based services as fast as we initially envisioned” says Max Rubin VP of Network engineering.</a:t>
             </a:r>
           </a:p>
           <a:p>
             <a:pPr>
-              <a:lnSpc>
-                <a:spcPct val="90000"/>
-              </a:lnSpc>
               <a:spcAft>
                 <a:spcPts val="600"/>
               </a:spcAft>
@@ -16075,12 +16414,40 @@
               </a:gradFill>
             </a:endParaRPr>
           </a:p>
+          <a:p>
+            <a:pPr marL="571500" indent="-571500">
+              <a:spcAft>
+                <a:spcPts val="600"/>
+              </a:spcAft>
+              <a:buFont typeface="Arial" panose="020B0604020202020204" pitchFamily="34" charset="0"/>
+              <a:buChar char="•"/>
+            </a:pPr>
+            <a:r>
+              <a:rPr lang="en-US" sz="3200" dirty="0">
+                <a:gradFill>
+                  <a:gsLst>
+                    <a:gs pos="2917">
+                      <a:schemeClr val="tx1"/>
+                    </a:gs>
+                    <a:gs pos="30000">
+                      <a:schemeClr val="tx1"/>
+                    </a:gs>
+                  </a:gsLst>
+                  <a:lin ang="5400000" scaled="0"/>
+                </a:gradFill>
+              </a:rPr>
+              <a:t>Doreen Newton took on the challenge to investigate alternatives by turning to FusionTumo.</a:t>
+            </a:r>
+          </a:p>
+          <a:p>
+            <a:endParaRPr lang="en-US" dirty="0"/>
+          </a:p>
         </p:txBody>
       </p:sp>
     </p:spTree>
     <p:extLst>
       <p:ext uri="{BB962C8B-B14F-4D97-AF65-F5344CB8AC3E}">
-        <p14:creationId xmlns:p14="http://schemas.microsoft.com/office/powerpoint/2010/main" val="2215405278"/>
+        <p14:creationId xmlns:p14="http://schemas.microsoft.com/office/powerpoint/2010/main" val="3858583010"/>
       </p:ext>
     </p:extLst>
   </p:cSld>
@@ -16172,8 +16539,8 @@
         </p:nvSpPr>
         <p:spPr>
           <a:xfrm>
-            <a:off x="269240" y="1478723"/>
-            <a:ext cx="11720596" cy="4869025"/>
+            <a:off x="353216" y="1401673"/>
+            <a:ext cx="11215396" cy="5333768"/>
           </a:xfrm>
           <a:prstGeom prst="rect">
             <a:avLst/>
@@ -16194,7 +16561,7 @@
                 <a:spcPts val="600"/>
               </a:spcAft>
               <a:buFont typeface="+mj-lt"/>
-              <a:buAutoNum type="arabicPeriod" startAt="4"/>
+              <a:buAutoNum type="arabicPeriod"/>
             </a:pPr>
             <a:r>
               <a:rPr lang="en-US" sz="2800" dirty="0">
@@ -16209,8 +16576,9 @@
                   </a:gsLst>
                   <a:lin ang="5400000" scaled="0"/>
                 </a:gradFill>
+                <a:latin typeface="+mj-lt"/>
               </a:rPr>
-              <a:t>Establish direct connectivity from the new regional headquarters in Dallas to the deployments. This will allow communication with existing systems and reporting until the rest of Contoso’s services and moved to Azure in the future.</a:t>
+              <a:t>Design a hybrid-cloud architecture that is native Azure end-to-end without the need for hosting the application in a Contoso owned datacenter.</a:t>
             </a:r>
           </a:p>
           <a:p>
@@ -16222,7 +16590,115 @@
                 <a:spcPts val="600"/>
               </a:spcAft>
               <a:buFont typeface="+mj-lt"/>
-              <a:buAutoNum type="arabicPeriod" startAt="4"/>
+              <a:buAutoNum type="arabicPeriod"/>
+            </a:pPr>
+            <a:endParaRPr lang="en-US" sz="2800" dirty="0">
+              <a:gradFill>
+                <a:gsLst>
+                  <a:gs pos="2917">
+                    <a:schemeClr val="tx1"/>
+                  </a:gs>
+                  <a:gs pos="30000">
+                    <a:schemeClr val="tx1"/>
+                  </a:gs>
+                </a:gsLst>
+                <a:lin ang="5400000" scaled="0"/>
+              </a:gradFill>
+              <a:latin typeface="+mj-lt"/>
+            </a:endParaRPr>
+          </a:p>
+          <a:p>
+            <a:pPr marL="514350" indent="-514350">
+              <a:lnSpc>
+                <a:spcPct val="90000"/>
+              </a:lnSpc>
+              <a:spcAft>
+                <a:spcPts val="600"/>
+              </a:spcAft>
+              <a:buFont typeface="+mj-lt"/>
+              <a:buAutoNum type="arabicPeriod"/>
+            </a:pPr>
+            <a:r>
+              <a:rPr lang="en-US" sz="2800" dirty="0">
+                <a:gradFill>
+                  <a:gsLst>
+                    <a:gs pos="2917">
+                      <a:schemeClr val="tx1"/>
+                    </a:gs>
+                    <a:gs pos="30000">
+                      <a:schemeClr val="tx1"/>
+                    </a:gs>
+                  </a:gsLst>
+                  <a:lin ang="5400000" scaled="0"/>
+                </a:gradFill>
+                <a:latin typeface="+mj-lt"/>
+              </a:rPr>
+              <a:t>The design should ensure that customer data is not stored in the Azure Cloud while also allowing future applications to be easily deployed in Azure with access to custom data regardless of where they are deployed.</a:t>
+            </a:r>
+          </a:p>
+          <a:p>
+            <a:pPr marL="514350" indent="-514350">
+              <a:lnSpc>
+                <a:spcPct val="90000"/>
+              </a:lnSpc>
+              <a:spcAft>
+                <a:spcPts val="600"/>
+              </a:spcAft>
+              <a:buFont typeface="+mj-lt"/>
+              <a:buAutoNum type="arabicPeriod"/>
+            </a:pPr>
+            <a:endParaRPr lang="en-US" sz="2800" dirty="0">
+              <a:gradFill>
+                <a:gsLst>
+                  <a:gs pos="2917">
+                    <a:schemeClr val="tx1"/>
+                  </a:gs>
+                  <a:gs pos="30000">
+                    <a:schemeClr val="tx1"/>
+                  </a:gs>
+                </a:gsLst>
+                <a:lin ang="5400000" scaled="0"/>
+              </a:gradFill>
+              <a:latin typeface="+mj-lt"/>
+            </a:endParaRPr>
+          </a:p>
+          <a:p>
+            <a:pPr marL="514350" indent="-514350">
+              <a:lnSpc>
+                <a:spcPct val="90000"/>
+              </a:lnSpc>
+              <a:spcAft>
+                <a:spcPts val="600"/>
+              </a:spcAft>
+              <a:buFont typeface="+mj-lt"/>
+              <a:buAutoNum type="arabicPeriod"/>
+            </a:pPr>
+            <a:r>
+              <a:rPr lang="en-US" sz="2800" dirty="0">
+                <a:gradFill>
+                  <a:gsLst>
+                    <a:gs pos="2917">
+                      <a:schemeClr val="tx1"/>
+                    </a:gs>
+                    <a:gs pos="30000">
+                      <a:schemeClr val="tx1"/>
+                    </a:gs>
+                  </a:gsLst>
+                  <a:lin ang="5400000" scaled="0"/>
+                </a:gradFill>
+                <a:latin typeface="+mj-lt"/>
+              </a:rPr>
+              <a:t>Deploy the application in a secure manner as to allow for the frontend applications to access the backend customer data.</a:t>
+            </a:r>
+          </a:p>
+          <a:p>
+            <a:pPr>
+              <a:lnSpc>
+                <a:spcPct val="90000"/>
+              </a:lnSpc>
+              <a:spcAft>
+                <a:spcPts val="600"/>
+              </a:spcAft>
             </a:pPr>
             <a:endParaRPr lang="en-US" sz="2800" dirty="0">
               <a:gradFill>
@@ -16238,93 +16714,12 @@
               </a:gradFill>
             </a:endParaRPr>
           </a:p>
-          <a:p>
-            <a:pPr marL="514350" indent="-514350">
-              <a:lnSpc>
-                <a:spcPct val="90000"/>
-              </a:lnSpc>
-              <a:spcAft>
-                <a:spcPts val="600"/>
-              </a:spcAft>
-              <a:buFont typeface="+mj-lt"/>
-              <a:buAutoNum type="arabicPeriod" startAt="4"/>
-            </a:pPr>
-            <a:r>
-              <a:rPr lang="en-US" sz="2800" dirty="0">
-                <a:gradFill>
-                  <a:gsLst>
-                    <a:gs pos="2917">
-                      <a:schemeClr val="tx1"/>
-                    </a:gs>
-                    <a:gs pos="30000">
-                      <a:schemeClr val="tx1"/>
-                    </a:gs>
-                  </a:gsLst>
-                  <a:lin ang="5400000" scaled="0"/>
-                </a:gradFill>
-              </a:rPr>
-              <a:t>Allow for a consistent application deployment model using Azure ARM Templates and CI/CD.</a:t>
-            </a:r>
-          </a:p>
-          <a:p>
-            <a:pPr marL="514350" indent="-514350">
-              <a:lnSpc>
-                <a:spcPct val="90000"/>
-              </a:lnSpc>
-              <a:spcAft>
-                <a:spcPts val="600"/>
-              </a:spcAft>
-              <a:buFont typeface="+mj-lt"/>
-              <a:buAutoNum type="arabicPeriod" startAt="4"/>
-            </a:pPr>
-            <a:endParaRPr lang="en-US" sz="2800" dirty="0">
-              <a:gradFill>
-                <a:gsLst>
-                  <a:gs pos="2917">
-                    <a:schemeClr val="tx1"/>
-                  </a:gs>
-                  <a:gs pos="30000">
-                    <a:schemeClr val="tx1"/>
-                  </a:gs>
-                </a:gsLst>
-                <a:lin ang="5400000" scaled="0"/>
-              </a:gradFill>
-            </a:endParaRPr>
-          </a:p>
-          <a:p>
-            <a:pPr marL="514350" indent="-514350">
-              <a:lnSpc>
-                <a:spcPct val="90000"/>
-              </a:lnSpc>
-              <a:spcAft>
-                <a:spcPts val="600"/>
-              </a:spcAft>
-              <a:buFont typeface="+mj-lt"/>
-              <a:buAutoNum type="arabicPeriod" startAt="4"/>
-            </a:pPr>
-            <a:r>
-              <a:rPr lang="en-US" sz="2800" dirty="0">
-                <a:gradFill>
-                  <a:gsLst>
-                    <a:gs pos="2917">
-                      <a:schemeClr val="tx1"/>
-                    </a:gs>
-                    <a:gs pos="30000">
-                      <a:schemeClr val="tx1"/>
-                    </a:gs>
-                  </a:gsLst>
-                  <a:lin ang="5400000" scaled="0"/>
-                </a:gradFill>
-              </a:rPr>
-              <a:t>Detail the Taxonomy that will be leveraged for the hybrid-cloud including the Resource Providers (RP). This includes Tenants, Regions, Subscriptions, Offers, Plans, Services and Quota.</a:t>
-            </a:r>
-          </a:p>
         </p:txBody>
       </p:sp>
     </p:spTree>
     <p:extLst>
       <p:ext uri="{BB962C8B-B14F-4D97-AF65-F5344CB8AC3E}">
-        <p14:creationId xmlns:p14="http://schemas.microsoft.com/office/powerpoint/2010/main" val="3923265977"/>
+        <p14:creationId xmlns:p14="http://schemas.microsoft.com/office/powerpoint/2010/main" val="2215405278"/>
       </p:ext>
     </p:extLst>
   </p:cSld>
@@ -16383,15 +16778,7 @@
                 </a:solidFill>
                 <a:cs typeface="Segoe UI" panose="020B0502040204020203" pitchFamily="34" charset="0"/>
               </a:rPr>
-              <a:t>Customer </a:t>
-            </a:r>
-            <a:r>
-              <a:rPr lang="en-US" sz="4900" dirty="0">
-                <a:solidFill>
-                  <a:schemeClr val="tx1"/>
-                </a:solidFill>
-              </a:rPr>
-              <a:t>objections</a:t>
+              <a:t>Customer needs</a:t>
             </a:r>
             <a:br>
               <a:rPr lang="en-US" dirty="0">
@@ -16424,8 +16811,949 @@
         </p:nvSpPr>
         <p:spPr>
           <a:xfrm>
-            <a:off x="339499" y="1114828"/>
-            <a:ext cx="12044658" cy="4745915"/>
+            <a:off x="269240" y="1478723"/>
+            <a:ext cx="11720596" cy="4869025"/>
+          </a:xfrm>
+          <a:prstGeom prst="rect">
+            <a:avLst/>
+          </a:prstGeom>
+          <a:noFill/>
+        </p:spPr>
+        <p:txBody>
+          <a:bodyPr wrap="square" lIns="182880" tIns="146304" rIns="182880" bIns="146304" rtlCol="0">
+            <a:spAutoFit/>
+          </a:bodyPr>
+          <a:lstStyle/>
+          <a:p>
+            <a:pPr marL="514350" indent="-514350">
+              <a:lnSpc>
+                <a:spcPct val="90000"/>
+              </a:lnSpc>
+              <a:spcAft>
+                <a:spcPts val="600"/>
+              </a:spcAft>
+              <a:buFont typeface="+mj-lt"/>
+              <a:buAutoNum type="arabicPeriod" startAt="4"/>
+            </a:pPr>
+            <a:r>
+              <a:rPr lang="en-US" sz="2800" dirty="0">
+                <a:gradFill>
+                  <a:gsLst>
+                    <a:gs pos="2917">
+                      <a:schemeClr val="tx1"/>
+                    </a:gs>
+                    <a:gs pos="30000">
+                      <a:schemeClr val="tx1"/>
+                    </a:gs>
+                  </a:gsLst>
+                  <a:lin ang="5400000" scaled="0"/>
+                </a:gradFill>
+              </a:rPr>
+              <a:t>Establish direct connectivity from the new regional headquarters in Dallas to the deployments. This will allow communication with existing systems and reporting until the rest of Contoso’s services and moved to Azure in the future.</a:t>
+            </a:r>
+          </a:p>
+          <a:p>
+            <a:pPr marL="514350" indent="-514350">
+              <a:lnSpc>
+                <a:spcPct val="90000"/>
+              </a:lnSpc>
+              <a:spcAft>
+                <a:spcPts val="600"/>
+              </a:spcAft>
+              <a:buFont typeface="+mj-lt"/>
+              <a:buAutoNum type="arabicPeriod" startAt="4"/>
+            </a:pPr>
+            <a:endParaRPr lang="en-US" sz="2800" dirty="0">
+              <a:gradFill>
+                <a:gsLst>
+                  <a:gs pos="2917">
+                    <a:schemeClr val="tx1"/>
+                  </a:gs>
+                  <a:gs pos="30000">
+                    <a:schemeClr val="tx1"/>
+                  </a:gs>
+                </a:gsLst>
+                <a:lin ang="5400000" scaled="0"/>
+              </a:gradFill>
+            </a:endParaRPr>
+          </a:p>
+          <a:p>
+            <a:pPr marL="514350" indent="-514350">
+              <a:lnSpc>
+                <a:spcPct val="90000"/>
+              </a:lnSpc>
+              <a:spcAft>
+                <a:spcPts val="600"/>
+              </a:spcAft>
+              <a:buFont typeface="+mj-lt"/>
+              <a:buAutoNum type="arabicPeriod" startAt="4"/>
+            </a:pPr>
+            <a:r>
+              <a:rPr lang="en-US" sz="2800" dirty="0">
+                <a:gradFill>
+                  <a:gsLst>
+                    <a:gs pos="2917">
+                      <a:schemeClr val="tx1"/>
+                    </a:gs>
+                    <a:gs pos="30000">
+                      <a:schemeClr val="tx1"/>
+                    </a:gs>
+                  </a:gsLst>
+                  <a:lin ang="5400000" scaled="0"/>
+                </a:gradFill>
+              </a:rPr>
+              <a:t>Allow for a consistent application deployment model using Azure ARM Templates and CI/CD.</a:t>
+            </a:r>
+          </a:p>
+          <a:p>
+            <a:pPr marL="514350" indent="-514350">
+              <a:lnSpc>
+                <a:spcPct val="90000"/>
+              </a:lnSpc>
+              <a:spcAft>
+                <a:spcPts val="600"/>
+              </a:spcAft>
+              <a:buFont typeface="+mj-lt"/>
+              <a:buAutoNum type="arabicPeriod" startAt="4"/>
+            </a:pPr>
+            <a:endParaRPr lang="en-US" sz="2800" dirty="0">
+              <a:gradFill>
+                <a:gsLst>
+                  <a:gs pos="2917">
+                    <a:schemeClr val="tx1"/>
+                  </a:gs>
+                  <a:gs pos="30000">
+                    <a:schemeClr val="tx1"/>
+                  </a:gs>
+                </a:gsLst>
+                <a:lin ang="5400000" scaled="0"/>
+              </a:gradFill>
+            </a:endParaRPr>
+          </a:p>
+          <a:p>
+            <a:pPr marL="514350" indent="-514350">
+              <a:lnSpc>
+                <a:spcPct val="90000"/>
+              </a:lnSpc>
+              <a:spcAft>
+                <a:spcPts val="600"/>
+              </a:spcAft>
+              <a:buFont typeface="+mj-lt"/>
+              <a:buAutoNum type="arabicPeriod" startAt="4"/>
+            </a:pPr>
+            <a:r>
+              <a:rPr lang="en-US" sz="2800" dirty="0">
+                <a:gradFill>
+                  <a:gsLst>
+                    <a:gs pos="2917">
+                      <a:schemeClr val="tx1"/>
+                    </a:gs>
+                    <a:gs pos="30000">
+                      <a:schemeClr val="tx1"/>
+                    </a:gs>
+                  </a:gsLst>
+                  <a:lin ang="5400000" scaled="0"/>
+                </a:gradFill>
+              </a:rPr>
+              <a:t>Detail the Taxonomy that will be leveraged for the hybrid-cloud including the Resource Providers (RP). This includes Tenants, Regions, Subscriptions, Offers, Plans, Services and Quota.</a:t>
+            </a:r>
+          </a:p>
+        </p:txBody>
+      </p:sp>
+    </p:spTree>
+    <p:extLst>
+      <p:ext uri="{BB962C8B-B14F-4D97-AF65-F5344CB8AC3E}">
+        <p14:creationId xmlns:p14="http://schemas.microsoft.com/office/powerpoint/2010/main" val="4155581035"/>
+      </p:ext>
+    </p:extLst>
+  </p:cSld>
+  <p:clrMapOvr>
+    <a:masterClrMapping/>
+  </p:clrMapOvr>
+  <mc:AlternateContent xmlns:mc="http://schemas.openxmlformats.org/markup-compatibility/2006" xmlns:p14="http://schemas.microsoft.com/office/powerpoint/2010/main">
+    <mc:Choice Requires="p14">
+      <p:transition p14:dur="0"/>
+    </mc:Choice>
+    <mc:Fallback xmlns="">
+      <p:transition/>
+    </mc:Fallback>
+  </mc:AlternateContent>
+</p:sld>
+</file>
+
+<file path=ppt/slides/slide13.xml><?xml version="1.0" encoding="utf-8"?>
+<p:sld xmlns:a="http://schemas.openxmlformats.org/drawingml/2006/main" xmlns:r="http://schemas.openxmlformats.org/officeDocument/2006/relationships" xmlns:p="http://schemas.openxmlformats.org/presentationml/2006/main">
+  <p:cSld>
+    <p:spTree>
+      <p:nvGrpSpPr>
+        <p:cNvPr id="1" name=""/>
+        <p:cNvGrpSpPr/>
+        <p:nvPr/>
+      </p:nvGrpSpPr>
+      <p:grpSpPr>
+        <a:xfrm>
+          <a:off x="0" y="0"/>
+          <a:ext cx="0" cy="0"/>
+          <a:chOff x="0" y="0"/>
+          <a:chExt cx="0" cy="0"/>
+        </a:xfrm>
+      </p:grpSpPr>
+      <p:sp>
+        <p:nvSpPr>
+          <p:cNvPr id="2" name="Title 1"/>
+          <p:cNvSpPr>
+            <a:spLocks noGrp="1"/>
+          </p:cNvSpPr>
+          <p:nvPr>
+            <p:ph type="title"/>
+          </p:nvPr>
+        </p:nvSpPr>
+        <p:spPr/>
+        <p:txBody>
+          <a:bodyPr>
+            <a:normAutofit fontScale="90000"/>
+          </a:bodyPr>
+          <a:lstStyle/>
+          <a:p>
+            <a:r>
+              <a:rPr lang="en-US" sz="4900" dirty="0">
+                <a:solidFill>
+                  <a:schemeClr val="tx1"/>
+                </a:solidFill>
+                <a:cs typeface="Segoe UI" panose="020B0502040204020203" pitchFamily="34" charset="0"/>
+              </a:rPr>
+              <a:t>Customer needs</a:t>
+            </a:r>
+            <a:br>
+              <a:rPr lang="en-US" dirty="0">
+                <a:solidFill>
+                  <a:schemeClr val="tx1"/>
+                </a:solidFill>
+                <a:latin typeface="Segoe UI" panose="020B0502040204020203" pitchFamily="34" charset="0"/>
+              </a:rPr>
+            </a:br>
+            <a:endParaRPr lang="en-US" sz="3236" dirty="0">
+              <a:solidFill>
+                <a:schemeClr val="tx1"/>
+              </a:solidFill>
+              <a:latin typeface="Segoe UI" panose="020B0502040204020203" pitchFamily="34" charset="0"/>
+            </a:endParaRPr>
+          </a:p>
+        </p:txBody>
+      </p:sp>
+      <p:sp>
+        <p:nvSpPr>
+          <p:cNvPr id="9" name="TextBox 8">
+            <a:extLst>
+              <a:ext uri="{FF2B5EF4-FFF2-40B4-BE49-F238E27FC236}">
+                <a16:creationId xmlns:a16="http://schemas.microsoft.com/office/drawing/2014/main" id="{1436F8EA-C4FB-4C98-AEB1-08DF6713D14E}"/>
+              </a:ext>
+            </a:extLst>
+          </p:cNvPr>
+          <p:cNvSpPr txBox="1"/>
+          <p:nvPr/>
+        </p:nvSpPr>
+        <p:spPr>
+          <a:xfrm>
+            <a:off x="269240" y="1478723"/>
+            <a:ext cx="11720596" cy="4481227"/>
+          </a:xfrm>
+          <a:prstGeom prst="rect">
+            <a:avLst/>
+          </a:prstGeom>
+          <a:noFill/>
+        </p:spPr>
+        <p:txBody>
+          <a:bodyPr wrap="square" lIns="182880" tIns="146304" rIns="182880" bIns="146304" rtlCol="0">
+            <a:spAutoFit/>
+          </a:bodyPr>
+          <a:lstStyle/>
+          <a:p>
+            <a:pPr marL="514350" indent="-514350">
+              <a:lnSpc>
+                <a:spcPct val="90000"/>
+              </a:lnSpc>
+              <a:spcAft>
+                <a:spcPts val="600"/>
+              </a:spcAft>
+              <a:buFont typeface="+mj-lt"/>
+              <a:buAutoNum type="arabicPeriod" startAt="7"/>
+            </a:pPr>
+            <a:r>
+              <a:rPr lang="en-US" sz="2800" dirty="0">
+                <a:gradFill>
+                  <a:gsLst>
+                    <a:gs pos="2917">
+                      <a:schemeClr val="tx1"/>
+                    </a:gs>
+                    <a:gs pos="30000">
+                      <a:schemeClr val="tx1"/>
+                    </a:gs>
+                  </a:gsLst>
+                  <a:lin ang="5400000" scaled="0"/>
+                </a:gradFill>
+              </a:rPr>
+              <a:t>Design an integration model that would allow resource access for both Contoso and </a:t>
+            </a:r>
+            <a:r>
+              <a:rPr lang="en-US" sz="2800" dirty="0" err="1">
+                <a:gradFill>
+                  <a:gsLst>
+                    <a:gs pos="2917">
+                      <a:schemeClr val="tx1"/>
+                    </a:gs>
+                    <a:gs pos="30000">
+                      <a:schemeClr val="tx1"/>
+                    </a:gs>
+                  </a:gsLst>
+                  <a:lin ang="5400000" scaled="0"/>
+                </a:gradFill>
+              </a:rPr>
+              <a:t>Fabrikam</a:t>
+            </a:r>
+            <a:r>
+              <a:rPr lang="en-US" sz="2800" dirty="0">
+                <a:gradFill>
+                  <a:gsLst>
+                    <a:gs pos="2917">
+                      <a:schemeClr val="tx1"/>
+                    </a:gs>
+                    <a:gs pos="30000">
+                      <a:schemeClr val="tx1"/>
+                    </a:gs>
+                  </a:gsLst>
+                  <a:lin ang="5400000" scaled="0"/>
+                </a:gradFill>
+              </a:rPr>
+              <a:t> users.</a:t>
+            </a:r>
+          </a:p>
+          <a:p>
+            <a:pPr marL="514350" indent="-514350">
+              <a:lnSpc>
+                <a:spcPct val="90000"/>
+              </a:lnSpc>
+              <a:spcAft>
+                <a:spcPts val="600"/>
+              </a:spcAft>
+              <a:buFont typeface="+mj-lt"/>
+              <a:buAutoNum type="arabicPeriod" startAt="7"/>
+            </a:pPr>
+            <a:endParaRPr lang="en-US" sz="2800" dirty="0">
+              <a:gradFill>
+                <a:gsLst>
+                  <a:gs pos="2917">
+                    <a:schemeClr val="tx1"/>
+                  </a:gs>
+                  <a:gs pos="30000">
+                    <a:schemeClr val="tx1"/>
+                  </a:gs>
+                </a:gsLst>
+                <a:lin ang="5400000" scaled="0"/>
+              </a:gradFill>
+            </a:endParaRPr>
+          </a:p>
+          <a:p>
+            <a:pPr marL="514350" indent="-514350">
+              <a:lnSpc>
+                <a:spcPct val="90000"/>
+              </a:lnSpc>
+              <a:spcAft>
+                <a:spcPts val="600"/>
+              </a:spcAft>
+              <a:buFont typeface="+mj-lt"/>
+              <a:buAutoNum type="arabicPeriod" startAt="7"/>
+            </a:pPr>
+            <a:r>
+              <a:rPr lang="en-US" sz="2800" dirty="0">
+                <a:gradFill>
+                  <a:gsLst>
+                    <a:gs pos="2917">
+                      <a:schemeClr val="tx1"/>
+                    </a:gs>
+                    <a:gs pos="30000">
+                      <a:schemeClr val="tx1"/>
+                    </a:gs>
+                  </a:gsLst>
+                  <a:lin ang="5400000" scaled="0"/>
+                </a:gradFill>
+              </a:rPr>
+              <a:t>Propose a self-service approach that will allow Contoso and </a:t>
+            </a:r>
+            <a:r>
+              <a:rPr lang="en-US" sz="2800" dirty="0" err="1">
+                <a:gradFill>
+                  <a:gsLst>
+                    <a:gs pos="2917">
+                      <a:schemeClr val="tx1"/>
+                    </a:gs>
+                    <a:gs pos="30000">
+                      <a:schemeClr val="tx1"/>
+                    </a:gs>
+                  </a:gsLst>
+                  <a:lin ang="5400000" scaled="0"/>
+                </a:gradFill>
+              </a:rPr>
+              <a:t>Fabrikam</a:t>
+            </a:r>
+            <a:r>
+              <a:rPr lang="en-US" sz="2800" dirty="0">
+                <a:gradFill>
+                  <a:gsLst>
+                    <a:gs pos="2917">
+                      <a:schemeClr val="tx1"/>
+                    </a:gs>
+                    <a:gs pos="30000">
+                      <a:schemeClr val="tx1"/>
+                    </a:gs>
+                  </a:gsLst>
+                  <a:lin ang="5400000" scaled="0"/>
+                </a:gradFill>
+              </a:rPr>
+              <a:t> developers provision their own resources from the service catalog offered by infrastructure teams. The scope of resources available in service catalog must be controlled centrally, with an oversight by designated Contoso and </a:t>
+            </a:r>
+            <a:r>
+              <a:rPr lang="en-US" sz="2800" dirty="0" err="1">
+                <a:gradFill>
+                  <a:gsLst>
+                    <a:gs pos="2917">
+                      <a:schemeClr val="tx1"/>
+                    </a:gs>
+                    <a:gs pos="30000">
+                      <a:schemeClr val="tx1"/>
+                    </a:gs>
+                  </a:gsLst>
+                  <a:lin ang="5400000" scaled="0"/>
+                </a:gradFill>
+              </a:rPr>
+              <a:t>Fabrikam</a:t>
+            </a:r>
+            <a:r>
+              <a:rPr lang="en-US" sz="2800" dirty="0">
+                <a:gradFill>
+                  <a:gsLst>
+                    <a:gs pos="2917">
+                      <a:schemeClr val="tx1"/>
+                    </a:gs>
+                    <a:gs pos="30000">
+                      <a:schemeClr val="tx1"/>
+                    </a:gs>
+                  </a:gsLst>
+                  <a:lin ang="5400000" scaled="0"/>
+                </a:gradFill>
+              </a:rPr>
+              <a:t> administrators.</a:t>
+            </a:r>
+          </a:p>
+          <a:p>
+            <a:pPr marL="514350" indent="-514350">
+              <a:lnSpc>
+                <a:spcPct val="90000"/>
+              </a:lnSpc>
+              <a:spcAft>
+                <a:spcPts val="600"/>
+              </a:spcAft>
+              <a:buFont typeface="+mj-lt"/>
+              <a:buAutoNum type="arabicPeriod" startAt="7"/>
+            </a:pPr>
+            <a:endParaRPr lang="en-US" sz="2800" dirty="0">
+              <a:gradFill>
+                <a:gsLst>
+                  <a:gs pos="2917">
+                    <a:schemeClr val="tx1"/>
+                  </a:gs>
+                  <a:gs pos="30000">
+                    <a:schemeClr val="tx1"/>
+                  </a:gs>
+                </a:gsLst>
+                <a:lin ang="5400000" scaled="0"/>
+              </a:gradFill>
+            </a:endParaRPr>
+          </a:p>
+          <a:p>
+            <a:pPr>
+              <a:lnSpc>
+                <a:spcPct val="90000"/>
+              </a:lnSpc>
+              <a:spcAft>
+                <a:spcPts val="600"/>
+              </a:spcAft>
+            </a:pPr>
+            <a:endParaRPr lang="en-US" sz="2800" dirty="0">
+              <a:gradFill>
+                <a:gsLst>
+                  <a:gs pos="2917">
+                    <a:schemeClr val="tx1"/>
+                  </a:gs>
+                  <a:gs pos="30000">
+                    <a:schemeClr val="tx1"/>
+                  </a:gs>
+                </a:gsLst>
+                <a:lin ang="5400000" scaled="0"/>
+              </a:gradFill>
+            </a:endParaRPr>
+          </a:p>
+        </p:txBody>
+      </p:sp>
+    </p:spTree>
+    <p:extLst>
+      <p:ext uri="{BB962C8B-B14F-4D97-AF65-F5344CB8AC3E}">
+        <p14:creationId xmlns:p14="http://schemas.microsoft.com/office/powerpoint/2010/main" val="3923265977"/>
+      </p:ext>
+    </p:extLst>
+  </p:cSld>
+  <p:clrMapOvr>
+    <a:masterClrMapping/>
+  </p:clrMapOvr>
+  <mc:AlternateContent xmlns:mc="http://schemas.openxmlformats.org/markup-compatibility/2006" xmlns:p14="http://schemas.microsoft.com/office/powerpoint/2010/main">
+    <mc:Choice Requires="p14">
+      <p:transition p14:dur="0"/>
+    </mc:Choice>
+    <mc:Fallback xmlns="">
+      <p:transition/>
+    </mc:Fallback>
+  </mc:AlternateContent>
+</p:sld>
+</file>
+
+<file path=ppt/slides/slide14.xml><?xml version="1.0" encoding="utf-8"?>
+<p:sld xmlns:a="http://schemas.openxmlformats.org/drawingml/2006/main" xmlns:r="http://schemas.openxmlformats.org/officeDocument/2006/relationships" xmlns:p="http://schemas.openxmlformats.org/presentationml/2006/main">
+  <p:cSld>
+    <p:spTree>
+      <p:nvGrpSpPr>
+        <p:cNvPr id="1" name=""/>
+        <p:cNvGrpSpPr/>
+        <p:nvPr/>
+      </p:nvGrpSpPr>
+      <p:grpSpPr>
+        <a:xfrm>
+          <a:off x="0" y="0"/>
+          <a:ext cx="0" cy="0"/>
+          <a:chOff x="0" y="0"/>
+          <a:chExt cx="0" cy="0"/>
+        </a:xfrm>
+      </p:grpSpPr>
+      <p:sp>
+        <p:nvSpPr>
+          <p:cNvPr id="2" name="Title 1"/>
+          <p:cNvSpPr>
+            <a:spLocks noGrp="1"/>
+          </p:cNvSpPr>
+          <p:nvPr>
+            <p:ph type="title"/>
+          </p:nvPr>
+        </p:nvSpPr>
+        <p:spPr/>
+        <p:txBody>
+          <a:bodyPr>
+            <a:normAutofit fontScale="90000"/>
+          </a:bodyPr>
+          <a:lstStyle/>
+          <a:p>
+            <a:r>
+              <a:rPr lang="en-US" sz="4900" dirty="0">
+                <a:solidFill>
+                  <a:schemeClr val="tx1"/>
+                </a:solidFill>
+                <a:cs typeface="Segoe UI" panose="020B0502040204020203" pitchFamily="34" charset="0"/>
+              </a:rPr>
+              <a:t>Customer needs</a:t>
+            </a:r>
+            <a:br>
+              <a:rPr lang="en-US" dirty="0">
+                <a:solidFill>
+                  <a:schemeClr val="tx1"/>
+                </a:solidFill>
+                <a:latin typeface="Segoe UI" panose="020B0502040204020203" pitchFamily="34" charset="0"/>
+              </a:rPr>
+            </a:br>
+            <a:endParaRPr lang="en-US" sz="3236" dirty="0">
+              <a:solidFill>
+                <a:schemeClr val="tx1"/>
+              </a:solidFill>
+              <a:latin typeface="Segoe UI" panose="020B0502040204020203" pitchFamily="34" charset="0"/>
+            </a:endParaRPr>
+          </a:p>
+        </p:txBody>
+      </p:sp>
+      <p:sp>
+        <p:nvSpPr>
+          <p:cNvPr id="9" name="TextBox 8">
+            <a:extLst>
+              <a:ext uri="{FF2B5EF4-FFF2-40B4-BE49-F238E27FC236}">
+                <a16:creationId xmlns:a16="http://schemas.microsoft.com/office/drawing/2014/main" id="{1436F8EA-C4FB-4C98-AEB1-08DF6713D14E}"/>
+              </a:ext>
+            </a:extLst>
+          </p:cNvPr>
+          <p:cNvSpPr txBox="1"/>
+          <p:nvPr/>
+        </p:nvSpPr>
+        <p:spPr>
+          <a:xfrm>
+            <a:off x="269240" y="1478723"/>
+            <a:ext cx="11720596" cy="5798510"/>
+          </a:xfrm>
+          <a:prstGeom prst="rect">
+            <a:avLst/>
+          </a:prstGeom>
+          <a:noFill/>
+        </p:spPr>
+        <p:txBody>
+          <a:bodyPr wrap="square" lIns="182880" tIns="146304" rIns="182880" bIns="146304" rtlCol="0">
+            <a:spAutoFit/>
+          </a:bodyPr>
+          <a:lstStyle/>
+          <a:p>
+            <a:pPr marL="514350" indent="-514350">
+              <a:lnSpc>
+                <a:spcPct val="90000"/>
+              </a:lnSpc>
+              <a:spcAft>
+                <a:spcPts val="600"/>
+              </a:spcAft>
+              <a:buFont typeface="+mj-lt"/>
+              <a:buAutoNum type="arabicPeriod" startAt="9"/>
+            </a:pPr>
+            <a:r>
+              <a:rPr lang="en-US" sz="2800" dirty="0">
+                <a:gradFill>
+                  <a:gsLst>
+                    <a:gs pos="2917">
+                      <a:schemeClr val="tx1"/>
+                    </a:gs>
+                    <a:gs pos="30000">
+                      <a:schemeClr val="tx1"/>
+                    </a:gs>
+                  </a:gsLst>
+                  <a:lin ang="5400000" scaled="0"/>
+                </a:gradFill>
+              </a:rPr>
+              <a:t>Recommend a procedure for delegation of permissions that would not only allow designated </a:t>
+            </a:r>
+            <a:r>
+              <a:rPr lang="en-US" sz="2800" dirty="0" err="1">
+                <a:gradFill>
+                  <a:gsLst>
+                    <a:gs pos="2917">
+                      <a:schemeClr val="tx1"/>
+                    </a:gs>
+                    <a:gs pos="30000">
+                      <a:schemeClr val="tx1"/>
+                    </a:gs>
+                  </a:gsLst>
+                  <a:lin ang="5400000" scaled="0"/>
+                </a:gradFill>
+              </a:rPr>
+              <a:t>Fabrikam</a:t>
+            </a:r>
+            <a:r>
+              <a:rPr lang="en-US" sz="2800" dirty="0">
+                <a:gradFill>
+                  <a:gsLst>
+                    <a:gs pos="2917">
+                      <a:schemeClr val="tx1"/>
+                    </a:gs>
+                    <a:gs pos="30000">
+                      <a:schemeClr val="tx1"/>
+                    </a:gs>
+                  </a:gsLst>
+                  <a:lin ang="5400000" scaled="0"/>
+                </a:gradFill>
+              </a:rPr>
+              <a:t> IT admins to manage Contoso infrastructure but also account for the need to provide limited access to the Contoso internal audit team.</a:t>
+            </a:r>
+          </a:p>
+          <a:p>
+            <a:pPr marL="514350" indent="-514350">
+              <a:lnSpc>
+                <a:spcPct val="90000"/>
+              </a:lnSpc>
+              <a:spcAft>
+                <a:spcPts val="600"/>
+              </a:spcAft>
+              <a:buFont typeface="+mj-lt"/>
+              <a:buAutoNum type="arabicPeriod" startAt="9"/>
+            </a:pPr>
+            <a:endParaRPr lang="en-US" sz="2800" dirty="0">
+              <a:gradFill>
+                <a:gsLst>
+                  <a:gs pos="2917">
+                    <a:schemeClr val="tx1"/>
+                  </a:gs>
+                  <a:gs pos="30000">
+                    <a:schemeClr val="tx1"/>
+                  </a:gs>
+                </a:gsLst>
+                <a:lin ang="5400000" scaled="0"/>
+              </a:gradFill>
+            </a:endParaRPr>
+          </a:p>
+          <a:p>
+            <a:pPr marL="514350" indent="-514350">
+              <a:lnSpc>
+                <a:spcPct val="90000"/>
+              </a:lnSpc>
+              <a:spcAft>
+                <a:spcPts val="600"/>
+              </a:spcAft>
+              <a:buFont typeface="+mj-lt"/>
+              <a:buAutoNum type="arabicPeriod" startAt="9"/>
+            </a:pPr>
+            <a:r>
+              <a:rPr lang="en-US" sz="2800" dirty="0">
+                <a:gradFill>
+                  <a:gsLst>
+                    <a:gs pos="2917">
+                      <a:schemeClr val="tx1"/>
+                    </a:gs>
+                    <a:gs pos="30000">
+                      <a:schemeClr val="tx1"/>
+                    </a:gs>
+                  </a:gsLst>
+                  <a:lin ang="5400000" scaled="0"/>
+                </a:gradFill>
+              </a:rPr>
+              <a:t>Suggest a methodology that would facilitate implementing corporate standards by automating the process of resource provisioning and configuration.</a:t>
+            </a:r>
+          </a:p>
+          <a:p>
+            <a:pPr marL="514350" indent="-514350">
+              <a:lnSpc>
+                <a:spcPct val="90000"/>
+              </a:lnSpc>
+              <a:spcAft>
+                <a:spcPts val="600"/>
+              </a:spcAft>
+              <a:buFont typeface="+mj-lt"/>
+              <a:buAutoNum type="arabicPeriod" startAt="9"/>
+            </a:pPr>
+            <a:endParaRPr lang="en-US" sz="2800" dirty="0">
+              <a:gradFill>
+                <a:gsLst>
+                  <a:gs pos="2917">
+                    <a:schemeClr val="tx1"/>
+                  </a:gs>
+                  <a:gs pos="30000">
+                    <a:schemeClr val="tx1"/>
+                  </a:gs>
+                </a:gsLst>
+                <a:lin ang="5400000" scaled="0"/>
+              </a:gradFill>
+            </a:endParaRPr>
+          </a:p>
+          <a:p>
+            <a:pPr marL="514350" indent="-514350">
+              <a:lnSpc>
+                <a:spcPct val="90000"/>
+              </a:lnSpc>
+              <a:spcAft>
+                <a:spcPts val="600"/>
+              </a:spcAft>
+              <a:buFont typeface="+mj-lt"/>
+              <a:buAutoNum type="arabicPeriod" startAt="9"/>
+            </a:pPr>
+            <a:r>
+              <a:rPr lang="en-US" sz="2800" dirty="0">
+                <a:gradFill>
+                  <a:gsLst>
+                    <a:gs pos="2917">
+                      <a:schemeClr val="tx1"/>
+                    </a:gs>
+                    <a:gs pos="30000">
+                      <a:schemeClr val="tx1"/>
+                    </a:gs>
+                  </a:gsLst>
+                  <a:lin ang="5400000" scaled="0"/>
+                </a:gradFill>
+              </a:rPr>
+              <a:t>Document standard operational tasks such as </a:t>
+            </a:r>
+            <a:r>
+              <a:rPr lang="en-US" sz="2800" dirty="0" err="1">
+                <a:gradFill>
+                  <a:gsLst>
+                    <a:gs pos="2917">
+                      <a:schemeClr val="tx1"/>
+                    </a:gs>
+                    <a:gs pos="30000">
+                      <a:schemeClr val="tx1"/>
+                    </a:gs>
+                  </a:gsLst>
+                  <a:lin ang="5400000" scaled="0"/>
+                </a:gradFill>
+              </a:rPr>
+              <a:t>infrastruture</a:t>
+            </a:r>
+            <a:r>
+              <a:rPr lang="en-US" sz="2800" dirty="0">
+                <a:gradFill>
+                  <a:gsLst>
+                    <a:gs pos="2917">
+                      <a:schemeClr val="tx1"/>
+                    </a:gs>
+                    <a:gs pos="30000">
+                      <a:schemeClr val="tx1"/>
+                    </a:gs>
+                  </a:gsLst>
+                  <a:lin ang="5400000" scaled="0"/>
+                </a:gradFill>
+              </a:rPr>
+              <a:t> backup and log collection.</a:t>
+            </a:r>
+          </a:p>
+          <a:p>
+            <a:pPr>
+              <a:lnSpc>
+                <a:spcPct val="90000"/>
+              </a:lnSpc>
+              <a:spcAft>
+                <a:spcPts val="600"/>
+              </a:spcAft>
+            </a:pPr>
+            <a:endParaRPr lang="en-US" sz="2800" dirty="0">
+              <a:gradFill>
+                <a:gsLst>
+                  <a:gs pos="2917">
+                    <a:schemeClr val="tx1"/>
+                  </a:gs>
+                  <a:gs pos="30000">
+                    <a:schemeClr val="tx1"/>
+                  </a:gs>
+                </a:gsLst>
+                <a:lin ang="5400000" scaled="0"/>
+              </a:gradFill>
+            </a:endParaRPr>
+          </a:p>
+          <a:p>
+            <a:pPr>
+              <a:lnSpc>
+                <a:spcPct val="90000"/>
+              </a:lnSpc>
+              <a:spcAft>
+                <a:spcPts val="600"/>
+              </a:spcAft>
+            </a:pPr>
+            <a:endParaRPr lang="en-US" sz="2800" dirty="0">
+              <a:gradFill>
+                <a:gsLst>
+                  <a:gs pos="2917">
+                    <a:schemeClr val="tx1"/>
+                  </a:gs>
+                  <a:gs pos="30000">
+                    <a:schemeClr val="tx1"/>
+                  </a:gs>
+                </a:gsLst>
+                <a:lin ang="5400000" scaled="0"/>
+              </a:gradFill>
+            </a:endParaRPr>
+          </a:p>
+        </p:txBody>
+      </p:sp>
+    </p:spTree>
+    <p:extLst>
+      <p:ext uri="{BB962C8B-B14F-4D97-AF65-F5344CB8AC3E}">
+        <p14:creationId xmlns:p14="http://schemas.microsoft.com/office/powerpoint/2010/main" val="1761950625"/>
+      </p:ext>
+    </p:extLst>
+  </p:cSld>
+  <p:clrMapOvr>
+    <a:masterClrMapping/>
+  </p:clrMapOvr>
+  <mc:AlternateContent xmlns:mc="http://schemas.openxmlformats.org/markup-compatibility/2006" xmlns:p14="http://schemas.microsoft.com/office/powerpoint/2010/main">
+    <mc:Choice Requires="p14">
+      <p:transition p14:dur="0"/>
+    </mc:Choice>
+    <mc:Fallback xmlns="">
+      <p:transition/>
+    </mc:Fallback>
+  </mc:AlternateContent>
+</p:sld>
+</file>
+
+<file path=ppt/slides/slide15.xml><?xml version="1.0" encoding="utf-8"?>
+<p:sld xmlns:a="http://schemas.openxmlformats.org/drawingml/2006/main" xmlns:r="http://schemas.openxmlformats.org/officeDocument/2006/relationships" xmlns:p="http://schemas.openxmlformats.org/presentationml/2006/main">
+  <p:cSld>
+    <p:spTree>
+      <p:nvGrpSpPr>
+        <p:cNvPr id="1" name=""/>
+        <p:cNvGrpSpPr/>
+        <p:nvPr/>
+      </p:nvGrpSpPr>
+      <p:grpSpPr>
+        <a:xfrm>
+          <a:off x="0" y="0"/>
+          <a:ext cx="0" cy="0"/>
+          <a:chOff x="0" y="0"/>
+          <a:chExt cx="0" cy="0"/>
+        </a:xfrm>
+      </p:grpSpPr>
+      <p:sp>
+        <p:nvSpPr>
+          <p:cNvPr id="2" name="Title 1"/>
+          <p:cNvSpPr>
+            <a:spLocks noGrp="1"/>
+          </p:cNvSpPr>
+          <p:nvPr>
+            <p:ph type="title"/>
+          </p:nvPr>
+        </p:nvSpPr>
+        <p:spPr/>
+        <p:txBody>
+          <a:bodyPr>
+            <a:normAutofit fontScale="90000"/>
+          </a:bodyPr>
+          <a:lstStyle/>
+          <a:p>
+            <a:r>
+              <a:rPr lang="en-US" sz="4900" dirty="0">
+                <a:solidFill>
+                  <a:schemeClr val="tx1"/>
+                </a:solidFill>
+                <a:cs typeface="Segoe UI" panose="020B0502040204020203" pitchFamily="34" charset="0"/>
+              </a:rPr>
+              <a:t>Customer </a:t>
+            </a:r>
+            <a:r>
+              <a:rPr lang="en-US" sz="4900" dirty="0">
+                <a:solidFill>
+                  <a:schemeClr val="tx1"/>
+                </a:solidFill>
+              </a:rPr>
+              <a:t>objections</a:t>
+            </a:r>
+            <a:br>
+              <a:rPr lang="en-US" dirty="0">
+                <a:solidFill>
+                  <a:schemeClr val="tx1"/>
+                </a:solidFill>
+                <a:latin typeface="Segoe UI" panose="020B0502040204020203" pitchFamily="34" charset="0"/>
+              </a:rPr>
+            </a:br>
+            <a:endParaRPr lang="en-US" sz="3236" dirty="0">
+              <a:solidFill>
+                <a:schemeClr val="tx1"/>
+              </a:solidFill>
+              <a:latin typeface="Segoe UI" panose="020B0502040204020203" pitchFamily="34" charset="0"/>
+            </a:endParaRPr>
+          </a:p>
+        </p:txBody>
+      </p:sp>
+      <p:sp>
+        <p:nvSpPr>
+          <p:cNvPr id="9" name="TextBox 8">
+            <a:extLst>
+              <a:ext uri="{FF2B5EF4-FFF2-40B4-BE49-F238E27FC236}">
+                <a16:creationId xmlns:a16="http://schemas.microsoft.com/office/drawing/2014/main" id="{1436F8EA-C4FB-4C98-AEB1-08DF6713D14E}"/>
+              </a:ext>
+            </a:extLst>
+          </p:cNvPr>
+          <p:cNvSpPr txBox="1"/>
+          <p:nvPr/>
+        </p:nvSpPr>
+        <p:spPr>
+          <a:xfrm>
+            <a:off x="339499" y="995560"/>
+            <a:ext cx="12044658" cy="5896999"/>
           </a:xfrm>
           <a:prstGeom prst="rect">
             <a:avLst/>
@@ -16638,6 +17966,117 @@
               <a:t>One of the key reasons Contoso wants to go to the cloud is to take advantage of tools and services for automated deployments and application development. Will Azure Stack make it where we have to use two sets of skillsets?</a:t>
             </a:r>
           </a:p>
+          <a:p>
+            <a:pPr marL="514350" indent="-514350">
+              <a:lnSpc>
+                <a:spcPct val="90000"/>
+              </a:lnSpc>
+              <a:spcAft>
+                <a:spcPts val="600"/>
+              </a:spcAft>
+              <a:buFont typeface="+mj-lt"/>
+              <a:buAutoNum type="arabicPeriod"/>
+            </a:pPr>
+            <a:endParaRPr lang="en-US" sz="2400" dirty="0">
+              <a:gradFill>
+                <a:gsLst>
+                  <a:gs pos="2917">
+                    <a:schemeClr val="tx1"/>
+                  </a:gs>
+                  <a:gs pos="30000">
+                    <a:schemeClr val="tx1"/>
+                  </a:gs>
+                </a:gsLst>
+                <a:lin ang="5400000" scaled="0"/>
+              </a:gradFill>
+              <a:latin typeface="Segoe UI Semilight" panose="020B0402040204020203" pitchFamily="34" charset="0"/>
+              <a:cs typeface="Segoe UI Semilight" panose="020B0402040204020203" pitchFamily="34" charset="0"/>
+            </a:endParaRPr>
+          </a:p>
+          <a:p>
+            <a:pPr marL="514350" indent="-514350">
+              <a:lnSpc>
+                <a:spcPct val="90000"/>
+              </a:lnSpc>
+              <a:spcAft>
+                <a:spcPts val="600"/>
+              </a:spcAft>
+              <a:buFont typeface="+mj-lt"/>
+              <a:buAutoNum type="arabicPeriod"/>
+            </a:pPr>
+            <a:r>
+              <a:rPr lang="en-US" sz="2400" dirty="0" err="1">
+                <a:gradFill>
+                  <a:gsLst>
+                    <a:gs pos="2917">
+                      <a:schemeClr val="tx1"/>
+                    </a:gs>
+                    <a:gs pos="30000">
+                      <a:schemeClr val="tx1"/>
+                    </a:gs>
+                  </a:gsLst>
+                  <a:lin ang="5400000" scaled="0"/>
+                </a:gradFill>
+                <a:latin typeface="Segoe UI Semilight" panose="020B0402040204020203" pitchFamily="34" charset="0"/>
+                <a:cs typeface="Segoe UI Semilight" panose="020B0402040204020203" pitchFamily="34" charset="0"/>
+              </a:rPr>
+              <a:t>Fabrikam</a:t>
+            </a:r>
+            <a:r>
+              <a:rPr lang="en-US" sz="2400" dirty="0">
+                <a:gradFill>
+                  <a:gsLst>
+                    <a:gs pos="2917">
+                      <a:schemeClr val="tx1"/>
+                    </a:gs>
+                    <a:gs pos="30000">
+                      <a:schemeClr val="tx1"/>
+                    </a:gs>
+                  </a:gsLst>
+                  <a:lin ang="5400000" scaled="0"/>
+                </a:gradFill>
+                <a:latin typeface="Segoe UI Semilight" panose="020B0402040204020203" pitchFamily="34" charset="0"/>
+                <a:cs typeface="Segoe UI Semilight" panose="020B0402040204020203" pitchFamily="34" charset="0"/>
+              </a:rPr>
+              <a:t> has already its own Azure Active Directory tenant. Will it be necessary to create duplicate accounts for </a:t>
+            </a:r>
+            <a:r>
+              <a:rPr lang="en-US" sz="2400" dirty="0" err="1">
+                <a:gradFill>
+                  <a:gsLst>
+                    <a:gs pos="2917">
+                      <a:schemeClr val="tx1"/>
+                    </a:gs>
+                    <a:gs pos="30000">
+                      <a:schemeClr val="tx1"/>
+                    </a:gs>
+                  </a:gsLst>
+                  <a:lin ang="5400000" scaled="0"/>
+                </a:gradFill>
+                <a:latin typeface="Segoe UI Semilight" panose="020B0402040204020203" pitchFamily="34" charset="0"/>
+                <a:cs typeface="Segoe UI Semilight" panose="020B0402040204020203" pitchFamily="34" charset="0"/>
+              </a:rPr>
+              <a:t>Fabrikam</a:t>
+            </a:r>
+            <a:r>
+              <a:rPr lang="en-US" sz="2400" dirty="0">
+                <a:gradFill>
+                  <a:gsLst>
+                    <a:gs pos="2917">
+                      <a:schemeClr val="tx1"/>
+                    </a:gs>
+                    <a:gs pos="30000">
+                      <a:schemeClr val="tx1"/>
+                    </a:gs>
+                  </a:gsLst>
+                  <a:lin ang="5400000" scaled="0"/>
+                </a:gradFill>
+                <a:latin typeface="Segoe UI Semilight" panose="020B0402040204020203" pitchFamily="34" charset="0"/>
+                <a:cs typeface="Segoe UI Semilight" panose="020B0402040204020203" pitchFamily="34" charset="0"/>
+              </a:rPr>
+              <a:t> users?</a:t>
+            </a:r>
+          </a:p>
         </p:txBody>
       </p:sp>
     </p:spTree>
@@ -16661,7 +18100,7 @@
 </p:sld>
 </file>
 
-<file path=ppt/slides/slide13.xml><?xml version="1.0" encoding="utf-8"?>
+<file path=ppt/slides/slide16.xml><?xml version="1.0" encoding="utf-8"?>
 <p:sld xmlns:a="http://schemas.openxmlformats.org/drawingml/2006/main" xmlns:r="http://schemas.openxmlformats.org/officeDocument/2006/relationships" xmlns:p="http://schemas.openxmlformats.org/presentationml/2006/main">
   <p:cSld>
     <p:spTree>
@@ -16781,7 +18220,7 @@
 </p:sld>
 </file>
 
-<file path=ppt/slides/slide14.xml><?xml version="1.0" encoding="utf-8"?>
+<file path=ppt/slides/slide17.xml><?xml version="1.0" encoding="utf-8"?>
 <p:sld xmlns:a="http://schemas.openxmlformats.org/drawingml/2006/main" xmlns:r="http://schemas.openxmlformats.org/officeDocument/2006/relationships" xmlns:p="http://schemas.openxmlformats.org/presentationml/2006/main">
   <p:cSld>
     <p:spTree>
@@ -17331,7 +18770,7 @@
 </p:sld>
 </file>
 
-<file path=ppt/slides/slide15.xml><?xml version="1.0" encoding="utf-8"?>
+<file path=ppt/slides/slide18.xml><?xml version="1.0" encoding="utf-8"?>
 <p:sld xmlns:a="http://schemas.openxmlformats.org/drawingml/2006/main" xmlns:r="http://schemas.openxmlformats.org/officeDocument/2006/relationships" xmlns:p="http://schemas.openxmlformats.org/presentationml/2006/main">
   <p:cSld>
     <p:spTree>
@@ -17635,7 +19074,7 @@
 </p:sld>
 </file>
 
-<file path=ppt/slides/slide16.xml><?xml version="1.0" encoding="utf-8"?>
+<file path=ppt/slides/slide19.xml><?xml version="1.0" encoding="utf-8"?>
 <p:sld xmlns:a="http://schemas.openxmlformats.org/drawingml/2006/main" xmlns:r="http://schemas.openxmlformats.org/officeDocument/2006/relationships" xmlns:p="http://schemas.openxmlformats.org/presentationml/2006/main">
   <p:cSld>
     <p:spTree>
@@ -17830,7 +19269,127 @@
 </p:sld>
 </file>
 
-<file path=ppt/slides/slide17.xml><?xml version="1.0" encoding="utf-8"?>
+<file path=ppt/slides/slide2.xml><?xml version="1.0" encoding="utf-8"?>
+<p:sld xmlns:a="http://schemas.openxmlformats.org/drawingml/2006/main" xmlns:r="http://schemas.openxmlformats.org/officeDocument/2006/relationships" xmlns:p="http://schemas.openxmlformats.org/presentationml/2006/main">
+  <p:cSld>
+    <p:bg>
+      <p:bgPr>
+        <a:solidFill>
+          <a:schemeClr val="bg2"/>
+        </a:solidFill>
+        <a:effectLst/>
+      </p:bgPr>
+    </p:bg>
+    <p:spTree>
+      <p:nvGrpSpPr>
+        <p:cNvPr id="1" name=""/>
+        <p:cNvGrpSpPr/>
+        <p:nvPr/>
+      </p:nvGrpSpPr>
+      <p:grpSpPr>
+        <a:xfrm>
+          <a:off x="0" y="0"/>
+          <a:ext cx="0" cy="0"/>
+          <a:chOff x="0" y="0"/>
+          <a:chExt cx="0" cy="0"/>
+        </a:xfrm>
+      </p:grpSpPr>
+      <p:sp>
+        <p:nvSpPr>
+          <p:cNvPr id="2" name="Title 1"/>
+          <p:cNvSpPr>
+            <a:spLocks noGrp="1"/>
+          </p:cNvSpPr>
+          <p:nvPr>
+            <p:ph type="title"/>
+          </p:nvPr>
+        </p:nvSpPr>
+        <p:spPr/>
+        <p:txBody>
+          <a:bodyPr>
+            <a:normAutofit/>
+          </a:bodyPr>
+          <a:lstStyle/>
+          <a:p>
+            <a:r>
+              <a:rPr lang="en-US" sz="4400" dirty="0">
+                <a:solidFill>
+                  <a:schemeClr val="tx1"/>
+                </a:solidFill>
+                <a:latin typeface="Segoe UI Light" panose="020B0502040204020203" pitchFamily="34" charset="0"/>
+                <a:cs typeface="Segoe UI Light" panose="020B0502040204020203" pitchFamily="34" charset="0"/>
+              </a:rPr>
+              <a:t>Abstract and learning objectives</a:t>
+            </a:r>
+          </a:p>
+        </p:txBody>
+      </p:sp>
+      <p:sp>
+        <p:nvSpPr>
+          <p:cNvPr id="9" name="TextBox 8">
+            <a:extLst>
+              <a:ext uri="{FF2B5EF4-FFF2-40B4-BE49-F238E27FC236}">
+                <a16:creationId xmlns:a16="http://schemas.microsoft.com/office/drawing/2014/main" id="{0F86F9F9-39B5-4CE6-AF48-9ADAE40EA728}"/>
+              </a:ext>
+            </a:extLst>
+          </p:cNvPr>
+          <p:cNvSpPr txBox="1"/>
+          <p:nvPr/>
+        </p:nvSpPr>
+        <p:spPr>
+          <a:xfrm>
+            <a:off x="266920" y="1255752"/>
+            <a:ext cx="10833896" cy="4173450"/>
+          </a:xfrm>
+          <a:prstGeom prst="rect">
+            <a:avLst/>
+          </a:prstGeom>
+          <a:noFill/>
+        </p:spPr>
+        <p:txBody>
+          <a:bodyPr wrap="square" lIns="182880" tIns="146304" rIns="182880" bIns="146304" rtlCol="0">
+            <a:spAutoFit/>
+          </a:bodyPr>
+          <a:lstStyle/>
+          <a:p>
+            <a:r>
+              <a:rPr lang="en-US" sz="2800" dirty="0"/>
+              <a:t>In this whiteboard design session, you will work with a group to design a hybrid cloud architecture using a combination of the Azure public cloud and Azure Stack. This functional architecture will enable customers to leverage their investments in Azure as a "cloud platform," rather than Azure as a "place.“</a:t>
+            </a:r>
+          </a:p>
+          <a:p>
+            <a:endParaRPr lang="en-US" sz="2800" dirty="0"/>
+          </a:p>
+          <a:p>
+            <a:r>
+              <a:rPr lang="en-US" sz="2800" dirty="0"/>
+              <a:t>At the end of the session, you will be able to determine which systems are good candidates for the Azure public cloud, and which are better suited on Azure Stack.</a:t>
+            </a:r>
+          </a:p>
+        </p:txBody>
+      </p:sp>
+    </p:spTree>
+    <p:extLst>
+      <p:ext uri="{BB962C8B-B14F-4D97-AF65-F5344CB8AC3E}">
+        <p14:creationId xmlns:p14="http://schemas.microsoft.com/office/powerpoint/2010/main" val="772880493"/>
+      </p:ext>
+    </p:extLst>
+  </p:cSld>
+  <p:clrMapOvr>
+    <a:masterClrMapping/>
+  </p:clrMapOvr>
+  <mc:AlternateContent xmlns:mc="http://schemas.openxmlformats.org/markup-compatibility/2006" xmlns:p14="http://schemas.microsoft.com/office/powerpoint/2010/main">
+    <mc:Choice Requires="p14">
+      <p:transition p14:dur="0"/>
+    </mc:Choice>
+    <mc:Fallback xmlns="">
+      <p:transition/>
+    </mc:Fallback>
+  </mc:AlternateContent>
+</p:sld>
+</file>
+
+<file path=ppt/slides/slide20.xml><?xml version="1.0" encoding="utf-8"?>
 <p:sld xmlns:a="http://schemas.openxmlformats.org/drawingml/2006/main" xmlns:r="http://schemas.openxmlformats.org/officeDocument/2006/relationships" xmlns:p="http://schemas.openxmlformats.org/presentationml/2006/main">
   <p:cSld>
     <p:bg>
@@ -17917,7 +19476,7 @@
         <p:spPr>
           <a:xfrm>
             <a:off x="269239" y="1227814"/>
-            <a:ext cx="11653523" cy="3323987"/>
+            <a:ext cx="11653523" cy="4339650"/>
           </a:xfrm>
         </p:spPr>
         <p:txBody>
@@ -17942,6 +19501,24 @@
             <a:r>
               <a:rPr lang="en-US" sz="3600" dirty="0"/>
               <a:t>Contoso Teams:</a:t>
+            </a:r>
+          </a:p>
+          <a:p>
+            <a:pPr lvl="1"/>
+            <a:r>
+              <a:rPr lang="en-US" sz="2400" dirty="0"/>
+              <a:t>Networking, Security, DevOps and Application Owners</a:t>
+            </a:r>
+          </a:p>
+          <a:p>
+            <a:pPr lvl="0"/>
+            <a:r>
+              <a:rPr lang="en-US" sz="3600" dirty="0" err="1"/>
+              <a:t>Fabrikam</a:t>
+            </a:r>
+            <a:r>
+              <a:rPr lang="en-US" sz="3600" dirty="0"/>
+              <a:t> Teams:</a:t>
             </a:r>
           </a:p>
           <a:p>
@@ -17988,7 +19565,7 @@
 </p:sld>
 </file>
 
-<file path=ppt/slides/slide18.xml><?xml version="1.0" encoding="utf-8"?>
+<file path=ppt/slides/slide21.xml><?xml version="1.0" encoding="utf-8"?>
 <p:sld xmlns:a="http://schemas.openxmlformats.org/drawingml/2006/main" xmlns:r="http://schemas.openxmlformats.org/officeDocument/2006/relationships" xmlns:p="http://schemas.openxmlformats.org/presentationml/2006/main">
   <p:cSld>
     <p:spTree>
@@ -18407,7 +19984,7 @@
 </p:sld>
 </file>
 
-<file path=ppt/slides/slide19.xml><?xml version="1.0" encoding="utf-8"?>
+<file path=ppt/slides/slide22.xml><?xml version="1.0" encoding="utf-8"?>
 <p:sld xmlns:a="http://schemas.openxmlformats.org/drawingml/2006/main" xmlns:r="http://schemas.openxmlformats.org/officeDocument/2006/relationships" xmlns:p="http://schemas.openxmlformats.org/presentationml/2006/main">
   <p:cSld>
     <p:spTree>
@@ -18518,127 +20095,7 @@
 </p:sld>
 </file>
 
-<file path=ppt/slides/slide2.xml><?xml version="1.0" encoding="utf-8"?>
-<p:sld xmlns:a="http://schemas.openxmlformats.org/drawingml/2006/main" xmlns:r="http://schemas.openxmlformats.org/officeDocument/2006/relationships" xmlns:p="http://schemas.openxmlformats.org/presentationml/2006/main">
-  <p:cSld>
-    <p:bg>
-      <p:bgPr>
-        <a:solidFill>
-          <a:schemeClr val="bg2"/>
-        </a:solidFill>
-        <a:effectLst/>
-      </p:bgPr>
-    </p:bg>
-    <p:spTree>
-      <p:nvGrpSpPr>
-        <p:cNvPr id="1" name=""/>
-        <p:cNvGrpSpPr/>
-        <p:nvPr/>
-      </p:nvGrpSpPr>
-      <p:grpSpPr>
-        <a:xfrm>
-          <a:off x="0" y="0"/>
-          <a:ext cx="0" cy="0"/>
-          <a:chOff x="0" y="0"/>
-          <a:chExt cx="0" cy="0"/>
-        </a:xfrm>
-      </p:grpSpPr>
-      <p:sp>
-        <p:nvSpPr>
-          <p:cNvPr id="2" name="Title 1"/>
-          <p:cNvSpPr>
-            <a:spLocks noGrp="1"/>
-          </p:cNvSpPr>
-          <p:nvPr>
-            <p:ph type="title"/>
-          </p:nvPr>
-        </p:nvSpPr>
-        <p:spPr/>
-        <p:txBody>
-          <a:bodyPr>
-            <a:normAutofit/>
-          </a:bodyPr>
-          <a:lstStyle/>
-          <a:p>
-            <a:r>
-              <a:rPr lang="en-US" sz="4400" dirty="0">
-                <a:solidFill>
-                  <a:schemeClr val="tx1"/>
-                </a:solidFill>
-                <a:latin typeface="Segoe UI Light" panose="020B0502040204020203" pitchFamily="34" charset="0"/>
-                <a:cs typeface="Segoe UI Light" panose="020B0502040204020203" pitchFamily="34" charset="0"/>
-              </a:rPr>
-              <a:t>Abstract and learning objectives</a:t>
-            </a:r>
-          </a:p>
-        </p:txBody>
-      </p:sp>
-      <p:sp>
-        <p:nvSpPr>
-          <p:cNvPr id="9" name="TextBox 8">
-            <a:extLst>
-              <a:ext uri="{FF2B5EF4-FFF2-40B4-BE49-F238E27FC236}">
-                <a16:creationId xmlns:a16="http://schemas.microsoft.com/office/drawing/2014/main" id="{0F86F9F9-39B5-4CE6-AF48-9ADAE40EA728}"/>
-              </a:ext>
-            </a:extLst>
-          </p:cNvPr>
-          <p:cNvSpPr txBox="1"/>
-          <p:nvPr/>
-        </p:nvSpPr>
-        <p:spPr>
-          <a:xfrm>
-            <a:off x="266920" y="1255752"/>
-            <a:ext cx="10833896" cy="4173450"/>
-          </a:xfrm>
-          <a:prstGeom prst="rect">
-            <a:avLst/>
-          </a:prstGeom>
-          <a:noFill/>
-        </p:spPr>
-        <p:txBody>
-          <a:bodyPr wrap="square" lIns="182880" tIns="146304" rIns="182880" bIns="146304" rtlCol="0">
-            <a:spAutoFit/>
-          </a:bodyPr>
-          <a:lstStyle/>
-          <a:p>
-            <a:r>
-              <a:rPr lang="en-US" sz="2800" dirty="0"/>
-              <a:t>In this whiteboard design session, you will work with a group to design a hybrid cloud architecture using a combination of the Azure public cloud and Azure Stack. This functional architecture will enable customers to leverage their investments in Azure as a "cloud platform," rather than Azure as a "place.“</a:t>
-            </a:r>
-          </a:p>
-          <a:p>
-            <a:endParaRPr lang="en-US" sz="2800" dirty="0"/>
-          </a:p>
-          <a:p>
-            <a:r>
-              <a:rPr lang="en-US" sz="2800" dirty="0"/>
-              <a:t>At the end of the session, you will be able to determine which systems are good candidates for the Azure public cloud, and which are better suited on Azure Stack.</a:t>
-            </a:r>
-          </a:p>
-        </p:txBody>
-      </p:sp>
-    </p:spTree>
-    <p:extLst>
-      <p:ext uri="{BB962C8B-B14F-4D97-AF65-F5344CB8AC3E}">
-        <p14:creationId xmlns:p14="http://schemas.microsoft.com/office/powerpoint/2010/main" val="772880493"/>
-      </p:ext>
-    </p:extLst>
-  </p:cSld>
-  <p:clrMapOvr>
-    <a:masterClrMapping/>
-  </p:clrMapOvr>
-  <mc:AlternateContent xmlns:mc="http://schemas.openxmlformats.org/markup-compatibility/2006" xmlns:p14="http://schemas.microsoft.com/office/powerpoint/2010/main">
-    <mc:Choice Requires="p14">
-      <p:transition p14:dur="0"/>
-    </mc:Choice>
-    <mc:Fallback xmlns="">
-      <p:transition/>
-    </mc:Fallback>
-  </mc:AlternateContent>
-</p:sld>
-</file>
-
-<file path=ppt/slides/slide20.xml><?xml version="1.0" encoding="utf-8"?>
+<file path=ppt/slides/slide23.xml><?xml version="1.0" encoding="utf-8"?>
 <p:sld xmlns:a="http://schemas.openxmlformats.org/drawingml/2006/main" xmlns:r="http://schemas.openxmlformats.org/officeDocument/2006/relationships" xmlns:p="http://schemas.openxmlformats.org/presentationml/2006/main">
   <p:cSld>
     <p:spTree>
@@ -18888,7 +20345,7 @@
 </p:sld>
 </file>
 
-<file path=ppt/slides/slide21.xml><?xml version="1.0" encoding="utf-8"?>
+<file path=ppt/slides/slide24.xml><?xml version="1.0" encoding="utf-8"?>
 <p:sld xmlns:a="http://schemas.openxmlformats.org/drawingml/2006/main" xmlns:r="http://schemas.openxmlformats.org/officeDocument/2006/relationships" xmlns:p="http://schemas.openxmlformats.org/presentationml/2006/main">
   <p:cSld>
     <p:spTree>
@@ -18966,7 +20423,7 @@
         <p:spPr>
           <a:xfrm>
             <a:off x="269240" y="1163813"/>
-            <a:ext cx="11653523" cy="5917774"/>
+            <a:ext cx="11653523" cy="5157566"/>
           </a:xfrm>
         </p:spPr>
         <p:txBody>
@@ -18981,7 +20438,7 @@
             </a:pPr>
             <a:r>
               <a:rPr lang="en-US" sz="3600" dirty="0"/>
-              <a:t>Cloud operator</a:t>
+              <a:t>Cloud operators</a:t>
             </a:r>
           </a:p>
           <a:p>
@@ -18993,6 +20450,44 @@
             <a:r>
               <a:rPr lang="en-US" sz="2800" dirty="0"/>
               <a:t>FT will act in this role as the Service Provider.</a:t>
+            </a:r>
+          </a:p>
+          <a:p>
+            <a:pPr lvl="1">
+              <a:spcAft>
+                <a:spcPts val="600"/>
+              </a:spcAft>
+            </a:pPr>
+            <a:r>
+              <a:rPr lang="en-US" sz="2800" dirty="0"/>
+              <a:t>Through the delegated providers model, Contoso and </a:t>
+            </a:r>
+            <a:r>
+              <a:rPr lang="en-US" sz="2800" dirty="0" err="1"/>
+              <a:t>Fabrikam</a:t>
+            </a:r>
+            <a:r>
+              <a:rPr lang="en-US" sz="2800" dirty="0"/>
+              <a:t> IT staff will be able to create delegated offers and plans</a:t>
+            </a:r>
+          </a:p>
+          <a:p>
+            <a:pPr lvl="1">
+              <a:spcAft>
+                <a:spcPts val="600"/>
+              </a:spcAft>
+            </a:pPr>
+            <a:r>
+              <a:rPr lang="en-US" sz="2800" dirty="0"/>
+              <a:t>FT will be able to leverage built-in and custom Role Based Access Control roles to provide restricted access to the Azure Stack Admin portal to Contoso and </a:t>
+            </a:r>
+            <a:r>
+              <a:rPr lang="en-US" sz="2800" dirty="0" err="1"/>
+              <a:t>Fabrikam</a:t>
+            </a:r>
+            <a:r>
+              <a:rPr lang="en-US" sz="2800" dirty="0"/>
+              <a:t> staff</a:t>
             </a:r>
           </a:p>
           <a:p>
@@ -19004,7 +20499,7 @@
             </a:pPr>
             <a:r>
               <a:rPr lang="en-US" sz="3600" dirty="0"/>
-              <a:t>Region</a:t>
+              <a:t>Regions</a:t>
             </a:r>
           </a:p>
           <a:p>
@@ -19017,64 +20512,6 @@
               <a:rPr lang="en-US" sz="2800" dirty="0"/>
               <a:t>One Azure Stack region will be created in the FT Dallas datacenter.</a:t>
             </a:r>
-          </a:p>
-          <a:p>
-            <a:pPr marL="0" indent="0">
-              <a:spcAft>
-                <a:spcPts val="600"/>
-              </a:spcAft>
-              <a:buNone/>
-            </a:pPr>
-            <a:r>
-              <a:rPr lang="en-US" sz="3600" dirty="0"/>
-              <a:t>Tenant</a:t>
-            </a:r>
-          </a:p>
-          <a:p>
-            <a:pPr lvl="1">
-              <a:spcAft>
-                <a:spcPts val="600"/>
-              </a:spcAft>
-            </a:pPr>
-            <a:r>
-              <a:rPr lang="en-US" sz="2800" dirty="0"/>
-              <a:t>Contoso Financial will be the sole tenet for US Operations.</a:t>
-            </a:r>
-          </a:p>
-          <a:p>
-            <a:pPr lvl="1">
-              <a:spcAft>
-                <a:spcPts val="600"/>
-              </a:spcAft>
-            </a:pPr>
-            <a:r>
-              <a:rPr lang="en-US" sz="2800" dirty="0"/>
-              <a:t>Can expand to other tenants for other countries/regions in the area.</a:t>
-            </a:r>
-          </a:p>
-          <a:p>
-            <a:pPr marL="0" indent="0">
-              <a:spcAft>
-                <a:spcPts val="600"/>
-              </a:spcAft>
-              <a:buNone/>
-            </a:pPr>
-            <a:r>
-              <a:rPr lang="en-US" sz="3600" dirty="0"/>
-              <a:t>Subscriptions</a:t>
-            </a:r>
-          </a:p>
-          <a:p>
-            <a:pPr lvl="1">
-              <a:spcAft>
-                <a:spcPts val="600"/>
-              </a:spcAft>
-            </a:pPr>
-            <a:r>
-              <a:rPr lang="en-US" sz="2800" dirty="0"/>
-              <a:t>There will be at least two subscriptions: development and production.</a:t>
-            </a:r>
-            <a:endParaRPr lang="en-US" sz="2032" dirty="0"/>
           </a:p>
           <a:p>
             <a:pPr lvl="1"/>
@@ -19086,528 +20523,6 @@
     <p:extLst>
       <p:ext uri="{BB962C8B-B14F-4D97-AF65-F5344CB8AC3E}">
         <p14:creationId xmlns:p14="http://schemas.microsoft.com/office/powerpoint/2010/main" val="3502758303"/>
-      </p:ext>
-    </p:extLst>
-  </p:cSld>
-  <p:clrMapOvr>
-    <a:masterClrMapping/>
-  </p:clrMapOvr>
-  <mc:AlternateContent xmlns:mc="http://schemas.openxmlformats.org/markup-compatibility/2006" xmlns:p14="http://schemas.microsoft.com/office/powerpoint/2010/main">
-    <mc:Choice Requires="p14">
-      <p:transition p14:dur="0"/>
-    </mc:Choice>
-    <mc:Fallback xmlns="">
-      <p:transition/>
-    </mc:Fallback>
-  </mc:AlternateContent>
-  <p:timing>
-    <p:tnLst>
-      <p:par>
-        <p:cTn id="1" dur="indefinite" restart="never" nodeType="tmRoot">
-          <p:childTnLst>
-            <p:seq concurrent="1" nextAc="seek">
-              <p:cTn id="2" dur="indefinite" nodeType="mainSeq">
-                <p:childTnLst>
-                  <p:par>
-                    <p:cTn id="3" fill="hold">
-                      <p:stCondLst>
-                        <p:cond delay="indefinite"/>
-                      </p:stCondLst>
-                      <p:childTnLst>
-                        <p:par>
-                          <p:cTn id="4" fill="hold">
-                            <p:stCondLst>
-                              <p:cond delay="0"/>
-                            </p:stCondLst>
-                            <p:childTnLst>
-                              <p:par>
-                                <p:cTn id="5" presetID="1" presetClass="entr" presetSubtype="0" fill="hold" nodeType="clickEffect">
-                                  <p:stCondLst>
-                                    <p:cond delay="0"/>
-                                  </p:stCondLst>
-                                  <p:childTnLst>
-                                    <p:set>
-                                      <p:cBhvr>
-                                        <p:cTn id="6" dur="1" fill="hold">
-                                          <p:stCondLst>
-                                            <p:cond delay="0"/>
-                                          </p:stCondLst>
-                                        </p:cTn>
-                                        <p:tgtEl>
-                                          <p:spTgt spid="5">
-                                            <p:txEl>
-                                              <p:pRg st="0" end="0"/>
-                                            </p:txEl>
-                                          </p:spTgt>
-                                        </p:tgtEl>
-                                        <p:attrNameLst>
-                                          <p:attrName>style.visibility</p:attrName>
-                                        </p:attrNameLst>
-                                      </p:cBhvr>
-                                      <p:to>
-                                        <p:strVal val="visible"/>
-                                      </p:to>
-                                    </p:set>
-                                  </p:childTnLst>
-                                </p:cTn>
-                              </p:par>
-                              <p:par>
-                                <p:cTn id="7" presetID="1" presetClass="entr" presetSubtype="0" fill="hold" nodeType="withEffect">
-                                  <p:stCondLst>
-                                    <p:cond delay="0"/>
-                                  </p:stCondLst>
-                                  <p:childTnLst>
-                                    <p:set>
-                                      <p:cBhvr>
-                                        <p:cTn id="8" dur="1" fill="hold">
-                                          <p:stCondLst>
-                                            <p:cond delay="0"/>
-                                          </p:stCondLst>
-                                        </p:cTn>
-                                        <p:tgtEl>
-                                          <p:spTgt spid="5">
-                                            <p:txEl>
-                                              <p:pRg st="1" end="1"/>
-                                            </p:txEl>
-                                          </p:spTgt>
-                                        </p:tgtEl>
-                                        <p:attrNameLst>
-                                          <p:attrName>style.visibility</p:attrName>
-                                        </p:attrNameLst>
-                                      </p:cBhvr>
-                                      <p:to>
-                                        <p:strVal val="visible"/>
-                                      </p:to>
-                                    </p:set>
-                                  </p:childTnLst>
-                                </p:cTn>
-                              </p:par>
-                            </p:childTnLst>
-                          </p:cTn>
-                        </p:par>
-                      </p:childTnLst>
-                    </p:cTn>
-                  </p:par>
-                  <p:par>
-                    <p:cTn id="9" fill="hold">
-                      <p:stCondLst>
-                        <p:cond delay="indefinite"/>
-                      </p:stCondLst>
-                      <p:childTnLst>
-                        <p:par>
-                          <p:cTn id="10" fill="hold">
-                            <p:stCondLst>
-                              <p:cond delay="0"/>
-                            </p:stCondLst>
-                            <p:childTnLst>
-                              <p:par>
-                                <p:cTn id="11" presetID="1" presetClass="entr" presetSubtype="0" fill="hold" nodeType="clickEffect">
-                                  <p:stCondLst>
-                                    <p:cond delay="0"/>
-                                  </p:stCondLst>
-                                  <p:childTnLst>
-                                    <p:set>
-                                      <p:cBhvr>
-                                        <p:cTn id="12" dur="1" fill="hold">
-                                          <p:stCondLst>
-                                            <p:cond delay="0"/>
-                                          </p:stCondLst>
-                                        </p:cTn>
-                                        <p:tgtEl>
-                                          <p:spTgt spid="5">
-                                            <p:txEl>
-                                              <p:pRg st="2" end="2"/>
-                                            </p:txEl>
-                                          </p:spTgt>
-                                        </p:tgtEl>
-                                        <p:attrNameLst>
-                                          <p:attrName>style.visibility</p:attrName>
-                                        </p:attrNameLst>
-                                      </p:cBhvr>
-                                      <p:to>
-                                        <p:strVal val="visible"/>
-                                      </p:to>
-                                    </p:set>
-                                  </p:childTnLst>
-                                </p:cTn>
-                              </p:par>
-                              <p:par>
-                                <p:cTn id="13" presetID="1" presetClass="entr" presetSubtype="0" fill="hold" nodeType="withEffect">
-                                  <p:stCondLst>
-                                    <p:cond delay="0"/>
-                                  </p:stCondLst>
-                                  <p:childTnLst>
-                                    <p:set>
-                                      <p:cBhvr>
-                                        <p:cTn id="14" dur="1" fill="hold">
-                                          <p:stCondLst>
-                                            <p:cond delay="0"/>
-                                          </p:stCondLst>
-                                        </p:cTn>
-                                        <p:tgtEl>
-                                          <p:spTgt spid="5">
-                                            <p:txEl>
-                                              <p:pRg st="3" end="3"/>
-                                            </p:txEl>
-                                          </p:spTgt>
-                                        </p:tgtEl>
-                                        <p:attrNameLst>
-                                          <p:attrName>style.visibility</p:attrName>
-                                        </p:attrNameLst>
-                                      </p:cBhvr>
-                                      <p:to>
-                                        <p:strVal val="visible"/>
-                                      </p:to>
-                                    </p:set>
-                                  </p:childTnLst>
-                                </p:cTn>
-                              </p:par>
-                            </p:childTnLst>
-                          </p:cTn>
-                        </p:par>
-                      </p:childTnLst>
-                    </p:cTn>
-                  </p:par>
-                  <p:par>
-                    <p:cTn id="15" fill="hold">
-                      <p:stCondLst>
-                        <p:cond delay="indefinite"/>
-                      </p:stCondLst>
-                      <p:childTnLst>
-                        <p:par>
-                          <p:cTn id="16" fill="hold">
-                            <p:stCondLst>
-                              <p:cond delay="0"/>
-                            </p:stCondLst>
-                            <p:childTnLst>
-                              <p:par>
-                                <p:cTn id="17" presetID="1" presetClass="entr" presetSubtype="0" fill="hold" nodeType="clickEffect">
-                                  <p:stCondLst>
-                                    <p:cond delay="0"/>
-                                  </p:stCondLst>
-                                  <p:childTnLst>
-                                    <p:set>
-                                      <p:cBhvr>
-                                        <p:cTn id="18" dur="1" fill="hold">
-                                          <p:stCondLst>
-                                            <p:cond delay="0"/>
-                                          </p:stCondLst>
-                                        </p:cTn>
-                                        <p:tgtEl>
-                                          <p:spTgt spid="5">
-                                            <p:txEl>
-                                              <p:pRg st="4" end="4"/>
-                                            </p:txEl>
-                                          </p:spTgt>
-                                        </p:tgtEl>
-                                        <p:attrNameLst>
-                                          <p:attrName>style.visibility</p:attrName>
-                                        </p:attrNameLst>
-                                      </p:cBhvr>
-                                      <p:to>
-                                        <p:strVal val="visible"/>
-                                      </p:to>
-                                    </p:set>
-                                  </p:childTnLst>
-                                </p:cTn>
-                              </p:par>
-                              <p:par>
-                                <p:cTn id="19" presetID="1" presetClass="entr" presetSubtype="0" fill="hold" nodeType="withEffect">
-                                  <p:stCondLst>
-                                    <p:cond delay="0"/>
-                                  </p:stCondLst>
-                                  <p:childTnLst>
-                                    <p:set>
-                                      <p:cBhvr>
-                                        <p:cTn id="20" dur="1" fill="hold">
-                                          <p:stCondLst>
-                                            <p:cond delay="0"/>
-                                          </p:stCondLst>
-                                        </p:cTn>
-                                        <p:tgtEl>
-                                          <p:spTgt spid="5">
-                                            <p:txEl>
-                                              <p:pRg st="5" end="5"/>
-                                            </p:txEl>
-                                          </p:spTgt>
-                                        </p:tgtEl>
-                                        <p:attrNameLst>
-                                          <p:attrName>style.visibility</p:attrName>
-                                        </p:attrNameLst>
-                                      </p:cBhvr>
-                                      <p:to>
-                                        <p:strVal val="visible"/>
-                                      </p:to>
-                                    </p:set>
-                                  </p:childTnLst>
-                                </p:cTn>
-                              </p:par>
-                              <p:par>
-                                <p:cTn id="21" presetID="1" presetClass="entr" presetSubtype="0" fill="hold" nodeType="withEffect">
-                                  <p:stCondLst>
-                                    <p:cond delay="0"/>
-                                  </p:stCondLst>
-                                  <p:childTnLst>
-                                    <p:set>
-                                      <p:cBhvr>
-                                        <p:cTn id="22" dur="1" fill="hold">
-                                          <p:stCondLst>
-                                            <p:cond delay="0"/>
-                                          </p:stCondLst>
-                                        </p:cTn>
-                                        <p:tgtEl>
-                                          <p:spTgt spid="5">
-                                            <p:txEl>
-                                              <p:pRg st="6" end="6"/>
-                                            </p:txEl>
-                                          </p:spTgt>
-                                        </p:tgtEl>
-                                        <p:attrNameLst>
-                                          <p:attrName>style.visibility</p:attrName>
-                                        </p:attrNameLst>
-                                      </p:cBhvr>
-                                      <p:to>
-                                        <p:strVal val="visible"/>
-                                      </p:to>
-                                    </p:set>
-                                  </p:childTnLst>
-                                </p:cTn>
-                              </p:par>
-                              <p:par>
-                                <p:cTn id="23" presetID="1" presetClass="entr" presetSubtype="0" fill="hold" nodeType="withEffect">
-                                  <p:stCondLst>
-                                    <p:cond delay="0"/>
-                                  </p:stCondLst>
-                                  <p:childTnLst>
-                                    <p:set>
-                                      <p:cBhvr>
-                                        <p:cTn id="24" dur="1" fill="hold">
-                                          <p:stCondLst>
-                                            <p:cond delay="0"/>
-                                          </p:stCondLst>
-                                        </p:cTn>
-                                        <p:tgtEl>
-                                          <p:spTgt spid="5">
-                                            <p:txEl>
-                                              <p:pRg st="8" end="8"/>
-                                            </p:txEl>
-                                          </p:spTgt>
-                                        </p:tgtEl>
-                                        <p:attrNameLst>
-                                          <p:attrName>style.visibility</p:attrName>
-                                        </p:attrNameLst>
-                                      </p:cBhvr>
-                                      <p:to>
-                                        <p:strVal val="visible"/>
-                                      </p:to>
-                                    </p:set>
-                                  </p:childTnLst>
-                                </p:cTn>
-                              </p:par>
-                              <p:par>
-                                <p:cTn id="25" presetID="1" presetClass="entr" presetSubtype="0" fill="hold" nodeType="withEffect">
-                                  <p:stCondLst>
-                                    <p:cond delay="0"/>
-                                  </p:stCondLst>
-                                  <p:childTnLst>
-                                    <p:set>
-                                      <p:cBhvr>
-                                        <p:cTn id="26" dur="1" fill="hold">
-                                          <p:stCondLst>
-                                            <p:cond delay="0"/>
-                                          </p:stCondLst>
-                                        </p:cTn>
-                                        <p:tgtEl>
-                                          <p:spTgt spid="5">
-                                            <p:txEl>
-                                              <p:pRg st="7" end="7"/>
-                                            </p:txEl>
-                                          </p:spTgt>
-                                        </p:tgtEl>
-                                        <p:attrNameLst>
-                                          <p:attrName>style.visibility</p:attrName>
-                                        </p:attrNameLst>
-                                      </p:cBhvr>
-                                      <p:to>
-                                        <p:strVal val="visible"/>
-                                      </p:to>
-                                    </p:set>
-                                  </p:childTnLst>
-                                </p:cTn>
-                              </p:par>
-                            </p:childTnLst>
-                          </p:cTn>
-                        </p:par>
-                      </p:childTnLst>
-                    </p:cTn>
-                  </p:par>
-                </p:childTnLst>
-              </p:cTn>
-              <p:prevCondLst>
-                <p:cond evt="onPrev" delay="0">
-                  <p:tgtEl>
-                    <p:sldTgt/>
-                  </p:tgtEl>
-                </p:cond>
-              </p:prevCondLst>
-              <p:nextCondLst>
-                <p:cond evt="onNext" delay="0">
-                  <p:tgtEl>
-                    <p:sldTgt/>
-                  </p:tgtEl>
-                </p:cond>
-              </p:nextCondLst>
-            </p:seq>
-          </p:childTnLst>
-        </p:cTn>
-      </p:par>
-    </p:tnLst>
-  </p:timing>
-</p:sld>
-</file>
-
-<file path=ppt/slides/slide22.xml><?xml version="1.0" encoding="utf-8"?>
-<p:sld xmlns:a="http://schemas.openxmlformats.org/drawingml/2006/main" xmlns:r="http://schemas.openxmlformats.org/officeDocument/2006/relationships" xmlns:p="http://schemas.openxmlformats.org/presentationml/2006/main">
-  <p:cSld>
-    <p:spTree>
-      <p:nvGrpSpPr>
-        <p:cNvPr id="1" name=""/>
-        <p:cNvGrpSpPr/>
-        <p:nvPr/>
-      </p:nvGrpSpPr>
-      <p:grpSpPr>
-        <a:xfrm>
-          <a:off x="0" y="0"/>
-          <a:ext cx="0" cy="0"/>
-          <a:chOff x="0" y="0"/>
-          <a:chExt cx="0" cy="0"/>
-        </a:xfrm>
-      </p:grpSpPr>
-      <p:sp>
-        <p:nvSpPr>
-          <p:cNvPr id="2" name="Title 1"/>
-          <p:cNvSpPr>
-            <a:spLocks noGrp="1"/>
-          </p:cNvSpPr>
-          <p:nvPr>
-            <p:ph type="title"/>
-          </p:nvPr>
-        </p:nvSpPr>
-        <p:spPr/>
-        <p:txBody>
-          <a:bodyPr>
-            <a:normAutofit fontScale="90000"/>
-          </a:bodyPr>
-          <a:lstStyle/>
-          <a:p>
-            <a:r>
-              <a:rPr lang="en-US" sz="4900" dirty="0">
-                <a:solidFill>
-                  <a:schemeClr val="tx1"/>
-                </a:solidFill>
-              </a:rPr>
-              <a:t>Preferred solution: Azure Stack taxonomy</a:t>
-            </a:r>
-            <a:br>
-              <a:rPr lang="en-US" dirty="0">
-                <a:solidFill>
-                  <a:schemeClr val="tx1"/>
-                </a:solidFill>
-                <a:latin typeface="Segoe UI" panose="020B0502040204020203" pitchFamily="34" charset="0"/>
-              </a:rPr>
-            </a:br>
-            <a:endParaRPr lang="en-US" sz="3236" dirty="0">
-              <a:solidFill>
-                <a:schemeClr val="tx1"/>
-              </a:solidFill>
-              <a:latin typeface="Segoe UI" panose="020B0502040204020203" pitchFamily="34" charset="0"/>
-            </a:endParaRPr>
-          </a:p>
-        </p:txBody>
-      </p:sp>
-      <p:sp>
-        <p:nvSpPr>
-          <p:cNvPr id="5" name="Text Placeholder 4">
-            <a:extLst>
-              <a:ext uri="{FF2B5EF4-FFF2-40B4-BE49-F238E27FC236}">
-                <a16:creationId xmlns:a16="http://schemas.microsoft.com/office/drawing/2014/main" id="{E28EDA45-933E-4B85-A0FB-C545307C4490}"/>
-              </a:ext>
-            </a:extLst>
-          </p:cNvPr>
-          <p:cNvSpPr>
-            <a:spLocks noGrp="1"/>
-          </p:cNvSpPr>
-          <p:nvPr>
-            <p:ph type="body" sz="quarter" idx="10"/>
-          </p:nvPr>
-        </p:nvSpPr>
-        <p:spPr>
-          <a:xfrm>
-            <a:off x="269240" y="1084701"/>
-            <a:ext cx="11653523" cy="4873642"/>
-          </a:xfrm>
-        </p:spPr>
-        <p:txBody>
-          <a:bodyPr/>
-          <a:lstStyle/>
-          <a:p>
-            <a:r>
-              <a:rPr lang="en-US" sz="3600" dirty="0"/>
-              <a:t>Plans and quotas</a:t>
-            </a:r>
-          </a:p>
-          <a:p>
-            <a:pPr lvl="1"/>
-            <a:r>
-              <a:rPr lang="en-US" sz="2800" dirty="0"/>
-              <a:t>FT will create plans to offer the Contoso tenant.</a:t>
-            </a:r>
-          </a:p>
-          <a:p>
-            <a:pPr lvl="1"/>
-            <a:r>
-              <a:rPr lang="en-US" sz="2800" dirty="0"/>
-              <a:t>Two plans will initially be created: development and production.</a:t>
-            </a:r>
-          </a:p>
-          <a:p>
-            <a:pPr lvl="1"/>
-            <a:r>
-              <a:rPr lang="en-US" sz="2800" dirty="0"/>
-              <a:t>All services will be allowed for these subscriptions with quotas set lower for development.</a:t>
-            </a:r>
-          </a:p>
-          <a:p>
-            <a:endParaRPr lang="en-US" sz="3600" dirty="0"/>
-          </a:p>
-          <a:p>
-            <a:r>
-              <a:rPr lang="en-US" sz="3600" dirty="0"/>
-              <a:t>Offers</a:t>
-            </a:r>
-          </a:p>
-          <a:p>
-            <a:pPr lvl="1"/>
-            <a:r>
-              <a:rPr lang="en-US" sz="2800" dirty="0"/>
-              <a:t>Two offers will initially be created: development and production.</a:t>
-            </a:r>
-            <a:endParaRPr lang="en-US" sz="2032" dirty="0"/>
-          </a:p>
-          <a:p>
-            <a:pPr lvl="1"/>
-            <a:endParaRPr lang="en-US" sz="2032" dirty="0"/>
-          </a:p>
-          <a:p>
-            <a:pPr lvl="1"/>
-            <a:endParaRPr lang="en-US" sz="2032" dirty="0"/>
-          </a:p>
-        </p:txBody>
-      </p:sp>
-    </p:spTree>
-    <p:extLst>
-      <p:ext uri="{BB962C8B-B14F-4D97-AF65-F5344CB8AC3E}">
-        <p14:creationId xmlns:p14="http://schemas.microsoft.com/office/powerpoint/2010/main" val="1518179681"/>
       </p:ext>
     </p:extLst>
   </p:cSld>
@@ -19800,7 +20715,7 @@
                                         <p:tgtEl>
                                           <p:spTgt spid="5">
                                             <p:txEl>
-                                              <p:pRg st="5" end="5"/>
+                                              <p:pRg st="4" end="4"/>
                                             </p:txEl>
                                           </p:spTgt>
                                         </p:tgtEl>
@@ -19831,7 +20746,7 @@
                                         <p:tgtEl>
                                           <p:spTgt spid="5">
                                             <p:txEl>
-                                              <p:pRg st="6" end="6"/>
+                                              <p:pRg st="5" end="5"/>
                                             </p:txEl>
                                           </p:spTgt>
                                         </p:tgtEl>
@@ -19877,7 +20792,933 @@
 </p:sld>
 </file>
 
-<file path=ppt/slides/slide23.xml><?xml version="1.0" encoding="utf-8"?>
+<file path=ppt/slides/slide25.xml><?xml version="1.0" encoding="utf-8"?>
+<p:sld xmlns:a="http://schemas.openxmlformats.org/drawingml/2006/main" xmlns:r="http://schemas.openxmlformats.org/officeDocument/2006/relationships" xmlns:p="http://schemas.openxmlformats.org/presentationml/2006/main">
+  <p:cSld>
+    <p:spTree>
+      <p:nvGrpSpPr>
+        <p:cNvPr id="1" name=""/>
+        <p:cNvGrpSpPr/>
+        <p:nvPr/>
+      </p:nvGrpSpPr>
+      <p:grpSpPr>
+        <a:xfrm>
+          <a:off x="0" y="0"/>
+          <a:ext cx="0" cy="0"/>
+          <a:chOff x="0" y="0"/>
+          <a:chExt cx="0" cy="0"/>
+        </a:xfrm>
+      </p:grpSpPr>
+      <p:sp>
+        <p:nvSpPr>
+          <p:cNvPr id="2" name="Title 1"/>
+          <p:cNvSpPr>
+            <a:spLocks noGrp="1"/>
+          </p:cNvSpPr>
+          <p:nvPr>
+            <p:ph type="title"/>
+          </p:nvPr>
+        </p:nvSpPr>
+        <p:spPr/>
+        <p:txBody>
+          <a:bodyPr>
+            <a:normAutofit fontScale="90000"/>
+          </a:bodyPr>
+          <a:lstStyle/>
+          <a:p>
+            <a:r>
+              <a:rPr lang="en-US" sz="4900" dirty="0">
+                <a:solidFill>
+                  <a:schemeClr val="tx1"/>
+                </a:solidFill>
+              </a:rPr>
+              <a:t>Preferred solution: Azure Stack taxonomy</a:t>
+            </a:r>
+            <a:br>
+              <a:rPr lang="en-US" dirty="0">
+                <a:solidFill>
+                  <a:schemeClr val="tx1"/>
+                </a:solidFill>
+                <a:latin typeface="Segoe UI" panose="020B0502040204020203" pitchFamily="34" charset="0"/>
+              </a:rPr>
+            </a:br>
+            <a:endParaRPr lang="en-US" sz="3236" dirty="0">
+              <a:solidFill>
+                <a:schemeClr val="tx1"/>
+              </a:solidFill>
+              <a:latin typeface="Segoe UI" panose="020B0502040204020203" pitchFamily="34" charset="0"/>
+            </a:endParaRPr>
+          </a:p>
+        </p:txBody>
+      </p:sp>
+      <p:sp>
+        <p:nvSpPr>
+          <p:cNvPr id="5" name="Text Placeholder 4">
+            <a:extLst>
+              <a:ext uri="{FF2B5EF4-FFF2-40B4-BE49-F238E27FC236}">
+                <a16:creationId xmlns:a16="http://schemas.microsoft.com/office/drawing/2014/main" id="{E28EDA45-933E-4B85-A0FB-C545307C4490}"/>
+              </a:ext>
+            </a:extLst>
+          </p:cNvPr>
+          <p:cNvSpPr>
+            <a:spLocks noGrp="1"/>
+          </p:cNvSpPr>
+          <p:nvPr>
+            <p:ph type="body" sz="quarter" idx="10"/>
+          </p:nvPr>
+        </p:nvSpPr>
+        <p:spPr>
+          <a:xfrm>
+            <a:off x="269240" y="1163813"/>
+            <a:ext cx="11653523" cy="3532505"/>
+          </a:xfrm>
+        </p:spPr>
+        <p:txBody>
+          <a:bodyPr/>
+          <a:lstStyle/>
+          <a:p>
+            <a:pPr marL="0" indent="0">
+              <a:spcAft>
+                <a:spcPts val="600"/>
+              </a:spcAft>
+              <a:buNone/>
+            </a:pPr>
+            <a:r>
+              <a:rPr lang="en-US" sz="3600" dirty="0"/>
+              <a:t>Tenants</a:t>
+            </a:r>
+          </a:p>
+          <a:p>
+            <a:pPr lvl="1">
+              <a:spcAft>
+                <a:spcPts val="600"/>
+              </a:spcAft>
+            </a:pPr>
+            <a:r>
+              <a:rPr lang="en-US" sz="2800" dirty="0"/>
+              <a:t>Contoso will be setup as the primary tenant</a:t>
+            </a:r>
+          </a:p>
+          <a:p>
+            <a:pPr lvl="1">
+              <a:spcAft>
+                <a:spcPts val="600"/>
+              </a:spcAft>
+            </a:pPr>
+            <a:r>
+              <a:rPr lang="en-US" sz="2800" dirty="0"/>
+              <a:t>To accommodate requirements for integration with </a:t>
+            </a:r>
+            <a:r>
+              <a:rPr lang="en-US" sz="2800" dirty="0" err="1"/>
+              <a:t>Fabrikam</a:t>
+            </a:r>
+            <a:r>
+              <a:rPr lang="en-US" sz="2800" dirty="0"/>
+              <a:t> Azure Active Directory, FT will implement multi-tenant Azure Stack topology.</a:t>
+            </a:r>
+          </a:p>
+          <a:p>
+            <a:pPr lvl="1">
+              <a:spcAft>
+                <a:spcPts val="600"/>
+              </a:spcAft>
+            </a:pPr>
+            <a:r>
+              <a:rPr lang="en-US" sz="2800" dirty="0"/>
+              <a:t>The same topology can be further extended to include other tenants as Contoso grows its business</a:t>
+            </a:r>
+          </a:p>
+          <a:p>
+            <a:pPr lvl="1"/>
+            <a:endParaRPr lang="en-US" sz="2032" dirty="0"/>
+          </a:p>
+        </p:txBody>
+      </p:sp>
+    </p:spTree>
+    <p:extLst>
+      <p:ext uri="{BB962C8B-B14F-4D97-AF65-F5344CB8AC3E}">
+        <p14:creationId xmlns:p14="http://schemas.microsoft.com/office/powerpoint/2010/main" val="2952100936"/>
+      </p:ext>
+    </p:extLst>
+  </p:cSld>
+  <p:clrMapOvr>
+    <a:masterClrMapping/>
+  </p:clrMapOvr>
+  <mc:AlternateContent xmlns:mc="http://schemas.openxmlformats.org/markup-compatibility/2006" xmlns:p14="http://schemas.microsoft.com/office/powerpoint/2010/main">
+    <mc:Choice Requires="p14">
+      <p:transition p14:dur="0"/>
+    </mc:Choice>
+    <mc:Fallback xmlns="">
+      <p:transition/>
+    </mc:Fallback>
+  </mc:AlternateContent>
+  <p:timing>
+    <p:tnLst>
+      <p:par>
+        <p:cTn id="1" dur="indefinite" restart="never" nodeType="tmRoot">
+          <p:childTnLst>
+            <p:seq concurrent="1" nextAc="seek">
+              <p:cTn id="2" dur="indefinite" nodeType="mainSeq">
+                <p:childTnLst>
+                  <p:par>
+                    <p:cTn id="3" fill="hold">
+                      <p:stCondLst>
+                        <p:cond delay="indefinite"/>
+                      </p:stCondLst>
+                      <p:childTnLst>
+                        <p:par>
+                          <p:cTn id="4" fill="hold">
+                            <p:stCondLst>
+                              <p:cond delay="0"/>
+                            </p:stCondLst>
+                            <p:childTnLst>
+                              <p:par>
+                                <p:cTn id="5" presetID="1" presetClass="entr" presetSubtype="0" fill="hold" nodeType="clickEffect">
+                                  <p:stCondLst>
+                                    <p:cond delay="0"/>
+                                  </p:stCondLst>
+                                  <p:childTnLst>
+                                    <p:set>
+                                      <p:cBhvr>
+                                        <p:cTn id="6" dur="1" fill="hold">
+                                          <p:stCondLst>
+                                            <p:cond delay="0"/>
+                                          </p:stCondLst>
+                                        </p:cTn>
+                                        <p:tgtEl>
+                                          <p:spTgt spid="5">
+                                            <p:txEl>
+                                              <p:pRg st="0" end="0"/>
+                                            </p:txEl>
+                                          </p:spTgt>
+                                        </p:tgtEl>
+                                        <p:attrNameLst>
+                                          <p:attrName>style.visibility</p:attrName>
+                                        </p:attrNameLst>
+                                      </p:cBhvr>
+                                      <p:to>
+                                        <p:strVal val="visible"/>
+                                      </p:to>
+                                    </p:set>
+                                  </p:childTnLst>
+                                </p:cTn>
+                              </p:par>
+                              <p:par>
+                                <p:cTn id="7" presetID="1" presetClass="entr" presetSubtype="0" fill="hold" nodeType="withEffect">
+                                  <p:stCondLst>
+                                    <p:cond delay="0"/>
+                                  </p:stCondLst>
+                                  <p:childTnLst>
+                                    <p:set>
+                                      <p:cBhvr>
+                                        <p:cTn id="8" dur="1" fill="hold">
+                                          <p:stCondLst>
+                                            <p:cond delay="0"/>
+                                          </p:stCondLst>
+                                        </p:cTn>
+                                        <p:tgtEl>
+                                          <p:spTgt spid="5">
+                                            <p:txEl>
+                                              <p:pRg st="1" end="1"/>
+                                            </p:txEl>
+                                          </p:spTgt>
+                                        </p:tgtEl>
+                                        <p:attrNameLst>
+                                          <p:attrName>style.visibility</p:attrName>
+                                        </p:attrNameLst>
+                                      </p:cBhvr>
+                                      <p:to>
+                                        <p:strVal val="visible"/>
+                                      </p:to>
+                                    </p:set>
+                                  </p:childTnLst>
+                                </p:cTn>
+                              </p:par>
+                              <p:par>
+                                <p:cTn id="9" presetID="1" presetClass="entr" presetSubtype="0" fill="hold" nodeType="withEffect">
+                                  <p:stCondLst>
+                                    <p:cond delay="0"/>
+                                  </p:stCondLst>
+                                  <p:childTnLst>
+                                    <p:set>
+                                      <p:cBhvr>
+                                        <p:cTn id="10" dur="1" fill="hold">
+                                          <p:stCondLst>
+                                            <p:cond delay="0"/>
+                                          </p:stCondLst>
+                                        </p:cTn>
+                                        <p:tgtEl>
+                                          <p:spTgt spid="5">
+                                            <p:txEl>
+                                              <p:pRg st="2" end="2"/>
+                                            </p:txEl>
+                                          </p:spTgt>
+                                        </p:tgtEl>
+                                        <p:attrNameLst>
+                                          <p:attrName>style.visibility</p:attrName>
+                                        </p:attrNameLst>
+                                      </p:cBhvr>
+                                      <p:to>
+                                        <p:strVal val="visible"/>
+                                      </p:to>
+                                    </p:set>
+                                  </p:childTnLst>
+                                </p:cTn>
+                              </p:par>
+                              <p:par>
+                                <p:cTn id="11" presetID="1" presetClass="entr" presetSubtype="0" fill="hold" nodeType="withEffect">
+                                  <p:stCondLst>
+                                    <p:cond delay="0"/>
+                                  </p:stCondLst>
+                                  <p:childTnLst>
+                                    <p:set>
+                                      <p:cBhvr>
+                                        <p:cTn id="12" dur="1" fill="hold">
+                                          <p:stCondLst>
+                                            <p:cond delay="0"/>
+                                          </p:stCondLst>
+                                        </p:cTn>
+                                        <p:tgtEl>
+                                          <p:spTgt spid="5">
+                                            <p:txEl>
+                                              <p:pRg st="3" end="3"/>
+                                            </p:txEl>
+                                          </p:spTgt>
+                                        </p:tgtEl>
+                                        <p:attrNameLst>
+                                          <p:attrName>style.visibility</p:attrName>
+                                        </p:attrNameLst>
+                                      </p:cBhvr>
+                                      <p:to>
+                                        <p:strVal val="visible"/>
+                                      </p:to>
+                                    </p:set>
+                                  </p:childTnLst>
+                                </p:cTn>
+                              </p:par>
+                            </p:childTnLst>
+                          </p:cTn>
+                        </p:par>
+                      </p:childTnLst>
+                    </p:cTn>
+                  </p:par>
+                </p:childTnLst>
+              </p:cTn>
+              <p:prevCondLst>
+                <p:cond evt="onPrev" delay="0">
+                  <p:tgtEl>
+                    <p:sldTgt/>
+                  </p:tgtEl>
+                </p:cond>
+              </p:prevCondLst>
+              <p:nextCondLst>
+                <p:cond evt="onNext" delay="0">
+                  <p:tgtEl>
+                    <p:sldTgt/>
+                  </p:tgtEl>
+                </p:cond>
+              </p:nextCondLst>
+            </p:seq>
+          </p:childTnLst>
+        </p:cTn>
+      </p:par>
+    </p:tnLst>
+  </p:timing>
+</p:sld>
+</file>
+
+<file path=ppt/slides/slide26.xml><?xml version="1.0" encoding="utf-8"?>
+<p:sld xmlns:a="http://schemas.openxmlformats.org/drawingml/2006/main" xmlns:r="http://schemas.openxmlformats.org/officeDocument/2006/relationships" xmlns:p="http://schemas.openxmlformats.org/presentationml/2006/main">
+  <p:cSld>
+    <p:spTree>
+      <p:nvGrpSpPr>
+        <p:cNvPr id="1" name=""/>
+        <p:cNvGrpSpPr/>
+        <p:nvPr/>
+      </p:nvGrpSpPr>
+      <p:grpSpPr>
+        <a:xfrm>
+          <a:off x="0" y="0"/>
+          <a:ext cx="0" cy="0"/>
+          <a:chOff x="0" y="0"/>
+          <a:chExt cx="0" cy="0"/>
+        </a:xfrm>
+      </p:grpSpPr>
+      <p:sp>
+        <p:nvSpPr>
+          <p:cNvPr id="2" name="Title 1"/>
+          <p:cNvSpPr>
+            <a:spLocks noGrp="1"/>
+          </p:cNvSpPr>
+          <p:nvPr>
+            <p:ph type="title"/>
+          </p:nvPr>
+        </p:nvSpPr>
+        <p:spPr/>
+        <p:txBody>
+          <a:bodyPr>
+            <a:normAutofit fontScale="90000"/>
+          </a:bodyPr>
+          <a:lstStyle/>
+          <a:p>
+            <a:r>
+              <a:rPr lang="en-US" sz="4900" dirty="0">
+                <a:solidFill>
+                  <a:schemeClr val="tx1"/>
+                </a:solidFill>
+              </a:rPr>
+              <a:t>Preferred solution: Azure Stack taxonomy</a:t>
+            </a:r>
+            <a:br>
+              <a:rPr lang="en-US" dirty="0">
+                <a:solidFill>
+                  <a:schemeClr val="tx1"/>
+                </a:solidFill>
+                <a:latin typeface="Segoe UI" panose="020B0502040204020203" pitchFamily="34" charset="0"/>
+              </a:rPr>
+            </a:br>
+            <a:endParaRPr lang="en-US" sz="3236" dirty="0">
+              <a:solidFill>
+                <a:schemeClr val="tx1"/>
+              </a:solidFill>
+              <a:latin typeface="Segoe UI" panose="020B0502040204020203" pitchFamily="34" charset="0"/>
+            </a:endParaRPr>
+          </a:p>
+        </p:txBody>
+      </p:sp>
+      <p:sp>
+        <p:nvSpPr>
+          <p:cNvPr id="5" name="Text Placeholder 4">
+            <a:extLst>
+              <a:ext uri="{FF2B5EF4-FFF2-40B4-BE49-F238E27FC236}">
+                <a16:creationId xmlns:a16="http://schemas.microsoft.com/office/drawing/2014/main" id="{E28EDA45-933E-4B85-A0FB-C545307C4490}"/>
+              </a:ext>
+            </a:extLst>
+          </p:cNvPr>
+          <p:cNvSpPr>
+            <a:spLocks noGrp="1"/>
+          </p:cNvSpPr>
+          <p:nvPr>
+            <p:ph type="body" sz="quarter" idx="10"/>
+          </p:nvPr>
+        </p:nvSpPr>
+        <p:spPr>
+          <a:xfrm>
+            <a:off x="269240" y="1084701"/>
+            <a:ext cx="11653523" cy="6440225"/>
+          </a:xfrm>
+        </p:spPr>
+        <p:txBody>
+          <a:bodyPr/>
+          <a:lstStyle/>
+          <a:p>
+            <a:pPr marL="0" indent="0">
+              <a:spcAft>
+                <a:spcPts val="600"/>
+              </a:spcAft>
+              <a:buNone/>
+            </a:pPr>
+            <a:r>
+              <a:rPr lang="en-US" sz="3600" dirty="0"/>
+              <a:t>Subscriptions</a:t>
+            </a:r>
+          </a:p>
+          <a:p>
+            <a:pPr lvl="1">
+              <a:spcAft>
+                <a:spcPts val="600"/>
+              </a:spcAft>
+            </a:pPr>
+            <a:r>
+              <a:rPr lang="en-US" sz="2800" dirty="0"/>
+              <a:t>The Azure Stack environment will contain multiple subscriptions. </a:t>
+            </a:r>
+          </a:p>
+          <a:p>
+            <a:pPr lvl="1">
+              <a:spcAft>
+                <a:spcPts val="600"/>
+              </a:spcAft>
+            </a:pPr>
+            <a:r>
+              <a:rPr lang="en-US" sz="2800" dirty="0"/>
+              <a:t>Distinct subscriptions will facilitate cost allocation and chargeback processes.</a:t>
+            </a:r>
+            <a:endParaRPr lang="en-US" sz="2032" dirty="0"/>
+          </a:p>
+          <a:p>
+            <a:r>
+              <a:rPr lang="en-US" sz="3600" dirty="0"/>
+              <a:t>Plans and quotas</a:t>
+            </a:r>
+          </a:p>
+          <a:p>
+            <a:pPr lvl="1"/>
+            <a:r>
+              <a:rPr lang="en-US" sz="2800" dirty="0"/>
+              <a:t>FT will create plans to offer the Contoso tenant.</a:t>
+            </a:r>
+          </a:p>
+          <a:p>
+            <a:pPr lvl="1"/>
+            <a:r>
+              <a:rPr lang="en-US" sz="2800" dirty="0"/>
+              <a:t>Two plans will initially be created: development and production.</a:t>
+            </a:r>
+          </a:p>
+          <a:p>
+            <a:pPr lvl="1"/>
+            <a:r>
+              <a:rPr lang="en-US" sz="2800" dirty="0"/>
+              <a:t>All services will be allowed for these subscriptions with quotas set lower for development.</a:t>
+            </a:r>
+          </a:p>
+          <a:p>
+            <a:r>
+              <a:rPr lang="en-US" sz="3600" dirty="0"/>
+              <a:t>Offers</a:t>
+            </a:r>
+          </a:p>
+          <a:p>
+            <a:pPr lvl="1"/>
+            <a:r>
+              <a:rPr lang="en-US" sz="2800" dirty="0"/>
+              <a:t>Two offers will initially be created: development and production.</a:t>
+            </a:r>
+            <a:endParaRPr lang="en-US" sz="2032" dirty="0"/>
+          </a:p>
+          <a:p>
+            <a:pPr lvl="1"/>
+            <a:endParaRPr lang="en-US" sz="2032" dirty="0"/>
+          </a:p>
+          <a:p>
+            <a:pPr lvl="1"/>
+            <a:endParaRPr lang="en-US" sz="2032" dirty="0"/>
+          </a:p>
+        </p:txBody>
+      </p:sp>
+    </p:spTree>
+    <p:extLst>
+      <p:ext uri="{BB962C8B-B14F-4D97-AF65-F5344CB8AC3E}">
+        <p14:creationId xmlns:p14="http://schemas.microsoft.com/office/powerpoint/2010/main" val="1518179681"/>
+      </p:ext>
+    </p:extLst>
+  </p:cSld>
+  <p:clrMapOvr>
+    <a:masterClrMapping/>
+  </p:clrMapOvr>
+  <mc:AlternateContent xmlns:mc="http://schemas.openxmlformats.org/markup-compatibility/2006" xmlns:p14="http://schemas.microsoft.com/office/powerpoint/2010/main">
+    <mc:Choice Requires="p14">
+      <p:transition p14:dur="0"/>
+    </mc:Choice>
+    <mc:Fallback xmlns="">
+      <p:transition/>
+    </mc:Fallback>
+  </mc:AlternateContent>
+  <p:timing>
+    <p:tnLst>
+      <p:par>
+        <p:cTn id="1" dur="indefinite" restart="never" nodeType="tmRoot">
+          <p:childTnLst>
+            <p:seq concurrent="1" nextAc="seek">
+              <p:cTn id="2" dur="indefinite" nodeType="mainSeq">
+                <p:childTnLst>
+                  <p:par>
+                    <p:cTn id="3" fill="hold">
+                      <p:stCondLst>
+                        <p:cond delay="indefinite"/>
+                      </p:stCondLst>
+                      <p:childTnLst>
+                        <p:par>
+                          <p:cTn id="4" fill="hold">
+                            <p:stCondLst>
+                              <p:cond delay="0"/>
+                            </p:stCondLst>
+                            <p:childTnLst>
+                              <p:par>
+                                <p:cTn id="5" presetID="1" presetClass="entr" presetSubtype="0" fill="hold" nodeType="clickEffect">
+                                  <p:stCondLst>
+                                    <p:cond delay="0"/>
+                                  </p:stCondLst>
+                                  <p:childTnLst>
+                                    <p:set>
+                                      <p:cBhvr>
+                                        <p:cTn id="6" dur="1" fill="hold">
+                                          <p:stCondLst>
+                                            <p:cond delay="0"/>
+                                          </p:stCondLst>
+                                        </p:cTn>
+                                        <p:tgtEl>
+                                          <p:spTgt spid="5">
+                                            <p:txEl>
+                                              <p:pRg st="0" end="0"/>
+                                            </p:txEl>
+                                          </p:spTgt>
+                                        </p:tgtEl>
+                                        <p:attrNameLst>
+                                          <p:attrName>style.visibility</p:attrName>
+                                        </p:attrNameLst>
+                                      </p:cBhvr>
+                                      <p:to>
+                                        <p:strVal val="visible"/>
+                                      </p:to>
+                                    </p:set>
+                                  </p:childTnLst>
+                                </p:cTn>
+                              </p:par>
+                            </p:childTnLst>
+                          </p:cTn>
+                        </p:par>
+                      </p:childTnLst>
+                    </p:cTn>
+                  </p:par>
+                  <p:par>
+                    <p:cTn id="7" fill="hold">
+                      <p:stCondLst>
+                        <p:cond delay="indefinite"/>
+                      </p:stCondLst>
+                      <p:childTnLst>
+                        <p:par>
+                          <p:cTn id="8" fill="hold">
+                            <p:stCondLst>
+                              <p:cond delay="0"/>
+                            </p:stCondLst>
+                            <p:childTnLst>
+                              <p:par>
+                                <p:cTn id="9" presetID="1" presetClass="entr" presetSubtype="0" fill="hold" nodeType="clickEffect">
+                                  <p:stCondLst>
+                                    <p:cond delay="0"/>
+                                  </p:stCondLst>
+                                  <p:childTnLst>
+                                    <p:set>
+                                      <p:cBhvr>
+                                        <p:cTn id="10" dur="1" fill="hold">
+                                          <p:stCondLst>
+                                            <p:cond delay="0"/>
+                                          </p:stCondLst>
+                                        </p:cTn>
+                                        <p:tgtEl>
+                                          <p:spTgt spid="5">
+                                            <p:txEl>
+                                              <p:pRg st="1" end="1"/>
+                                            </p:txEl>
+                                          </p:spTgt>
+                                        </p:tgtEl>
+                                        <p:attrNameLst>
+                                          <p:attrName>style.visibility</p:attrName>
+                                        </p:attrNameLst>
+                                      </p:cBhvr>
+                                      <p:to>
+                                        <p:strVal val="visible"/>
+                                      </p:to>
+                                    </p:set>
+                                  </p:childTnLst>
+                                </p:cTn>
+                              </p:par>
+                            </p:childTnLst>
+                          </p:cTn>
+                        </p:par>
+                      </p:childTnLst>
+                    </p:cTn>
+                  </p:par>
+                  <p:par>
+                    <p:cTn id="11" fill="hold">
+                      <p:stCondLst>
+                        <p:cond delay="indefinite"/>
+                      </p:stCondLst>
+                      <p:childTnLst>
+                        <p:par>
+                          <p:cTn id="12" fill="hold">
+                            <p:stCondLst>
+                              <p:cond delay="0"/>
+                            </p:stCondLst>
+                            <p:childTnLst>
+                              <p:par>
+                                <p:cTn id="13" presetID="1" presetClass="entr" presetSubtype="0" fill="hold" nodeType="clickEffect">
+                                  <p:stCondLst>
+                                    <p:cond delay="0"/>
+                                  </p:stCondLst>
+                                  <p:childTnLst>
+                                    <p:set>
+                                      <p:cBhvr>
+                                        <p:cTn id="14" dur="1" fill="hold">
+                                          <p:stCondLst>
+                                            <p:cond delay="0"/>
+                                          </p:stCondLst>
+                                        </p:cTn>
+                                        <p:tgtEl>
+                                          <p:spTgt spid="5">
+                                            <p:txEl>
+                                              <p:pRg st="2" end="2"/>
+                                            </p:txEl>
+                                          </p:spTgt>
+                                        </p:tgtEl>
+                                        <p:attrNameLst>
+                                          <p:attrName>style.visibility</p:attrName>
+                                        </p:attrNameLst>
+                                      </p:cBhvr>
+                                      <p:to>
+                                        <p:strVal val="visible"/>
+                                      </p:to>
+                                    </p:set>
+                                  </p:childTnLst>
+                                </p:cTn>
+                              </p:par>
+                            </p:childTnLst>
+                          </p:cTn>
+                        </p:par>
+                      </p:childTnLst>
+                    </p:cTn>
+                  </p:par>
+                  <p:par>
+                    <p:cTn id="15" fill="hold">
+                      <p:stCondLst>
+                        <p:cond delay="indefinite"/>
+                      </p:stCondLst>
+                      <p:childTnLst>
+                        <p:par>
+                          <p:cTn id="16" fill="hold">
+                            <p:stCondLst>
+                              <p:cond delay="0"/>
+                            </p:stCondLst>
+                            <p:childTnLst>
+                              <p:par>
+                                <p:cTn id="17" presetID="1" presetClass="entr" presetSubtype="0" fill="hold" nodeType="clickEffect">
+                                  <p:stCondLst>
+                                    <p:cond delay="0"/>
+                                  </p:stCondLst>
+                                  <p:childTnLst>
+                                    <p:set>
+                                      <p:cBhvr>
+                                        <p:cTn id="18" dur="1" fill="hold">
+                                          <p:stCondLst>
+                                            <p:cond delay="0"/>
+                                          </p:stCondLst>
+                                        </p:cTn>
+                                        <p:tgtEl>
+                                          <p:spTgt spid="5">
+                                            <p:txEl>
+                                              <p:pRg st="3" end="3"/>
+                                            </p:txEl>
+                                          </p:spTgt>
+                                        </p:tgtEl>
+                                        <p:attrNameLst>
+                                          <p:attrName>style.visibility</p:attrName>
+                                        </p:attrNameLst>
+                                      </p:cBhvr>
+                                      <p:to>
+                                        <p:strVal val="visible"/>
+                                      </p:to>
+                                    </p:set>
+                                  </p:childTnLst>
+                                </p:cTn>
+                              </p:par>
+                              <p:par>
+                                <p:cTn id="19" presetID="1" presetClass="entr" presetSubtype="0" fill="hold" nodeType="withEffect">
+                                  <p:stCondLst>
+                                    <p:cond delay="0"/>
+                                  </p:stCondLst>
+                                  <p:childTnLst>
+                                    <p:set>
+                                      <p:cBhvr>
+                                        <p:cTn id="20" dur="1" fill="hold">
+                                          <p:stCondLst>
+                                            <p:cond delay="0"/>
+                                          </p:stCondLst>
+                                        </p:cTn>
+                                        <p:tgtEl>
+                                          <p:spTgt spid="5">
+                                            <p:txEl>
+                                              <p:pRg st="4" end="4"/>
+                                            </p:txEl>
+                                          </p:spTgt>
+                                        </p:tgtEl>
+                                        <p:attrNameLst>
+                                          <p:attrName>style.visibility</p:attrName>
+                                        </p:attrNameLst>
+                                      </p:cBhvr>
+                                      <p:to>
+                                        <p:strVal val="visible"/>
+                                      </p:to>
+                                    </p:set>
+                                  </p:childTnLst>
+                                </p:cTn>
+                              </p:par>
+                              <p:par>
+                                <p:cTn id="21" presetID="1" presetClass="entr" presetSubtype="0" fill="hold" nodeType="withEffect">
+                                  <p:stCondLst>
+                                    <p:cond delay="0"/>
+                                  </p:stCondLst>
+                                  <p:childTnLst>
+                                    <p:set>
+                                      <p:cBhvr>
+                                        <p:cTn id="22" dur="1" fill="hold">
+                                          <p:stCondLst>
+                                            <p:cond delay="0"/>
+                                          </p:stCondLst>
+                                        </p:cTn>
+                                        <p:tgtEl>
+                                          <p:spTgt spid="5">
+                                            <p:txEl>
+                                              <p:pRg st="5" end="5"/>
+                                            </p:txEl>
+                                          </p:spTgt>
+                                        </p:tgtEl>
+                                        <p:attrNameLst>
+                                          <p:attrName>style.visibility</p:attrName>
+                                        </p:attrNameLst>
+                                      </p:cBhvr>
+                                      <p:to>
+                                        <p:strVal val="visible"/>
+                                      </p:to>
+                                    </p:set>
+                                  </p:childTnLst>
+                                </p:cTn>
+                              </p:par>
+                              <p:par>
+                                <p:cTn id="23" presetID="1" presetClass="entr" presetSubtype="0" fill="hold" nodeType="withEffect">
+                                  <p:stCondLst>
+                                    <p:cond delay="0"/>
+                                  </p:stCondLst>
+                                  <p:childTnLst>
+                                    <p:set>
+                                      <p:cBhvr>
+                                        <p:cTn id="24" dur="1" fill="hold">
+                                          <p:stCondLst>
+                                            <p:cond delay="0"/>
+                                          </p:stCondLst>
+                                        </p:cTn>
+                                        <p:tgtEl>
+                                          <p:spTgt spid="5">
+                                            <p:txEl>
+                                              <p:pRg st="6" end="6"/>
+                                            </p:txEl>
+                                          </p:spTgt>
+                                        </p:tgtEl>
+                                        <p:attrNameLst>
+                                          <p:attrName>style.visibility</p:attrName>
+                                        </p:attrNameLst>
+                                      </p:cBhvr>
+                                      <p:to>
+                                        <p:strVal val="visible"/>
+                                      </p:to>
+                                    </p:set>
+                                  </p:childTnLst>
+                                </p:cTn>
+                              </p:par>
+                            </p:childTnLst>
+                          </p:cTn>
+                        </p:par>
+                      </p:childTnLst>
+                    </p:cTn>
+                  </p:par>
+                  <p:par>
+                    <p:cTn id="25" fill="hold">
+                      <p:stCondLst>
+                        <p:cond delay="indefinite"/>
+                      </p:stCondLst>
+                      <p:childTnLst>
+                        <p:par>
+                          <p:cTn id="26" fill="hold">
+                            <p:stCondLst>
+                              <p:cond delay="0"/>
+                            </p:stCondLst>
+                            <p:childTnLst>
+                              <p:par>
+                                <p:cTn id="27" presetID="1" presetClass="entr" presetSubtype="0" fill="hold" nodeType="clickEffect">
+                                  <p:stCondLst>
+                                    <p:cond delay="0"/>
+                                  </p:stCondLst>
+                                  <p:childTnLst>
+                                    <p:set>
+                                      <p:cBhvr>
+                                        <p:cTn id="28" dur="1" fill="hold">
+                                          <p:stCondLst>
+                                            <p:cond delay="0"/>
+                                          </p:stCondLst>
+                                        </p:cTn>
+                                        <p:tgtEl>
+                                          <p:spTgt spid="5">
+                                            <p:txEl>
+                                              <p:pRg st="7" end="7"/>
+                                            </p:txEl>
+                                          </p:spTgt>
+                                        </p:tgtEl>
+                                        <p:attrNameLst>
+                                          <p:attrName>style.visibility</p:attrName>
+                                        </p:attrNameLst>
+                                      </p:cBhvr>
+                                      <p:to>
+                                        <p:strVal val="visible"/>
+                                      </p:to>
+                                    </p:set>
+                                  </p:childTnLst>
+                                </p:cTn>
+                              </p:par>
+                              <p:par>
+                                <p:cTn id="29" presetID="1" presetClass="entr" presetSubtype="0" fill="hold" nodeType="withEffect">
+                                  <p:stCondLst>
+                                    <p:cond delay="0"/>
+                                  </p:stCondLst>
+                                  <p:childTnLst>
+                                    <p:set>
+                                      <p:cBhvr>
+                                        <p:cTn id="30" dur="1" fill="hold">
+                                          <p:stCondLst>
+                                            <p:cond delay="0"/>
+                                          </p:stCondLst>
+                                        </p:cTn>
+                                        <p:tgtEl>
+                                          <p:spTgt spid="5">
+                                            <p:txEl>
+                                              <p:pRg st="8" end="8"/>
+                                            </p:txEl>
+                                          </p:spTgt>
+                                        </p:tgtEl>
+                                        <p:attrNameLst>
+                                          <p:attrName>style.visibility</p:attrName>
+                                        </p:attrNameLst>
+                                      </p:cBhvr>
+                                      <p:to>
+                                        <p:strVal val="visible"/>
+                                      </p:to>
+                                    </p:set>
+                                  </p:childTnLst>
+                                </p:cTn>
+                              </p:par>
+                            </p:childTnLst>
+                          </p:cTn>
+                        </p:par>
+                      </p:childTnLst>
+                    </p:cTn>
+                  </p:par>
+                </p:childTnLst>
+              </p:cTn>
+              <p:prevCondLst>
+                <p:cond evt="onPrev" delay="0">
+                  <p:tgtEl>
+                    <p:sldTgt/>
+                  </p:tgtEl>
+                </p:cond>
+              </p:prevCondLst>
+              <p:nextCondLst>
+                <p:cond evt="onNext" delay="0">
+                  <p:tgtEl>
+                    <p:sldTgt/>
+                  </p:tgtEl>
+                </p:cond>
+              </p:nextCondLst>
+            </p:seq>
+          </p:childTnLst>
+        </p:cTn>
+      </p:par>
+    </p:tnLst>
+  </p:timing>
+</p:sld>
+</file>
+
+<file path=ppt/slides/slide27.xml><?xml version="1.0" encoding="utf-8"?>
 <p:sld xmlns:a="http://schemas.openxmlformats.org/drawingml/2006/main" xmlns:r="http://schemas.openxmlformats.org/officeDocument/2006/relationships" xmlns:p="http://schemas.openxmlformats.org/presentationml/2006/main">
   <p:cSld>
     <p:spTree>
@@ -20313,7 +22154,7 @@
 </p:sld>
 </file>
 
-<file path=ppt/slides/slide24.xml><?xml version="1.0" encoding="utf-8"?>
+<file path=ppt/slides/slide28.xml><?xml version="1.0" encoding="utf-8"?>
 <p:sld xmlns:a="http://schemas.openxmlformats.org/drawingml/2006/main" xmlns:r="http://schemas.openxmlformats.org/officeDocument/2006/relationships" xmlns:p="http://schemas.openxmlformats.org/presentationml/2006/main">
   <p:cSld>
     <p:spTree>
@@ -20423,7 +22264,7 @@
 </p:sld>
 </file>
 
-<file path=ppt/slides/slide25.xml><?xml version="1.0" encoding="utf-8"?>
+<file path=ppt/slides/slide29.xml><?xml version="1.0" encoding="utf-8"?>
 <p:sld xmlns:a="http://schemas.openxmlformats.org/drawingml/2006/main" xmlns:r="http://schemas.openxmlformats.org/officeDocument/2006/relationships" xmlns:p="http://schemas.openxmlformats.org/presentationml/2006/main">
   <p:cSld>
     <p:spTree>
@@ -20630,7 +22471,189 @@
 </p:sld>
 </file>
 
-<file path=ppt/slides/slide26.xml><?xml version="1.0" encoding="utf-8"?>
+<file path=ppt/slides/slide3.xml><?xml version="1.0" encoding="utf-8"?>
+<p:sld xmlns:a="http://schemas.openxmlformats.org/drawingml/2006/main" xmlns:r="http://schemas.openxmlformats.org/officeDocument/2006/relationships" xmlns:p="http://schemas.openxmlformats.org/presentationml/2006/main">
+  <p:cSld>
+    <p:bg>
+      <p:bgPr>
+        <a:solidFill>
+          <a:schemeClr val="bg2"/>
+        </a:solidFill>
+        <a:effectLst/>
+      </p:bgPr>
+    </p:bg>
+    <p:spTree>
+      <p:nvGrpSpPr>
+        <p:cNvPr id="1" name=""/>
+        <p:cNvGrpSpPr/>
+        <p:nvPr/>
+      </p:nvGrpSpPr>
+      <p:grpSpPr>
+        <a:xfrm>
+          <a:off x="0" y="0"/>
+          <a:ext cx="0" cy="0"/>
+          <a:chOff x="0" y="0"/>
+          <a:chExt cx="0" cy="0"/>
+        </a:xfrm>
+      </p:grpSpPr>
+      <p:sp>
+        <p:nvSpPr>
+          <p:cNvPr id="2" name="Title 1"/>
+          <p:cNvSpPr>
+            <a:spLocks noGrp="1"/>
+          </p:cNvSpPr>
+          <p:nvPr>
+            <p:ph type="title"/>
+          </p:nvPr>
+        </p:nvSpPr>
+        <p:spPr/>
+        <p:txBody>
+          <a:bodyPr>
+            <a:normAutofit/>
+          </a:bodyPr>
+          <a:lstStyle/>
+          <a:p>
+            <a:r>
+              <a:rPr lang="en-US" sz="4400" dirty="0">
+                <a:solidFill>
+                  <a:schemeClr val="tx1"/>
+                </a:solidFill>
+                <a:latin typeface="Segoe UI Light" panose="020B0502040204020203" pitchFamily="34" charset="0"/>
+                <a:cs typeface="Segoe UI Light" panose="020B0502040204020203" pitchFamily="34" charset="0"/>
+              </a:rPr>
+              <a:t>Step 1: Review the customer case study</a:t>
+            </a:r>
+          </a:p>
+        </p:txBody>
+      </p:sp>
+      <p:sp>
+        <p:nvSpPr>
+          <p:cNvPr id="9" name="TextBox 8">
+            <a:extLst>
+              <a:ext uri="{FF2B5EF4-FFF2-40B4-BE49-F238E27FC236}">
+                <a16:creationId xmlns:a16="http://schemas.microsoft.com/office/drawing/2014/main" id="{0F86F9F9-39B5-4CE6-AF48-9ADAE40EA728}"/>
+              </a:ext>
+            </a:extLst>
+          </p:cNvPr>
+          <p:cNvSpPr txBox="1"/>
+          <p:nvPr/>
+        </p:nvSpPr>
+        <p:spPr>
+          <a:xfrm>
+            <a:off x="340285" y="1741246"/>
+            <a:ext cx="7247965" cy="2597634"/>
+          </a:xfrm>
+          <a:prstGeom prst="rect">
+            <a:avLst/>
+          </a:prstGeom>
+          <a:noFill/>
+        </p:spPr>
+        <p:txBody>
+          <a:bodyPr wrap="square" lIns="182880" tIns="146304" rIns="182880" bIns="146304" rtlCol="0">
+            <a:spAutoFit/>
+          </a:bodyPr>
+          <a:lstStyle/>
+          <a:p>
+            <a:pPr>
+              <a:lnSpc>
+                <a:spcPct val="90000"/>
+              </a:lnSpc>
+              <a:spcAft>
+                <a:spcPts val="600"/>
+              </a:spcAft>
+            </a:pPr>
+            <a:r>
+              <a:rPr lang="en-US" sz="3600" dirty="0">
+                <a:latin typeface="+mj-lt"/>
+              </a:rPr>
+              <a:t>Outcome</a:t>
+            </a:r>
+          </a:p>
+          <a:p>
+            <a:pPr>
+              <a:lnSpc>
+                <a:spcPct val="90000"/>
+              </a:lnSpc>
+              <a:spcAft>
+                <a:spcPts val="600"/>
+              </a:spcAft>
+            </a:pPr>
+            <a:r>
+              <a:rPr lang="en-US" sz="2400" dirty="0">
+                <a:latin typeface="Segoe UI Semilight" panose="020B0402040204020203" pitchFamily="34" charset="0"/>
+                <a:cs typeface="Segoe UI Semilight" panose="020B0402040204020203" pitchFamily="34" charset="0"/>
+              </a:rPr>
+              <a:t>Analyze your customer needs.</a:t>
+            </a:r>
+          </a:p>
+          <a:p>
+            <a:pPr>
+              <a:lnSpc>
+                <a:spcPct val="90000"/>
+              </a:lnSpc>
+              <a:spcAft>
+                <a:spcPts val="600"/>
+              </a:spcAft>
+            </a:pPr>
+            <a:endParaRPr lang="en-US" sz="2400" dirty="0"/>
+          </a:p>
+          <a:p>
+            <a:pPr>
+              <a:lnSpc>
+                <a:spcPct val="90000"/>
+              </a:lnSpc>
+              <a:spcAft>
+                <a:spcPts val="600"/>
+              </a:spcAft>
+            </a:pPr>
+            <a:r>
+              <a:rPr lang="en-US" sz="3600" dirty="0">
+                <a:latin typeface="+mj-lt"/>
+              </a:rPr>
+              <a:t>Timeframe</a:t>
+            </a:r>
+          </a:p>
+          <a:p>
+            <a:pPr>
+              <a:lnSpc>
+                <a:spcPct val="90000"/>
+              </a:lnSpc>
+              <a:spcAft>
+                <a:spcPts val="600"/>
+              </a:spcAft>
+            </a:pPr>
+            <a:r>
+              <a:rPr lang="en-US" sz="2400" dirty="0">
+                <a:latin typeface="Segoe UI Semilight" panose="020B0402040204020203" pitchFamily="34" charset="0"/>
+                <a:cs typeface="Segoe UI Semilight" panose="020B0402040204020203" pitchFamily="34" charset="0"/>
+              </a:rPr>
+              <a:t>15 minutes</a:t>
+            </a:r>
+          </a:p>
+        </p:txBody>
+      </p:sp>
+    </p:spTree>
+    <p:extLst>
+      <p:ext uri="{BB962C8B-B14F-4D97-AF65-F5344CB8AC3E}">
+        <p14:creationId xmlns:p14="http://schemas.microsoft.com/office/powerpoint/2010/main" val="2071289292"/>
+      </p:ext>
+    </p:extLst>
+  </p:cSld>
+  <p:clrMapOvr>
+    <a:masterClrMapping/>
+  </p:clrMapOvr>
+  <mc:AlternateContent xmlns:mc="http://schemas.openxmlformats.org/markup-compatibility/2006" xmlns:p14="http://schemas.microsoft.com/office/powerpoint/2010/main">
+    <mc:Choice Requires="p14">
+      <p:transition p14:dur="0"/>
+    </mc:Choice>
+    <mc:Fallback xmlns="">
+      <p:transition/>
+    </mc:Fallback>
+  </mc:AlternateContent>
+</p:sld>
+</file>
+
+<file path=ppt/slides/slide30.xml><?xml version="1.0" encoding="utf-8"?>
 <p:sld xmlns:a="http://schemas.openxmlformats.org/drawingml/2006/main" xmlns:r="http://schemas.openxmlformats.org/officeDocument/2006/relationships" xmlns:p="http://schemas.openxmlformats.org/presentationml/2006/main">
   <p:cSld>
     <p:spTree>
@@ -20755,7 +22778,7 @@
 </p:sld>
 </file>
 
-<file path=ppt/slides/slide27.xml><?xml version="1.0" encoding="utf-8"?>
+<file path=ppt/slides/slide31.xml><?xml version="1.0" encoding="utf-8"?>
 <p:sld xmlns:a="http://schemas.openxmlformats.org/drawingml/2006/main" xmlns:r="http://schemas.openxmlformats.org/officeDocument/2006/relationships" xmlns:p="http://schemas.openxmlformats.org/presentationml/2006/main">
   <p:cSld>
     <p:spTree>
@@ -20873,7 +22896,7 @@
 </p:sld>
 </file>
 
-<file path=ppt/slides/slide28.xml><?xml version="1.0" encoding="utf-8"?>
+<file path=ppt/slides/slide32.xml><?xml version="1.0" encoding="utf-8"?>
 <p:sld xmlns:a="http://schemas.openxmlformats.org/drawingml/2006/main" xmlns:r="http://schemas.openxmlformats.org/officeDocument/2006/relationships" xmlns:p="http://schemas.openxmlformats.org/presentationml/2006/main">
   <p:cSld>
     <p:spTree>
@@ -21221,7 +23244,7 @@
 </p:sld>
 </file>
 
-<file path=ppt/slides/slide29.xml><?xml version="1.0" encoding="utf-8"?>
+<file path=ppt/slides/slide33.xml><?xml version="1.0" encoding="utf-8"?>
 <p:sld xmlns:a="http://schemas.openxmlformats.org/drawingml/2006/main" xmlns:r="http://schemas.openxmlformats.org/officeDocument/2006/relationships" xmlns:p="http://schemas.openxmlformats.org/presentationml/2006/main">
   <p:cSld>
     <p:spTree>
@@ -21546,189 +23569,7 @@
 </p:sld>
 </file>
 
-<file path=ppt/slides/slide3.xml><?xml version="1.0" encoding="utf-8"?>
-<p:sld xmlns:a="http://schemas.openxmlformats.org/drawingml/2006/main" xmlns:r="http://schemas.openxmlformats.org/officeDocument/2006/relationships" xmlns:p="http://schemas.openxmlformats.org/presentationml/2006/main">
-  <p:cSld>
-    <p:bg>
-      <p:bgPr>
-        <a:solidFill>
-          <a:schemeClr val="bg2"/>
-        </a:solidFill>
-        <a:effectLst/>
-      </p:bgPr>
-    </p:bg>
-    <p:spTree>
-      <p:nvGrpSpPr>
-        <p:cNvPr id="1" name=""/>
-        <p:cNvGrpSpPr/>
-        <p:nvPr/>
-      </p:nvGrpSpPr>
-      <p:grpSpPr>
-        <a:xfrm>
-          <a:off x="0" y="0"/>
-          <a:ext cx="0" cy="0"/>
-          <a:chOff x="0" y="0"/>
-          <a:chExt cx="0" cy="0"/>
-        </a:xfrm>
-      </p:grpSpPr>
-      <p:sp>
-        <p:nvSpPr>
-          <p:cNvPr id="2" name="Title 1"/>
-          <p:cNvSpPr>
-            <a:spLocks noGrp="1"/>
-          </p:cNvSpPr>
-          <p:nvPr>
-            <p:ph type="title"/>
-          </p:nvPr>
-        </p:nvSpPr>
-        <p:spPr/>
-        <p:txBody>
-          <a:bodyPr>
-            <a:normAutofit/>
-          </a:bodyPr>
-          <a:lstStyle/>
-          <a:p>
-            <a:r>
-              <a:rPr lang="en-US" sz="4400" dirty="0">
-                <a:solidFill>
-                  <a:schemeClr val="tx1"/>
-                </a:solidFill>
-                <a:latin typeface="Segoe UI Light" panose="020B0502040204020203" pitchFamily="34" charset="0"/>
-                <a:cs typeface="Segoe UI Light" panose="020B0502040204020203" pitchFamily="34" charset="0"/>
-              </a:rPr>
-              <a:t>Step 1: Review the customer case study</a:t>
-            </a:r>
-          </a:p>
-        </p:txBody>
-      </p:sp>
-      <p:sp>
-        <p:nvSpPr>
-          <p:cNvPr id="9" name="TextBox 8">
-            <a:extLst>
-              <a:ext uri="{FF2B5EF4-FFF2-40B4-BE49-F238E27FC236}">
-                <a16:creationId xmlns:a16="http://schemas.microsoft.com/office/drawing/2014/main" id="{0F86F9F9-39B5-4CE6-AF48-9ADAE40EA728}"/>
-              </a:ext>
-            </a:extLst>
-          </p:cNvPr>
-          <p:cNvSpPr txBox="1"/>
-          <p:nvPr/>
-        </p:nvSpPr>
-        <p:spPr>
-          <a:xfrm>
-            <a:off x="340285" y="1741246"/>
-            <a:ext cx="7247965" cy="2597634"/>
-          </a:xfrm>
-          <a:prstGeom prst="rect">
-            <a:avLst/>
-          </a:prstGeom>
-          <a:noFill/>
-        </p:spPr>
-        <p:txBody>
-          <a:bodyPr wrap="square" lIns="182880" tIns="146304" rIns="182880" bIns="146304" rtlCol="0">
-            <a:spAutoFit/>
-          </a:bodyPr>
-          <a:lstStyle/>
-          <a:p>
-            <a:pPr>
-              <a:lnSpc>
-                <a:spcPct val="90000"/>
-              </a:lnSpc>
-              <a:spcAft>
-                <a:spcPts val="600"/>
-              </a:spcAft>
-            </a:pPr>
-            <a:r>
-              <a:rPr lang="en-US" sz="3600" dirty="0">
-                <a:latin typeface="+mj-lt"/>
-              </a:rPr>
-              <a:t>Outcome</a:t>
-            </a:r>
-          </a:p>
-          <a:p>
-            <a:pPr>
-              <a:lnSpc>
-                <a:spcPct val="90000"/>
-              </a:lnSpc>
-              <a:spcAft>
-                <a:spcPts val="600"/>
-              </a:spcAft>
-            </a:pPr>
-            <a:r>
-              <a:rPr lang="en-US" sz="2400" dirty="0">
-                <a:latin typeface="Segoe UI Semilight" panose="020B0402040204020203" pitchFamily="34" charset="0"/>
-                <a:cs typeface="Segoe UI Semilight" panose="020B0402040204020203" pitchFamily="34" charset="0"/>
-              </a:rPr>
-              <a:t>Analyze your customer needs.</a:t>
-            </a:r>
-          </a:p>
-          <a:p>
-            <a:pPr>
-              <a:lnSpc>
-                <a:spcPct val="90000"/>
-              </a:lnSpc>
-              <a:spcAft>
-                <a:spcPts val="600"/>
-              </a:spcAft>
-            </a:pPr>
-            <a:endParaRPr lang="en-US" sz="2400" dirty="0"/>
-          </a:p>
-          <a:p>
-            <a:pPr>
-              <a:lnSpc>
-                <a:spcPct val="90000"/>
-              </a:lnSpc>
-              <a:spcAft>
-                <a:spcPts val="600"/>
-              </a:spcAft>
-            </a:pPr>
-            <a:r>
-              <a:rPr lang="en-US" sz="3600" dirty="0">
-                <a:latin typeface="+mj-lt"/>
-              </a:rPr>
-              <a:t>Timeframe</a:t>
-            </a:r>
-          </a:p>
-          <a:p>
-            <a:pPr>
-              <a:lnSpc>
-                <a:spcPct val="90000"/>
-              </a:lnSpc>
-              <a:spcAft>
-                <a:spcPts val="600"/>
-              </a:spcAft>
-            </a:pPr>
-            <a:r>
-              <a:rPr lang="en-US" sz="2400" dirty="0">
-                <a:latin typeface="Segoe UI Semilight" panose="020B0402040204020203" pitchFamily="34" charset="0"/>
-                <a:cs typeface="Segoe UI Semilight" panose="020B0402040204020203" pitchFamily="34" charset="0"/>
-              </a:rPr>
-              <a:t>15 minutes</a:t>
-            </a:r>
-          </a:p>
-        </p:txBody>
-      </p:sp>
-    </p:spTree>
-    <p:extLst>
-      <p:ext uri="{BB962C8B-B14F-4D97-AF65-F5344CB8AC3E}">
-        <p14:creationId xmlns:p14="http://schemas.microsoft.com/office/powerpoint/2010/main" val="2071289292"/>
-      </p:ext>
-    </p:extLst>
-  </p:cSld>
-  <p:clrMapOvr>
-    <a:masterClrMapping/>
-  </p:clrMapOvr>
-  <mc:AlternateContent xmlns:mc="http://schemas.openxmlformats.org/markup-compatibility/2006" xmlns:p14="http://schemas.microsoft.com/office/powerpoint/2010/main">
-    <mc:Choice Requires="p14">
-      <p:transition p14:dur="0"/>
-    </mc:Choice>
-    <mc:Fallback xmlns="">
-      <p:transition/>
-    </mc:Fallback>
-  </mc:AlternateContent>
-</p:sld>
-</file>
-
-<file path=ppt/slides/slide30.xml><?xml version="1.0" encoding="utf-8"?>
+<file path=ppt/slides/slide34.xml><?xml version="1.0" encoding="utf-8"?>
 <p:sld xmlns:a="http://schemas.openxmlformats.org/drawingml/2006/main" xmlns:r="http://schemas.openxmlformats.org/officeDocument/2006/relationships" xmlns:p="http://schemas.openxmlformats.org/presentationml/2006/main">
   <p:cSld>
     <p:spTree>
@@ -22030,7 +23871,7 @@
 </p:sld>
 </file>
 
-<file path=ppt/slides/slide31.xml><?xml version="1.0" encoding="utf-8"?>
+<file path=ppt/slides/slide35.xml><?xml version="1.0" encoding="utf-8"?>
 <p:sld xmlns:a="http://schemas.openxmlformats.org/drawingml/2006/main" xmlns:r="http://schemas.openxmlformats.org/officeDocument/2006/relationships" xmlns:p="http://schemas.openxmlformats.org/presentationml/2006/main">
   <p:cSld>
     <p:spTree>
@@ -22340,7 +24181,7 @@
 </p:sld>
 </file>
 
-<file path=ppt/slides/slide32.xml><?xml version="1.0" encoding="utf-8"?>
+<file path=ppt/slides/slide36.xml><?xml version="1.0" encoding="utf-8"?>
 <p:sld xmlns:a="http://schemas.openxmlformats.org/drawingml/2006/main" xmlns:r="http://schemas.openxmlformats.org/officeDocument/2006/relationships" xmlns:p="http://schemas.openxmlformats.org/presentationml/2006/main">
   <p:cSld>
     <p:spTree>
@@ -22381,6 +24222,384 @@
                 </a:solidFill>
                 <a:cs typeface="Segoe UI" panose="020B0502040204020203" pitchFamily="34" charset="0"/>
               </a:rPr>
+              <a:t>Customer </a:t>
+            </a:r>
+            <a:r>
+              <a:rPr lang="en-US" sz="4900" dirty="0">
+                <a:solidFill>
+                  <a:schemeClr val="tx1"/>
+                </a:solidFill>
+              </a:rPr>
+              <a:t>objections</a:t>
+            </a:r>
+            <a:br>
+              <a:rPr lang="en-US" dirty="0">
+                <a:solidFill>
+                  <a:schemeClr val="tx1"/>
+                </a:solidFill>
+                <a:latin typeface="Segoe UI" panose="020B0502040204020203" pitchFamily="34" charset="0"/>
+              </a:rPr>
+            </a:br>
+            <a:endParaRPr lang="en-US" sz="3236" dirty="0">
+              <a:solidFill>
+                <a:schemeClr val="tx1"/>
+              </a:solidFill>
+              <a:latin typeface="Segoe UI" panose="020B0502040204020203" pitchFamily="34" charset="0"/>
+            </a:endParaRPr>
+          </a:p>
+        </p:txBody>
+      </p:sp>
+      <p:sp>
+        <p:nvSpPr>
+          <p:cNvPr id="9" name="TextBox 8">
+            <a:extLst>
+              <a:ext uri="{FF2B5EF4-FFF2-40B4-BE49-F238E27FC236}">
+                <a16:creationId xmlns:a16="http://schemas.microsoft.com/office/drawing/2014/main" id="{1436F8EA-C4FB-4C98-AEB1-08DF6713D14E}"/>
+              </a:ext>
+            </a:extLst>
+          </p:cNvPr>
+          <p:cNvSpPr txBox="1"/>
+          <p:nvPr/>
+        </p:nvSpPr>
+        <p:spPr>
+          <a:xfrm>
+            <a:off x="339498" y="1273448"/>
+            <a:ext cx="11720596" cy="4792081"/>
+          </a:xfrm>
+          <a:prstGeom prst="rect">
+            <a:avLst/>
+          </a:prstGeom>
+          <a:noFill/>
+        </p:spPr>
+        <p:txBody>
+          <a:bodyPr wrap="square" lIns="182880" tIns="146304" rIns="182880" bIns="146304" rtlCol="0">
+            <a:spAutoFit/>
+          </a:bodyPr>
+          <a:lstStyle/>
+          <a:p>
+            <a:pPr>
+              <a:lnSpc>
+                <a:spcPct val="90000"/>
+              </a:lnSpc>
+              <a:spcAft>
+                <a:spcPts val="600"/>
+              </a:spcAft>
+            </a:pPr>
+            <a:r>
+              <a:rPr lang="en-US" sz="2800" dirty="0" err="1">
+                <a:gradFill>
+                  <a:gsLst>
+                    <a:gs pos="2917">
+                      <a:schemeClr val="tx1"/>
+                    </a:gs>
+                    <a:gs pos="30000">
+                      <a:schemeClr val="tx1"/>
+                    </a:gs>
+                  </a:gsLst>
+                  <a:lin ang="5400000" scaled="0"/>
+                </a:gradFill>
+                <a:latin typeface="Segoe UI Semilight" panose="020B0402040204020203" pitchFamily="34" charset="0"/>
+                <a:cs typeface="Segoe UI Semilight" panose="020B0402040204020203" pitchFamily="34" charset="0"/>
+              </a:rPr>
+              <a:t>Fabrikam</a:t>
+            </a:r>
+            <a:r>
+              <a:rPr lang="en-US" sz="2800" dirty="0">
+                <a:gradFill>
+                  <a:gsLst>
+                    <a:gs pos="2917">
+                      <a:schemeClr val="tx1"/>
+                    </a:gs>
+                    <a:gs pos="30000">
+                      <a:schemeClr val="tx1"/>
+                    </a:gs>
+                  </a:gsLst>
+                  <a:lin ang="5400000" scaled="0"/>
+                </a:gradFill>
+                <a:latin typeface="Segoe UI Semilight" panose="020B0402040204020203" pitchFamily="34" charset="0"/>
+                <a:cs typeface="Segoe UI Semilight" panose="020B0402040204020203" pitchFamily="34" charset="0"/>
+              </a:rPr>
+              <a:t> has already its own Azure Active Directory tenant. Will it be necessary to create duplicate accounts for </a:t>
+            </a:r>
+            <a:r>
+              <a:rPr lang="en-US" sz="2800" dirty="0" err="1">
+                <a:gradFill>
+                  <a:gsLst>
+                    <a:gs pos="2917">
+                      <a:schemeClr val="tx1"/>
+                    </a:gs>
+                    <a:gs pos="30000">
+                      <a:schemeClr val="tx1"/>
+                    </a:gs>
+                  </a:gsLst>
+                  <a:lin ang="5400000" scaled="0"/>
+                </a:gradFill>
+                <a:latin typeface="Segoe UI Semilight" panose="020B0402040204020203" pitchFamily="34" charset="0"/>
+                <a:cs typeface="Segoe UI Semilight" panose="020B0402040204020203" pitchFamily="34" charset="0"/>
+              </a:rPr>
+              <a:t>Fabrikam</a:t>
+            </a:r>
+            <a:r>
+              <a:rPr lang="en-US" sz="2800" dirty="0">
+                <a:gradFill>
+                  <a:gsLst>
+                    <a:gs pos="2917">
+                      <a:schemeClr val="tx1"/>
+                    </a:gs>
+                    <a:gs pos="30000">
+                      <a:schemeClr val="tx1"/>
+                    </a:gs>
+                  </a:gsLst>
+                  <a:lin ang="5400000" scaled="0"/>
+                </a:gradFill>
+                <a:latin typeface="Segoe UI Semilight" panose="020B0402040204020203" pitchFamily="34" charset="0"/>
+                <a:cs typeface="Segoe UI Semilight" panose="020B0402040204020203" pitchFamily="34" charset="0"/>
+              </a:rPr>
+              <a:t> users?</a:t>
+            </a:r>
+          </a:p>
+          <a:p>
+            <a:pPr>
+              <a:lnSpc>
+                <a:spcPct val="90000"/>
+              </a:lnSpc>
+              <a:spcAft>
+                <a:spcPts val="600"/>
+              </a:spcAft>
+            </a:pPr>
+            <a:endParaRPr lang="en-US" sz="2800" b="1" i="1" dirty="0">
+              <a:gradFill>
+                <a:gsLst>
+                  <a:gs pos="2917">
+                    <a:schemeClr val="tx1"/>
+                  </a:gs>
+                  <a:gs pos="30000">
+                    <a:schemeClr val="tx1"/>
+                  </a:gs>
+                </a:gsLst>
+                <a:lin ang="5400000" scaled="0"/>
+              </a:gradFill>
+              <a:latin typeface="Segoe UI Semilight" panose="020B0402040204020203" pitchFamily="34" charset="0"/>
+              <a:cs typeface="Segoe UI Semilight" panose="020B0402040204020203" pitchFamily="34" charset="0"/>
+            </a:endParaRPr>
+          </a:p>
+          <a:p>
+            <a:pPr>
+              <a:lnSpc>
+                <a:spcPct val="90000"/>
+              </a:lnSpc>
+              <a:spcAft>
+                <a:spcPts val="600"/>
+              </a:spcAft>
+            </a:pPr>
+            <a:r>
+              <a:rPr lang="en-US" sz="2800" dirty="0">
+                <a:gradFill>
+                  <a:gsLst>
+                    <a:gs pos="2917">
+                      <a:schemeClr val="tx1"/>
+                    </a:gs>
+                    <a:gs pos="30000">
+                      <a:schemeClr val="tx1"/>
+                    </a:gs>
+                  </a:gsLst>
+                  <a:lin ang="5400000" scaled="0"/>
+                </a:gradFill>
+                <a:latin typeface="Segoe UI Semilight" panose="020B0402040204020203" pitchFamily="34" charset="0"/>
+                <a:cs typeface="Segoe UI Semilight" panose="020B0402040204020203" pitchFamily="34" charset="0"/>
+              </a:rPr>
+              <a:t>Potential Answer</a:t>
+            </a:r>
+          </a:p>
+          <a:p>
+            <a:pPr>
+              <a:lnSpc>
+                <a:spcPct val="90000"/>
+              </a:lnSpc>
+              <a:spcAft>
+                <a:spcPts val="600"/>
+              </a:spcAft>
+            </a:pPr>
+            <a:r>
+              <a:rPr lang="en-US" sz="2800" dirty="0">
+                <a:latin typeface="Segoe UI Semilight" panose="020B0402040204020203" pitchFamily="34" charset="0"/>
+                <a:cs typeface="Segoe UI Semilight" panose="020B0402040204020203" pitchFamily="34" charset="0"/>
+              </a:rPr>
+              <a:t>There is no need for creating duplicate accounts for </a:t>
+            </a:r>
+            <a:r>
+              <a:rPr lang="en-US" sz="2800" dirty="0" err="1">
+                <a:latin typeface="Segoe UI Semilight" panose="020B0402040204020203" pitchFamily="34" charset="0"/>
+                <a:cs typeface="Segoe UI Semilight" panose="020B0402040204020203" pitchFamily="34" charset="0"/>
+              </a:rPr>
+              <a:t>Fabrikam</a:t>
+            </a:r>
+            <a:r>
+              <a:rPr lang="en-US" sz="2800" dirty="0">
+                <a:latin typeface="Segoe UI Semilight" panose="020B0402040204020203" pitchFamily="34" charset="0"/>
+                <a:cs typeface="Segoe UI Semilight" panose="020B0402040204020203" pitchFamily="34" charset="0"/>
+              </a:rPr>
+              <a:t> users. When using Azure Active Directory as the identity provider, Azure Stack supports multi-tenant topology. Once implemented, the topology allows users from different Azure Active Directory tenants provision and access Azure Stack offers directly from the Azure Stack User portal. When using Active Directory Federation Services (AD FS) as the identity provider, multi-tenancy can be provided through federation trusts.</a:t>
+            </a:r>
+            <a:endParaRPr lang="en-US" sz="2800" dirty="0">
+              <a:gradFill>
+                <a:gsLst>
+                  <a:gs pos="2917">
+                    <a:schemeClr val="tx1"/>
+                  </a:gs>
+                  <a:gs pos="30000">
+                    <a:schemeClr val="tx1"/>
+                  </a:gs>
+                </a:gsLst>
+                <a:lin ang="5400000" scaled="0"/>
+              </a:gradFill>
+              <a:latin typeface="Segoe UI Semilight" panose="020B0402040204020203" pitchFamily="34" charset="0"/>
+              <a:cs typeface="Segoe UI Semilight" panose="020B0402040204020203" pitchFamily="34" charset="0"/>
+            </a:endParaRPr>
+          </a:p>
+        </p:txBody>
+      </p:sp>
+    </p:spTree>
+    <p:extLst>
+      <p:ext uri="{BB962C8B-B14F-4D97-AF65-F5344CB8AC3E}">
+        <p14:creationId xmlns:p14="http://schemas.microsoft.com/office/powerpoint/2010/main" val="2895015349"/>
+      </p:ext>
+    </p:extLst>
+  </p:cSld>
+  <p:clrMapOvr>
+    <a:masterClrMapping/>
+  </p:clrMapOvr>
+  <mc:AlternateContent xmlns:mc="http://schemas.openxmlformats.org/markup-compatibility/2006" xmlns:p14="http://schemas.microsoft.com/office/powerpoint/2010/main">
+    <mc:Choice Requires="p14">
+      <p:transition p14:dur="0"/>
+    </mc:Choice>
+    <mc:Fallback xmlns="">
+      <p:transition/>
+    </mc:Fallback>
+  </mc:AlternateContent>
+  <p:timing>
+    <p:tnLst>
+      <p:par>
+        <p:cTn id="1" dur="indefinite" restart="never" nodeType="tmRoot">
+          <p:childTnLst>
+            <p:seq concurrent="1" nextAc="seek">
+              <p:cTn id="2" dur="indefinite" nodeType="mainSeq">
+                <p:childTnLst>
+                  <p:par>
+                    <p:cTn id="3" fill="hold">
+                      <p:stCondLst>
+                        <p:cond delay="indefinite"/>
+                      </p:stCondLst>
+                      <p:childTnLst>
+                        <p:par>
+                          <p:cTn id="4" fill="hold">
+                            <p:stCondLst>
+                              <p:cond delay="0"/>
+                            </p:stCondLst>
+                            <p:childTnLst>
+                              <p:par>
+                                <p:cTn id="5" presetID="1" presetClass="entr" presetSubtype="0" fill="hold" nodeType="clickEffect">
+                                  <p:stCondLst>
+                                    <p:cond delay="0"/>
+                                  </p:stCondLst>
+                                  <p:childTnLst>
+                                    <p:set>
+                                      <p:cBhvr>
+                                        <p:cTn id="6" dur="1" fill="hold">
+                                          <p:stCondLst>
+                                            <p:cond delay="0"/>
+                                          </p:stCondLst>
+                                        </p:cTn>
+                                        <p:tgtEl>
+                                          <p:spTgt spid="9">
+                                            <p:txEl>
+                                              <p:pRg st="2" end="2"/>
+                                            </p:txEl>
+                                          </p:spTgt>
+                                        </p:tgtEl>
+                                        <p:attrNameLst>
+                                          <p:attrName>style.visibility</p:attrName>
+                                        </p:attrNameLst>
+                                      </p:cBhvr>
+                                      <p:to>
+                                        <p:strVal val="visible"/>
+                                      </p:to>
+                                    </p:set>
+                                  </p:childTnLst>
+                                </p:cTn>
+                              </p:par>
+                            </p:childTnLst>
+                          </p:cTn>
+                        </p:par>
+                      </p:childTnLst>
+                    </p:cTn>
+                  </p:par>
+                </p:childTnLst>
+              </p:cTn>
+              <p:prevCondLst>
+                <p:cond evt="onPrev" delay="0">
+                  <p:tgtEl>
+                    <p:sldTgt/>
+                  </p:tgtEl>
+                </p:cond>
+              </p:prevCondLst>
+              <p:nextCondLst>
+                <p:cond evt="onNext" delay="0">
+                  <p:tgtEl>
+                    <p:sldTgt/>
+                  </p:tgtEl>
+                </p:cond>
+              </p:nextCondLst>
+            </p:seq>
+          </p:childTnLst>
+        </p:cTn>
+      </p:par>
+    </p:tnLst>
+  </p:timing>
+</p:sld>
+</file>
+
+<file path=ppt/slides/slide37.xml><?xml version="1.0" encoding="utf-8"?>
+<p:sld xmlns:a="http://schemas.openxmlformats.org/drawingml/2006/main" xmlns:r="http://schemas.openxmlformats.org/officeDocument/2006/relationships" xmlns:p="http://schemas.openxmlformats.org/presentationml/2006/main">
+  <p:cSld>
+    <p:spTree>
+      <p:nvGrpSpPr>
+        <p:cNvPr id="1" name=""/>
+        <p:cNvGrpSpPr/>
+        <p:nvPr/>
+      </p:nvGrpSpPr>
+      <p:grpSpPr>
+        <a:xfrm>
+          <a:off x="0" y="0"/>
+          <a:ext cx="0" cy="0"/>
+          <a:chOff x="0" y="0"/>
+          <a:chExt cx="0" cy="0"/>
+        </a:xfrm>
+      </p:grpSpPr>
+      <p:sp>
+        <p:nvSpPr>
+          <p:cNvPr id="2" name="Title 1"/>
+          <p:cNvSpPr>
+            <a:spLocks noGrp="1"/>
+          </p:cNvSpPr>
+          <p:nvPr>
+            <p:ph type="title"/>
+          </p:nvPr>
+        </p:nvSpPr>
+        <p:spPr/>
+        <p:txBody>
+          <a:bodyPr>
+            <a:normAutofit fontScale="90000"/>
+          </a:bodyPr>
+          <a:lstStyle/>
+          <a:p>
+            <a:r>
+              <a:rPr lang="en-US" sz="4900" dirty="0">
+                <a:solidFill>
+                  <a:schemeClr val="tx1"/>
+                </a:solidFill>
+                <a:cs typeface="Segoe UI" panose="020B0502040204020203" pitchFamily="34" charset="0"/>
+              </a:rPr>
               <a:t>Customer quote</a:t>
             </a:r>
             <a:br>
@@ -22477,7 +24696,7 @@
 </p:sld>
 </file>
 
-<file path=ppt/slides/slide33.xml><?xml version="1.0" encoding="utf-8"?>
+<file path=ppt/slides/slide38.xml><?xml version="1.0" encoding="utf-8"?>
 <p:sld xmlns:a="http://schemas.openxmlformats.org/drawingml/2006/main" xmlns:r="http://schemas.openxmlformats.org/officeDocument/2006/relationships" xmlns:p="http://schemas.openxmlformats.org/presentationml/2006/main">
   <p:cSld>
     <p:bg>
@@ -22772,6 +24991,330 @@
 </file>
 
 <file path=ppt/slides/slide5.xml><?xml version="1.0" encoding="utf-8"?>
+<p:sld xmlns:a="http://schemas.openxmlformats.org/drawingml/2006/main" xmlns:r="http://schemas.openxmlformats.org/officeDocument/2006/relationships" xmlns:p="http://schemas.openxmlformats.org/presentationml/2006/main">
+  <p:cSld>
+    <p:spTree>
+      <p:nvGrpSpPr>
+        <p:cNvPr id="1" name=""/>
+        <p:cNvGrpSpPr/>
+        <p:nvPr/>
+      </p:nvGrpSpPr>
+      <p:grpSpPr>
+        <a:xfrm>
+          <a:off x="0" y="0"/>
+          <a:ext cx="0" cy="0"/>
+          <a:chOff x="0" y="0"/>
+          <a:chExt cx="0" cy="0"/>
+        </a:xfrm>
+      </p:grpSpPr>
+      <p:sp>
+        <p:nvSpPr>
+          <p:cNvPr id="2" name="Title 1"/>
+          <p:cNvSpPr>
+            <a:spLocks noGrp="1"/>
+          </p:cNvSpPr>
+          <p:nvPr>
+            <p:ph type="title"/>
+          </p:nvPr>
+        </p:nvSpPr>
+        <p:spPr/>
+        <p:txBody>
+          <a:bodyPr>
+            <a:normAutofit fontScale="90000"/>
+          </a:bodyPr>
+          <a:lstStyle/>
+          <a:p>
+            <a:r>
+              <a:rPr lang="en-US" sz="4900" dirty="0">
+                <a:solidFill>
+                  <a:schemeClr val="tx1"/>
+                </a:solidFill>
+                <a:cs typeface="Segoe UI" panose="020B0502040204020203" pitchFamily="34" charset="0"/>
+              </a:rPr>
+              <a:t>Customer situation - </a:t>
+            </a:r>
+            <a:r>
+              <a:rPr lang="en-US" sz="4900" dirty="0">
+                <a:solidFill>
+                  <a:schemeClr val="tx1"/>
+                </a:solidFill>
+              </a:rPr>
+              <a:t>Contoso Financial</a:t>
+            </a:r>
+            <a:br>
+              <a:rPr lang="en-US" sz="4800" i="1" dirty="0"/>
+            </a:br>
+            <a:br>
+              <a:rPr lang="en-US" dirty="0">
+                <a:solidFill>
+                  <a:schemeClr val="tx1"/>
+                </a:solidFill>
+                <a:latin typeface="Segoe UI" panose="020B0502040204020203" pitchFamily="34" charset="0"/>
+              </a:rPr>
+            </a:br>
+            <a:endParaRPr lang="en-US" sz="3236" dirty="0">
+              <a:solidFill>
+                <a:schemeClr val="tx1"/>
+              </a:solidFill>
+              <a:latin typeface="Segoe UI" panose="020B0502040204020203" pitchFamily="34" charset="0"/>
+            </a:endParaRPr>
+          </a:p>
+        </p:txBody>
+      </p:sp>
+      <p:sp>
+        <p:nvSpPr>
+          <p:cNvPr id="5" name="Text Placeholder 4">
+            <a:extLst>
+              <a:ext uri="{FF2B5EF4-FFF2-40B4-BE49-F238E27FC236}">
+                <a16:creationId xmlns:a16="http://schemas.microsoft.com/office/drawing/2014/main" id="{2747A1CA-9959-4552-B25E-ADE90B252A6B}"/>
+              </a:ext>
+            </a:extLst>
+          </p:cNvPr>
+          <p:cNvSpPr>
+            <a:spLocks noGrp="1"/>
+          </p:cNvSpPr>
+          <p:nvPr>
+            <p:ph type="body" sz="quarter" idx="10"/>
+          </p:nvPr>
+        </p:nvSpPr>
+        <p:spPr>
+          <a:xfrm>
+            <a:off x="452063" y="1189177"/>
+            <a:ext cx="11054993" cy="5906232"/>
+          </a:xfrm>
+        </p:spPr>
+        <p:txBody>
+          <a:bodyPr/>
+          <a:lstStyle/>
+          <a:p>
+            <a:pPr marL="571500" indent="-571500">
+              <a:spcAft>
+                <a:spcPts val="600"/>
+              </a:spcAft>
+              <a:buFont typeface="Arial" panose="020B0604020202020204" pitchFamily="34" charset="0"/>
+              <a:buChar char="•"/>
+            </a:pPr>
+            <a:r>
+              <a:rPr lang="en-US" sz="3600" dirty="0">
+                <a:gradFill>
+                  <a:gsLst>
+                    <a:gs pos="2917">
+                      <a:schemeClr val="tx1"/>
+                    </a:gs>
+                    <a:gs pos="30000">
+                      <a:schemeClr val="tx1"/>
+                    </a:gs>
+                  </a:gsLst>
+                  <a:lin ang="5400000" scaled="0"/>
+                </a:gradFill>
+              </a:rPr>
+              <a:t>Contoso recently acquired </a:t>
+            </a:r>
+            <a:r>
+              <a:rPr lang="en-US" sz="3600" dirty="0" err="1">
+                <a:gradFill>
+                  <a:gsLst>
+                    <a:gs pos="2917">
+                      <a:schemeClr val="tx1"/>
+                    </a:gs>
+                    <a:gs pos="30000">
+                      <a:schemeClr val="tx1"/>
+                    </a:gs>
+                  </a:gsLst>
+                  <a:lin ang="5400000" scaled="0"/>
+                </a:gradFill>
+              </a:rPr>
+              <a:t>Fabrikam</a:t>
+            </a:r>
+            <a:r>
+              <a:rPr lang="en-US" sz="3600" dirty="0">
+                <a:gradFill>
+                  <a:gsLst>
+                    <a:gs pos="2917">
+                      <a:schemeClr val="tx1"/>
+                    </a:gs>
+                    <a:gs pos="30000">
+                      <a:schemeClr val="tx1"/>
+                    </a:gs>
+                  </a:gsLst>
+                  <a:lin ang="5400000" scaled="0"/>
+                </a:gradFill>
+              </a:rPr>
+              <a:t>, a financial analytics company based in Houston, TX.</a:t>
+            </a:r>
+          </a:p>
+          <a:p>
+            <a:pPr marL="571500" indent="-571500">
+              <a:spcAft>
+                <a:spcPts val="600"/>
+              </a:spcAft>
+              <a:buFont typeface="Arial" panose="020B0604020202020204" pitchFamily="34" charset="0"/>
+              <a:buChar char="•"/>
+            </a:pPr>
+            <a:endParaRPr lang="en-US" sz="2800" dirty="0">
+              <a:gradFill>
+                <a:gsLst>
+                  <a:gs pos="2917">
+                    <a:schemeClr val="tx1"/>
+                  </a:gs>
+                  <a:gs pos="30000">
+                    <a:schemeClr val="tx1"/>
+                  </a:gs>
+                </a:gsLst>
+                <a:lin ang="5400000" scaled="0"/>
+              </a:gradFill>
+            </a:endParaRPr>
+          </a:p>
+          <a:p>
+            <a:pPr marL="571500" indent="-571500">
+              <a:spcAft>
+                <a:spcPts val="600"/>
+              </a:spcAft>
+              <a:buFont typeface="Arial" panose="020B0604020202020204" pitchFamily="34" charset="0"/>
+              <a:buChar char="•"/>
+            </a:pPr>
+            <a:r>
+              <a:rPr lang="en-US" sz="3600" dirty="0" err="1">
+                <a:gradFill>
+                  <a:gsLst>
+                    <a:gs pos="2917">
+                      <a:schemeClr val="tx1"/>
+                    </a:gs>
+                    <a:gs pos="30000">
+                      <a:schemeClr val="tx1"/>
+                    </a:gs>
+                  </a:gsLst>
+                  <a:lin ang="5400000" scaled="0"/>
+                </a:gradFill>
+              </a:rPr>
+              <a:t>Fabrikam</a:t>
+            </a:r>
+            <a:r>
+              <a:rPr lang="en-US" sz="3600" dirty="0">
+                <a:gradFill>
+                  <a:gsLst>
+                    <a:gs pos="2917">
+                      <a:schemeClr val="tx1"/>
+                    </a:gs>
+                    <a:gs pos="30000">
+                      <a:schemeClr val="tx1"/>
+                    </a:gs>
+                  </a:gsLst>
+                  <a:lin ang="5400000" scaled="0"/>
+                </a:gradFill>
+              </a:rPr>
+              <a:t> has already its Azure AD tenant and significant experience in working with Azure</a:t>
+            </a:r>
+          </a:p>
+          <a:p>
+            <a:pPr marL="571500" indent="-571500">
+              <a:spcAft>
+                <a:spcPts val="600"/>
+              </a:spcAft>
+              <a:buFont typeface="Arial" panose="020B0604020202020204" pitchFamily="34" charset="0"/>
+              <a:buChar char="•"/>
+            </a:pPr>
+            <a:endParaRPr lang="en-US" sz="3600" dirty="0">
+              <a:gradFill>
+                <a:gsLst>
+                  <a:gs pos="2917">
+                    <a:schemeClr val="tx1"/>
+                  </a:gs>
+                  <a:gs pos="30000">
+                    <a:schemeClr val="tx1"/>
+                  </a:gs>
+                </a:gsLst>
+                <a:lin ang="5400000" scaled="0"/>
+              </a:gradFill>
+            </a:endParaRPr>
+          </a:p>
+          <a:p>
+            <a:pPr marL="571500" indent="-571500">
+              <a:spcAft>
+                <a:spcPts val="600"/>
+              </a:spcAft>
+              <a:buFont typeface="Arial" panose="020B0604020202020204" pitchFamily="34" charset="0"/>
+              <a:buChar char="•"/>
+            </a:pPr>
+            <a:r>
+              <a:rPr lang="en-US" sz="3600" dirty="0">
+                <a:gradFill>
+                  <a:gsLst>
+                    <a:gs pos="2917">
+                      <a:schemeClr val="tx1"/>
+                    </a:gs>
+                    <a:gs pos="30000">
+                      <a:schemeClr val="tx1"/>
+                    </a:gs>
+                  </a:gsLst>
+                  <a:lin ang="5400000" scaled="0"/>
+                </a:gradFill>
+              </a:rPr>
+              <a:t>Contoso wants to leverage </a:t>
+            </a:r>
+            <a:r>
+              <a:rPr lang="en-US" sz="3600" dirty="0" err="1">
+                <a:gradFill>
+                  <a:gsLst>
+                    <a:gs pos="2917">
+                      <a:schemeClr val="tx1"/>
+                    </a:gs>
+                    <a:gs pos="30000">
+                      <a:schemeClr val="tx1"/>
+                    </a:gs>
+                  </a:gsLst>
+                  <a:lin ang="5400000" scaled="0"/>
+                </a:gradFill>
+              </a:rPr>
+              <a:t>Fabrikam’s</a:t>
+            </a:r>
+            <a:r>
+              <a:rPr lang="en-US" sz="3600" dirty="0">
+                <a:gradFill>
+                  <a:gsLst>
+                    <a:gs pos="2917">
+                      <a:schemeClr val="tx1"/>
+                    </a:gs>
+                    <a:gs pos="30000">
+                      <a:schemeClr val="tx1"/>
+                    </a:gs>
+                  </a:gsLst>
+                  <a:lin ang="5400000" scaled="0"/>
+                </a:gradFill>
+              </a:rPr>
+              <a:t> experience and provide its IT staff a sufficient level of autonomy in managing computing resources.</a:t>
+            </a:r>
+          </a:p>
+          <a:p>
+            <a:pPr marL="0" indent="0">
+              <a:buNone/>
+            </a:pPr>
+            <a:endParaRPr lang="en-US" sz="3200" i="1" dirty="0"/>
+          </a:p>
+        </p:txBody>
+      </p:sp>
+    </p:spTree>
+    <p:extLst>
+      <p:ext uri="{BB962C8B-B14F-4D97-AF65-F5344CB8AC3E}">
+        <p14:creationId xmlns:p14="http://schemas.microsoft.com/office/powerpoint/2010/main" val="2924984209"/>
+      </p:ext>
+    </p:extLst>
+  </p:cSld>
+  <p:clrMapOvr>
+    <a:masterClrMapping/>
+  </p:clrMapOvr>
+  <mc:AlternateContent xmlns:mc="http://schemas.openxmlformats.org/markup-compatibility/2006" xmlns:p14="http://schemas.microsoft.com/office/powerpoint/2010/main">
+    <mc:Choice Requires="p14">
+      <p:transition p14:dur="0"/>
+    </mc:Choice>
+    <mc:Fallback xmlns="">
+      <p:transition/>
+    </mc:Fallback>
+  </mc:AlternateContent>
+</p:sld>
+</file>
+
+<file path=ppt/slides/slide6.xml><?xml version="1.0" encoding="utf-8"?>
 <p:sld xmlns:a="http://schemas.openxmlformats.org/drawingml/2006/main" xmlns:r="http://schemas.openxmlformats.org/officeDocument/2006/relationships" xmlns:p="http://schemas.openxmlformats.org/presentationml/2006/main">
   <p:cSld>
     <p:spTree>
@@ -23024,7 +25567,7 @@
 </p:sld>
 </file>
 
-<file path=ppt/slides/slide6.xml><?xml version="1.0" encoding="utf-8"?>
+<file path=ppt/slides/slide7.xml><?xml version="1.0" encoding="utf-8"?>
 <p:sld xmlns:a="http://schemas.openxmlformats.org/drawingml/2006/main" xmlns:r="http://schemas.openxmlformats.org/officeDocument/2006/relationships" xmlns:p="http://schemas.openxmlformats.org/presentationml/2006/main">
   <p:cSld>
     <p:spTree>
@@ -23106,7 +25649,7 @@
         <p:spPr>
           <a:xfrm>
             <a:off x="538477" y="1227813"/>
-            <a:ext cx="11071321" cy="3813352"/>
+            <a:ext cx="11071321" cy="6112443"/>
           </a:xfrm>
         </p:spPr>
         <p:txBody>
@@ -23175,8 +25718,104 @@
                   <a:lin ang="5400000" scaled="0"/>
                 </a:gradFill>
               </a:rPr>
-              <a:t>This application is responsible for new applications and consumer access to their current mortgage information .</a:t>
-            </a:r>
+              <a:t>This application is responsible for new applications and consumer access to their current mortgage information.</a:t>
+            </a:r>
+          </a:p>
+          <a:p>
+            <a:pPr marL="571500" indent="-571500">
+              <a:spcAft>
+                <a:spcPts val="600"/>
+              </a:spcAft>
+            </a:pPr>
+            <a:endParaRPr lang="en-US" sz="3200" dirty="0">
+              <a:gradFill>
+                <a:gsLst>
+                  <a:gs pos="2917">
+                    <a:schemeClr val="tx1"/>
+                  </a:gs>
+                  <a:gs pos="30000">
+                    <a:schemeClr val="tx1"/>
+                  </a:gs>
+                </a:gsLst>
+                <a:lin ang="5400000" scaled="0"/>
+              </a:gradFill>
+            </a:endParaRPr>
+          </a:p>
+          <a:p>
+            <a:pPr marL="571500" indent="-571500">
+              <a:spcAft>
+                <a:spcPts val="600"/>
+              </a:spcAft>
+            </a:pPr>
+            <a:r>
+              <a:rPr lang="en-US" sz="3200" dirty="0">
+                <a:gradFill>
+                  <a:gsLst>
+                    <a:gs pos="2917">
+                      <a:schemeClr val="tx1"/>
+                    </a:gs>
+                    <a:gs pos="30000">
+                      <a:schemeClr val="tx1"/>
+                    </a:gs>
+                  </a:gsLst>
+                  <a:lin ang="5400000" scaled="0"/>
+                </a:gradFill>
+              </a:rPr>
+              <a:t>Contoso wants to integrate </a:t>
+            </a:r>
+            <a:r>
+              <a:rPr lang="en-US" sz="3200" dirty="0" err="1">
+                <a:gradFill>
+                  <a:gsLst>
+                    <a:gs pos="2917">
+                      <a:schemeClr val="tx1"/>
+                    </a:gs>
+                    <a:gs pos="30000">
+                      <a:schemeClr val="tx1"/>
+                    </a:gs>
+                  </a:gsLst>
+                  <a:lin ang="5400000" scaled="0"/>
+                </a:gradFill>
+              </a:rPr>
+              <a:t>Fabrikam’s</a:t>
+            </a:r>
+            <a:r>
+              <a:rPr lang="en-US" sz="3200" dirty="0">
+                <a:gradFill>
+                  <a:gsLst>
+                    <a:gs pos="2917">
+                      <a:schemeClr val="tx1"/>
+                    </a:gs>
+                    <a:gs pos="30000">
+                      <a:schemeClr val="tx1"/>
+                    </a:gs>
+                  </a:gsLst>
+                  <a:lin ang="5400000" scaled="0"/>
+                </a:gradFill>
+              </a:rPr>
+              <a:t> internal apps to process and analyze data used by its mortgage application.</a:t>
+            </a:r>
+          </a:p>
+          <a:p>
+            <a:pPr marL="0" indent="0">
+              <a:spcAft>
+                <a:spcPts val="600"/>
+              </a:spcAft>
+              <a:buNone/>
+            </a:pPr>
+            <a:endParaRPr lang="en-US" sz="3200" dirty="0">
+              <a:gradFill>
+                <a:gsLst>
+                  <a:gs pos="2917">
+                    <a:schemeClr val="tx1"/>
+                  </a:gs>
+                  <a:gs pos="30000">
+                    <a:schemeClr val="tx1"/>
+                  </a:gs>
+                </a:gsLst>
+                <a:lin ang="5400000" scaled="0"/>
+              </a:gradFill>
+            </a:endParaRPr>
           </a:p>
           <a:p>
             <a:pPr marL="0" indent="0">
@@ -23207,7 +25846,7 @@
 </p:sld>
 </file>
 
-<file path=ppt/slides/slide7.xml><?xml version="1.0" encoding="utf-8"?>
+<file path=ppt/slides/slide8.xml><?xml version="1.0" encoding="utf-8"?>
 <p:sld xmlns:a="http://schemas.openxmlformats.org/drawingml/2006/main" xmlns:r="http://schemas.openxmlformats.org/officeDocument/2006/relationships" xmlns:p="http://schemas.openxmlformats.org/presentationml/2006/main">
   <p:cSld>
     <p:spTree>
@@ -23523,7 +26162,7 @@
 </p:sld>
 </file>
 
-<file path=ppt/slides/slide8.xml><?xml version="1.0" encoding="utf-8"?>
+<file path=ppt/slides/slide9.xml><?xml version="1.0" encoding="utf-8"?>
 <p:sld xmlns:a="http://schemas.openxmlformats.org/drawingml/2006/main" xmlns:r="http://schemas.openxmlformats.org/officeDocument/2006/relationships" xmlns:p="http://schemas.openxmlformats.org/presentationml/2006/main">
   <p:cSld>
     <p:spTree>
@@ -23623,220 +26262,6 @@
   <p:transition>
     <p:fade/>
   </p:transition>
-</p:sld>
-</file>
-
-<file path=ppt/slides/slide9.xml><?xml version="1.0" encoding="utf-8"?>
-<p:sld xmlns:a="http://schemas.openxmlformats.org/drawingml/2006/main" xmlns:r="http://schemas.openxmlformats.org/officeDocument/2006/relationships" xmlns:p="http://schemas.openxmlformats.org/presentationml/2006/main">
-  <p:cSld>
-    <p:spTree>
-      <p:nvGrpSpPr>
-        <p:cNvPr id="1" name=""/>
-        <p:cNvGrpSpPr/>
-        <p:nvPr/>
-      </p:nvGrpSpPr>
-      <p:grpSpPr>
-        <a:xfrm>
-          <a:off x="0" y="0"/>
-          <a:ext cx="0" cy="0"/>
-          <a:chOff x="0" y="0"/>
-          <a:chExt cx="0" cy="0"/>
-        </a:xfrm>
-      </p:grpSpPr>
-      <p:sp>
-        <p:nvSpPr>
-          <p:cNvPr id="2" name="Title 1"/>
-          <p:cNvSpPr>
-            <a:spLocks noGrp="1"/>
-          </p:cNvSpPr>
-          <p:nvPr>
-            <p:ph type="title"/>
-          </p:nvPr>
-        </p:nvSpPr>
-        <p:spPr/>
-        <p:txBody>
-          <a:bodyPr/>
-          <a:lstStyle/>
-          <a:p>
-            <a:r>
-              <a:rPr lang="en-US" dirty="0"/>
-              <a:t>Customer situation - Contoso Financial</a:t>
-            </a:r>
-            <a:br>
-              <a:rPr lang="en-US" dirty="0"/>
-            </a:br>
-            <a:br>
-              <a:rPr lang="en-US" dirty="0"/>
-            </a:br>
-            <a:endParaRPr lang="en-US" dirty="0"/>
-          </a:p>
-        </p:txBody>
-      </p:sp>
-      <p:sp>
-        <p:nvSpPr>
-          <p:cNvPr id="5" name="Text Placeholder 4">
-            <a:extLst>
-              <a:ext uri="{FF2B5EF4-FFF2-40B4-BE49-F238E27FC236}">
-                <a16:creationId xmlns:a16="http://schemas.microsoft.com/office/drawing/2014/main" id="{5198A72B-D72C-4F52-8D74-C6093B508DAA}"/>
-              </a:ext>
-            </a:extLst>
-          </p:cNvPr>
-          <p:cNvSpPr>
-            <a:spLocks noGrp="1"/>
-          </p:cNvSpPr>
-          <p:nvPr>
-            <p:ph type="body" sz="quarter" idx="10"/>
-          </p:nvPr>
-        </p:nvSpPr>
-        <p:spPr>
-          <a:xfrm>
-            <a:off x="269239" y="1227814"/>
-            <a:ext cx="11653523" cy="5991320"/>
-          </a:xfrm>
-        </p:spPr>
-        <p:txBody>
-          <a:bodyPr/>
-          <a:lstStyle/>
-          <a:p>
-            <a:pPr marL="457200" indent="-457200">
-              <a:spcAft>
-                <a:spcPts val="600"/>
-              </a:spcAft>
-              <a:buFont typeface="Arial" panose="020B0604020202020204" pitchFamily="34" charset="0"/>
-              <a:buChar char="•"/>
-            </a:pPr>
-            <a:r>
-              <a:rPr lang="en-US" sz="3200" dirty="0">
-                <a:gradFill>
-                  <a:gsLst>
-                    <a:gs pos="2917">
-                      <a:schemeClr val="tx1"/>
-                    </a:gs>
-                    <a:gs pos="30000">
-                      <a:schemeClr val="tx1"/>
-                    </a:gs>
-                  </a:gsLst>
-                  <a:lin ang="5400000" scaled="0"/>
-                </a:gradFill>
-              </a:rPr>
-              <a:t>During the planning stages, the corporate compliance team determined that customer data cannot reside in the Azure public cloud.</a:t>
-            </a:r>
-          </a:p>
-          <a:p>
-            <a:pPr marL="571500" indent="-571500">
-              <a:spcAft>
-                <a:spcPts val="600"/>
-              </a:spcAft>
-              <a:buFont typeface="Arial" panose="020B0604020202020204" pitchFamily="34" charset="0"/>
-              <a:buChar char="•"/>
-            </a:pPr>
-            <a:endParaRPr lang="en-US" sz="2800" dirty="0">
-              <a:gradFill>
-                <a:gsLst>
-                  <a:gs pos="2917">
-                    <a:schemeClr val="tx1"/>
-                  </a:gs>
-                  <a:gs pos="30000">
-                    <a:schemeClr val="tx1"/>
-                  </a:gs>
-                </a:gsLst>
-                <a:lin ang="5400000" scaled="0"/>
-              </a:gradFill>
-            </a:endParaRPr>
-          </a:p>
-          <a:p>
-            <a:pPr marL="571500" indent="-571500">
-              <a:spcAft>
-                <a:spcPts val="600"/>
-              </a:spcAft>
-              <a:buFont typeface="Arial" panose="020B0604020202020204" pitchFamily="34" charset="0"/>
-              <a:buChar char="•"/>
-            </a:pPr>
-            <a:r>
-              <a:rPr lang="en-US" sz="3200" dirty="0">
-                <a:gradFill>
-                  <a:gsLst>
-                    <a:gs pos="2917">
-                      <a:schemeClr val="tx1"/>
-                    </a:gs>
-                    <a:gs pos="30000">
-                      <a:schemeClr val="tx1"/>
-                    </a:gs>
-                  </a:gsLst>
-                  <a:lin ang="5400000" scaled="0"/>
-                </a:gradFill>
-              </a:rPr>
-              <a:t>“This was a cause for great concern, as this means Contoso may not be able to move to cloud-based services as fast as we initially envisioned” says Max Rubin VP of Network engineering.</a:t>
-            </a:r>
-          </a:p>
-          <a:p>
-            <a:pPr>
-              <a:spcAft>
-                <a:spcPts val="600"/>
-              </a:spcAft>
-            </a:pPr>
-            <a:endParaRPr lang="en-US" sz="2800" dirty="0">
-              <a:gradFill>
-                <a:gsLst>
-                  <a:gs pos="2917">
-                    <a:schemeClr val="tx1"/>
-                  </a:gs>
-                  <a:gs pos="30000">
-                    <a:schemeClr val="tx1"/>
-                  </a:gs>
-                </a:gsLst>
-                <a:lin ang="5400000" scaled="0"/>
-              </a:gradFill>
-            </a:endParaRPr>
-          </a:p>
-          <a:p>
-            <a:pPr marL="571500" indent="-571500">
-              <a:spcAft>
-                <a:spcPts val="600"/>
-              </a:spcAft>
-              <a:buFont typeface="Arial" panose="020B0604020202020204" pitchFamily="34" charset="0"/>
-              <a:buChar char="•"/>
-            </a:pPr>
-            <a:r>
-              <a:rPr lang="en-US" sz="3200" dirty="0">
-                <a:gradFill>
-                  <a:gsLst>
-                    <a:gs pos="2917">
-                      <a:schemeClr val="tx1"/>
-                    </a:gs>
-                    <a:gs pos="30000">
-                      <a:schemeClr val="tx1"/>
-                    </a:gs>
-                  </a:gsLst>
-                  <a:lin ang="5400000" scaled="0"/>
-                </a:gradFill>
-              </a:rPr>
-              <a:t>Doreen Newton took on the challenge to investigate alternatives by turning to FusionTumo.</a:t>
-            </a:r>
-          </a:p>
-          <a:p>
-            <a:endParaRPr lang="en-US" dirty="0"/>
-          </a:p>
-        </p:txBody>
-      </p:sp>
-    </p:spTree>
-    <p:extLst>
-      <p:ext uri="{BB962C8B-B14F-4D97-AF65-F5344CB8AC3E}">
-        <p14:creationId xmlns:p14="http://schemas.microsoft.com/office/powerpoint/2010/main" val="3858583010"/>
-      </p:ext>
-    </p:extLst>
-  </p:cSld>
-  <p:clrMapOvr>
-    <a:masterClrMapping/>
-  </p:clrMapOvr>
-  <mc:AlternateContent xmlns:mc="http://schemas.openxmlformats.org/markup-compatibility/2006" xmlns:p14="http://schemas.microsoft.com/office/powerpoint/2010/main">
-    <mc:Choice Requires="p14">
-      <p:transition p14:dur="0"/>
-    </mc:Choice>
-    <mc:Fallback xmlns="">
-      <p:transition/>
-    </mc:Fallback>
-  </mc:AlternateContent>
 </p:sld>
 </file>
 
@@ -24706,15 +27131,6 @@
 </file>
 
 <file path=customXml/item1.xml><?xml version="1.0" encoding="utf-8"?>
-<p:properties xmlns:p="http://schemas.microsoft.com/office/2006/metadata/properties" xmlns:xsi="http://www.w3.org/2001/XMLSchema-instance" xmlns:pc="http://schemas.microsoft.com/office/infopath/2007/PartnerControls">
-  <documentManagement>
-    <_ip_UnifiedCompliancePolicyUIAction xmlns="http://schemas.microsoft.com/sharepoint/v3" xsi:nil="true"/>
-    <_ip_UnifiedCompliancePolicyProperties xmlns="http://schemas.microsoft.com/sharepoint/v3" xsi:nil="true"/>
-  </documentManagement>
-</p:properties>
-</file>
-
-<file path=customXml/item2.xml><?xml version="1.0" encoding="utf-8"?>
 <ct:contentTypeSchema xmlns:ct="http://schemas.microsoft.com/office/2006/metadata/contentType" xmlns:ma="http://schemas.microsoft.com/office/2006/metadata/properties/metaAttributes" ct:_="" ma:_="" ma:contentTypeName="Document" ma:contentTypeID="0x010100D15DFA3690A15B4081582BBCC6BEAC3E" ma:contentTypeVersion="9" ma:contentTypeDescription="Create a new document." ma:contentTypeScope="" ma:versionID="642da1784587cbe85a7fdbbe4dc36103">
   <xsd:schema xmlns:xsd="http://www.w3.org/2001/XMLSchema" xmlns:xs="http://www.w3.org/2001/XMLSchema" xmlns:p="http://schemas.microsoft.com/office/2006/metadata/properties" xmlns:ns1="http://schemas.microsoft.com/sharepoint/v3" xmlns:ns2="2023ac63-7b75-4916-a9ee-591457758eee" xmlns:ns3="d9c797ad-d7c3-4982-82b7-81352a75e4a5" targetNamespace="http://schemas.microsoft.com/office/2006/metadata/properties" ma:root="true" ma:fieldsID="91198b0246576053cc55dd2c67035a89" ns1:_="" ns2:_="" ns3:_="">
     <xsd:import namespace="http://schemas.microsoft.com/sharepoint/v3"/>
@@ -24916,6 +27332,15 @@
 </ct:contentTypeSchema>
 </file>
 
+<file path=customXml/item2.xml><?xml version="1.0" encoding="utf-8"?>
+<p:properties xmlns:p="http://schemas.microsoft.com/office/2006/metadata/properties" xmlns:xsi="http://www.w3.org/2001/XMLSchema-instance" xmlns:pc="http://schemas.microsoft.com/office/infopath/2007/PartnerControls">
+  <documentManagement>
+    <_ip_UnifiedCompliancePolicyUIAction xmlns="http://schemas.microsoft.com/sharepoint/v3" xsi:nil="true"/>
+    <_ip_UnifiedCompliancePolicyProperties xmlns="http://schemas.microsoft.com/sharepoint/v3" xsi:nil="true"/>
+  </documentManagement>
+</p:properties>
+</file>
+
 <file path=customXml/item3.xml><?xml version="1.0" encoding="utf-8"?>
 <?mso-contentType ?>
 <FormTemplates xmlns="http://schemas.microsoft.com/sharepoint/v3/contenttype/forms">
@@ -24926,24 +27351,6 @@
 </file>
 
 <file path=customXml/itemProps1.xml><?xml version="1.0" encoding="utf-8"?>
-<ds:datastoreItem xmlns:ds="http://schemas.openxmlformats.org/officeDocument/2006/customXml" ds:itemID="{BAF7D529-36AB-45DA-B239-2F912F2D1610}">
-  <ds:schemaRefs>
-    <ds:schemaRef ds:uri="http://purl.org/dc/terms/"/>
-    <ds:schemaRef ds:uri="http://schemas.openxmlformats.org/package/2006/metadata/core-properties"/>
-    <ds:schemaRef ds:uri="http://purl.org/dc/dcmitype/"/>
-    <ds:schemaRef ds:uri="http://schemas.microsoft.com/office/infopath/2007/PartnerControls"/>
-    <ds:schemaRef ds:uri="2023ac63-7b75-4916-a9ee-591457758eee"/>
-    <ds:schemaRef ds:uri="http://purl.org/dc/elements/1.1/"/>
-    <ds:schemaRef ds:uri="http://schemas.microsoft.com/office/2006/metadata/properties"/>
-    <ds:schemaRef ds:uri="http://schemas.microsoft.com/office/2006/documentManagement/types"/>
-    <ds:schemaRef ds:uri="http://schemas.microsoft.com/sharepoint/v3"/>
-    <ds:schemaRef ds:uri="d9c797ad-d7c3-4982-82b7-81352a75e4a5"/>
-    <ds:schemaRef ds:uri="http://www.w3.org/XML/1998/namespace"/>
-  </ds:schemaRefs>
-</ds:datastoreItem>
-</file>
-
-<file path=customXml/itemProps2.xml><?xml version="1.0" encoding="utf-8"?>
 <ds:datastoreItem xmlns:ds="http://schemas.openxmlformats.org/officeDocument/2006/customXml" ds:itemID="{255F5BEB-6AD6-480A-8556-C80C5EBC10F2}">
   <ds:schemaRefs>
     <ds:schemaRef ds:uri="http://schemas.microsoft.com/office/2006/metadata/contentType"/>
@@ -24963,6 +27370,24 @@
 </ds:datastoreItem>
 </file>
 
+<file path=customXml/itemProps2.xml><?xml version="1.0" encoding="utf-8"?>
+<ds:datastoreItem xmlns:ds="http://schemas.openxmlformats.org/officeDocument/2006/customXml" ds:itemID="{BAF7D529-36AB-45DA-B239-2F912F2D1610}">
+  <ds:schemaRefs>
+    <ds:schemaRef ds:uri="http://purl.org/dc/terms/"/>
+    <ds:schemaRef ds:uri="http://schemas.openxmlformats.org/package/2006/metadata/core-properties"/>
+    <ds:schemaRef ds:uri="http://purl.org/dc/dcmitype/"/>
+    <ds:schemaRef ds:uri="http://schemas.microsoft.com/office/infopath/2007/PartnerControls"/>
+    <ds:schemaRef ds:uri="2023ac63-7b75-4916-a9ee-591457758eee"/>
+    <ds:schemaRef ds:uri="http://purl.org/dc/elements/1.1/"/>
+    <ds:schemaRef ds:uri="http://schemas.microsoft.com/office/2006/metadata/properties"/>
+    <ds:schemaRef ds:uri="http://schemas.microsoft.com/office/2006/documentManagement/types"/>
+    <ds:schemaRef ds:uri="http://schemas.microsoft.com/sharepoint/v3"/>
+    <ds:schemaRef ds:uri="d9c797ad-d7c3-4982-82b7-81352a75e4a5"/>
+    <ds:schemaRef ds:uri="http://www.w3.org/XML/1998/namespace"/>
+  </ds:schemaRefs>
+</ds:datastoreItem>
+</file>
+
 <file path=customXml/itemProps3.xml><?xml version="1.0" encoding="utf-8"?>
 <ds:datastoreItem xmlns:ds="http://schemas.openxmlformats.org/officeDocument/2006/customXml" ds:itemID="{F18501AF-04CF-4482-BAE1-607B49DDC378}">
   <ds:schemaRefs>

--- a/Whiteboard design session/WDS trainer presentation - Azure Stack.pptx
+++ b/Whiteboard design session/WDS trainer presentation - Azure Stack.pptx
@@ -6,7 +6,7 @@
     <p:sldMasterId id="2147483665" r:id="rId5"/>
   </p:sldMasterIdLst>
   <p:notesMasterIdLst>
-    <p:notesMasterId r:id="rId58"/>
+    <p:notesMasterId r:id="rId60"/>
   </p:notesMasterIdLst>
   <p:sldIdLst>
     <p:sldId id="300" r:id="rId6"/>
@@ -36,31 +36,33 @@
     <p:sldId id="338" r:id="rId30"/>
     <p:sldId id="343" r:id="rId31"/>
     <p:sldId id="357" r:id="rId32"/>
-    <p:sldId id="377" r:id="rId33"/>
-    <p:sldId id="376" r:id="rId34"/>
-    <p:sldId id="374" r:id="rId35"/>
-    <p:sldId id="378" r:id="rId36"/>
-    <p:sldId id="379" r:id="rId37"/>
-    <p:sldId id="380" r:id="rId38"/>
-    <p:sldId id="384" r:id="rId39"/>
-    <p:sldId id="385" r:id="rId40"/>
-    <p:sldId id="340" r:id="rId41"/>
-    <p:sldId id="366" r:id="rId42"/>
-    <p:sldId id="359" r:id="rId43"/>
-    <p:sldId id="360" r:id="rId44"/>
-    <p:sldId id="358" r:id="rId45"/>
-    <p:sldId id="362" r:id="rId46"/>
-    <p:sldId id="342" r:id="rId47"/>
-    <p:sldId id="356" r:id="rId48"/>
-    <p:sldId id="349" r:id="rId49"/>
-    <p:sldId id="382" r:id="rId50"/>
-    <p:sldId id="352" r:id="rId51"/>
-    <p:sldId id="381" r:id="rId52"/>
-    <p:sldId id="353" r:id="rId53"/>
-    <p:sldId id="351" r:id="rId54"/>
-    <p:sldId id="367" r:id="rId55"/>
-    <p:sldId id="318" r:id="rId56"/>
-    <p:sldId id="315" r:id="rId57"/>
+    <p:sldId id="386" r:id="rId33"/>
+    <p:sldId id="377" r:id="rId34"/>
+    <p:sldId id="376" r:id="rId35"/>
+    <p:sldId id="374" r:id="rId36"/>
+    <p:sldId id="378" r:id="rId37"/>
+    <p:sldId id="379" r:id="rId38"/>
+    <p:sldId id="387" r:id="rId39"/>
+    <p:sldId id="380" r:id="rId40"/>
+    <p:sldId id="384" r:id="rId41"/>
+    <p:sldId id="385" r:id="rId42"/>
+    <p:sldId id="340" r:id="rId43"/>
+    <p:sldId id="366" r:id="rId44"/>
+    <p:sldId id="359" r:id="rId45"/>
+    <p:sldId id="360" r:id="rId46"/>
+    <p:sldId id="358" r:id="rId47"/>
+    <p:sldId id="362" r:id="rId48"/>
+    <p:sldId id="342" r:id="rId49"/>
+    <p:sldId id="356" r:id="rId50"/>
+    <p:sldId id="349" r:id="rId51"/>
+    <p:sldId id="382" r:id="rId52"/>
+    <p:sldId id="352" r:id="rId53"/>
+    <p:sldId id="381" r:id="rId54"/>
+    <p:sldId id="353" r:id="rId55"/>
+    <p:sldId id="351" r:id="rId56"/>
+    <p:sldId id="367" r:id="rId57"/>
+    <p:sldId id="318" r:id="rId58"/>
+    <p:sldId id="315" r:id="rId59"/>
   </p:sldIdLst>
   <p:sldSz cx="12192000" cy="6858000"/>
   <p:notesSz cx="6858000" cy="9144000"/>
@@ -2484,7 +2486,7 @@
     </p:spTree>
     <p:extLst>
       <p:ext uri="{BB962C8B-B14F-4D97-AF65-F5344CB8AC3E}">
-        <p14:creationId xmlns:p14="http://schemas.microsoft.com/office/powerpoint/2010/main" val="2515154628"/>
+        <p14:creationId xmlns:p14="http://schemas.microsoft.com/office/powerpoint/2010/main" val="3878497123"/>
       </p:ext>
     </p:extLst>
   </p:cSld>
@@ -2568,7 +2570,7 @@
     </p:spTree>
     <p:extLst>
       <p:ext uri="{BB962C8B-B14F-4D97-AF65-F5344CB8AC3E}">
-        <p14:creationId xmlns:p14="http://schemas.microsoft.com/office/powerpoint/2010/main" val="112844178"/>
+        <p14:creationId xmlns:p14="http://schemas.microsoft.com/office/powerpoint/2010/main" val="2515154628"/>
       </p:ext>
     </p:extLst>
   </p:cSld>
@@ -2736,7 +2738,7 @@
     </p:spTree>
     <p:extLst>
       <p:ext uri="{BB962C8B-B14F-4D97-AF65-F5344CB8AC3E}">
-        <p14:creationId xmlns:p14="http://schemas.microsoft.com/office/powerpoint/2010/main" val="1406031770"/>
+        <p14:creationId xmlns:p14="http://schemas.microsoft.com/office/powerpoint/2010/main" val="112844178"/>
       </p:ext>
     </p:extLst>
   </p:cSld>
@@ -2820,7 +2822,7 @@
     </p:spTree>
     <p:extLst>
       <p:ext uri="{BB962C8B-B14F-4D97-AF65-F5344CB8AC3E}">
-        <p14:creationId xmlns:p14="http://schemas.microsoft.com/office/powerpoint/2010/main" val="3966781300"/>
+        <p14:creationId xmlns:p14="http://schemas.microsoft.com/office/powerpoint/2010/main" val="1406031770"/>
       </p:ext>
     </p:extLst>
   </p:cSld>
@@ -2904,7 +2906,7 @@
     </p:spTree>
     <p:extLst>
       <p:ext uri="{BB962C8B-B14F-4D97-AF65-F5344CB8AC3E}">
-        <p14:creationId xmlns:p14="http://schemas.microsoft.com/office/powerpoint/2010/main" val="1436204295"/>
+        <p14:creationId xmlns:p14="http://schemas.microsoft.com/office/powerpoint/2010/main" val="3966781300"/>
       </p:ext>
     </p:extLst>
   </p:cSld>
@@ -2988,7 +2990,7 @@
     </p:spTree>
     <p:extLst>
       <p:ext uri="{BB962C8B-B14F-4D97-AF65-F5344CB8AC3E}">
-        <p14:creationId xmlns:p14="http://schemas.microsoft.com/office/powerpoint/2010/main" val="2190884243"/>
+        <p14:creationId xmlns:p14="http://schemas.microsoft.com/office/powerpoint/2010/main" val="1436204295"/>
       </p:ext>
     </p:extLst>
   </p:cSld>
@@ -3072,7 +3074,7 @@
     </p:spTree>
     <p:extLst>
       <p:ext uri="{BB962C8B-B14F-4D97-AF65-F5344CB8AC3E}">
-        <p14:creationId xmlns:p14="http://schemas.microsoft.com/office/powerpoint/2010/main" val="1390890128"/>
+        <p14:creationId xmlns:p14="http://schemas.microsoft.com/office/powerpoint/2010/main" val="223393296"/>
       </p:ext>
     </p:extLst>
   </p:cSld>
@@ -3156,7 +3158,7 @@
     </p:spTree>
     <p:extLst>
       <p:ext uri="{BB962C8B-B14F-4D97-AF65-F5344CB8AC3E}">
-        <p14:creationId xmlns:p14="http://schemas.microsoft.com/office/powerpoint/2010/main" val="2660552666"/>
+        <p14:creationId xmlns:p14="http://schemas.microsoft.com/office/powerpoint/2010/main" val="2190884243"/>
       </p:ext>
     </p:extLst>
   </p:cSld>
@@ -3240,7 +3242,7 @@
     </p:spTree>
     <p:extLst>
       <p:ext uri="{BB962C8B-B14F-4D97-AF65-F5344CB8AC3E}">
-        <p14:creationId xmlns:p14="http://schemas.microsoft.com/office/powerpoint/2010/main" val="686217087"/>
+        <p14:creationId xmlns:p14="http://schemas.microsoft.com/office/powerpoint/2010/main" val="1390890128"/>
       </p:ext>
     </p:extLst>
   </p:cSld>
@@ -3324,7 +3326,7 @@
     </p:spTree>
     <p:extLst>
       <p:ext uri="{BB962C8B-B14F-4D97-AF65-F5344CB8AC3E}">
-        <p14:creationId xmlns:p14="http://schemas.microsoft.com/office/powerpoint/2010/main" val="950409368"/>
+        <p14:creationId xmlns:p14="http://schemas.microsoft.com/office/powerpoint/2010/main" val="2660552666"/>
       </p:ext>
     </p:extLst>
   </p:cSld>
@@ -3408,7 +3410,7 @@
     </p:spTree>
     <p:extLst>
       <p:ext uri="{BB962C8B-B14F-4D97-AF65-F5344CB8AC3E}">
-        <p14:creationId xmlns:p14="http://schemas.microsoft.com/office/powerpoint/2010/main" val="729092707"/>
+        <p14:creationId xmlns:p14="http://schemas.microsoft.com/office/powerpoint/2010/main" val="686217087"/>
       </p:ext>
     </p:extLst>
   </p:cSld>
@@ -3492,7 +3494,7 @@
     </p:spTree>
     <p:extLst>
       <p:ext uri="{BB962C8B-B14F-4D97-AF65-F5344CB8AC3E}">
-        <p14:creationId xmlns:p14="http://schemas.microsoft.com/office/powerpoint/2010/main" val="3293172015"/>
+        <p14:creationId xmlns:p14="http://schemas.microsoft.com/office/powerpoint/2010/main" val="950409368"/>
       </p:ext>
     </p:extLst>
   </p:cSld>
@@ -3660,7 +3662,7 @@
     </p:spTree>
     <p:extLst>
       <p:ext uri="{BB962C8B-B14F-4D97-AF65-F5344CB8AC3E}">
-        <p14:creationId xmlns:p14="http://schemas.microsoft.com/office/powerpoint/2010/main" val="2711918252"/>
+        <p14:creationId xmlns:p14="http://schemas.microsoft.com/office/powerpoint/2010/main" val="729092707"/>
       </p:ext>
     </p:extLst>
   </p:cSld>
@@ -3714,79 +3716,6 @@
           <a:bodyPr/>
           <a:lstStyle/>
           <a:p>
-            <a:r>
-              <a:rPr lang="en-US" sz="1200" kern="1200" dirty="0">
-                <a:solidFill>
-                  <a:schemeClr val="tx1"/>
-                </a:solidFill>
-                <a:effectLst/>
-                <a:latin typeface="+mn-lt"/>
-                <a:ea typeface="+mn-ea"/>
-                <a:cs typeface="+mn-cs"/>
-              </a:rPr>
-              <a:t>Azure Resource Manager templates can be used to deploy supported services to both Azure Public and Azure Stack Hub. </a:t>
-            </a:r>
-          </a:p>
-          <a:p>
-            <a:r>
-              <a:rPr lang="en-US" sz="1200" kern="1200" dirty="0">
-                <a:solidFill>
-                  <a:schemeClr val="tx1"/>
-                </a:solidFill>
-                <a:effectLst/>
-                <a:latin typeface="+mn-lt"/>
-                <a:ea typeface="+mn-ea"/>
-                <a:cs typeface="+mn-cs"/>
-              </a:rPr>
-              <a:t>A hybrid continuous integration/continuous delivery(CI/CD) pipeline enables you to build, test, and deploy your app to multiple clouds. A hybrid CI/CD pipeline can help you:</a:t>
-            </a:r>
-          </a:p>
-          <a:p>
-            <a:pPr lvl="0"/>
-            <a:r>
-              <a:rPr lang="en-US" sz="1200" kern="1200" dirty="0">
-                <a:solidFill>
-                  <a:schemeClr val="tx1"/>
-                </a:solidFill>
-                <a:effectLst/>
-                <a:latin typeface="+mn-lt"/>
-                <a:ea typeface="+mn-ea"/>
-                <a:cs typeface="+mn-cs"/>
-              </a:rPr>
-              <a:t>Initiate a new build based on code commits to your Visual Studio Team Services (VSTS) repository.</a:t>
-            </a:r>
-          </a:p>
-          <a:p>
-            <a:pPr lvl="0"/>
-            <a:r>
-              <a:rPr lang="en-US" sz="1200" kern="1200" dirty="0">
-                <a:solidFill>
-                  <a:schemeClr val="tx1"/>
-                </a:solidFill>
-                <a:effectLst/>
-                <a:latin typeface="+mn-lt"/>
-                <a:ea typeface="+mn-ea"/>
-                <a:cs typeface="+mn-cs"/>
-              </a:rPr>
-              <a:t>Automatically deploy your newly built code to Azure for user acceptance testing.</a:t>
-            </a:r>
-          </a:p>
-          <a:p>
-            <a:pPr lvl="0"/>
-            <a:r>
-              <a:rPr lang="en-US" sz="1200" kern="1200" dirty="0">
-                <a:solidFill>
-                  <a:schemeClr val="tx1"/>
-                </a:solidFill>
-                <a:effectLst/>
-                <a:latin typeface="+mn-lt"/>
-                <a:ea typeface="+mn-ea"/>
-                <a:cs typeface="+mn-cs"/>
-              </a:rPr>
-              <a:t>Once your code has passed testing, automatically deploy to Azure Stack Hub.</a:t>
-            </a:r>
-          </a:p>
-          <a:p>
             <a:endParaRPr lang="en-US" dirty="0"/>
           </a:p>
         </p:txBody>
@@ -3817,7 +3746,7 @@
     </p:spTree>
     <p:extLst>
       <p:ext uri="{BB962C8B-B14F-4D97-AF65-F5344CB8AC3E}">
-        <p14:creationId xmlns:p14="http://schemas.microsoft.com/office/powerpoint/2010/main" val="4073144030"/>
+        <p14:creationId xmlns:p14="http://schemas.microsoft.com/office/powerpoint/2010/main" val="3293172015"/>
       </p:ext>
     </p:extLst>
   </p:cSld>
@@ -3871,33 +3800,6 @@
           <a:bodyPr/>
           <a:lstStyle/>
           <a:p>
-            <a:pPr lvl="0"/>
-            <a:r>
-              <a:rPr lang="en-US" sz="1200" kern="1200" dirty="0">
-                <a:solidFill>
-                  <a:schemeClr val="tx1"/>
-                </a:solidFill>
-                <a:effectLst/>
-                <a:latin typeface="+mn-lt"/>
-                <a:ea typeface="+mn-ea"/>
-                <a:cs typeface="+mn-cs"/>
-              </a:rPr>
-              <a:t>The initial proof of concept will start with providing a S2S VPN between the virtual network the Azure Web App is connected to and Azure Stack Hub and another S2S Gateway between the Azure Stack Hub Datacenter in FT and the Contoso Regional HQ. </a:t>
-            </a:r>
-          </a:p>
-          <a:p>
-            <a:r>
-              <a:rPr lang="en-US" sz="1200" kern="1200" dirty="0">
-                <a:solidFill>
-                  <a:schemeClr val="tx1"/>
-                </a:solidFill>
-                <a:effectLst/>
-                <a:latin typeface="+mn-lt"/>
-                <a:ea typeface="+mn-ea"/>
-                <a:cs typeface="+mn-cs"/>
-              </a:rPr>
-              <a:t>For the future, both S2S and ExpressRoute will be configured for routing using BGP ensuring the best connections possible and one set of configurations for routing.  FT will provide the Public ASN number for the routes from their datacenter network in Dallas.  FT will also configure the BGP connections between their datacenter and the new routers on-premises at the Contoso Dallas office. Contoso’s Public IP Space will be leveraged along with the addition of public IP Space from FT.</a:t>
-            </a:r>
             <a:endParaRPr lang="en-US" dirty="0"/>
           </a:p>
         </p:txBody>
@@ -3928,7 +3830,7 @@
     </p:spTree>
     <p:extLst>
       <p:ext uri="{BB962C8B-B14F-4D97-AF65-F5344CB8AC3E}">
-        <p14:creationId xmlns:p14="http://schemas.microsoft.com/office/powerpoint/2010/main" val="3168858057"/>
+        <p14:creationId xmlns:p14="http://schemas.microsoft.com/office/powerpoint/2010/main" val="2711918252"/>
       </p:ext>
     </p:extLst>
   </p:cSld>
@@ -3982,6 +3884,79 @@
           <a:bodyPr/>
           <a:lstStyle/>
           <a:p>
+            <a:r>
+              <a:rPr lang="en-US" sz="1200" kern="1200" dirty="0">
+                <a:solidFill>
+                  <a:schemeClr val="tx1"/>
+                </a:solidFill>
+                <a:effectLst/>
+                <a:latin typeface="+mn-lt"/>
+                <a:ea typeface="+mn-ea"/>
+                <a:cs typeface="+mn-cs"/>
+              </a:rPr>
+              <a:t>Azure Resource Manager templates can be used to deploy supported services to both Azure Public and Azure Stack Hub. </a:t>
+            </a:r>
+          </a:p>
+          <a:p>
+            <a:r>
+              <a:rPr lang="en-US" sz="1200" kern="1200" dirty="0">
+                <a:solidFill>
+                  <a:schemeClr val="tx1"/>
+                </a:solidFill>
+                <a:effectLst/>
+                <a:latin typeface="+mn-lt"/>
+                <a:ea typeface="+mn-ea"/>
+                <a:cs typeface="+mn-cs"/>
+              </a:rPr>
+              <a:t>A hybrid continuous integration/continuous delivery(CI/CD) pipeline enables you to build, test, and deploy your app to multiple clouds. A hybrid CI/CD pipeline can help you:</a:t>
+            </a:r>
+          </a:p>
+          <a:p>
+            <a:pPr lvl="0"/>
+            <a:r>
+              <a:rPr lang="en-US" sz="1200" kern="1200" dirty="0">
+                <a:solidFill>
+                  <a:schemeClr val="tx1"/>
+                </a:solidFill>
+                <a:effectLst/>
+                <a:latin typeface="+mn-lt"/>
+                <a:ea typeface="+mn-ea"/>
+                <a:cs typeface="+mn-cs"/>
+              </a:rPr>
+              <a:t>Initiate a new build based on code commits to your Visual Studio Team Services (VSTS) repository.</a:t>
+            </a:r>
+          </a:p>
+          <a:p>
+            <a:pPr lvl="0"/>
+            <a:r>
+              <a:rPr lang="en-US" sz="1200" kern="1200" dirty="0">
+                <a:solidFill>
+                  <a:schemeClr val="tx1"/>
+                </a:solidFill>
+                <a:effectLst/>
+                <a:latin typeface="+mn-lt"/>
+                <a:ea typeface="+mn-ea"/>
+                <a:cs typeface="+mn-cs"/>
+              </a:rPr>
+              <a:t>Automatically deploy your newly built code to Azure for user acceptance testing.</a:t>
+            </a:r>
+          </a:p>
+          <a:p>
+            <a:pPr lvl="0"/>
+            <a:r>
+              <a:rPr lang="en-US" sz="1200" kern="1200" dirty="0">
+                <a:solidFill>
+                  <a:schemeClr val="tx1"/>
+                </a:solidFill>
+                <a:effectLst/>
+                <a:latin typeface="+mn-lt"/>
+                <a:ea typeface="+mn-ea"/>
+                <a:cs typeface="+mn-cs"/>
+              </a:rPr>
+              <a:t>Once your code has passed testing, automatically deploy to Azure Stack Hub.</a:t>
+            </a:r>
+          </a:p>
+          <a:p>
             <a:endParaRPr lang="en-US" dirty="0"/>
           </a:p>
         </p:txBody>
@@ -4012,7 +3987,7 @@
     </p:spTree>
     <p:extLst>
       <p:ext uri="{BB962C8B-B14F-4D97-AF65-F5344CB8AC3E}">
-        <p14:creationId xmlns:p14="http://schemas.microsoft.com/office/powerpoint/2010/main" val="2317620794"/>
+        <p14:creationId xmlns:p14="http://schemas.microsoft.com/office/powerpoint/2010/main" val="4073144030"/>
       </p:ext>
     </p:extLst>
   </p:cSld>
@@ -4066,6 +4041,33 @@
           <a:bodyPr/>
           <a:lstStyle/>
           <a:p>
+            <a:pPr lvl="0"/>
+            <a:r>
+              <a:rPr lang="en-US" sz="1200" kern="1200" dirty="0">
+                <a:solidFill>
+                  <a:schemeClr val="tx1"/>
+                </a:solidFill>
+                <a:effectLst/>
+                <a:latin typeface="+mn-lt"/>
+                <a:ea typeface="+mn-ea"/>
+                <a:cs typeface="+mn-cs"/>
+              </a:rPr>
+              <a:t>The initial proof of concept will start with providing a S2S VPN between the virtual network the Azure Web App is connected to and Azure Stack Hub and another S2S Gateway between the Azure Stack Hub Datacenter in FT and the Contoso Regional HQ. </a:t>
+            </a:r>
+          </a:p>
+          <a:p>
+            <a:r>
+              <a:rPr lang="en-US" sz="1200" kern="1200" dirty="0">
+                <a:solidFill>
+                  <a:schemeClr val="tx1"/>
+                </a:solidFill>
+                <a:effectLst/>
+                <a:latin typeface="+mn-lt"/>
+                <a:ea typeface="+mn-ea"/>
+                <a:cs typeface="+mn-cs"/>
+              </a:rPr>
+              <a:t>For the future, both S2S and ExpressRoute will be configured for routing using BGP ensuring the best connections possible and one set of configurations for routing.  FT will provide the Public ASN number for the routes from their datacenter network in Dallas.  FT will also configure the BGP connections between their datacenter and the new routers on-premises at the Contoso Dallas office. Contoso’s Public IP Space will be leveraged along with the addition of public IP Space from FT.</a:t>
+            </a:r>
             <a:endParaRPr lang="en-US" dirty="0"/>
           </a:p>
         </p:txBody>
@@ -4096,7 +4098,7 @@
     </p:spTree>
     <p:extLst>
       <p:ext uri="{BB962C8B-B14F-4D97-AF65-F5344CB8AC3E}">
-        <p14:creationId xmlns:p14="http://schemas.microsoft.com/office/powerpoint/2010/main" val="2666464400"/>
+        <p14:creationId xmlns:p14="http://schemas.microsoft.com/office/powerpoint/2010/main" val="3168858057"/>
       </p:ext>
     </p:extLst>
   </p:cSld>
@@ -4180,7 +4182,7 @@
     </p:spTree>
     <p:extLst>
       <p:ext uri="{BB962C8B-B14F-4D97-AF65-F5344CB8AC3E}">
-        <p14:creationId xmlns:p14="http://schemas.microsoft.com/office/powerpoint/2010/main" val="1684234873"/>
+        <p14:creationId xmlns:p14="http://schemas.microsoft.com/office/powerpoint/2010/main" val="2317620794"/>
       </p:ext>
     </p:extLst>
   </p:cSld>
@@ -4264,7 +4266,7 @@
     </p:spTree>
     <p:extLst>
       <p:ext uri="{BB962C8B-B14F-4D97-AF65-F5344CB8AC3E}">
-        <p14:creationId xmlns:p14="http://schemas.microsoft.com/office/powerpoint/2010/main" val="552729278"/>
+        <p14:creationId xmlns:p14="http://schemas.microsoft.com/office/powerpoint/2010/main" val="2666464400"/>
       </p:ext>
     </p:extLst>
   </p:cSld>
@@ -4348,7 +4350,7 @@
     </p:spTree>
     <p:extLst>
       <p:ext uri="{BB962C8B-B14F-4D97-AF65-F5344CB8AC3E}">
-        <p14:creationId xmlns:p14="http://schemas.microsoft.com/office/powerpoint/2010/main" val="4199525322"/>
+        <p14:creationId xmlns:p14="http://schemas.microsoft.com/office/powerpoint/2010/main" val="1684234873"/>
       </p:ext>
     </p:extLst>
   </p:cSld>
@@ -4432,7 +4434,7 @@
     </p:spTree>
     <p:extLst>
       <p:ext uri="{BB962C8B-B14F-4D97-AF65-F5344CB8AC3E}">
-        <p14:creationId xmlns:p14="http://schemas.microsoft.com/office/powerpoint/2010/main" val="1286020422"/>
+        <p14:creationId xmlns:p14="http://schemas.microsoft.com/office/powerpoint/2010/main" val="552729278"/>
       </p:ext>
     </p:extLst>
   </p:cSld>
@@ -4516,7 +4518,7 @@
     </p:spTree>
     <p:extLst>
       <p:ext uri="{BB962C8B-B14F-4D97-AF65-F5344CB8AC3E}">
-        <p14:creationId xmlns:p14="http://schemas.microsoft.com/office/powerpoint/2010/main" val="930945961"/>
+        <p14:creationId xmlns:p14="http://schemas.microsoft.com/office/powerpoint/2010/main" val="4199525322"/>
       </p:ext>
     </p:extLst>
   </p:cSld>
@@ -4684,7 +4686,7 @@
     </p:spTree>
     <p:extLst>
       <p:ext uri="{BB962C8B-B14F-4D97-AF65-F5344CB8AC3E}">
-        <p14:creationId xmlns:p14="http://schemas.microsoft.com/office/powerpoint/2010/main" val="3083286019"/>
+        <p14:creationId xmlns:p14="http://schemas.microsoft.com/office/powerpoint/2010/main" val="1286020422"/>
       </p:ext>
     </p:extLst>
   </p:cSld>
@@ -4768,6 +4770,174 @@
     </p:spTree>
     <p:extLst>
       <p:ext uri="{BB962C8B-B14F-4D97-AF65-F5344CB8AC3E}">
+        <p14:creationId xmlns:p14="http://schemas.microsoft.com/office/powerpoint/2010/main" val="930945961"/>
+      </p:ext>
+    </p:extLst>
+  </p:cSld>
+  <p:clrMapOvr>
+    <a:masterClrMapping/>
+  </p:clrMapOvr>
+</p:notes>
+</file>
+
+<file path=ppt/notesSlides/notesSlide52.xml><?xml version="1.0" encoding="utf-8"?>
+<p:notes xmlns:a="http://schemas.openxmlformats.org/drawingml/2006/main" xmlns:r="http://schemas.openxmlformats.org/officeDocument/2006/relationships" xmlns:p="http://schemas.openxmlformats.org/presentationml/2006/main">
+  <p:cSld>
+    <p:spTree>
+      <p:nvGrpSpPr>
+        <p:cNvPr id="1" name=""/>
+        <p:cNvGrpSpPr/>
+        <p:nvPr/>
+      </p:nvGrpSpPr>
+      <p:grpSpPr>
+        <a:xfrm>
+          <a:off x="0" y="0"/>
+          <a:ext cx="0" cy="0"/>
+          <a:chOff x="0" y="0"/>
+          <a:chExt cx="0" cy="0"/>
+        </a:xfrm>
+      </p:grpSpPr>
+      <p:sp>
+        <p:nvSpPr>
+          <p:cNvPr id="2" name="Slide Image Placeholder 1"/>
+          <p:cNvSpPr>
+            <a:spLocks noGrp="1" noRot="1" noChangeAspect="1"/>
+          </p:cNvSpPr>
+          <p:nvPr>
+            <p:ph type="sldImg"/>
+          </p:nvPr>
+        </p:nvSpPr>
+        <p:spPr/>
+      </p:sp>
+      <p:sp>
+        <p:nvSpPr>
+          <p:cNvPr id="3" name="Notes Placeholder 2"/>
+          <p:cNvSpPr>
+            <a:spLocks noGrp="1"/>
+          </p:cNvSpPr>
+          <p:nvPr>
+            <p:ph type="body" idx="1"/>
+          </p:nvPr>
+        </p:nvSpPr>
+        <p:spPr/>
+        <p:txBody>
+          <a:bodyPr/>
+          <a:lstStyle/>
+          <a:p>
+            <a:endParaRPr lang="en-US" dirty="0"/>
+          </a:p>
+        </p:txBody>
+      </p:sp>
+      <p:sp>
+        <p:nvSpPr>
+          <p:cNvPr id="4" name="Slide Number Placeholder 3"/>
+          <p:cNvSpPr>
+            <a:spLocks noGrp="1"/>
+          </p:cNvSpPr>
+          <p:nvPr>
+            <p:ph type="sldNum" sz="quarter" idx="10"/>
+          </p:nvPr>
+        </p:nvSpPr>
+        <p:spPr/>
+        <p:txBody>
+          <a:bodyPr/>
+          <a:lstStyle/>
+          <a:p>
+            <a:fld id="{0998D5BB-B127-481F-BC0A-2F77C576BB34}" type="slidenum">
+              <a:rPr lang="en-US" smtClean="0"/>
+              <a:t>52</a:t>
+            </a:fld>
+            <a:endParaRPr lang="en-US" dirty="0"/>
+          </a:p>
+        </p:txBody>
+      </p:sp>
+    </p:spTree>
+    <p:extLst>
+      <p:ext uri="{BB962C8B-B14F-4D97-AF65-F5344CB8AC3E}">
+        <p14:creationId xmlns:p14="http://schemas.microsoft.com/office/powerpoint/2010/main" val="3083286019"/>
+      </p:ext>
+    </p:extLst>
+  </p:cSld>
+  <p:clrMapOvr>
+    <a:masterClrMapping/>
+  </p:clrMapOvr>
+</p:notes>
+</file>
+
+<file path=ppt/notesSlides/notesSlide53.xml><?xml version="1.0" encoding="utf-8"?>
+<p:notes xmlns:a="http://schemas.openxmlformats.org/drawingml/2006/main" xmlns:r="http://schemas.openxmlformats.org/officeDocument/2006/relationships" xmlns:p="http://schemas.openxmlformats.org/presentationml/2006/main">
+  <p:cSld>
+    <p:spTree>
+      <p:nvGrpSpPr>
+        <p:cNvPr id="1" name=""/>
+        <p:cNvGrpSpPr/>
+        <p:nvPr/>
+      </p:nvGrpSpPr>
+      <p:grpSpPr>
+        <a:xfrm>
+          <a:off x="0" y="0"/>
+          <a:ext cx="0" cy="0"/>
+          <a:chOff x="0" y="0"/>
+          <a:chExt cx="0" cy="0"/>
+        </a:xfrm>
+      </p:grpSpPr>
+      <p:sp>
+        <p:nvSpPr>
+          <p:cNvPr id="2" name="Slide Image Placeholder 1"/>
+          <p:cNvSpPr>
+            <a:spLocks noGrp="1" noRot="1" noChangeAspect="1"/>
+          </p:cNvSpPr>
+          <p:nvPr>
+            <p:ph type="sldImg"/>
+          </p:nvPr>
+        </p:nvSpPr>
+        <p:spPr/>
+      </p:sp>
+      <p:sp>
+        <p:nvSpPr>
+          <p:cNvPr id="3" name="Notes Placeholder 2"/>
+          <p:cNvSpPr>
+            <a:spLocks noGrp="1"/>
+          </p:cNvSpPr>
+          <p:nvPr>
+            <p:ph type="body" idx="1"/>
+          </p:nvPr>
+        </p:nvSpPr>
+        <p:spPr/>
+        <p:txBody>
+          <a:bodyPr/>
+          <a:lstStyle/>
+          <a:p>
+            <a:endParaRPr lang="en-US" dirty="0"/>
+          </a:p>
+        </p:txBody>
+      </p:sp>
+      <p:sp>
+        <p:nvSpPr>
+          <p:cNvPr id="4" name="Slide Number Placeholder 3"/>
+          <p:cNvSpPr>
+            <a:spLocks noGrp="1"/>
+          </p:cNvSpPr>
+          <p:nvPr>
+            <p:ph type="sldNum" sz="quarter" idx="10"/>
+          </p:nvPr>
+        </p:nvSpPr>
+        <p:spPr/>
+        <p:txBody>
+          <a:bodyPr/>
+          <a:lstStyle/>
+          <a:p>
+            <a:fld id="{0998D5BB-B127-481F-BC0A-2F77C576BB34}" type="slidenum">
+              <a:rPr lang="en-US" smtClean="0"/>
+              <a:t>53</a:t>
+            </a:fld>
+            <a:endParaRPr lang="en-US" dirty="0"/>
+          </a:p>
+        </p:txBody>
+      </p:sp>
+    </p:spTree>
+    <p:extLst>
+      <p:ext uri="{BB962C8B-B14F-4D97-AF65-F5344CB8AC3E}">
         <p14:creationId xmlns:p14="http://schemas.microsoft.com/office/powerpoint/2010/main" val="671285550"/>
       </p:ext>
     </p:extLst>
@@ -4778,7 +4948,7 @@
 </p:notes>
 </file>
 
-<file path=ppt/notesSlides/notesSlide52.xml><?xml version="1.0" encoding="utf-8"?>
+<file path=ppt/notesSlides/notesSlide54.xml><?xml version="1.0" encoding="utf-8"?>
 <p:notes xmlns:a="http://schemas.openxmlformats.org/drawingml/2006/main" xmlns:r="http://schemas.openxmlformats.org/officeDocument/2006/relationships" xmlns:p="http://schemas.openxmlformats.org/presentationml/2006/main">
   <p:cSld>
     <p:spTree>
@@ -4885,7 +5055,7 @@
                   <a:prstClr val="black"/>
                 </a:solidFill>
               </a:rPr>
-              <a:t>6/30/2020 8:32 AM</a:t>
+              <a:t>6/30/2020 2:33 PM</a:t>
             </a:fld>
             <a:endParaRPr lang="en-US" dirty="0">
               <a:solidFill>
@@ -4917,7 +5087,7 @@
                 </a:solidFill>
               </a:rPr>
               <a:pPr/>
-              <a:t>52</a:t>
+              <a:t>54</a:t>
             </a:fld>
             <a:endParaRPr lang="en-US" dirty="0">
               <a:solidFill>
@@ -24253,10 +24423,10 @@
       </p:sp>
       <p:pic>
         <p:nvPicPr>
-          <p:cNvPr id="3" name="Picture 2">
+          <p:cNvPr id="4" name="Picture 3">
             <a:extLst>
               <a:ext uri="{FF2B5EF4-FFF2-40B4-BE49-F238E27FC236}">
-                <a16:creationId xmlns:a16="http://schemas.microsoft.com/office/drawing/2014/main" id="{D7456A29-810A-4DAD-B10F-94B1687DFB31}"/>
+                <a16:creationId xmlns:a16="http://schemas.microsoft.com/office/drawing/2014/main" id="{DC032BBE-D187-45C1-8A73-B97104375FFC}"/>
               </a:ext>
             </a:extLst>
           </p:cNvPr>
@@ -24273,8 +24443,8 @@
         </p:blipFill>
         <p:spPr>
           <a:xfrm>
-            <a:off x="504665" y="1189175"/>
-            <a:ext cx="9967187" cy="5379313"/>
+            <a:off x="489234" y="1189175"/>
+            <a:ext cx="9699795" cy="5321351"/>
           </a:xfrm>
           <a:prstGeom prst="rect">
             <a:avLst/>
@@ -24342,7 +24512,7 @@
                   <a:schemeClr val="tx1"/>
                 </a:solidFill>
               </a:rPr>
-              <a:t>Preferred solution: hybrid-cloud architecture</a:t>
+              <a:t>Preferred solution: hybrid cloud architecture</a:t>
             </a:r>
             <a:br>
               <a:rPr lang="en-US" dirty="0">
@@ -24610,8 +24780,9 @@
                 <a:solidFill>
                   <a:schemeClr val="tx1"/>
                 </a:solidFill>
+                <a:cs typeface="Segoe UI" panose="020B0502040204020203" pitchFamily="34" charset="0"/>
               </a:rPr>
-              <a:t>Preferred solution: hybrid-cloud architecture</a:t>
+              <a:t>Preferred solution: hybrid cloud architecture</a:t>
             </a:r>
             <a:br>
               <a:rPr lang="en-US" dirty="0">
@@ -24630,123 +24801,40 @@
           </a:p>
         </p:txBody>
       </p:sp>
-      <p:sp>
-        <p:nvSpPr>
-          <p:cNvPr id="5" name="Text Placeholder 4">
+      <p:pic>
+        <p:nvPicPr>
+          <p:cNvPr id="5" name="Picture 4">
             <a:extLst>
               <a:ext uri="{FF2B5EF4-FFF2-40B4-BE49-F238E27FC236}">
-                <a16:creationId xmlns:a16="http://schemas.microsoft.com/office/drawing/2014/main" id="{E28EDA45-933E-4B85-A0FB-C545307C4490}"/>
+                <a16:creationId xmlns:a16="http://schemas.microsoft.com/office/drawing/2014/main" id="{0CEFFEE1-24BF-424B-AE63-9CC2F6566CD7}"/>
               </a:ext>
             </a:extLst>
           </p:cNvPr>
-          <p:cNvSpPr>
-            <a:spLocks noGrp="1"/>
-          </p:cNvSpPr>
-          <p:nvPr>
-            <p:ph type="body" sz="quarter" idx="10"/>
-          </p:nvPr>
-        </p:nvSpPr>
+          <p:cNvPicPr>
+            <a:picLocks noChangeAspect="1"/>
+          </p:cNvPicPr>
+          <p:nvPr/>
+        </p:nvPicPr>
+        <p:blipFill>
+          <a:blip r:embed="rId3"/>
+          <a:stretch>
+            <a:fillRect/>
+          </a:stretch>
+        </p:blipFill>
         <p:spPr>
           <a:xfrm>
-            <a:off x="271557" y="1077480"/>
-            <a:ext cx="11653523" cy="4924425"/>
+            <a:off x="487422" y="1078590"/>
+            <a:ext cx="10134938" cy="5483638"/>
           </a:xfrm>
+          <a:prstGeom prst="rect">
+            <a:avLst/>
+          </a:prstGeom>
         </p:spPr>
-        <p:txBody>
-          <a:bodyPr/>
-          <a:lstStyle/>
-          <a:p>
-            <a:pPr marL="0" indent="0">
-              <a:buNone/>
-            </a:pPr>
-            <a:r>
-              <a:rPr lang="en-US" sz="3600" dirty="0"/>
-              <a:t>Components </a:t>
-            </a:r>
-          </a:p>
-          <a:p>
-            <a:pPr lvl="1">
-              <a:spcAft>
-                <a:spcPts val="1200"/>
-              </a:spcAft>
-            </a:pPr>
-            <a:r>
-              <a:rPr lang="en-US" sz="2800" dirty="0"/>
-              <a:t>Azure Web Apps and API Apps</a:t>
-            </a:r>
-          </a:p>
-          <a:p>
-            <a:pPr lvl="1">
-              <a:spcAft>
-                <a:spcPts val="1200"/>
-              </a:spcAft>
-            </a:pPr>
-            <a:r>
-              <a:rPr lang="en-US" sz="2800" dirty="0"/>
-              <a:t>Azure Storage blobs </a:t>
-            </a:r>
-          </a:p>
-          <a:p>
-            <a:pPr lvl="1">
-              <a:spcAft>
-                <a:spcPts val="1200"/>
-              </a:spcAft>
-            </a:pPr>
-            <a:r>
-              <a:rPr lang="en-US" sz="2800" dirty="0"/>
-              <a:t>Azure Storage queues </a:t>
-            </a:r>
-          </a:p>
-          <a:p>
-            <a:pPr lvl="1">
-              <a:spcAft>
-                <a:spcPts val="1200"/>
-              </a:spcAft>
-            </a:pPr>
-            <a:r>
-              <a:rPr lang="en-US" sz="2800" dirty="0"/>
-              <a:t>Azure Functions </a:t>
-            </a:r>
-          </a:p>
-          <a:p>
-            <a:pPr lvl="1">
-              <a:spcAft>
-                <a:spcPts val="1200"/>
-              </a:spcAft>
-            </a:pPr>
-            <a:r>
-              <a:rPr lang="en-US" sz="2800" dirty="0"/>
-              <a:t>Virtual machines</a:t>
-            </a:r>
-          </a:p>
-          <a:p>
-            <a:pPr lvl="1">
-              <a:spcAft>
-                <a:spcPts val="1200"/>
-              </a:spcAft>
-            </a:pPr>
-            <a:r>
-              <a:rPr lang="en-US" sz="2800" dirty="0"/>
-              <a:t>Azure Traffic Manager </a:t>
-            </a:r>
-          </a:p>
-          <a:p>
-            <a:pPr lvl="1">
-              <a:spcAft>
-                <a:spcPts val="1200"/>
-              </a:spcAft>
-            </a:pPr>
-            <a:r>
-              <a:rPr lang="en-US" sz="2800" dirty="0"/>
-              <a:t>Azure Content Delivery Network (CDN) </a:t>
-            </a:r>
-          </a:p>
-        </p:txBody>
-      </p:sp>
+      </p:pic>
     </p:spTree>
     <p:extLst>
       <p:ext uri="{BB962C8B-B14F-4D97-AF65-F5344CB8AC3E}">
-        <p14:creationId xmlns:p14="http://schemas.microsoft.com/office/powerpoint/2010/main" val="2047719146"/>
+        <p14:creationId xmlns:p14="http://schemas.microsoft.com/office/powerpoint/2010/main" val="2510851459"/>
       </p:ext>
     </p:extLst>
   </p:cSld>
@@ -24761,85 +24849,6 @@
       <p:transition/>
     </mc:Fallback>
   </mc:AlternateContent>
-  <p:timing>
-    <p:tnLst>
-      <p:par>
-        <p:cTn id="1" dur="indefinite" restart="never" nodeType="tmRoot">
-          <p:childTnLst>
-            <p:seq concurrent="1" nextAc="seek">
-              <p:cTn id="2" dur="indefinite" nodeType="mainSeq">
-                <p:childTnLst>
-                  <p:par>
-                    <p:cTn id="3" fill="hold">
-                      <p:stCondLst>
-                        <p:cond delay="indefinite"/>
-                      </p:stCondLst>
-                      <p:childTnLst>
-                        <p:par>
-                          <p:cTn id="4" fill="hold">
-                            <p:stCondLst>
-                              <p:cond delay="0"/>
-                            </p:stCondLst>
-                            <p:childTnLst>
-                              <p:par>
-                                <p:cTn id="5" presetID="1" presetClass="entr" presetSubtype="0" fill="hold" nodeType="clickEffect">
-                                  <p:stCondLst>
-                                    <p:cond delay="0"/>
-                                  </p:stCondLst>
-                                  <p:childTnLst>
-                                    <p:set>
-                                      <p:cBhvr>
-                                        <p:cTn id="6" dur="1" fill="hold">
-                                          <p:stCondLst>
-                                            <p:cond delay="0"/>
-                                          </p:stCondLst>
-                                        </p:cTn>
-                                        <p:tgtEl>
-                                          <p:spTgt spid="5">
-                                            <p:txEl>
-                                              <p:pRg st="0" end="0"/>
-                                            </p:txEl>
-                                          </p:spTgt>
-                                        </p:tgtEl>
-                                        <p:attrNameLst>
-                                          <p:attrName>style.visibility</p:attrName>
-                                        </p:attrNameLst>
-                                      </p:cBhvr>
-                                      <p:to>
-                                        <p:strVal val="visible"/>
-                                      </p:to>
-                                    </p:set>
-                                  </p:childTnLst>
-                                </p:cTn>
-                              </p:par>
-                            </p:childTnLst>
-                          </p:cTn>
-                        </p:par>
-                      </p:childTnLst>
-                    </p:cTn>
-                  </p:par>
-                </p:childTnLst>
-              </p:cTn>
-              <p:prevCondLst>
-                <p:cond evt="onPrev" delay="0">
-                  <p:tgtEl>
-                    <p:sldTgt/>
-                  </p:tgtEl>
-                </p:cond>
-              </p:prevCondLst>
-              <p:nextCondLst>
-                <p:cond evt="onNext" delay="0">
-                  <p:tgtEl>
-                    <p:sldTgt/>
-                  </p:tgtEl>
-                </p:cond>
-              </p:nextCondLst>
-            </p:seq>
-          </p:childTnLst>
-        </p:cTn>
-      </p:par>
-    </p:tnLst>
-  </p:timing>
 </p:sld>
 </file>
 
@@ -24883,7 +24892,7 @@
                   <a:schemeClr val="tx1"/>
                 </a:solidFill>
               </a:rPr>
-              <a:t>Preferred solution: hybrid-cloud architecture</a:t>
+              <a:t>Preferred solution: hybrid cloud architecture</a:t>
             </a:r>
             <a:br>
               <a:rPr lang="en-US" dirty="0">
@@ -24921,7 +24930,7 @@
         <p:spPr>
           <a:xfrm>
             <a:off x="271557" y="1077480"/>
-            <a:ext cx="11653523" cy="3816429"/>
+            <a:ext cx="11653523" cy="4924425"/>
           </a:xfrm>
         </p:spPr>
         <p:txBody>
@@ -24933,7 +24942,7 @@
             </a:pPr>
             <a:r>
               <a:rPr lang="en-US" sz="3600" dirty="0"/>
-              <a:t>Components (Global Azure cloud)</a:t>
+              <a:t>Components </a:t>
             </a:r>
           </a:p>
           <a:p>
@@ -24944,7 +24953,7 @@
             </a:pPr>
             <a:r>
               <a:rPr lang="en-US" sz="2800" dirty="0"/>
-              <a:t>Azure Web App for the Mortgage Application code</a:t>
+              <a:t>Azure Web Apps and API Apps</a:t>
             </a:r>
           </a:p>
           <a:p>
@@ -24955,7 +24964,7 @@
             </a:pPr>
             <a:r>
               <a:rPr lang="en-US" sz="2800" dirty="0"/>
-              <a:t>Azure Storage blobs for PDF files and Cloud Witness blob</a:t>
+              <a:t>Azure Storage blobs </a:t>
             </a:r>
           </a:p>
           <a:p>
@@ -24966,7 +24975,7 @@
             </a:pPr>
             <a:r>
               <a:rPr lang="en-US" sz="2800" dirty="0"/>
-              <a:t>Azure Traffic Manager for routing web traffic to either the Azure public web apps or the web apps on Azure Stack Hub.</a:t>
+              <a:t>Azure Storage queues </a:t>
             </a:r>
           </a:p>
           <a:p>
@@ -24977,7 +24986,40 @@
             </a:pPr>
             <a:r>
               <a:rPr lang="en-US" sz="2800" dirty="0"/>
-              <a:t>Azure Content Delivery Network (CDN) or caching publicly accessible PDF files.</a:t>
+              <a:t>Azure Functions </a:t>
+            </a:r>
+          </a:p>
+          <a:p>
+            <a:pPr lvl="1">
+              <a:spcAft>
+                <a:spcPts val="1200"/>
+              </a:spcAft>
+            </a:pPr>
+            <a:r>
+              <a:rPr lang="en-US" sz="2800" dirty="0"/>
+              <a:t>Virtual machines</a:t>
+            </a:r>
+          </a:p>
+          <a:p>
+            <a:pPr lvl="1">
+              <a:spcAft>
+                <a:spcPts val="1200"/>
+              </a:spcAft>
+            </a:pPr>
+            <a:r>
+              <a:rPr lang="en-US" sz="2800" dirty="0"/>
+              <a:t>Azure Traffic Manager </a:t>
+            </a:r>
+          </a:p>
+          <a:p>
+            <a:pPr lvl="1">
+              <a:spcAft>
+                <a:spcPts val="1200"/>
+              </a:spcAft>
+            </a:pPr>
+            <a:r>
+              <a:rPr lang="en-US" sz="2800" dirty="0"/>
+              <a:t>Azure Content Delivery Network (CDN) </a:t>
             </a:r>
           </a:p>
         </p:txBody>
@@ -24985,7 +25027,7 @@
     </p:spTree>
     <p:extLst>
       <p:ext uri="{BB962C8B-B14F-4D97-AF65-F5344CB8AC3E}">
-        <p14:creationId xmlns:p14="http://schemas.microsoft.com/office/powerpoint/2010/main" val="654406822"/>
+        <p14:creationId xmlns:p14="http://schemas.microsoft.com/office/powerpoint/2010/main" val="2047719146"/>
       </p:ext>
     </p:extLst>
   </p:cSld>
@@ -25304,7 +25346,7 @@
                   <a:schemeClr val="tx1"/>
                 </a:solidFill>
               </a:rPr>
-              <a:t>Preferred solution: hybrid-cloud architecture</a:t>
+              <a:t>Preferred solution: hybrid cloud architecture</a:t>
             </a:r>
             <a:br>
               <a:rPr lang="en-US" dirty="0">
@@ -25342,7 +25384,7 @@
         <p:spPr>
           <a:xfrm>
             <a:off x="271557" y="1077480"/>
-            <a:ext cx="11653523" cy="5607689"/>
+            <a:ext cx="11653523" cy="3816429"/>
           </a:xfrm>
         </p:spPr>
         <p:txBody>
@@ -25354,7 +25396,7 @@
             </a:pPr>
             <a:r>
               <a:rPr lang="en-US" sz="3600" dirty="0"/>
-              <a:t>Components (Azure Stack Hub) FT Dallas, TX</a:t>
+              <a:t>Components (Global Azure cloud)</a:t>
             </a:r>
           </a:p>
           <a:p>
@@ -25365,7 +25407,7 @@
             </a:pPr>
             <a:r>
               <a:rPr lang="en-US" sz="2800" dirty="0"/>
-              <a:t>2 web apps (Mortgage Applications and Mortgage Admin), API apps, a function app</a:t>
+              <a:t>Azure Web App for the Mortgage Application code</a:t>
             </a:r>
           </a:p>
           <a:p>
@@ -25376,7 +25418,7 @@
             </a:pPr>
             <a:r>
               <a:rPr lang="en-US" sz="2800" dirty="0"/>
-              <a:t>Azure Storage blobs for PDFs</a:t>
+              <a:t>Azure Storage blobs for PDF files and Cloud Witness blob</a:t>
             </a:r>
           </a:p>
           <a:p>
@@ -25387,7 +25429,7 @@
             </a:pPr>
             <a:r>
               <a:rPr lang="en-US" sz="2800" dirty="0"/>
-              <a:t>Azure Storage queues for the Mortgage Application messaging.</a:t>
+              <a:t>Azure Traffic Manager for routing web traffic to either the Azure public web apps or the web apps on Azure Stack Hub.</a:t>
             </a:r>
           </a:p>
           <a:p>
@@ -25398,18 +25440,7 @@
             </a:pPr>
             <a:r>
               <a:rPr lang="en-US" sz="2800" dirty="0"/>
-              <a:t>2 VMs (Windows Server 2019 VMs/SQL Server 2019) with the Web App DB and Customer Data databases in an Always On Availability Group (the synchronous-commit mode) and a subscriber database for the Customer Data database in the FT datacenter in Toronto, ON)</a:t>
-            </a:r>
-          </a:p>
-          <a:p>
-            <a:pPr lvl="1">
-              <a:spcAft>
-                <a:spcPts val="1200"/>
-              </a:spcAft>
-            </a:pPr>
-            <a:r>
-              <a:rPr lang="en-US" sz="2800" dirty="0"/>
-              <a:t>2 VNet-to-VNet VPN connections (to the Azure Stack Hub in the FT datacenter in Chicago, IL and in Toronto, ON)</a:t>
+              <a:t>Azure Content Delivery Network (CDN) or caching publicly accessible PDF files.</a:t>
             </a:r>
           </a:p>
         </p:txBody>
@@ -25417,7 +25448,7 @@
     </p:spTree>
     <p:extLst>
       <p:ext uri="{BB962C8B-B14F-4D97-AF65-F5344CB8AC3E}">
-        <p14:creationId xmlns:p14="http://schemas.microsoft.com/office/powerpoint/2010/main" val="857817982"/>
+        <p14:creationId xmlns:p14="http://schemas.microsoft.com/office/powerpoint/2010/main" val="654406822"/>
       </p:ext>
     </p:extLst>
   </p:cSld>
@@ -25554,7 +25585,7 @@
                   <a:schemeClr val="tx1"/>
                 </a:solidFill>
               </a:rPr>
-              <a:t>Preferred solution: hybrid-cloud architecture</a:t>
+              <a:t>Preferred solution: hybrid cloud architecture</a:t>
             </a:r>
             <a:br>
               <a:rPr lang="en-US" dirty="0">
@@ -25592,7 +25623,7 @@
         <p:spPr>
           <a:xfrm>
             <a:off x="271557" y="1077480"/>
-            <a:ext cx="11653523" cy="5219891"/>
+            <a:ext cx="11653523" cy="5607689"/>
           </a:xfrm>
         </p:spPr>
         <p:txBody>
@@ -25604,7 +25635,7 @@
             </a:pPr>
             <a:r>
               <a:rPr lang="en-US" sz="3600" dirty="0"/>
-              <a:t>Components (Azure Stack Hub) FT Chicago, IL (DR site)</a:t>
+              <a:t>Components (Azure Stack Hub) FT Dallas, TX</a:t>
             </a:r>
           </a:p>
           <a:p>
@@ -25648,7 +25679,7 @@
             </a:pPr>
             <a:r>
               <a:rPr lang="en-US" sz="2800" dirty="0"/>
-              <a:t>1 VM (Windows Server 2019 VMs/SQL Server 2019) with the Web App DB and Customer Data databases in the Always On Availability Group (the asynchronous-commit mode).</a:t>
+              <a:t>2 VMs (Windows Server 2019 VMs/SQL Server 2019) with the Web App DB and Customer Data databases in an Always On Availability Group (the synchronous-commit mode) and a subscriber database for the Customer Data database in the FT datacenter in Toronto, ON)</a:t>
             </a:r>
           </a:p>
           <a:p>
@@ -25659,7 +25690,7 @@
             </a:pPr>
             <a:r>
               <a:rPr lang="en-US" sz="2800" dirty="0"/>
-              <a:t>1 VNet-to-VNet VPN connection (to the Azure Stack Hub in the FT datacenter in Dallas, TX)</a:t>
+              <a:t>2 VNet-to-VNet VPN connections (to the Azure Stack Hub in the FT datacenter in Chicago, IL and in Toronto, ON)</a:t>
             </a:r>
           </a:p>
         </p:txBody>
@@ -25667,7 +25698,7 @@
     </p:spTree>
     <p:extLst>
       <p:ext uri="{BB962C8B-B14F-4D97-AF65-F5344CB8AC3E}">
-        <p14:creationId xmlns:p14="http://schemas.microsoft.com/office/powerpoint/2010/main" val="1386729189"/>
+        <p14:creationId xmlns:p14="http://schemas.microsoft.com/office/powerpoint/2010/main" val="857817982"/>
       </p:ext>
     </p:extLst>
   </p:cSld>
@@ -25804,7 +25835,367 @@
                   <a:schemeClr val="tx1"/>
                 </a:solidFill>
               </a:rPr>
-              <a:t>Preferred solution: hybrid-cloud architecture</a:t>
+              <a:t>Preferred solution: hybrid cloud architecture</a:t>
+            </a:r>
+            <a:br>
+              <a:rPr lang="en-US" dirty="0">
+                <a:solidFill>
+                  <a:schemeClr val="tx1"/>
+                </a:solidFill>
+                <a:latin typeface="Segoe UI" panose="020B0502040204020203" pitchFamily="34" charset="0"/>
+              </a:rPr>
+            </a:br>
+            <a:endParaRPr lang="en-US" sz="3236" dirty="0">
+              <a:solidFill>
+                <a:schemeClr val="tx1"/>
+              </a:solidFill>
+              <a:latin typeface="Segoe UI" panose="020B0502040204020203" pitchFamily="34" charset="0"/>
+            </a:endParaRPr>
+          </a:p>
+        </p:txBody>
+      </p:sp>
+      <p:sp>
+        <p:nvSpPr>
+          <p:cNvPr id="5" name="Text Placeholder 4">
+            <a:extLst>
+              <a:ext uri="{FF2B5EF4-FFF2-40B4-BE49-F238E27FC236}">
+                <a16:creationId xmlns:a16="http://schemas.microsoft.com/office/drawing/2014/main" id="{E28EDA45-933E-4B85-A0FB-C545307C4490}"/>
+              </a:ext>
+            </a:extLst>
+          </p:cNvPr>
+          <p:cNvSpPr>
+            <a:spLocks noGrp="1"/>
+          </p:cNvSpPr>
+          <p:nvPr>
+            <p:ph type="body" sz="quarter" idx="10"/>
+          </p:nvPr>
+        </p:nvSpPr>
+        <p:spPr>
+          <a:xfrm>
+            <a:off x="271557" y="1077480"/>
+            <a:ext cx="11653523" cy="5219891"/>
+          </a:xfrm>
+        </p:spPr>
+        <p:txBody>
+          <a:bodyPr/>
+          <a:lstStyle/>
+          <a:p>
+            <a:pPr marL="0" indent="0">
+              <a:buNone/>
+            </a:pPr>
+            <a:r>
+              <a:rPr lang="en-US" sz="3600" dirty="0"/>
+              <a:t>Components (Azure Stack Hub) FT Chicago, IL (DR site)</a:t>
+            </a:r>
+          </a:p>
+          <a:p>
+            <a:pPr lvl="1">
+              <a:spcAft>
+                <a:spcPts val="1200"/>
+              </a:spcAft>
+            </a:pPr>
+            <a:r>
+              <a:rPr lang="en-US" sz="2800" dirty="0"/>
+              <a:t>2 web apps (Mortgage Applications and Mortgage Admin), API apps, a function app</a:t>
+            </a:r>
+          </a:p>
+          <a:p>
+            <a:pPr lvl="1">
+              <a:spcAft>
+                <a:spcPts val="1200"/>
+              </a:spcAft>
+            </a:pPr>
+            <a:r>
+              <a:rPr lang="en-US" sz="2800" dirty="0"/>
+              <a:t>Azure Storage blobs for PDFs</a:t>
+            </a:r>
+          </a:p>
+          <a:p>
+            <a:pPr lvl="1">
+              <a:spcAft>
+                <a:spcPts val="1200"/>
+              </a:spcAft>
+            </a:pPr>
+            <a:r>
+              <a:rPr lang="en-US" sz="2800" dirty="0"/>
+              <a:t>Azure Storage queues for the Mortgage Application messaging.</a:t>
+            </a:r>
+          </a:p>
+          <a:p>
+            <a:pPr lvl="1">
+              <a:spcAft>
+                <a:spcPts val="1200"/>
+              </a:spcAft>
+            </a:pPr>
+            <a:r>
+              <a:rPr lang="en-US" sz="2800" dirty="0"/>
+              <a:t>1 VM (Windows Server 2019 VMs/SQL Server 2019) with the Web App DB and Customer Data databases in the Always On Availability Group (the asynchronous-commit mode).</a:t>
+            </a:r>
+          </a:p>
+          <a:p>
+            <a:pPr lvl="1">
+              <a:spcAft>
+                <a:spcPts val="1200"/>
+              </a:spcAft>
+            </a:pPr>
+            <a:r>
+              <a:rPr lang="en-US" sz="2800" dirty="0"/>
+              <a:t>1 VNet-to-VNet VPN connection (to the Azure Stack Hub in the FT datacenter in Dallas, TX)</a:t>
+            </a:r>
+          </a:p>
+        </p:txBody>
+      </p:sp>
+    </p:spTree>
+    <p:extLst>
+      <p:ext uri="{BB962C8B-B14F-4D97-AF65-F5344CB8AC3E}">
+        <p14:creationId xmlns:p14="http://schemas.microsoft.com/office/powerpoint/2010/main" val="1386729189"/>
+      </p:ext>
+    </p:extLst>
+  </p:cSld>
+  <p:clrMapOvr>
+    <a:masterClrMapping/>
+  </p:clrMapOvr>
+  <mc:AlternateContent xmlns:mc="http://schemas.openxmlformats.org/markup-compatibility/2006" xmlns:p14="http://schemas.microsoft.com/office/powerpoint/2010/main">
+    <mc:Choice Requires="p14">
+      <p:transition p14:dur="0"/>
+    </mc:Choice>
+    <mc:Fallback xmlns="">
+      <p:transition/>
+    </mc:Fallback>
+  </mc:AlternateContent>
+  <p:timing>
+    <p:tnLst>
+      <p:par>
+        <p:cTn id="1" dur="indefinite" restart="never" nodeType="tmRoot">
+          <p:childTnLst>
+            <p:seq concurrent="1" nextAc="seek">
+              <p:cTn id="2" dur="indefinite" nodeType="mainSeq">
+                <p:childTnLst>
+                  <p:par>
+                    <p:cTn id="3" fill="hold">
+                      <p:stCondLst>
+                        <p:cond delay="indefinite"/>
+                      </p:stCondLst>
+                      <p:childTnLst>
+                        <p:par>
+                          <p:cTn id="4" fill="hold">
+                            <p:stCondLst>
+                              <p:cond delay="0"/>
+                            </p:stCondLst>
+                            <p:childTnLst>
+                              <p:par>
+                                <p:cTn id="5" presetID="1" presetClass="entr" presetSubtype="0" fill="hold" nodeType="clickEffect">
+                                  <p:stCondLst>
+                                    <p:cond delay="0"/>
+                                  </p:stCondLst>
+                                  <p:childTnLst>
+                                    <p:set>
+                                      <p:cBhvr>
+                                        <p:cTn id="6" dur="1" fill="hold">
+                                          <p:stCondLst>
+                                            <p:cond delay="0"/>
+                                          </p:stCondLst>
+                                        </p:cTn>
+                                        <p:tgtEl>
+                                          <p:spTgt spid="5">
+                                            <p:txEl>
+                                              <p:pRg st="0" end="0"/>
+                                            </p:txEl>
+                                          </p:spTgt>
+                                        </p:tgtEl>
+                                        <p:attrNameLst>
+                                          <p:attrName>style.visibility</p:attrName>
+                                        </p:attrNameLst>
+                                      </p:cBhvr>
+                                      <p:to>
+                                        <p:strVal val="visible"/>
+                                      </p:to>
+                                    </p:set>
+                                  </p:childTnLst>
+                                </p:cTn>
+                              </p:par>
+                            </p:childTnLst>
+                          </p:cTn>
+                        </p:par>
+                      </p:childTnLst>
+                    </p:cTn>
+                  </p:par>
+                </p:childTnLst>
+              </p:cTn>
+              <p:prevCondLst>
+                <p:cond evt="onPrev" delay="0">
+                  <p:tgtEl>
+                    <p:sldTgt/>
+                  </p:tgtEl>
+                </p:cond>
+              </p:prevCondLst>
+              <p:nextCondLst>
+                <p:cond evt="onNext" delay="0">
+                  <p:tgtEl>
+                    <p:sldTgt/>
+                  </p:tgtEl>
+                </p:cond>
+              </p:nextCondLst>
+            </p:seq>
+          </p:childTnLst>
+        </p:cTn>
+      </p:par>
+    </p:tnLst>
+  </p:timing>
+</p:sld>
+</file>
+
+<file path=ppt/slides/slide33.xml><?xml version="1.0" encoding="utf-8"?>
+<p:sld xmlns:a="http://schemas.openxmlformats.org/drawingml/2006/main" xmlns:r="http://schemas.openxmlformats.org/officeDocument/2006/relationships" xmlns:p="http://schemas.openxmlformats.org/presentationml/2006/main">
+  <p:cSld>
+    <p:spTree>
+      <p:nvGrpSpPr>
+        <p:cNvPr id="1" name=""/>
+        <p:cNvGrpSpPr/>
+        <p:nvPr/>
+      </p:nvGrpSpPr>
+      <p:grpSpPr>
+        <a:xfrm>
+          <a:off x="0" y="0"/>
+          <a:ext cx="0" cy="0"/>
+          <a:chOff x="0" y="0"/>
+          <a:chExt cx="0" cy="0"/>
+        </a:xfrm>
+      </p:grpSpPr>
+      <p:sp>
+        <p:nvSpPr>
+          <p:cNvPr id="2" name="Title 1"/>
+          <p:cNvSpPr>
+            <a:spLocks noGrp="1"/>
+          </p:cNvSpPr>
+          <p:nvPr>
+            <p:ph type="title"/>
+          </p:nvPr>
+        </p:nvSpPr>
+        <p:spPr/>
+        <p:txBody>
+          <a:bodyPr>
+            <a:normAutofit fontScale="90000"/>
+          </a:bodyPr>
+          <a:lstStyle/>
+          <a:p>
+            <a:r>
+              <a:rPr lang="en-US" sz="4900" dirty="0">
+                <a:solidFill>
+                  <a:schemeClr val="tx1"/>
+                </a:solidFill>
+              </a:rPr>
+              <a:t>Preferred solution: hybrid cloud architecture</a:t>
+            </a:r>
+            <a:br>
+              <a:rPr lang="en-US" dirty="0">
+                <a:solidFill>
+                  <a:schemeClr val="tx1"/>
+                </a:solidFill>
+                <a:latin typeface="Segoe UI" panose="020B0502040204020203" pitchFamily="34" charset="0"/>
+              </a:rPr>
+            </a:br>
+            <a:endParaRPr lang="en-US" sz="3236" dirty="0">
+              <a:solidFill>
+                <a:schemeClr val="tx1"/>
+              </a:solidFill>
+              <a:latin typeface="Segoe UI" panose="020B0502040204020203" pitchFamily="34" charset="0"/>
+            </a:endParaRPr>
+          </a:p>
+        </p:txBody>
+      </p:sp>
+      <p:pic>
+        <p:nvPicPr>
+          <p:cNvPr id="4" name="Picture 3">
+            <a:extLst>
+              <a:ext uri="{FF2B5EF4-FFF2-40B4-BE49-F238E27FC236}">
+                <a16:creationId xmlns:a16="http://schemas.microsoft.com/office/drawing/2014/main" id="{54C57C82-C655-4C94-B7ED-571E19A0BB2C}"/>
+              </a:ext>
+            </a:extLst>
+          </p:cNvPr>
+          <p:cNvPicPr>
+            <a:picLocks noChangeAspect="1"/>
+          </p:cNvPicPr>
+          <p:nvPr/>
+        </p:nvPicPr>
+        <p:blipFill>
+          <a:blip r:embed="rId3"/>
+          <a:stretch>
+            <a:fillRect/>
+          </a:stretch>
+        </p:blipFill>
+        <p:spPr>
+          <a:xfrm>
+            <a:off x="430718" y="1044022"/>
+            <a:ext cx="9743796" cy="5633418"/>
+          </a:xfrm>
+          <a:prstGeom prst="rect">
+            <a:avLst/>
+          </a:prstGeom>
+        </p:spPr>
+      </p:pic>
+    </p:spTree>
+    <p:extLst>
+      <p:ext uri="{BB962C8B-B14F-4D97-AF65-F5344CB8AC3E}">
+        <p14:creationId xmlns:p14="http://schemas.microsoft.com/office/powerpoint/2010/main" val="3384247755"/>
+      </p:ext>
+    </p:extLst>
+  </p:cSld>
+  <p:clrMapOvr>
+    <a:masterClrMapping/>
+  </p:clrMapOvr>
+  <mc:AlternateContent xmlns:mc="http://schemas.openxmlformats.org/markup-compatibility/2006" xmlns:p14="http://schemas.microsoft.com/office/powerpoint/2010/main">
+    <mc:Choice Requires="p14">
+      <p:transition p14:dur="0"/>
+    </mc:Choice>
+    <mc:Fallback xmlns="">
+      <p:transition/>
+    </mc:Fallback>
+  </mc:AlternateContent>
+</p:sld>
+</file>
+
+<file path=ppt/slides/slide34.xml><?xml version="1.0" encoding="utf-8"?>
+<p:sld xmlns:a="http://schemas.openxmlformats.org/drawingml/2006/main" xmlns:r="http://schemas.openxmlformats.org/officeDocument/2006/relationships" xmlns:p="http://schemas.openxmlformats.org/presentationml/2006/main">
+  <p:cSld>
+    <p:spTree>
+      <p:nvGrpSpPr>
+        <p:cNvPr id="1" name=""/>
+        <p:cNvGrpSpPr/>
+        <p:nvPr/>
+      </p:nvGrpSpPr>
+      <p:grpSpPr>
+        <a:xfrm>
+          <a:off x="0" y="0"/>
+          <a:ext cx="0" cy="0"/>
+          <a:chOff x="0" y="0"/>
+          <a:chExt cx="0" cy="0"/>
+        </a:xfrm>
+      </p:grpSpPr>
+      <p:sp>
+        <p:nvSpPr>
+          <p:cNvPr id="2" name="Title 1"/>
+          <p:cNvSpPr>
+            <a:spLocks noGrp="1"/>
+          </p:cNvSpPr>
+          <p:nvPr>
+            <p:ph type="title"/>
+          </p:nvPr>
+        </p:nvSpPr>
+        <p:spPr/>
+        <p:txBody>
+          <a:bodyPr>
+            <a:normAutofit fontScale="90000"/>
+          </a:bodyPr>
+          <a:lstStyle/>
+          <a:p>
+            <a:r>
+              <a:rPr lang="en-US" sz="4900" dirty="0">
+                <a:solidFill>
+                  <a:schemeClr val="tx1"/>
+                </a:solidFill>
+              </a:rPr>
+              <a:t>Preferred solution: hybrid cloud architecture</a:t>
             </a:r>
             <a:br>
               <a:rPr lang="en-US" dirty="0">
@@ -25917,7 +26308,7 @@
     </p:spTree>
     <p:extLst>
       <p:ext uri="{BB962C8B-B14F-4D97-AF65-F5344CB8AC3E}">
-        <p14:creationId xmlns:p14="http://schemas.microsoft.com/office/powerpoint/2010/main" val="3384247755"/>
+        <p14:creationId xmlns:p14="http://schemas.microsoft.com/office/powerpoint/2010/main" val="892531890"/>
       </p:ext>
     </p:extLst>
   </p:cSld>
@@ -26210,1248 +26601,6 @@
 </p:sld>
 </file>
 
-<file path=ppt/slides/slide33.xml><?xml version="1.0" encoding="utf-8"?>
-<p:sld xmlns:a="http://schemas.openxmlformats.org/drawingml/2006/main" xmlns:r="http://schemas.openxmlformats.org/officeDocument/2006/relationships" xmlns:p="http://schemas.openxmlformats.org/presentationml/2006/main">
-  <p:cSld>
-    <p:spTree>
-      <p:nvGrpSpPr>
-        <p:cNvPr id="1" name=""/>
-        <p:cNvGrpSpPr/>
-        <p:nvPr/>
-      </p:nvGrpSpPr>
-      <p:grpSpPr>
-        <a:xfrm>
-          <a:off x="0" y="0"/>
-          <a:ext cx="0" cy="0"/>
-          <a:chOff x="0" y="0"/>
-          <a:chExt cx="0" cy="0"/>
-        </a:xfrm>
-      </p:grpSpPr>
-      <p:sp>
-        <p:nvSpPr>
-          <p:cNvPr id="2" name="Title 1"/>
-          <p:cNvSpPr>
-            <a:spLocks noGrp="1"/>
-          </p:cNvSpPr>
-          <p:nvPr>
-            <p:ph type="title"/>
-          </p:nvPr>
-        </p:nvSpPr>
-        <p:spPr/>
-        <p:txBody>
-          <a:bodyPr>
-            <a:normAutofit fontScale="90000"/>
-          </a:bodyPr>
-          <a:lstStyle/>
-          <a:p>
-            <a:r>
-              <a:rPr lang="en-US" sz="4900" dirty="0">
-                <a:solidFill>
-                  <a:schemeClr val="tx1"/>
-                </a:solidFill>
-              </a:rPr>
-              <a:t>Preferred solution: hybrid-cloud architecture</a:t>
-            </a:r>
-            <a:br>
-              <a:rPr lang="en-US" dirty="0">
-                <a:solidFill>
-                  <a:schemeClr val="tx1"/>
-                </a:solidFill>
-                <a:latin typeface="Segoe UI" panose="020B0502040204020203" pitchFamily="34" charset="0"/>
-              </a:rPr>
-            </a:br>
-            <a:endParaRPr lang="en-US" sz="3236" dirty="0">
-              <a:solidFill>
-                <a:schemeClr val="tx1"/>
-              </a:solidFill>
-              <a:latin typeface="Segoe UI" panose="020B0502040204020203" pitchFamily="34" charset="0"/>
-            </a:endParaRPr>
-          </a:p>
-        </p:txBody>
-      </p:sp>
-      <p:sp>
-        <p:nvSpPr>
-          <p:cNvPr id="5" name="Text Placeholder 4">
-            <a:extLst>
-              <a:ext uri="{FF2B5EF4-FFF2-40B4-BE49-F238E27FC236}">
-                <a16:creationId xmlns:a16="http://schemas.microsoft.com/office/drawing/2014/main" id="{E28EDA45-933E-4B85-A0FB-C545307C4490}"/>
-              </a:ext>
-            </a:extLst>
-          </p:cNvPr>
-          <p:cNvSpPr>
-            <a:spLocks noGrp="1"/>
-          </p:cNvSpPr>
-          <p:nvPr>
-            <p:ph type="body" sz="quarter" idx="10"/>
-          </p:nvPr>
-        </p:nvSpPr>
-        <p:spPr>
-          <a:xfrm>
-            <a:off x="271557" y="1077480"/>
-            <a:ext cx="11653523" cy="5921621"/>
-          </a:xfrm>
-        </p:spPr>
-        <p:txBody>
-          <a:bodyPr/>
-          <a:lstStyle/>
-          <a:p>
-            <a:pPr marL="0" indent="0">
-              <a:buNone/>
-            </a:pPr>
-            <a:r>
-              <a:rPr lang="en-US" sz="3600" dirty="0"/>
-              <a:t>High availability </a:t>
-            </a:r>
-          </a:p>
-          <a:p>
-            <a:pPr lvl="1">
-              <a:spcAft>
-                <a:spcPts val="1200"/>
-              </a:spcAft>
-            </a:pPr>
-            <a:r>
-              <a:rPr lang="en-US" sz="2800" dirty="0"/>
-              <a:t>Inherent to Azure Stack Hub design</a:t>
-            </a:r>
-          </a:p>
-          <a:p>
-            <a:pPr lvl="1">
-              <a:spcAft>
-                <a:spcPts val="1200"/>
-              </a:spcAft>
-            </a:pPr>
-            <a:r>
-              <a:rPr lang="en-US" sz="2800" dirty="0"/>
-              <a:t>Backed by Azure availability SLAs</a:t>
-            </a:r>
-          </a:p>
-          <a:p>
-            <a:pPr lvl="1">
-              <a:spcAft>
-                <a:spcPts val="1200"/>
-              </a:spcAft>
-            </a:pPr>
-            <a:r>
-              <a:rPr lang="en-US" sz="2800" dirty="0"/>
-              <a:t>Enhanced by using Always On Availability Group (synchronous mode)</a:t>
-            </a:r>
-          </a:p>
-          <a:p>
-            <a:pPr marL="0" indent="0">
-              <a:buNone/>
-            </a:pPr>
-            <a:r>
-              <a:rPr lang="en-US" sz="3600" dirty="0"/>
-              <a:t>Disaster recovery</a:t>
-            </a:r>
-          </a:p>
-          <a:p>
-            <a:pPr lvl="1">
-              <a:spcAft>
-                <a:spcPts val="1200"/>
-              </a:spcAft>
-            </a:pPr>
-            <a:r>
-              <a:rPr lang="en-US" sz="2800" dirty="0"/>
-              <a:t>Web and application tiers: deployed to both regions</a:t>
-            </a:r>
-          </a:p>
-          <a:p>
-            <a:pPr lvl="1">
-              <a:spcAft>
-                <a:spcPts val="1200"/>
-              </a:spcAft>
-            </a:pPr>
-            <a:r>
-              <a:rPr lang="en-US" sz="2800" dirty="0"/>
-              <a:t>Database tier: implemented by using Always On Availability Group (asynchronous mode)</a:t>
-            </a:r>
-          </a:p>
-          <a:p>
-            <a:pPr lvl="1">
-              <a:spcAft>
-                <a:spcPts val="1200"/>
-              </a:spcAft>
-            </a:pPr>
-            <a:r>
-              <a:rPr lang="en-US" sz="2800" dirty="0"/>
-              <a:t>Global load balancing: Traffic Manager</a:t>
-            </a:r>
-          </a:p>
-          <a:p>
-            <a:pPr lvl="1">
-              <a:spcAft>
-                <a:spcPts val="1200"/>
-              </a:spcAft>
-            </a:pPr>
-            <a:endParaRPr lang="en-US" sz="2800" dirty="0"/>
-          </a:p>
-        </p:txBody>
-      </p:sp>
-    </p:spTree>
-    <p:extLst>
-      <p:ext uri="{BB962C8B-B14F-4D97-AF65-F5344CB8AC3E}">
-        <p14:creationId xmlns:p14="http://schemas.microsoft.com/office/powerpoint/2010/main" val="3437401657"/>
-      </p:ext>
-    </p:extLst>
-  </p:cSld>
-  <p:clrMapOvr>
-    <a:masterClrMapping/>
-  </p:clrMapOvr>
-  <mc:AlternateContent xmlns:mc="http://schemas.openxmlformats.org/markup-compatibility/2006" xmlns:p14="http://schemas.microsoft.com/office/powerpoint/2010/main">
-    <mc:Choice Requires="p14">
-      <p:transition p14:dur="0"/>
-    </mc:Choice>
-    <mc:Fallback xmlns="">
-      <p:transition/>
-    </mc:Fallback>
-  </mc:AlternateContent>
-  <p:timing>
-    <p:tnLst>
-      <p:par>
-        <p:cTn id="1" dur="indefinite" restart="never" nodeType="tmRoot">
-          <p:childTnLst>
-            <p:seq concurrent="1" nextAc="seek">
-              <p:cTn id="2" dur="indefinite" nodeType="mainSeq">
-                <p:childTnLst>
-                  <p:par>
-                    <p:cTn id="3" fill="hold">
-                      <p:stCondLst>
-                        <p:cond delay="indefinite"/>
-                      </p:stCondLst>
-                      <p:childTnLst>
-                        <p:par>
-                          <p:cTn id="4" fill="hold">
-                            <p:stCondLst>
-                              <p:cond delay="0"/>
-                            </p:stCondLst>
-                            <p:childTnLst>
-                              <p:par>
-                                <p:cTn id="5" presetID="1" presetClass="entr" presetSubtype="0" fill="hold" nodeType="clickEffect">
-                                  <p:stCondLst>
-                                    <p:cond delay="0"/>
-                                  </p:stCondLst>
-                                  <p:childTnLst>
-                                    <p:set>
-                                      <p:cBhvr>
-                                        <p:cTn id="6" dur="1" fill="hold">
-                                          <p:stCondLst>
-                                            <p:cond delay="0"/>
-                                          </p:stCondLst>
-                                        </p:cTn>
-                                        <p:tgtEl>
-                                          <p:spTgt spid="5">
-                                            <p:txEl>
-                                              <p:pRg st="0" end="0"/>
-                                            </p:txEl>
-                                          </p:spTgt>
-                                        </p:tgtEl>
-                                        <p:attrNameLst>
-                                          <p:attrName>style.visibility</p:attrName>
-                                        </p:attrNameLst>
-                                      </p:cBhvr>
-                                      <p:to>
-                                        <p:strVal val="visible"/>
-                                      </p:to>
-                                    </p:set>
-                                  </p:childTnLst>
-                                </p:cTn>
-                              </p:par>
-                            </p:childTnLst>
-                          </p:cTn>
-                        </p:par>
-                      </p:childTnLst>
-                    </p:cTn>
-                  </p:par>
-                  <p:par>
-                    <p:cTn id="7" fill="hold">
-                      <p:stCondLst>
-                        <p:cond delay="indefinite"/>
-                      </p:stCondLst>
-                      <p:childTnLst>
-                        <p:par>
-                          <p:cTn id="8" fill="hold">
-                            <p:stCondLst>
-                              <p:cond delay="0"/>
-                            </p:stCondLst>
-                            <p:childTnLst>
-                              <p:par>
-                                <p:cTn id="9" presetID="1" presetClass="entr" presetSubtype="0" fill="hold" nodeType="clickEffect">
-                                  <p:stCondLst>
-                                    <p:cond delay="0"/>
-                                  </p:stCondLst>
-                                  <p:childTnLst>
-                                    <p:set>
-                                      <p:cBhvr>
-                                        <p:cTn id="10" dur="1" fill="hold">
-                                          <p:stCondLst>
-                                            <p:cond delay="0"/>
-                                          </p:stCondLst>
-                                        </p:cTn>
-                                        <p:tgtEl>
-                                          <p:spTgt spid="5">
-                                            <p:txEl>
-                                              <p:pRg st="1" end="1"/>
-                                            </p:txEl>
-                                          </p:spTgt>
-                                        </p:tgtEl>
-                                        <p:attrNameLst>
-                                          <p:attrName>style.visibility</p:attrName>
-                                        </p:attrNameLst>
-                                      </p:cBhvr>
-                                      <p:to>
-                                        <p:strVal val="visible"/>
-                                      </p:to>
-                                    </p:set>
-                                  </p:childTnLst>
-                                </p:cTn>
-                              </p:par>
-                            </p:childTnLst>
-                          </p:cTn>
-                        </p:par>
-                      </p:childTnLst>
-                    </p:cTn>
-                  </p:par>
-                  <p:par>
-                    <p:cTn id="11" fill="hold">
-                      <p:stCondLst>
-                        <p:cond delay="indefinite"/>
-                      </p:stCondLst>
-                      <p:childTnLst>
-                        <p:par>
-                          <p:cTn id="12" fill="hold">
-                            <p:stCondLst>
-                              <p:cond delay="0"/>
-                            </p:stCondLst>
-                            <p:childTnLst>
-                              <p:par>
-                                <p:cTn id="13" presetID="1" presetClass="entr" presetSubtype="0" fill="hold" nodeType="clickEffect">
-                                  <p:stCondLst>
-                                    <p:cond delay="0"/>
-                                  </p:stCondLst>
-                                  <p:childTnLst>
-                                    <p:set>
-                                      <p:cBhvr>
-                                        <p:cTn id="14" dur="1" fill="hold">
-                                          <p:stCondLst>
-                                            <p:cond delay="0"/>
-                                          </p:stCondLst>
-                                        </p:cTn>
-                                        <p:tgtEl>
-                                          <p:spTgt spid="5">
-                                            <p:txEl>
-                                              <p:pRg st="2" end="2"/>
-                                            </p:txEl>
-                                          </p:spTgt>
-                                        </p:tgtEl>
-                                        <p:attrNameLst>
-                                          <p:attrName>style.visibility</p:attrName>
-                                        </p:attrNameLst>
-                                      </p:cBhvr>
-                                      <p:to>
-                                        <p:strVal val="visible"/>
-                                      </p:to>
-                                    </p:set>
-                                  </p:childTnLst>
-                                </p:cTn>
-                              </p:par>
-                            </p:childTnLst>
-                          </p:cTn>
-                        </p:par>
-                      </p:childTnLst>
-                    </p:cTn>
-                  </p:par>
-                  <p:par>
-                    <p:cTn id="15" fill="hold">
-                      <p:stCondLst>
-                        <p:cond delay="indefinite"/>
-                      </p:stCondLst>
-                      <p:childTnLst>
-                        <p:par>
-                          <p:cTn id="16" fill="hold">
-                            <p:stCondLst>
-                              <p:cond delay="0"/>
-                            </p:stCondLst>
-                            <p:childTnLst>
-                              <p:par>
-                                <p:cTn id="17" presetID="1" presetClass="entr" presetSubtype="0" fill="hold" nodeType="clickEffect">
-                                  <p:stCondLst>
-                                    <p:cond delay="0"/>
-                                  </p:stCondLst>
-                                  <p:childTnLst>
-                                    <p:set>
-                                      <p:cBhvr>
-                                        <p:cTn id="18" dur="1" fill="hold">
-                                          <p:stCondLst>
-                                            <p:cond delay="0"/>
-                                          </p:stCondLst>
-                                        </p:cTn>
-                                        <p:tgtEl>
-                                          <p:spTgt spid="5">
-                                            <p:txEl>
-                                              <p:pRg st="3" end="3"/>
-                                            </p:txEl>
-                                          </p:spTgt>
-                                        </p:tgtEl>
-                                        <p:attrNameLst>
-                                          <p:attrName>style.visibility</p:attrName>
-                                        </p:attrNameLst>
-                                      </p:cBhvr>
-                                      <p:to>
-                                        <p:strVal val="visible"/>
-                                      </p:to>
-                                    </p:set>
-                                  </p:childTnLst>
-                                </p:cTn>
-                              </p:par>
-                            </p:childTnLst>
-                          </p:cTn>
-                        </p:par>
-                      </p:childTnLst>
-                    </p:cTn>
-                  </p:par>
-                  <p:par>
-                    <p:cTn id="19" fill="hold">
-                      <p:stCondLst>
-                        <p:cond delay="indefinite"/>
-                      </p:stCondLst>
-                      <p:childTnLst>
-                        <p:par>
-                          <p:cTn id="20" fill="hold">
-                            <p:stCondLst>
-                              <p:cond delay="0"/>
-                            </p:stCondLst>
-                            <p:childTnLst>
-                              <p:par>
-                                <p:cTn id="21" presetID="1" presetClass="entr" presetSubtype="0" fill="hold" nodeType="clickEffect">
-                                  <p:stCondLst>
-                                    <p:cond delay="0"/>
-                                  </p:stCondLst>
-                                  <p:childTnLst>
-                                    <p:set>
-                                      <p:cBhvr>
-                                        <p:cTn id="22" dur="1" fill="hold">
-                                          <p:stCondLst>
-                                            <p:cond delay="0"/>
-                                          </p:stCondLst>
-                                        </p:cTn>
-                                        <p:tgtEl>
-                                          <p:spTgt spid="5">
-                                            <p:txEl>
-                                              <p:pRg st="4" end="4"/>
-                                            </p:txEl>
-                                          </p:spTgt>
-                                        </p:tgtEl>
-                                        <p:attrNameLst>
-                                          <p:attrName>style.visibility</p:attrName>
-                                        </p:attrNameLst>
-                                      </p:cBhvr>
-                                      <p:to>
-                                        <p:strVal val="visible"/>
-                                      </p:to>
-                                    </p:set>
-                                  </p:childTnLst>
-                                </p:cTn>
-                              </p:par>
-                            </p:childTnLst>
-                          </p:cTn>
-                        </p:par>
-                      </p:childTnLst>
-                    </p:cTn>
-                  </p:par>
-                  <p:par>
-                    <p:cTn id="23" fill="hold">
-                      <p:stCondLst>
-                        <p:cond delay="indefinite"/>
-                      </p:stCondLst>
-                      <p:childTnLst>
-                        <p:par>
-                          <p:cTn id="24" fill="hold">
-                            <p:stCondLst>
-                              <p:cond delay="0"/>
-                            </p:stCondLst>
-                            <p:childTnLst>
-                              <p:par>
-                                <p:cTn id="25" presetID="1" presetClass="entr" presetSubtype="0" fill="hold" nodeType="clickEffect">
-                                  <p:stCondLst>
-                                    <p:cond delay="0"/>
-                                  </p:stCondLst>
-                                  <p:childTnLst>
-                                    <p:set>
-                                      <p:cBhvr>
-                                        <p:cTn id="26" dur="1" fill="hold">
-                                          <p:stCondLst>
-                                            <p:cond delay="0"/>
-                                          </p:stCondLst>
-                                        </p:cTn>
-                                        <p:tgtEl>
-                                          <p:spTgt spid="5">
-                                            <p:txEl>
-                                              <p:pRg st="5" end="5"/>
-                                            </p:txEl>
-                                          </p:spTgt>
-                                        </p:tgtEl>
-                                        <p:attrNameLst>
-                                          <p:attrName>style.visibility</p:attrName>
-                                        </p:attrNameLst>
-                                      </p:cBhvr>
-                                      <p:to>
-                                        <p:strVal val="visible"/>
-                                      </p:to>
-                                    </p:set>
-                                  </p:childTnLst>
-                                </p:cTn>
-                              </p:par>
-                            </p:childTnLst>
-                          </p:cTn>
-                        </p:par>
-                      </p:childTnLst>
-                    </p:cTn>
-                  </p:par>
-                  <p:par>
-                    <p:cTn id="27" fill="hold">
-                      <p:stCondLst>
-                        <p:cond delay="indefinite"/>
-                      </p:stCondLst>
-                      <p:childTnLst>
-                        <p:par>
-                          <p:cTn id="28" fill="hold">
-                            <p:stCondLst>
-                              <p:cond delay="0"/>
-                            </p:stCondLst>
-                            <p:childTnLst>
-                              <p:par>
-                                <p:cTn id="29" presetID="1" presetClass="entr" presetSubtype="0" fill="hold" nodeType="clickEffect">
-                                  <p:stCondLst>
-                                    <p:cond delay="0"/>
-                                  </p:stCondLst>
-                                  <p:childTnLst>
-                                    <p:set>
-                                      <p:cBhvr>
-                                        <p:cTn id="30" dur="1" fill="hold">
-                                          <p:stCondLst>
-                                            <p:cond delay="0"/>
-                                          </p:stCondLst>
-                                        </p:cTn>
-                                        <p:tgtEl>
-                                          <p:spTgt spid="5">
-                                            <p:txEl>
-                                              <p:pRg st="6" end="6"/>
-                                            </p:txEl>
-                                          </p:spTgt>
-                                        </p:tgtEl>
-                                        <p:attrNameLst>
-                                          <p:attrName>style.visibility</p:attrName>
-                                        </p:attrNameLst>
-                                      </p:cBhvr>
-                                      <p:to>
-                                        <p:strVal val="visible"/>
-                                      </p:to>
-                                    </p:set>
-                                  </p:childTnLst>
-                                </p:cTn>
-                              </p:par>
-                            </p:childTnLst>
-                          </p:cTn>
-                        </p:par>
-                      </p:childTnLst>
-                    </p:cTn>
-                  </p:par>
-                  <p:par>
-                    <p:cTn id="31" fill="hold">
-                      <p:stCondLst>
-                        <p:cond delay="indefinite"/>
-                      </p:stCondLst>
-                      <p:childTnLst>
-                        <p:par>
-                          <p:cTn id="32" fill="hold">
-                            <p:stCondLst>
-                              <p:cond delay="0"/>
-                            </p:stCondLst>
-                            <p:childTnLst>
-                              <p:par>
-                                <p:cTn id="33" presetID="1" presetClass="entr" presetSubtype="0" fill="hold" nodeType="clickEffect">
-                                  <p:stCondLst>
-                                    <p:cond delay="0"/>
-                                  </p:stCondLst>
-                                  <p:childTnLst>
-                                    <p:set>
-                                      <p:cBhvr>
-                                        <p:cTn id="34" dur="1" fill="hold">
-                                          <p:stCondLst>
-                                            <p:cond delay="0"/>
-                                          </p:stCondLst>
-                                        </p:cTn>
-                                        <p:tgtEl>
-                                          <p:spTgt spid="5">
-                                            <p:txEl>
-                                              <p:pRg st="7" end="7"/>
-                                            </p:txEl>
-                                          </p:spTgt>
-                                        </p:tgtEl>
-                                        <p:attrNameLst>
-                                          <p:attrName>style.visibility</p:attrName>
-                                        </p:attrNameLst>
-                                      </p:cBhvr>
-                                      <p:to>
-                                        <p:strVal val="visible"/>
-                                      </p:to>
-                                    </p:set>
-                                  </p:childTnLst>
-                                </p:cTn>
-                              </p:par>
-                            </p:childTnLst>
-                          </p:cTn>
-                        </p:par>
-                      </p:childTnLst>
-                    </p:cTn>
-                  </p:par>
-                </p:childTnLst>
-              </p:cTn>
-              <p:prevCondLst>
-                <p:cond evt="onPrev" delay="0">
-                  <p:tgtEl>
-                    <p:sldTgt/>
-                  </p:tgtEl>
-                </p:cond>
-              </p:prevCondLst>
-              <p:nextCondLst>
-                <p:cond evt="onNext" delay="0">
-                  <p:tgtEl>
-                    <p:sldTgt/>
-                  </p:tgtEl>
-                </p:cond>
-              </p:nextCondLst>
-            </p:seq>
-          </p:childTnLst>
-        </p:cTn>
-      </p:par>
-    </p:tnLst>
-  </p:timing>
-</p:sld>
-</file>
-
-<file path=ppt/slides/slide34.xml><?xml version="1.0" encoding="utf-8"?>
-<p:sld xmlns:a="http://schemas.openxmlformats.org/drawingml/2006/main" xmlns:r="http://schemas.openxmlformats.org/officeDocument/2006/relationships" xmlns:p="http://schemas.openxmlformats.org/presentationml/2006/main">
-  <p:cSld>
-    <p:spTree>
-      <p:nvGrpSpPr>
-        <p:cNvPr id="1" name=""/>
-        <p:cNvGrpSpPr/>
-        <p:nvPr/>
-      </p:nvGrpSpPr>
-      <p:grpSpPr>
-        <a:xfrm>
-          <a:off x="0" y="0"/>
-          <a:ext cx="0" cy="0"/>
-          <a:chOff x="0" y="0"/>
-          <a:chExt cx="0" cy="0"/>
-        </a:xfrm>
-      </p:grpSpPr>
-      <p:sp>
-        <p:nvSpPr>
-          <p:cNvPr id="2" name="Title 1"/>
-          <p:cNvSpPr>
-            <a:spLocks noGrp="1"/>
-          </p:cNvSpPr>
-          <p:nvPr>
-            <p:ph type="title"/>
-          </p:nvPr>
-        </p:nvSpPr>
-        <p:spPr/>
-        <p:txBody>
-          <a:bodyPr>
-            <a:normAutofit fontScale="90000"/>
-          </a:bodyPr>
-          <a:lstStyle/>
-          <a:p>
-            <a:r>
-              <a:rPr lang="en-US" sz="4900" dirty="0">
-                <a:solidFill>
-                  <a:schemeClr val="tx1"/>
-                </a:solidFill>
-              </a:rPr>
-              <a:t>Preferred solution: hybrid-cloud architecture</a:t>
-            </a:r>
-            <a:br>
-              <a:rPr lang="en-US" dirty="0">
-                <a:solidFill>
-                  <a:schemeClr val="tx1"/>
-                </a:solidFill>
-                <a:latin typeface="Segoe UI" panose="020B0502040204020203" pitchFamily="34" charset="0"/>
-              </a:rPr>
-            </a:br>
-            <a:endParaRPr lang="en-US" sz="3236" dirty="0">
-              <a:solidFill>
-                <a:schemeClr val="tx1"/>
-              </a:solidFill>
-              <a:latin typeface="Segoe UI" panose="020B0502040204020203" pitchFamily="34" charset="0"/>
-            </a:endParaRPr>
-          </a:p>
-        </p:txBody>
-      </p:sp>
-      <p:sp>
-        <p:nvSpPr>
-          <p:cNvPr id="5" name="Text Placeholder 4">
-            <a:extLst>
-              <a:ext uri="{FF2B5EF4-FFF2-40B4-BE49-F238E27FC236}">
-                <a16:creationId xmlns:a16="http://schemas.microsoft.com/office/drawing/2014/main" id="{E28EDA45-933E-4B85-A0FB-C545307C4490}"/>
-              </a:ext>
-            </a:extLst>
-          </p:cNvPr>
-          <p:cNvSpPr>
-            <a:spLocks noGrp="1"/>
-          </p:cNvSpPr>
-          <p:nvPr>
-            <p:ph type="body" sz="quarter" idx="10"/>
-          </p:nvPr>
-        </p:nvSpPr>
-        <p:spPr>
-          <a:xfrm>
-            <a:off x="271557" y="1077480"/>
-            <a:ext cx="11653523" cy="5921621"/>
-          </a:xfrm>
-        </p:spPr>
-        <p:txBody>
-          <a:bodyPr/>
-          <a:lstStyle/>
-          <a:p>
-            <a:pPr marL="0" indent="0">
-              <a:buNone/>
-            </a:pPr>
-            <a:r>
-              <a:rPr lang="en-US" sz="3600" dirty="0"/>
-              <a:t>High availability </a:t>
-            </a:r>
-          </a:p>
-          <a:p>
-            <a:pPr lvl="1">
-              <a:spcAft>
-                <a:spcPts val="1200"/>
-              </a:spcAft>
-            </a:pPr>
-            <a:r>
-              <a:rPr lang="en-US" sz="2800" dirty="0"/>
-              <a:t>Inherent to Azure Stack Hub design</a:t>
-            </a:r>
-          </a:p>
-          <a:p>
-            <a:pPr lvl="1">
-              <a:spcAft>
-                <a:spcPts val="1200"/>
-              </a:spcAft>
-            </a:pPr>
-            <a:r>
-              <a:rPr lang="en-US" sz="2800" dirty="0"/>
-              <a:t>Backed by Azure availability SLAs</a:t>
-            </a:r>
-          </a:p>
-          <a:p>
-            <a:pPr lvl="1">
-              <a:spcAft>
-                <a:spcPts val="1200"/>
-              </a:spcAft>
-            </a:pPr>
-            <a:r>
-              <a:rPr lang="en-US" sz="2800" dirty="0"/>
-              <a:t>Enhanced by using Always On Availability Group (synchronous mode)</a:t>
-            </a:r>
-          </a:p>
-          <a:p>
-            <a:pPr marL="0" indent="0">
-              <a:buNone/>
-            </a:pPr>
-            <a:r>
-              <a:rPr lang="en-US" sz="3600" dirty="0"/>
-              <a:t>Disaster recovery</a:t>
-            </a:r>
-          </a:p>
-          <a:p>
-            <a:pPr lvl="1">
-              <a:spcAft>
-                <a:spcPts val="1200"/>
-              </a:spcAft>
-            </a:pPr>
-            <a:r>
-              <a:rPr lang="en-US" sz="2800" dirty="0"/>
-              <a:t>Web and application tiers: deployed to both regions</a:t>
-            </a:r>
-          </a:p>
-          <a:p>
-            <a:pPr lvl="1">
-              <a:spcAft>
-                <a:spcPts val="1200"/>
-              </a:spcAft>
-            </a:pPr>
-            <a:r>
-              <a:rPr lang="en-US" sz="2800" dirty="0"/>
-              <a:t>Database tier: implemented by using Always On Availability Group (asynchronous mode)</a:t>
-            </a:r>
-          </a:p>
-          <a:p>
-            <a:pPr lvl="1">
-              <a:spcAft>
-                <a:spcPts val="1200"/>
-              </a:spcAft>
-            </a:pPr>
-            <a:r>
-              <a:rPr lang="en-US" sz="2800" dirty="0"/>
-              <a:t>Global load balancing: Traffic Manager</a:t>
-            </a:r>
-          </a:p>
-          <a:p>
-            <a:pPr lvl="1">
-              <a:spcAft>
-                <a:spcPts val="1200"/>
-              </a:spcAft>
-            </a:pPr>
-            <a:endParaRPr lang="en-US" sz="2800" dirty="0"/>
-          </a:p>
-        </p:txBody>
-      </p:sp>
-    </p:spTree>
-    <p:extLst>
-      <p:ext uri="{BB962C8B-B14F-4D97-AF65-F5344CB8AC3E}">
-        <p14:creationId xmlns:p14="http://schemas.microsoft.com/office/powerpoint/2010/main" val="992436834"/>
-      </p:ext>
-    </p:extLst>
-  </p:cSld>
-  <p:clrMapOvr>
-    <a:masterClrMapping/>
-  </p:clrMapOvr>
-  <mc:AlternateContent xmlns:mc="http://schemas.openxmlformats.org/markup-compatibility/2006" xmlns:p14="http://schemas.microsoft.com/office/powerpoint/2010/main">
-    <mc:Choice Requires="p14">
-      <p:transition p14:dur="0"/>
-    </mc:Choice>
-    <mc:Fallback xmlns="">
-      <p:transition/>
-    </mc:Fallback>
-  </mc:AlternateContent>
-  <p:timing>
-    <p:tnLst>
-      <p:par>
-        <p:cTn id="1" dur="indefinite" restart="never" nodeType="tmRoot">
-          <p:childTnLst>
-            <p:seq concurrent="1" nextAc="seek">
-              <p:cTn id="2" dur="indefinite" nodeType="mainSeq">
-                <p:childTnLst>
-                  <p:par>
-                    <p:cTn id="3" fill="hold">
-                      <p:stCondLst>
-                        <p:cond delay="indefinite"/>
-                      </p:stCondLst>
-                      <p:childTnLst>
-                        <p:par>
-                          <p:cTn id="4" fill="hold">
-                            <p:stCondLst>
-                              <p:cond delay="0"/>
-                            </p:stCondLst>
-                            <p:childTnLst>
-                              <p:par>
-                                <p:cTn id="5" presetID="1" presetClass="entr" presetSubtype="0" fill="hold" nodeType="clickEffect">
-                                  <p:stCondLst>
-                                    <p:cond delay="0"/>
-                                  </p:stCondLst>
-                                  <p:childTnLst>
-                                    <p:set>
-                                      <p:cBhvr>
-                                        <p:cTn id="6" dur="1" fill="hold">
-                                          <p:stCondLst>
-                                            <p:cond delay="0"/>
-                                          </p:stCondLst>
-                                        </p:cTn>
-                                        <p:tgtEl>
-                                          <p:spTgt spid="5">
-                                            <p:txEl>
-                                              <p:pRg st="0" end="0"/>
-                                            </p:txEl>
-                                          </p:spTgt>
-                                        </p:tgtEl>
-                                        <p:attrNameLst>
-                                          <p:attrName>style.visibility</p:attrName>
-                                        </p:attrNameLst>
-                                      </p:cBhvr>
-                                      <p:to>
-                                        <p:strVal val="visible"/>
-                                      </p:to>
-                                    </p:set>
-                                  </p:childTnLst>
-                                </p:cTn>
-                              </p:par>
-                            </p:childTnLst>
-                          </p:cTn>
-                        </p:par>
-                      </p:childTnLst>
-                    </p:cTn>
-                  </p:par>
-                  <p:par>
-                    <p:cTn id="7" fill="hold">
-                      <p:stCondLst>
-                        <p:cond delay="indefinite"/>
-                      </p:stCondLst>
-                      <p:childTnLst>
-                        <p:par>
-                          <p:cTn id="8" fill="hold">
-                            <p:stCondLst>
-                              <p:cond delay="0"/>
-                            </p:stCondLst>
-                            <p:childTnLst>
-                              <p:par>
-                                <p:cTn id="9" presetID="1" presetClass="entr" presetSubtype="0" fill="hold" nodeType="clickEffect">
-                                  <p:stCondLst>
-                                    <p:cond delay="0"/>
-                                  </p:stCondLst>
-                                  <p:childTnLst>
-                                    <p:set>
-                                      <p:cBhvr>
-                                        <p:cTn id="10" dur="1" fill="hold">
-                                          <p:stCondLst>
-                                            <p:cond delay="0"/>
-                                          </p:stCondLst>
-                                        </p:cTn>
-                                        <p:tgtEl>
-                                          <p:spTgt spid="5">
-                                            <p:txEl>
-                                              <p:pRg st="1" end="1"/>
-                                            </p:txEl>
-                                          </p:spTgt>
-                                        </p:tgtEl>
-                                        <p:attrNameLst>
-                                          <p:attrName>style.visibility</p:attrName>
-                                        </p:attrNameLst>
-                                      </p:cBhvr>
-                                      <p:to>
-                                        <p:strVal val="visible"/>
-                                      </p:to>
-                                    </p:set>
-                                  </p:childTnLst>
-                                </p:cTn>
-                              </p:par>
-                            </p:childTnLst>
-                          </p:cTn>
-                        </p:par>
-                      </p:childTnLst>
-                    </p:cTn>
-                  </p:par>
-                  <p:par>
-                    <p:cTn id="11" fill="hold">
-                      <p:stCondLst>
-                        <p:cond delay="indefinite"/>
-                      </p:stCondLst>
-                      <p:childTnLst>
-                        <p:par>
-                          <p:cTn id="12" fill="hold">
-                            <p:stCondLst>
-                              <p:cond delay="0"/>
-                            </p:stCondLst>
-                            <p:childTnLst>
-                              <p:par>
-                                <p:cTn id="13" presetID="1" presetClass="entr" presetSubtype="0" fill="hold" nodeType="clickEffect">
-                                  <p:stCondLst>
-                                    <p:cond delay="0"/>
-                                  </p:stCondLst>
-                                  <p:childTnLst>
-                                    <p:set>
-                                      <p:cBhvr>
-                                        <p:cTn id="14" dur="1" fill="hold">
-                                          <p:stCondLst>
-                                            <p:cond delay="0"/>
-                                          </p:stCondLst>
-                                        </p:cTn>
-                                        <p:tgtEl>
-                                          <p:spTgt spid="5">
-                                            <p:txEl>
-                                              <p:pRg st="2" end="2"/>
-                                            </p:txEl>
-                                          </p:spTgt>
-                                        </p:tgtEl>
-                                        <p:attrNameLst>
-                                          <p:attrName>style.visibility</p:attrName>
-                                        </p:attrNameLst>
-                                      </p:cBhvr>
-                                      <p:to>
-                                        <p:strVal val="visible"/>
-                                      </p:to>
-                                    </p:set>
-                                  </p:childTnLst>
-                                </p:cTn>
-                              </p:par>
-                            </p:childTnLst>
-                          </p:cTn>
-                        </p:par>
-                      </p:childTnLst>
-                    </p:cTn>
-                  </p:par>
-                  <p:par>
-                    <p:cTn id="15" fill="hold">
-                      <p:stCondLst>
-                        <p:cond delay="indefinite"/>
-                      </p:stCondLst>
-                      <p:childTnLst>
-                        <p:par>
-                          <p:cTn id="16" fill="hold">
-                            <p:stCondLst>
-                              <p:cond delay="0"/>
-                            </p:stCondLst>
-                            <p:childTnLst>
-                              <p:par>
-                                <p:cTn id="17" presetID="1" presetClass="entr" presetSubtype="0" fill="hold" nodeType="clickEffect">
-                                  <p:stCondLst>
-                                    <p:cond delay="0"/>
-                                  </p:stCondLst>
-                                  <p:childTnLst>
-                                    <p:set>
-                                      <p:cBhvr>
-                                        <p:cTn id="18" dur="1" fill="hold">
-                                          <p:stCondLst>
-                                            <p:cond delay="0"/>
-                                          </p:stCondLst>
-                                        </p:cTn>
-                                        <p:tgtEl>
-                                          <p:spTgt spid="5">
-                                            <p:txEl>
-                                              <p:pRg st="3" end="3"/>
-                                            </p:txEl>
-                                          </p:spTgt>
-                                        </p:tgtEl>
-                                        <p:attrNameLst>
-                                          <p:attrName>style.visibility</p:attrName>
-                                        </p:attrNameLst>
-                                      </p:cBhvr>
-                                      <p:to>
-                                        <p:strVal val="visible"/>
-                                      </p:to>
-                                    </p:set>
-                                  </p:childTnLst>
-                                </p:cTn>
-                              </p:par>
-                            </p:childTnLst>
-                          </p:cTn>
-                        </p:par>
-                      </p:childTnLst>
-                    </p:cTn>
-                  </p:par>
-                  <p:par>
-                    <p:cTn id="19" fill="hold">
-                      <p:stCondLst>
-                        <p:cond delay="indefinite"/>
-                      </p:stCondLst>
-                      <p:childTnLst>
-                        <p:par>
-                          <p:cTn id="20" fill="hold">
-                            <p:stCondLst>
-                              <p:cond delay="0"/>
-                            </p:stCondLst>
-                            <p:childTnLst>
-                              <p:par>
-                                <p:cTn id="21" presetID="1" presetClass="entr" presetSubtype="0" fill="hold" nodeType="clickEffect">
-                                  <p:stCondLst>
-                                    <p:cond delay="0"/>
-                                  </p:stCondLst>
-                                  <p:childTnLst>
-                                    <p:set>
-                                      <p:cBhvr>
-                                        <p:cTn id="22" dur="1" fill="hold">
-                                          <p:stCondLst>
-                                            <p:cond delay="0"/>
-                                          </p:stCondLst>
-                                        </p:cTn>
-                                        <p:tgtEl>
-                                          <p:spTgt spid="5">
-                                            <p:txEl>
-                                              <p:pRg st="4" end="4"/>
-                                            </p:txEl>
-                                          </p:spTgt>
-                                        </p:tgtEl>
-                                        <p:attrNameLst>
-                                          <p:attrName>style.visibility</p:attrName>
-                                        </p:attrNameLst>
-                                      </p:cBhvr>
-                                      <p:to>
-                                        <p:strVal val="visible"/>
-                                      </p:to>
-                                    </p:set>
-                                  </p:childTnLst>
-                                </p:cTn>
-                              </p:par>
-                            </p:childTnLst>
-                          </p:cTn>
-                        </p:par>
-                      </p:childTnLst>
-                    </p:cTn>
-                  </p:par>
-                  <p:par>
-                    <p:cTn id="23" fill="hold">
-                      <p:stCondLst>
-                        <p:cond delay="indefinite"/>
-                      </p:stCondLst>
-                      <p:childTnLst>
-                        <p:par>
-                          <p:cTn id="24" fill="hold">
-                            <p:stCondLst>
-                              <p:cond delay="0"/>
-                            </p:stCondLst>
-                            <p:childTnLst>
-                              <p:par>
-                                <p:cTn id="25" presetID="1" presetClass="entr" presetSubtype="0" fill="hold" nodeType="clickEffect">
-                                  <p:stCondLst>
-                                    <p:cond delay="0"/>
-                                  </p:stCondLst>
-                                  <p:childTnLst>
-                                    <p:set>
-                                      <p:cBhvr>
-                                        <p:cTn id="26" dur="1" fill="hold">
-                                          <p:stCondLst>
-                                            <p:cond delay="0"/>
-                                          </p:stCondLst>
-                                        </p:cTn>
-                                        <p:tgtEl>
-                                          <p:spTgt spid="5">
-                                            <p:txEl>
-                                              <p:pRg st="5" end="5"/>
-                                            </p:txEl>
-                                          </p:spTgt>
-                                        </p:tgtEl>
-                                        <p:attrNameLst>
-                                          <p:attrName>style.visibility</p:attrName>
-                                        </p:attrNameLst>
-                                      </p:cBhvr>
-                                      <p:to>
-                                        <p:strVal val="visible"/>
-                                      </p:to>
-                                    </p:set>
-                                  </p:childTnLst>
-                                </p:cTn>
-                              </p:par>
-                            </p:childTnLst>
-                          </p:cTn>
-                        </p:par>
-                      </p:childTnLst>
-                    </p:cTn>
-                  </p:par>
-                  <p:par>
-                    <p:cTn id="27" fill="hold">
-                      <p:stCondLst>
-                        <p:cond delay="indefinite"/>
-                      </p:stCondLst>
-                      <p:childTnLst>
-                        <p:par>
-                          <p:cTn id="28" fill="hold">
-                            <p:stCondLst>
-                              <p:cond delay="0"/>
-                            </p:stCondLst>
-                            <p:childTnLst>
-                              <p:par>
-                                <p:cTn id="29" presetID="1" presetClass="entr" presetSubtype="0" fill="hold" nodeType="clickEffect">
-                                  <p:stCondLst>
-                                    <p:cond delay="0"/>
-                                  </p:stCondLst>
-                                  <p:childTnLst>
-                                    <p:set>
-                                      <p:cBhvr>
-                                        <p:cTn id="30" dur="1" fill="hold">
-                                          <p:stCondLst>
-                                            <p:cond delay="0"/>
-                                          </p:stCondLst>
-                                        </p:cTn>
-                                        <p:tgtEl>
-                                          <p:spTgt spid="5">
-                                            <p:txEl>
-                                              <p:pRg st="6" end="6"/>
-                                            </p:txEl>
-                                          </p:spTgt>
-                                        </p:tgtEl>
-                                        <p:attrNameLst>
-                                          <p:attrName>style.visibility</p:attrName>
-                                        </p:attrNameLst>
-                                      </p:cBhvr>
-                                      <p:to>
-                                        <p:strVal val="visible"/>
-                                      </p:to>
-                                    </p:set>
-                                  </p:childTnLst>
-                                </p:cTn>
-                              </p:par>
-                            </p:childTnLst>
-                          </p:cTn>
-                        </p:par>
-                      </p:childTnLst>
-                    </p:cTn>
-                  </p:par>
-                  <p:par>
-                    <p:cTn id="31" fill="hold">
-                      <p:stCondLst>
-                        <p:cond delay="indefinite"/>
-                      </p:stCondLst>
-                      <p:childTnLst>
-                        <p:par>
-                          <p:cTn id="32" fill="hold">
-                            <p:stCondLst>
-                              <p:cond delay="0"/>
-                            </p:stCondLst>
-                            <p:childTnLst>
-                              <p:par>
-                                <p:cTn id="33" presetID="1" presetClass="entr" presetSubtype="0" fill="hold" nodeType="clickEffect">
-                                  <p:stCondLst>
-                                    <p:cond delay="0"/>
-                                  </p:stCondLst>
-                                  <p:childTnLst>
-                                    <p:set>
-                                      <p:cBhvr>
-                                        <p:cTn id="34" dur="1" fill="hold">
-                                          <p:stCondLst>
-                                            <p:cond delay="0"/>
-                                          </p:stCondLst>
-                                        </p:cTn>
-                                        <p:tgtEl>
-                                          <p:spTgt spid="5">
-                                            <p:txEl>
-                                              <p:pRg st="7" end="7"/>
-                                            </p:txEl>
-                                          </p:spTgt>
-                                        </p:tgtEl>
-                                        <p:attrNameLst>
-                                          <p:attrName>style.visibility</p:attrName>
-                                        </p:attrNameLst>
-                                      </p:cBhvr>
-                                      <p:to>
-                                        <p:strVal val="visible"/>
-                                      </p:to>
-                                    </p:set>
-                                  </p:childTnLst>
-                                </p:cTn>
-                              </p:par>
-                            </p:childTnLst>
-                          </p:cTn>
-                        </p:par>
-                      </p:childTnLst>
-                    </p:cTn>
-                  </p:par>
-                </p:childTnLst>
-              </p:cTn>
-              <p:prevCondLst>
-                <p:cond evt="onPrev" delay="0">
-                  <p:tgtEl>
-                    <p:sldTgt/>
-                  </p:tgtEl>
-                </p:cond>
-              </p:prevCondLst>
-              <p:nextCondLst>
-                <p:cond evt="onNext" delay="0">
-                  <p:tgtEl>
-                    <p:sldTgt/>
-                  </p:tgtEl>
-                </p:cond>
-              </p:nextCondLst>
-            </p:seq>
-          </p:childTnLst>
-        </p:cTn>
-      </p:par>
-    </p:tnLst>
-  </p:timing>
-</p:sld>
-</file>
-
 <file path=ppt/slides/slide35.xml><?xml version="1.0" encoding="utf-8"?>
 <p:sld xmlns:a="http://schemas.openxmlformats.org/drawingml/2006/main" xmlns:r="http://schemas.openxmlformats.org/officeDocument/2006/relationships" xmlns:p="http://schemas.openxmlformats.org/presentationml/2006/main">
   <p:cSld>
@@ -27492,7 +26641,7 @@
                   <a:schemeClr val="tx1"/>
                 </a:solidFill>
               </a:rPr>
-              <a:t>Preferred solution: hybrid management</a:t>
+              <a:t>Preferred solution: hybrid cloud architecture</a:t>
             </a:r>
             <a:br>
               <a:rPr lang="en-US" dirty="0">
@@ -27530,7 +26679,7 @@
         <p:spPr>
           <a:xfrm>
             <a:off x="271557" y="1077480"/>
-            <a:ext cx="11653523" cy="5293757"/>
+            <a:ext cx="11653523" cy="5921621"/>
           </a:xfrm>
         </p:spPr>
         <p:txBody>
@@ -27542,7 +26691,7 @@
             </a:pPr>
             <a:r>
               <a:rPr lang="en-US" sz="3600" dirty="0"/>
-              <a:t>Azure Arc for Servers (once it reaches GA)</a:t>
+              <a:t>High availability </a:t>
             </a:r>
           </a:p>
           <a:p>
@@ -27553,7 +26702,7 @@
             </a:pPr>
             <a:r>
               <a:rPr lang="en-US" sz="2800" dirty="0"/>
-              <a:t>Azure Policy guest configuration </a:t>
+              <a:t>Inherent to Azure Stack Hub design</a:t>
             </a:r>
           </a:p>
           <a:p>
@@ -27564,7 +26713,7 @@
             </a:pPr>
             <a:r>
               <a:rPr lang="en-US" sz="2800" dirty="0"/>
-              <a:t>Tags</a:t>
+              <a:t>Backed by Azure availability SLAs</a:t>
             </a:r>
           </a:p>
           <a:p>
@@ -27575,7 +26724,16 @@
             </a:pPr>
             <a:r>
               <a:rPr lang="en-US" sz="2800" dirty="0"/>
-              <a:t>Resource-context access to Log Analytics logs</a:t>
+              <a:t>Enhanced by using Always On Availability Group (synchronous mode)</a:t>
+            </a:r>
+          </a:p>
+          <a:p>
+            <a:pPr marL="0" indent="0">
+              <a:buNone/>
+            </a:pPr>
+            <a:r>
+              <a:rPr lang="en-US" sz="3600" dirty="0"/>
+              <a:t>Disaster recovery</a:t>
             </a:r>
           </a:p>
           <a:p>
@@ -27586,16 +26744,7 @@
             </a:pPr>
             <a:r>
               <a:rPr lang="en-US" sz="2800" dirty="0"/>
-              <a:t>Azure VM extensions (DSC, Log Analytics, Dependency agent, Custom Script)</a:t>
-            </a:r>
-          </a:p>
-          <a:p>
-            <a:pPr marL="0" indent="0">
-              <a:buNone/>
-            </a:pPr>
-            <a:r>
-              <a:rPr lang="en-US" sz="3600" dirty="0"/>
-              <a:t>Azure Automation</a:t>
+              <a:t>Web and application tiers: deployed to both regions</a:t>
             </a:r>
           </a:p>
           <a:p>
@@ -27606,7 +26755,7 @@
             </a:pPr>
             <a:r>
               <a:rPr lang="en-US" sz="2800" dirty="0"/>
-              <a:t>Update Management</a:t>
+              <a:t>Database tier: implemented by using Always On Availability Group (asynchronous mode)</a:t>
             </a:r>
           </a:p>
           <a:p>
@@ -27617,15 +26766,23 @@
             </a:pPr>
             <a:r>
               <a:rPr lang="en-US" sz="2800" dirty="0"/>
-              <a:t>State Configuration (DSC)</a:t>
-            </a:r>
+              <a:t>Global load balancing: Traffic Manager</a:t>
+            </a:r>
+          </a:p>
+          <a:p>
+            <a:pPr lvl="1">
+              <a:spcAft>
+                <a:spcPts val="1200"/>
+              </a:spcAft>
+            </a:pPr>
+            <a:endParaRPr lang="en-US" sz="2800" dirty="0"/>
           </a:p>
         </p:txBody>
       </p:sp>
     </p:spTree>
     <p:extLst>
       <p:ext uri="{BB962C8B-B14F-4D97-AF65-F5344CB8AC3E}">
-        <p14:creationId xmlns:p14="http://schemas.microsoft.com/office/powerpoint/2010/main" val="2264634576"/>
+        <p14:creationId xmlns:p14="http://schemas.microsoft.com/office/powerpoint/2010/main" val="3437401657"/>
       </p:ext>
     </p:extLst>
   </p:cSld>
@@ -28105,6 +27262,1240 @@
                   <a:schemeClr val="tx1"/>
                 </a:solidFill>
               </a:rPr>
+              <a:t>Preferred solution: hybrid cloud architecture</a:t>
+            </a:r>
+            <a:br>
+              <a:rPr lang="en-US" dirty="0">
+                <a:solidFill>
+                  <a:schemeClr val="tx1"/>
+                </a:solidFill>
+                <a:latin typeface="Segoe UI" panose="020B0502040204020203" pitchFamily="34" charset="0"/>
+              </a:rPr>
+            </a:br>
+            <a:endParaRPr lang="en-US" sz="3236" dirty="0">
+              <a:solidFill>
+                <a:schemeClr val="tx1"/>
+              </a:solidFill>
+              <a:latin typeface="Segoe UI" panose="020B0502040204020203" pitchFamily="34" charset="0"/>
+            </a:endParaRPr>
+          </a:p>
+        </p:txBody>
+      </p:sp>
+      <p:sp>
+        <p:nvSpPr>
+          <p:cNvPr id="5" name="Text Placeholder 4">
+            <a:extLst>
+              <a:ext uri="{FF2B5EF4-FFF2-40B4-BE49-F238E27FC236}">
+                <a16:creationId xmlns:a16="http://schemas.microsoft.com/office/drawing/2014/main" id="{E28EDA45-933E-4B85-A0FB-C545307C4490}"/>
+              </a:ext>
+            </a:extLst>
+          </p:cNvPr>
+          <p:cNvSpPr>
+            <a:spLocks noGrp="1"/>
+          </p:cNvSpPr>
+          <p:nvPr>
+            <p:ph type="body" sz="quarter" idx="10"/>
+          </p:nvPr>
+        </p:nvSpPr>
+        <p:spPr>
+          <a:xfrm>
+            <a:off x="271557" y="1077480"/>
+            <a:ext cx="11653523" cy="5921621"/>
+          </a:xfrm>
+        </p:spPr>
+        <p:txBody>
+          <a:bodyPr/>
+          <a:lstStyle/>
+          <a:p>
+            <a:pPr marL="0" indent="0">
+              <a:buNone/>
+            </a:pPr>
+            <a:r>
+              <a:rPr lang="en-US" sz="3600" dirty="0"/>
+              <a:t>High availability </a:t>
+            </a:r>
+          </a:p>
+          <a:p>
+            <a:pPr lvl="1">
+              <a:spcAft>
+                <a:spcPts val="1200"/>
+              </a:spcAft>
+            </a:pPr>
+            <a:r>
+              <a:rPr lang="en-US" sz="2800" dirty="0"/>
+              <a:t>Inherent to Azure Stack Hub design</a:t>
+            </a:r>
+          </a:p>
+          <a:p>
+            <a:pPr lvl="1">
+              <a:spcAft>
+                <a:spcPts val="1200"/>
+              </a:spcAft>
+            </a:pPr>
+            <a:r>
+              <a:rPr lang="en-US" sz="2800" dirty="0"/>
+              <a:t>Backed by Azure availability SLAs</a:t>
+            </a:r>
+          </a:p>
+          <a:p>
+            <a:pPr lvl="1">
+              <a:spcAft>
+                <a:spcPts val="1200"/>
+              </a:spcAft>
+            </a:pPr>
+            <a:r>
+              <a:rPr lang="en-US" sz="2800" dirty="0"/>
+              <a:t>Enhanced by using Always On Availability Group (synchronous mode)</a:t>
+            </a:r>
+          </a:p>
+          <a:p>
+            <a:pPr marL="0" indent="0">
+              <a:buNone/>
+            </a:pPr>
+            <a:r>
+              <a:rPr lang="en-US" sz="3600" dirty="0"/>
+              <a:t>Disaster recovery</a:t>
+            </a:r>
+          </a:p>
+          <a:p>
+            <a:pPr lvl="1">
+              <a:spcAft>
+                <a:spcPts val="1200"/>
+              </a:spcAft>
+            </a:pPr>
+            <a:r>
+              <a:rPr lang="en-US" sz="2800" dirty="0"/>
+              <a:t>Web and application tiers: deployed to both regions</a:t>
+            </a:r>
+          </a:p>
+          <a:p>
+            <a:pPr lvl="1">
+              <a:spcAft>
+                <a:spcPts val="1200"/>
+              </a:spcAft>
+            </a:pPr>
+            <a:r>
+              <a:rPr lang="en-US" sz="2800" dirty="0"/>
+              <a:t>Database tier: implemented by using Always On Availability Group (asynchronous mode)</a:t>
+            </a:r>
+          </a:p>
+          <a:p>
+            <a:pPr lvl="1">
+              <a:spcAft>
+                <a:spcPts val="1200"/>
+              </a:spcAft>
+            </a:pPr>
+            <a:r>
+              <a:rPr lang="en-US" sz="2800" dirty="0"/>
+              <a:t>Global load balancing: Traffic Manager</a:t>
+            </a:r>
+          </a:p>
+          <a:p>
+            <a:pPr lvl="1">
+              <a:spcAft>
+                <a:spcPts val="1200"/>
+              </a:spcAft>
+            </a:pPr>
+            <a:endParaRPr lang="en-US" sz="2800" dirty="0"/>
+          </a:p>
+        </p:txBody>
+      </p:sp>
+    </p:spTree>
+    <p:extLst>
+      <p:ext uri="{BB962C8B-B14F-4D97-AF65-F5344CB8AC3E}">
+        <p14:creationId xmlns:p14="http://schemas.microsoft.com/office/powerpoint/2010/main" val="992436834"/>
+      </p:ext>
+    </p:extLst>
+  </p:cSld>
+  <p:clrMapOvr>
+    <a:masterClrMapping/>
+  </p:clrMapOvr>
+  <mc:AlternateContent xmlns:mc="http://schemas.openxmlformats.org/markup-compatibility/2006" xmlns:p14="http://schemas.microsoft.com/office/powerpoint/2010/main">
+    <mc:Choice Requires="p14">
+      <p:transition p14:dur="0"/>
+    </mc:Choice>
+    <mc:Fallback xmlns="">
+      <p:transition/>
+    </mc:Fallback>
+  </mc:AlternateContent>
+  <p:timing>
+    <p:tnLst>
+      <p:par>
+        <p:cTn id="1" dur="indefinite" restart="never" nodeType="tmRoot">
+          <p:childTnLst>
+            <p:seq concurrent="1" nextAc="seek">
+              <p:cTn id="2" dur="indefinite" nodeType="mainSeq">
+                <p:childTnLst>
+                  <p:par>
+                    <p:cTn id="3" fill="hold">
+                      <p:stCondLst>
+                        <p:cond delay="indefinite"/>
+                      </p:stCondLst>
+                      <p:childTnLst>
+                        <p:par>
+                          <p:cTn id="4" fill="hold">
+                            <p:stCondLst>
+                              <p:cond delay="0"/>
+                            </p:stCondLst>
+                            <p:childTnLst>
+                              <p:par>
+                                <p:cTn id="5" presetID="1" presetClass="entr" presetSubtype="0" fill="hold" nodeType="clickEffect">
+                                  <p:stCondLst>
+                                    <p:cond delay="0"/>
+                                  </p:stCondLst>
+                                  <p:childTnLst>
+                                    <p:set>
+                                      <p:cBhvr>
+                                        <p:cTn id="6" dur="1" fill="hold">
+                                          <p:stCondLst>
+                                            <p:cond delay="0"/>
+                                          </p:stCondLst>
+                                        </p:cTn>
+                                        <p:tgtEl>
+                                          <p:spTgt spid="5">
+                                            <p:txEl>
+                                              <p:pRg st="0" end="0"/>
+                                            </p:txEl>
+                                          </p:spTgt>
+                                        </p:tgtEl>
+                                        <p:attrNameLst>
+                                          <p:attrName>style.visibility</p:attrName>
+                                        </p:attrNameLst>
+                                      </p:cBhvr>
+                                      <p:to>
+                                        <p:strVal val="visible"/>
+                                      </p:to>
+                                    </p:set>
+                                  </p:childTnLst>
+                                </p:cTn>
+                              </p:par>
+                            </p:childTnLst>
+                          </p:cTn>
+                        </p:par>
+                      </p:childTnLst>
+                    </p:cTn>
+                  </p:par>
+                  <p:par>
+                    <p:cTn id="7" fill="hold">
+                      <p:stCondLst>
+                        <p:cond delay="indefinite"/>
+                      </p:stCondLst>
+                      <p:childTnLst>
+                        <p:par>
+                          <p:cTn id="8" fill="hold">
+                            <p:stCondLst>
+                              <p:cond delay="0"/>
+                            </p:stCondLst>
+                            <p:childTnLst>
+                              <p:par>
+                                <p:cTn id="9" presetID="1" presetClass="entr" presetSubtype="0" fill="hold" nodeType="clickEffect">
+                                  <p:stCondLst>
+                                    <p:cond delay="0"/>
+                                  </p:stCondLst>
+                                  <p:childTnLst>
+                                    <p:set>
+                                      <p:cBhvr>
+                                        <p:cTn id="10" dur="1" fill="hold">
+                                          <p:stCondLst>
+                                            <p:cond delay="0"/>
+                                          </p:stCondLst>
+                                        </p:cTn>
+                                        <p:tgtEl>
+                                          <p:spTgt spid="5">
+                                            <p:txEl>
+                                              <p:pRg st="1" end="1"/>
+                                            </p:txEl>
+                                          </p:spTgt>
+                                        </p:tgtEl>
+                                        <p:attrNameLst>
+                                          <p:attrName>style.visibility</p:attrName>
+                                        </p:attrNameLst>
+                                      </p:cBhvr>
+                                      <p:to>
+                                        <p:strVal val="visible"/>
+                                      </p:to>
+                                    </p:set>
+                                  </p:childTnLst>
+                                </p:cTn>
+                              </p:par>
+                            </p:childTnLst>
+                          </p:cTn>
+                        </p:par>
+                      </p:childTnLst>
+                    </p:cTn>
+                  </p:par>
+                  <p:par>
+                    <p:cTn id="11" fill="hold">
+                      <p:stCondLst>
+                        <p:cond delay="indefinite"/>
+                      </p:stCondLst>
+                      <p:childTnLst>
+                        <p:par>
+                          <p:cTn id="12" fill="hold">
+                            <p:stCondLst>
+                              <p:cond delay="0"/>
+                            </p:stCondLst>
+                            <p:childTnLst>
+                              <p:par>
+                                <p:cTn id="13" presetID="1" presetClass="entr" presetSubtype="0" fill="hold" nodeType="clickEffect">
+                                  <p:stCondLst>
+                                    <p:cond delay="0"/>
+                                  </p:stCondLst>
+                                  <p:childTnLst>
+                                    <p:set>
+                                      <p:cBhvr>
+                                        <p:cTn id="14" dur="1" fill="hold">
+                                          <p:stCondLst>
+                                            <p:cond delay="0"/>
+                                          </p:stCondLst>
+                                        </p:cTn>
+                                        <p:tgtEl>
+                                          <p:spTgt spid="5">
+                                            <p:txEl>
+                                              <p:pRg st="2" end="2"/>
+                                            </p:txEl>
+                                          </p:spTgt>
+                                        </p:tgtEl>
+                                        <p:attrNameLst>
+                                          <p:attrName>style.visibility</p:attrName>
+                                        </p:attrNameLst>
+                                      </p:cBhvr>
+                                      <p:to>
+                                        <p:strVal val="visible"/>
+                                      </p:to>
+                                    </p:set>
+                                  </p:childTnLst>
+                                </p:cTn>
+                              </p:par>
+                            </p:childTnLst>
+                          </p:cTn>
+                        </p:par>
+                      </p:childTnLst>
+                    </p:cTn>
+                  </p:par>
+                  <p:par>
+                    <p:cTn id="15" fill="hold">
+                      <p:stCondLst>
+                        <p:cond delay="indefinite"/>
+                      </p:stCondLst>
+                      <p:childTnLst>
+                        <p:par>
+                          <p:cTn id="16" fill="hold">
+                            <p:stCondLst>
+                              <p:cond delay="0"/>
+                            </p:stCondLst>
+                            <p:childTnLst>
+                              <p:par>
+                                <p:cTn id="17" presetID="1" presetClass="entr" presetSubtype="0" fill="hold" nodeType="clickEffect">
+                                  <p:stCondLst>
+                                    <p:cond delay="0"/>
+                                  </p:stCondLst>
+                                  <p:childTnLst>
+                                    <p:set>
+                                      <p:cBhvr>
+                                        <p:cTn id="18" dur="1" fill="hold">
+                                          <p:stCondLst>
+                                            <p:cond delay="0"/>
+                                          </p:stCondLst>
+                                        </p:cTn>
+                                        <p:tgtEl>
+                                          <p:spTgt spid="5">
+                                            <p:txEl>
+                                              <p:pRg st="3" end="3"/>
+                                            </p:txEl>
+                                          </p:spTgt>
+                                        </p:tgtEl>
+                                        <p:attrNameLst>
+                                          <p:attrName>style.visibility</p:attrName>
+                                        </p:attrNameLst>
+                                      </p:cBhvr>
+                                      <p:to>
+                                        <p:strVal val="visible"/>
+                                      </p:to>
+                                    </p:set>
+                                  </p:childTnLst>
+                                </p:cTn>
+                              </p:par>
+                            </p:childTnLst>
+                          </p:cTn>
+                        </p:par>
+                      </p:childTnLst>
+                    </p:cTn>
+                  </p:par>
+                  <p:par>
+                    <p:cTn id="19" fill="hold">
+                      <p:stCondLst>
+                        <p:cond delay="indefinite"/>
+                      </p:stCondLst>
+                      <p:childTnLst>
+                        <p:par>
+                          <p:cTn id="20" fill="hold">
+                            <p:stCondLst>
+                              <p:cond delay="0"/>
+                            </p:stCondLst>
+                            <p:childTnLst>
+                              <p:par>
+                                <p:cTn id="21" presetID="1" presetClass="entr" presetSubtype="0" fill="hold" nodeType="clickEffect">
+                                  <p:stCondLst>
+                                    <p:cond delay="0"/>
+                                  </p:stCondLst>
+                                  <p:childTnLst>
+                                    <p:set>
+                                      <p:cBhvr>
+                                        <p:cTn id="22" dur="1" fill="hold">
+                                          <p:stCondLst>
+                                            <p:cond delay="0"/>
+                                          </p:stCondLst>
+                                        </p:cTn>
+                                        <p:tgtEl>
+                                          <p:spTgt spid="5">
+                                            <p:txEl>
+                                              <p:pRg st="4" end="4"/>
+                                            </p:txEl>
+                                          </p:spTgt>
+                                        </p:tgtEl>
+                                        <p:attrNameLst>
+                                          <p:attrName>style.visibility</p:attrName>
+                                        </p:attrNameLst>
+                                      </p:cBhvr>
+                                      <p:to>
+                                        <p:strVal val="visible"/>
+                                      </p:to>
+                                    </p:set>
+                                  </p:childTnLst>
+                                </p:cTn>
+                              </p:par>
+                            </p:childTnLst>
+                          </p:cTn>
+                        </p:par>
+                      </p:childTnLst>
+                    </p:cTn>
+                  </p:par>
+                  <p:par>
+                    <p:cTn id="23" fill="hold">
+                      <p:stCondLst>
+                        <p:cond delay="indefinite"/>
+                      </p:stCondLst>
+                      <p:childTnLst>
+                        <p:par>
+                          <p:cTn id="24" fill="hold">
+                            <p:stCondLst>
+                              <p:cond delay="0"/>
+                            </p:stCondLst>
+                            <p:childTnLst>
+                              <p:par>
+                                <p:cTn id="25" presetID="1" presetClass="entr" presetSubtype="0" fill="hold" nodeType="clickEffect">
+                                  <p:stCondLst>
+                                    <p:cond delay="0"/>
+                                  </p:stCondLst>
+                                  <p:childTnLst>
+                                    <p:set>
+                                      <p:cBhvr>
+                                        <p:cTn id="26" dur="1" fill="hold">
+                                          <p:stCondLst>
+                                            <p:cond delay="0"/>
+                                          </p:stCondLst>
+                                        </p:cTn>
+                                        <p:tgtEl>
+                                          <p:spTgt spid="5">
+                                            <p:txEl>
+                                              <p:pRg st="5" end="5"/>
+                                            </p:txEl>
+                                          </p:spTgt>
+                                        </p:tgtEl>
+                                        <p:attrNameLst>
+                                          <p:attrName>style.visibility</p:attrName>
+                                        </p:attrNameLst>
+                                      </p:cBhvr>
+                                      <p:to>
+                                        <p:strVal val="visible"/>
+                                      </p:to>
+                                    </p:set>
+                                  </p:childTnLst>
+                                </p:cTn>
+                              </p:par>
+                            </p:childTnLst>
+                          </p:cTn>
+                        </p:par>
+                      </p:childTnLst>
+                    </p:cTn>
+                  </p:par>
+                  <p:par>
+                    <p:cTn id="27" fill="hold">
+                      <p:stCondLst>
+                        <p:cond delay="indefinite"/>
+                      </p:stCondLst>
+                      <p:childTnLst>
+                        <p:par>
+                          <p:cTn id="28" fill="hold">
+                            <p:stCondLst>
+                              <p:cond delay="0"/>
+                            </p:stCondLst>
+                            <p:childTnLst>
+                              <p:par>
+                                <p:cTn id="29" presetID="1" presetClass="entr" presetSubtype="0" fill="hold" nodeType="clickEffect">
+                                  <p:stCondLst>
+                                    <p:cond delay="0"/>
+                                  </p:stCondLst>
+                                  <p:childTnLst>
+                                    <p:set>
+                                      <p:cBhvr>
+                                        <p:cTn id="30" dur="1" fill="hold">
+                                          <p:stCondLst>
+                                            <p:cond delay="0"/>
+                                          </p:stCondLst>
+                                        </p:cTn>
+                                        <p:tgtEl>
+                                          <p:spTgt spid="5">
+                                            <p:txEl>
+                                              <p:pRg st="6" end="6"/>
+                                            </p:txEl>
+                                          </p:spTgt>
+                                        </p:tgtEl>
+                                        <p:attrNameLst>
+                                          <p:attrName>style.visibility</p:attrName>
+                                        </p:attrNameLst>
+                                      </p:cBhvr>
+                                      <p:to>
+                                        <p:strVal val="visible"/>
+                                      </p:to>
+                                    </p:set>
+                                  </p:childTnLst>
+                                </p:cTn>
+                              </p:par>
+                            </p:childTnLst>
+                          </p:cTn>
+                        </p:par>
+                      </p:childTnLst>
+                    </p:cTn>
+                  </p:par>
+                  <p:par>
+                    <p:cTn id="31" fill="hold">
+                      <p:stCondLst>
+                        <p:cond delay="indefinite"/>
+                      </p:stCondLst>
+                      <p:childTnLst>
+                        <p:par>
+                          <p:cTn id="32" fill="hold">
+                            <p:stCondLst>
+                              <p:cond delay="0"/>
+                            </p:stCondLst>
+                            <p:childTnLst>
+                              <p:par>
+                                <p:cTn id="33" presetID="1" presetClass="entr" presetSubtype="0" fill="hold" nodeType="clickEffect">
+                                  <p:stCondLst>
+                                    <p:cond delay="0"/>
+                                  </p:stCondLst>
+                                  <p:childTnLst>
+                                    <p:set>
+                                      <p:cBhvr>
+                                        <p:cTn id="34" dur="1" fill="hold">
+                                          <p:stCondLst>
+                                            <p:cond delay="0"/>
+                                          </p:stCondLst>
+                                        </p:cTn>
+                                        <p:tgtEl>
+                                          <p:spTgt spid="5">
+                                            <p:txEl>
+                                              <p:pRg st="7" end="7"/>
+                                            </p:txEl>
+                                          </p:spTgt>
+                                        </p:tgtEl>
+                                        <p:attrNameLst>
+                                          <p:attrName>style.visibility</p:attrName>
+                                        </p:attrNameLst>
+                                      </p:cBhvr>
+                                      <p:to>
+                                        <p:strVal val="visible"/>
+                                      </p:to>
+                                    </p:set>
+                                  </p:childTnLst>
+                                </p:cTn>
+                              </p:par>
+                            </p:childTnLst>
+                          </p:cTn>
+                        </p:par>
+                      </p:childTnLst>
+                    </p:cTn>
+                  </p:par>
+                </p:childTnLst>
+              </p:cTn>
+              <p:prevCondLst>
+                <p:cond evt="onPrev" delay="0">
+                  <p:tgtEl>
+                    <p:sldTgt/>
+                  </p:tgtEl>
+                </p:cond>
+              </p:prevCondLst>
+              <p:nextCondLst>
+                <p:cond evt="onNext" delay="0">
+                  <p:tgtEl>
+                    <p:sldTgt/>
+                  </p:tgtEl>
+                </p:cond>
+              </p:nextCondLst>
+            </p:seq>
+          </p:childTnLst>
+        </p:cTn>
+      </p:par>
+    </p:tnLst>
+  </p:timing>
+</p:sld>
+</file>
+
+<file path=ppt/slides/slide37.xml><?xml version="1.0" encoding="utf-8"?>
+<p:sld xmlns:a="http://schemas.openxmlformats.org/drawingml/2006/main" xmlns:r="http://schemas.openxmlformats.org/officeDocument/2006/relationships" xmlns:p="http://schemas.openxmlformats.org/presentationml/2006/main">
+  <p:cSld>
+    <p:spTree>
+      <p:nvGrpSpPr>
+        <p:cNvPr id="1" name=""/>
+        <p:cNvGrpSpPr/>
+        <p:nvPr/>
+      </p:nvGrpSpPr>
+      <p:grpSpPr>
+        <a:xfrm>
+          <a:off x="0" y="0"/>
+          <a:ext cx="0" cy="0"/>
+          <a:chOff x="0" y="0"/>
+          <a:chExt cx="0" cy="0"/>
+        </a:xfrm>
+      </p:grpSpPr>
+      <p:sp>
+        <p:nvSpPr>
+          <p:cNvPr id="2" name="Title 1"/>
+          <p:cNvSpPr>
+            <a:spLocks noGrp="1"/>
+          </p:cNvSpPr>
+          <p:nvPr>
+            <p:ph type="title"/>
+          </p:nvPr>
+        </p:nvSpPr>
+        <p:spPr/>
+        <p:txBody>
+          <a:bodyPr>
+            <a:normAutofit fontScale="90000"/>
+          </a:bodyPr>
+          <a:lstStyle/>
+          <a:p>
+            <a:r>
+              <a:rPr lang="en-US" sz="4900" dirty="0">
+                <a:solidFill>
+                  <a:schemeClr val="tx1"/>
+                </a:solidFill>
+              </a:rPr>
+              <a:t>Preferred solution: hybrid management</a:t>
+            </a:r>
+            <a:br>
+              <a:rPr lang="en-US" dirty="0">
+                <a:solidFill>
+                  <a:schemeClr val="tx1"/>
+                </a:solidFill>
+                <a:latin typeface="Segoe UI" panose="020B0502040204020203" pitchFamily="34" charset="0"/>
+              </a:rPr>
+            </a:br>
+            <a:endParaRPr lang="en-US" sz="3236" dirty="0">
+              <a:solidFill>
+                <a:schemeClr val="tx1"/>
+              </a:solidFill>
+              <a:latin typeface="Segoe UI" panose="020B0502040204020203" pitchFamily="34" charset="0"/>
+            </a:endParaRPr>
+          </a:p>
+        </p:txBody>
+      </p:sp>
+      <p:sp>
+        <p:nvSpPr>
+          <p:cNvPr id="5" name="Text Placeholder 4">
+            <a:extLst>
+              <a:ext uri="{FF2B5EF4-FFF2-40B4-BE49-F238E27FC236}">
+                <a16:creationId xmlns:a16="http://schemas.microsoft.com/office/drawing/2014/main" id="{E28EDA45-933E-4B85-A0FB-C545307C4490}"/>
+              </a:ext>
+            </a:extLst>
+          </p:cNvPr>
+          <p:cNvSpPr>
+            <a:spLocks noGrp="1"/>
+          </p:cNvSpPr>
+          <p:nvPr>
+            <p:ph type="body" sz="quarter" idx="10"/>
+          </p:nvPr>
+        </p:nvSpPr>
+        <p:spPr>
+          <a:xfrm>
+            <a:off x="271557" y="1077480"/>
+            <a:ext cx="11653523" cy="5293757"/>
+          </a:xfrm>
+        </p:spPr>
+        <p:txBody>
+          <a:bodyPr/>
+          <a:lstStyle/>
+          <a:p>
+            <a:pPr marL="0" indent="0">
+              <a:buNone/>
+            </a:pPr>
+            <a:r>
+              <a:rPr lang="en-US" sz="3600" dirty="0"/>
+              <a:t>Azure Arc for Servers (once it reaches GA)</a:t>
+            </a:r>
+          </a:p>
+          <a:p>
+            <a:pPr lvl="1">
+              <a:spcAft>
+                <a:spcPts val="1200"/>
+              </a:spcAft>
+            </a:pPr>
+            <a:r>
+              <a:rPr lang="en-US" sz="2800" dirty="0"/>
+              <a:t>Azure Policy guest configuration </a:t>
+            </a:r>
+          </a:p>
+          <a:p>
+            <a:pPr lvl="1">
+              <a:spcAft>
+                <a:spcPts val="1200"/>
+              </a:spcAft>
+            </a:pPr>
+            <a:r>
+              <a:rPr lang="en-US" sz="2800" dirty="0"/>
+              <a:t>Tags</a:t>
+            </a:r>
+          </a:p>
+          <a:p>
+            <a:pPr lvl="1">
+              <a:spcAft>
+                <a:spcPts val="1200"/>
+              </a:spcAft>
+            </a:pPr>
+            <a:r>
+              <a:rPr lang="en-US" sz="2800" dirty="0"/>
+              <a:t>Resource-context access to Log Analytics logs</a:t>
+            </a:r>
+          </a:p>
+          <a:p>
+            <a:pPr lvl="1">
+              <a:spcAft>
+                <a:spcPts val="1200"/>
+              </a:spcAft>
+            </a:pPr>
+            <a:r>
+              <a:rPr lang="en-US" sz="2800" dirty="0"/>
+              <a:t>Azure VM extensions (DSC, Log Analytics, Dependency agent, Custom Script)</a:t>
+            </a:r>
+          </a:p>
+          <a:p>
+            <a:pPr marL="0" indent="0">
+              <a:buNone/>
+            </a:pPr>
+            <a:r>
+              <a:rPr lang="en-US" sz="3600" dirty="0"/>
+              <a:t>Azure Automation</a:t>
+            </a:r>
+          </a:p>
+          <a:p>
+            <a:pPr lvl="1">
+              <a:spcAft>
+                <a:spcPts val="1200"/>
+              </a:spcAft>
+            </a:pPr>
+            <a:r>
+              <a:rPr lang="en-US" sz="2800" dirty="0"/>
+              <a:t>Update Management</a:t>
+            </a:r>
+          </a:p>
+          <a:p>
+            <a:pPr lvl="1">
+              <a:spcAft>
+                <a:spcPts val="1200"/>
+              </a:spcAft>
+            </a:pPr>
+            <a:r>
+              <a:rPr lang="en-US" sz="2800" dirty="0"/>
+              <a:t>State Configuration (DSC)</a:t>
+            </a:r>
+          </a:p>
+        </p:txBody>
+      </p:sp>
+    </p:spTree>
+    <p:extLst>
+      <p:ext uri="{BB962C8B-B14F-4D97-AF65-F5344CB8AC3E}">
+        <p14:creationId xmlns:p14="http://schemas.microsoft.com/office/powerpoint/2010/main" val="2264634576"/>
+      </p:ext>
+    </p:extLst>
+  </p:cSld>
+  <p:clrMapOvr>
+    <a:masterClrMapping/>
+  </p:clrMapOvr>
+  <mc:AlternateContent xmlns:mc="http://schemas.openxmlformats.org/markup-compatibility/2006" xmlns:p14="http://schemas.microsoft.com/office/powerpoint/2010/main">
+    <mc:Choice Requires="p14">
+      <p:transition p14:dur="0"/>
+    </mc:Choice>
+    <mc:Fallback xmlns="">
+      <p:transition/>
+    </mc:Fallback>
+  </mc:AlternateContent>
+  <p:timing>
+    <p:tnLst>
+      <p:par>
+        <p:cTn id="1" dur="indefinite" restart="never" nodeType="tmRoot">
+          <p:childTnLst>
+            <p:seq concurrent="1" nextAc="seek">
+              <p:cTn id="2" dur="indefinite" nodeType="mainSeq">
+                <p:childTnLst>
+                  <p:par>
+                    <p:cTn id="3" fill="hold">
+                      <p:stCondLst>
+                        <p:cond delay="indefinite"/>
+                      </p:stCondLst>
+                      <p:childTnLst>
+                        <p:par>
+                          <p:cTn id="4" fill="hold">
+                            <p:stCondLst>
+                              <p:cond delay="0"/>
+                            </p:stCondLst>
+                            <p:childTnLst>
+                              <p:par>
+                                <p:cTn id="5" presetID="1" presetClass="entr" presetSubtype="0" fill="hold" nodeType="clickEffect">
+                                  <p:stCondLst>
+                                    <p:cond delay="0"/>
+                                  </p:stCondLst>
+                                  <p:childTnLst>
+                                    <p:set>
+                                      <p:cBhvr>
+                                        <p:cTn id="6" dur="1" fill="hold">
+                                          <p:stCondLst>
+                                            <p:cond delay="0"/>
+                                          </p:stCondLst>
+                                        </p:cTn>
+                                        <p:tgtEl>
+                                          <p:spTgt spid="5">
+                                            <p:txEl>
+                                              <p:pRg st="0" end="0"/>
+                                            </p:txEl>
+                                          </p:spTgt>
+                                        </p:tgtEl>
+                                        <p:attrNameLst>
+                                          <p:attrName>style.visibility</p:attrName>
+                                        </p:attrNameLst>
+                                      </p:cBhvr>
+                                      <p:to>
+                                        <p:strVal val="visible"/>
+                                      </p:to>
+                                    </p:set>
+                                  </p:childTnLst>
+                                </p:cTn>
+                              </p:par>
+                            </p:childTnLst>
+                          </p:cTn>
+                        </p:par>
+                      </p:childTnLst>
+                    </p:cTn>
+                  </p:par>
+                  <p:par>
+                    <p:cTn id="7" fill="hold">
+                      <p:stCondLst>
+                        <p:cond delay="indefinite"/>
+                      </p:stCondLst>
+                      <p:childTnLst>
+                        <p:par>
+                          <p:cTn id="8" fill="hold">
+                            <p:stCondLst>
+                              <p:cond delay="0"/>
+                            </p:stCondLst>
+                            <p:childTnLst>
+                              <p:par>
+                                <p:cTn id="9" presetID="1" presetClass="entr" presetSubtype="0" fill="hold" nodeType="clickEffect">
+                                  <p:stCondLst>
+                                    <p:cond delay="0"/>
+                                  </p:stCondLst>
+                                  <p:childTnLst>
+                                    <p:set>
+                                      <p:cBhvr>
+                                        <p:cTn id="10" dur="1" fill="hold">
+                                          <p:stCondLst>
+                                            <p:cond delay="0"/>
+                                          </p:stCondLst>
+                                        </p:cTn>
+                                        <p:tgtEl>
+                                          <p:spTgt spid="5">
+                                            <p:txEl>
+                                              <p:pRg st="1" end="1"/>
+                                            </p:txEl>
+                                          </p:spTgt>
+                                        </p:tgtEl>
+                                        <p:attrNameLst>
+                                          <p:attrName>style.visibility</p:attrName>
+                                        </p:attrNameLst>
+                                      </p:cBhvr>
+                                      <p:to>
+                                        <p:strVal val="visible"/>
+                                      </p:to>
+                                    </p:set>
+                                  </p:childTnLst>
+                                </p:cTn>
+                              </p:par>
+                            </p:childTnLst>
+                          </p:cTn>
+                        </p:par>
+                      </p:childTnLst>
+                    </p:cTn>
+                  </p:par>
+                  <p:par>
+                    <p:cTn id="11" fill="hold">
+                      <p:stCondLst>
+                        <p:cond delay="indefinite"/>
+                      </p:stCondLst>
+                      <p:childTnLst>
+                        <p:par>
+                          <p:cTn id="12" fill="hold">
+                            <p:stCondLst>
+                              <p:cond delay="0"/>
+                            </p:stCondLst>
+                            <p:childTnLst>
+                              <p:par>
+                                <p:cTn id="13" presetID="1" presetClass="entr" presetSubtype="0" fill="hold" nodeType="clickEffect">
+                                  <p:stCondLst>
+                                    <p:cond delay="0"/>
+                                  </p:stCondLst>
+                                  <p:childTnLst>
+                                    <p:set>
+                                      <p:cBhvr>
+                                        <p:cTn id="14" dur="1" fill="hold">
+                                          <p:stCondLst>
+                                            <p:cond delay="0"/>
+                                          </p:stCondLst>
+                                        </p:cTn>
+                                        <p:tgtEl>
+                                          <p:spTgt spid="5">
+                                            <p:txEl>
+                                              <p:pRg st="2" end="2"/>
+                                            </p:txEl>
+                                          </p:spTgt>
+                                        </p:tgtEl>
+                                        <p:attrNameLst>
+                                          <p:attrName>style.visibility</p:attrName>
+                                        </p:attrNameLst>
+                                      </p:cBhvr>
+                                      <p:to>
+                                        <p:strVal val="visible"/>
+                                      </p:to>
+                                    </p:set>
+                                  </p:childTnLst>
+                                </p:cTn>
+                              </p:par>
+                            </p:childTnLst>
+                          </p:cTn>
+                        </p:par>
+                      </p:childTnLst>
+                    </p:cTn>
+                  </p:par>
+                  <p:par>
+                    <p:cTn id="15" fill="hold">
+                      <p:stCondLst>
+                        <p:cond delay="indefinite"/>
+                      </p:stCondLst>
+                      <p:childTnLst>
+                        <p:par>
+                          <p:cTn id="16" fill="hold">
+                            <p:stCondLst>
+                              <p:cond delay="0"/>
+                            </p:stCondLst>
+                            <p:childTnLst>
+                              <p:par>
+                                <p:cTn id="17" presetID="1" presetClass="entr" presetSubtype="0" fill="hold" nodeType="clickEffect">
+                                  <p:stCondLst>
+                                    <p:cond delay="0"/>
+                                  </p:stCondLst>
+                                  <p:childTnLst>
+                                    <p:set>
+                                      <p:cBhvr>
+                                        <p:cTn id="18" dur="1" fill="hold">
+                                          <p:stCondLst>
+                                            <p:cond delay="0"/>
+                                          </p:stCondLst>
+                                        </p:cTn>
+                                        <p:tgtEl>
+                                          <p:spTgt spid="5">
+                                            <p:txEl>
+                                              <p:pRg st="3" end="3"/>
+                                            </p:txEl>
+                                          </p:spTgt>
+                                        </p:tgtEl>
+                                        <p:attrNameLst>
+                                          <p:attrName>style.visibility</p:attrName>
+                                        </p:attrNameLst>
+                                      </p:cBhvr>
+                                      <p:to>
+                                        <p:strVal val="visible"/>
+                                      </p:to>
+                                    </p:set>
+                                  </p:childTnLst>
+                                </p:cTn>
+                              </p:par>
+                            </p:childTnLst>
+                          </p:cTn>
+                        </p:par>
+                      </p:childTnLst>
+                    </p:cTn>
+                  </p:par>
+                  <p:par>
+                    <p:cTn id="19" fill="hold">
+                      <p:stCondLst>
+                        <p:cond delay="indefinite"/>
+                      </p:stCondLst>
+                      <p:childTnLst>
+                        <p:par>
+                          <p:cTn id="20" fill="hold">
+                            <p:stCondLst>
+                              <p:cond delay="0"/>
+                            </p:stCondLst>
+                            <p:childTnLst>
+                              <p:par>
+                                <p:cTn id="21" presetID="1" presetClass="entr" presetSubtype="0" fill="hold" nodeType="clickEffect">
+                                  <p:stCondLst>
+                                    <p:cond delay="0"/>
+                                  </p:stCondLst>
+                                  <p:childTnLst>
+                                    <p:set>
+                                      <p:cBhvr>
+                                        <p:cTn id="22" dur="1" fill="hold">
+                                          <p:stCondLst>
+                                            <p:cond delay="0"/>
+                                          </p:stCondLst>
+                                        </p:cTn>
+                                        <p:tgtEl>
+                                          <p:spTgt spid="5">
+                                            <p:txEl>
+                                              <p:pRg st="4" end="4"/>
+                                            </p:txEl>
+                                          </p:spTgt>
+                                        </p:tgtEl>
+                                        <p:attrNameLst>
+                                          <p:attrName>style.visibility</p:attrName>
+                                        </p:attrNameLst>
+                                      </p:cBhvr>
+                                      <p:to>
+                                        <p:strVal val="visible"/>
+                                      </p:to>
+                                    </p:set>
+                                  </p:childTnLst>
+                                </p:cTn>
+                              </p:par>
+                            </p:childTnLst>
+                          </p:cTn>
+                        </p:par>
+                      </p:childTnLst>
+                    </p:cTn>
+                  </p:par>
+                  <p:par>
+                    <p:cTn id="23" fill="hold">
+                      <p:stCondLst>
+                        <p:cond delay="indefinite"/>
+                      </p:stCondLst>
+                      <p:childTnLst>
+                        <p:par>
+                          <p:cTn id="24" fill="hold">
+                            <p:stCondLst>
+                              <p:cond delay="0"/>
+                            </p:stCondLst>
+                            <p:childTnLst>
+                              <p:par>
+                                <p:cTn id="25" presetID="1" presetClass="entr" presetSubtype="0" fill="hold" nodeType="clickEffect">
+                                  <p:stCondLst>
+                                    <p:cond delay="0"/>
+                                  </p:stCondLst>
+                                  <p:childTnLst>
+                                    <p:set>
+                                      <p:cBhvr>
+                                        <p:cTn id="26" dur="1" fill="hold">
+                                          <p:stCondLst>
+                                            <p:cond delay="0"/>
+                                          </p:stCondLst>
+                                        </p:cTn>
+                                        <p:tgtEl>
+                                          <p:spTgt spid="5">
+                                            <p:txEl>
+                                              <p:pRg st="5" end="5"/>
+                                            </p:txEl>
+                                          </p:spTgt>
+                                        </p:tgtEl>
+                                        <p:attrNameLst>
+                                          <p:attrName>style.visibility</p:attrName>
+                                        </p:attrNameLst>
+                                      </p:cBhvr>
+                                      <p:to>
+                                        <p:strVal val="visible"/>
+                                      </p:to>
+                                    </p:set>
+                                  </p:childTnLst>
+                                </p:cTn>
+                              </p:par>
+                            </p:childTnLst>
+                          </p:cTn>
+                        </p:par>
+                      </p:childTnLst>
+                    </p:cTn>
+                  </p:par>
+                  <p:par>
+                    <p:cTn id="27" fill="hold">
+                      <p:stCondLst>
+                        <p:cond delay="indefinite"/>
+                      </p:stCondLst>
+                      <p:childTnLst>
+                        <p:par>
+                          <p:cTn id="28" fill="hold">
+                            <p:stCondLst>
+                              <p:cond delay="0"/>
+                            </p:stCondLst>
+                            <p:childTnLst>
+                              <p:par>
+                                <p:cTn id="29" presetID="1" presetClass="entr" presetSubtype="0" fill="hold" nodeType="clickEffect">
+                                  <p:stCondLst>
+                                    <p:cond delay="0"/>
+                                  </p:stCondLst>
+                                  <p:childTnLst>
+                                    <p:set>
+                                      <p:cBhvr>
+                                        <p:cTn id="30" dur="1" fill="hold">
+                                          <p:stCondLst>
+                                            <p:cond delay="0"/>
+                                          </p:stCondLst>
+                                        </p:cTn>
+                                        <p:tgtEl>
+                                          <p:spTgt spid="5">
+                                            <p:txEl>
+                                              <p:pRg st="6" end="6"/>
+                                            </p:txEl>
+                                          </p:spTgt>
+                                        </p:tgtEl>
+                                        <p:attrNameLst>
+                                          <p:attrName>style.visibility</p:attrName>
+                                        </p:attrNameLst>
+                                      </p:cBhvr>
+                                      <p:to>
+                                        <p:strVal val="visible"/>
+                                      </p:to>
+                                    </p:set>
+                                  </p:childTnLst>
+                                </p:cTn>
+                              </p:par>
+                            </p:childTnLst>
+                          </p:cTn>
+                        </p:par>
+                      </p:childTnLst>
+                    </p:cTn>
+                  </p:par>
+                  <p:par>
+                    <p:cTn id="31" fill="hold">
+                      <p:stCondLst>
+                        <p:cond delay="indefinite"/>
+                      </p:stCondLst>
+                      <p:childTnLst>
+                        <p:par>
+                          <p:cTn id="32" fill="hold">
+                            <p:stCondLst>
+                              <p:cond delay="0"/>
+                            </p:stCondLst>
+                            <p:childTnLst>
+                              <p:par>
+                                <p:cTn id="33" presetID="1" presetClass="entr" presetSubtype="0" fill="hold" nodeType="clickEffect">
+                                  <p:stCondLst>
+                                    <p:cond delay="0"/>
+                                  </p:stCondLst>
+                                  <p:childTnLst>
+                                    <p:set>
+                                      <p:cBhvr>
+                                        <p:cTn id="34" dur="1" fill="hold">
+                                          <p:stCondLst>
+                                            <p:cond delay="0"/>
+                                          </p:stCondLst>
+                                        </p:cTn>
+                                        <p:tgtEl>
+                                          <p:spTgt spid="5">
+                                            <p:txEl>
+                                              <p:pRg st="7" end="7"/>
+                                            </p:txEl>
+                                          </p:spTgt>
+                                        </p:tgtEl>
+                                        <p:attrNameLst>
+                                          <p:attrName>style.visibility</p:attrName>
+                                        </p:attrNameLst>
+                                      </p:cBhvr>
+                                      <p:to>
+                                        <p:strVal val="visible"/>
+                                      </p:to>
+                                    </p:set>
+                                  </p:childTnLst>
+                                </p:cTn>
+                              </p:par>
+                            </p:childTnLst>
+                          </p:cTn>
+                        </p:par>
+                      </p:childTnLst>
+                    </p:cTn>
+                  </p:par>
+                </p:childTnLst>
+              </p:cTn>
+              <p:prevCondLst>
+                <p:cond evt="onPrev" delay="0">
+                  <p:tgtEl>
+                    <p:sldTgt/>
+                  </p:tgtEl>
+                </p:cond>
+              </p:prevCondLst>
+              <p:nextCondLst>
+                <p:cond evt="onNext" delay="0">
+                  <p:tgtEl>
+                    <p:sldTgt/>
+                  </p:tgtEl>
+                </p:cond>
+              </p:nextCondLst>
+            </p:seq>
+          </p:childTnLst>
+        </p:cTn>
+      </p:par>
+    </p:tnLst>
+  </p:timing>
+</p:sld>
+</file>
+
+<file path=ppt/slides/slide38.xml><?xml version="1.0" encoding="utf-8"?>
+<p:sld xmlns:a="http://schemas.openxmlformats.org/drawingml/2006/main" xmlns:r="http://schemas.openxmlformats.org/officeDocument/2006/relationships" xmlns:p="http://schemas.openxmlformats.org/presentationml/2006/main">
+  <p:cSld>
+    <p:spTree>
+      <p:nvGrpSpPr>
+        <p:cNvPr id="1" name=""/>
+        <p:cNvGrpSpPr/>
+        <p:nvPr/>
+      </p:nvGrpSpPr>
+      <p:grpSpPr>
+        <a:xfrm>
+          <a:off x="0" y="0"/>
+          <a:ext cx="0" cy="0"/>
+          <a:chOff x="0" y="0"/>
+          <a:chExt cx="0" cy="0"/>
+        </a:xfrm>
+      </p:grpSpPr>
+      <p:sp>
+        <p:nvSpPr>
+          <p:cNvPr id="2" name="Title 1"/>
+          <p:cNvSpPr>
+            <a:spLocks noGrp="1"/>
+          </p:cNvSpPr>
+          <p:nvPr>
+            <p:ph type="title"/>
+          </p:nvPr>
+        </p:nvSpPr>
+        <p:spPr/>
+        <p:txBody>
+          <a:bodyPr>
+            <a:normAutofit fontScale="90000"/>
+          </a:bodyPr>
+          <a:lstStyle/>
+          <a:p>
+            <a:r>
+              <a:rPr lang="en-US" sz="4900" dirty="0">
+                <a:solidFill>
+                  <a:schemeClr val="tx1"/>
+                </a:solidFill>
+              </a:rPr>
               <a:t>Preferred solution: Azure Stack Hub taxonomy</a:t>
             </a:r>
             <a:br>
@@ -28496,7 +28887,7 @@
 </p:sld>
 </file>
 
-<file path=ppt/slides/slide37.xml><?xml version="1.0" encoding="utf-8"?>
+<file path=ppt/slides/slide39.xml><?xml version="1.0" encoding="utf-8"?>
 <p:sld xmlns:a="http://schemas.openxmlformats.org/drawingml/2006/main" xmlns:r="http://schemas.openxmlformats.org/officeDocument/2006/relationships" xmlns:p="http://schemas.openxmlformats.org/presentationml/2006/main">
   <p:cSld>
     <p:spTree>
@@ -28824,7 +29215,251 @@
 </p:sld>
 </file>
 
-<file path=ppt/slides/slide38.xml><?xml version="1.0" encoding="utf-8"?>
+<file path=ppt/slides/slide4.xml><?xml version="1.0" encoding="utf-8"?>
+<p:sld xmlns:a="http://schemas.openxmlformats.org/drawingml/2006/main" xmlns:r="http://schemas.openxmlformats.org/officeDocument/2006/relationships" xmlns:p="http://schemas.openxmlformats.org/presentationml/2006/main">
+  <p:cSld>
+    <p:spTree>
+      <p:nvGrpSpPr>
+        <p:cNvPr id="1" name=""/>
+        <p:cNvGrpSpPr/>
+        <p:nvPr/>
+      </p:nvGrpSpPr>
+      <p:grpSpPr>
+        <a:xfrm>
+          <a:off x="0" y="0"/>
+          <a:ext cx="0" cy="0"/>
+          <a:chOff x="0" y="0"/>
+          <a:chExt cx="0" cy="0"/>
+        </a:xfrm>
+      </p:grpSpPr>
+      <p:sp>
+        <p:nvSpPr>
+          <p:cNvPr id="2" name="Title 1"/>
+          <p:cNvSpPr>
+            <a:spLocks noGrp="1"/>
+          </p:cNvSpPr>
+          <p:nvPr>
+            <p:ph type="title"/>
+          </p:nvPr>
+        </p:nvSpPr>
+        <p:spPr/>
+        <p:txBody>
+          <a:bodyPr>
+            <a:normAutofit fontScale="90000"/>
+          </a:bodyPr>
+          <a:lstStyle/>
+          <a:p>
+            <a:r>
+              <a:rPr lang="en-US" sz="4900" dirty="0">
+                <a:solidFill>
+                  <a:schemeClr val="tx1"/>
+                </a:solidFill>
+                <a:cs typeface="Segoe UI" panose="020B0502040204020203" pitchFamily="34" charset="0"/>
+              </a:rPr>
+              <a:t>Customer situation - </a:t>
+            </a:r>
+            <a:r>
+              <a:rPr lang="en-US" sz="4900" dirty="0">
+                <a:solidFill>
+                  <a:schemeClr val="tx1"/>
+                </a:solidFill>
+              </a:rPr>
+              <a:t>Contoso Financial</a:t>
+            </a:r>
+            <a:br>
+              <a:rPr lang="en-US" sz="4800" i="1" dirty="0"/>
+            </a:br>
+            <a:br>
+              <a:rPr lang="en-US" dirty="0">
+                <a:solidFill>
+                  <a:schemeClr val="tx1"/>
+                </a:solidFill>
+                <a:latin typeface="Segoe UI" panose="020B0502040204020203" pitchFamily="34" charset="0"/>
+              </a:rPr>
+            </a:br>
+            <a:endParaRPr lang="en-US" sz="3236" dirty="0">
+              <a:solidFill>
+                <a:schemeClr val="tx1"/>
+              </a:solidFill>
+              <a:latin typeface="Segoe UI" panose="020B0502040204020203" pitchFamily="34" charset="0"/>
+            </a:endParaRPr>
+          </a:p>
+        </p:txBody>
+      </p:sp>
+      <p:sp>
+        <p:nvSpPr>
+          <p:cNvPr id="5" name="Text Placeholder 4">
+            <a:extLst>
+              <a:ext uri="{FF2B5EF4-FFF2-40B4-BE49-F238E27FC236}">
+                <a16:creationId xmlns:a16="http://schemas.microsoft.com/office/drawing/2014/main" id="{2747A1CA-9959-4552-B25E-ADE90B252A6B}"/>
+              </a:ext>
+            </a:extLst>
+          </p:cNvPr>
+          <p:cNvSpPr>
+            <a:spLocks noGrp="1"/>
+          </p:cNvSpPr>
+          <p:nvPr>
+            <p:ph type="body" sz="quarter" idx="10"/>
+          </p:nvPr>
+        </p:nvSpPr>
+        <p:spPr>
+          <a:xfrm>
+            <a:off x="452063" y="1189177"/>
+            <a:ext cx="11054993" cy="5770811"/>
+          </a:xfrm>
+        </p:spPr>
+        <p:txBody>
+          <a:bodyPr/>
+          <a:lstStyle/>
+          <a:p>
+            <a:pPr marL="571500" indent="-571500">
+              <a:spcAft>
+                <a:spcPts val="600"/>
+              </a:spcAft>
+              <a:buFont typeface="Arial" panose="020B0604020202020204" pitchFamily="34" charset="0"/>
+              <a:buChar char="•"/>
+            </a:pPr>
+            <a:r>
+              <a:rPr lang="en-US" sz="3600" dirty="0">
+                <a:gradFill>
+                  <a:gsLst>
+                    <a:gs pos="2917">
+                      <a:schemeClr val="tx1"/>
+                    </a:gs>
+                    <a:gs pos="30000">
+                      <a:schemeClr val="tx1"/>
+                    </a:gs>
+                  </a:gsLst>
+                  <a:lin ang="5400000" scaled="0"/>
+                </a:gradFill>
+              </a:rPr>
+              <a:t>Headquartered in Dallas, TX with a substantial residential mortgage business.</a:t>
+            </a:r>
+          </a:p>
+          <a:p>
+            <a:pPr marL="571500" indent="-571500">
+              <a:spcAft>
+                <a:spcPts val="600"/>
+              </a:spcAft>
+              <a:buFont typeface="Arial" panose="020B0604020202020204" pitchFamily="34" charset="0"/>
+              <a:buChar char="•"/>
+            </a:pPr>
+            <a:endParaRPr lang="en-US" sz="2800" dirty="0">
+              <a:gradFill>
+                <a:gsLst>
+                  <a:gs pos="2917">
+                    <a:schemeClr val="tx1"/>
+                  </a:gs>
+                  <a:gs pos="30000">
+                    <a:schemeClr val="tx1"/>
+                  </a:gs>
+                </a:gsLst>
+                <a:lin ang="5400000" scaled="0"/>
+              </a:gradFill>
+            </a:endParaRPr>
+          </a:p>
+          <a:p>
+            <a:pPr marL="571500" indent="-571500">
+              <a:spcAft>
+                <a:spcPts val="600"/>
+              </a:spcAft>
+              <a:buFont typeface="Arial" panose="020B0604020202020204" pitchFamily="34" charset="0"/>
+              <a:buChar char="•"/>
+            </a:pPr>
+            <a:r>
+              <a:rPr lang="en-US" sz="3600" dirty="0">
+                <a:gradFill>
+                  <a:gsLst>
+                    <a:gs pos="2917">
+                      <a:schemeClr val="tx1"/>
+                    </a:gs>
+                    <a:gs pos="30000">
+                      <a:schemeClr val="tx1"/>
+                    </a:gs>
+                  </a:gsLst>
+                  <a:lin ang="5400000" scaled="0"/>
+                </a:gradFill>
+              </a:rPr>
+              <a:t>Moving to a cloud first model as part of a larger digital transformation. </a:t>
+            </a:r>
+          </a:p>
+          <a:p>
+            <a:pPr marL="571500" indent="-571500">
+              <a:spcAft>
+                <a:spcPts val="600"/>
+              </a:spcAft>
+              <a:buFont typeface="Arial" panose="020B0604020202020204" pitchFamily="34" charset="0"/>
+              <a:buChar char="•"/>
+            </a:pPr>
+            <a:endParaRPr lang="en-US" sz="2800" dirty="0">
+              <a:gradFill>
+                <a:gsLst>
+                  <a:gs pos="2917">
+                    <a:schemeClr val="tx1"/>
+                  </a:gs>
+                  <a:gs pos="30000">
+                    <a:schemeClr val="tx1"/>
+                  </a:gs>
+                </a:gsLst>
+                <a:lin ang="5400000" scaled="0"/>
+              </a:gradFill>
+            </a:endParaRPr>
+          </a:p>
+          <a:p>
+            <a:pPr marL="571500" indent="-571500">
+              <a:spcAft>
+                <a:spcPts val="600"/>
+              </a:spcAft>
+              <a:buFont typeface="Arial" panose="020B0604020202020204" pitchFamily="34" charset="0"/>
+              <a:buChar char="•"/>
+            </a:pPr>
+            <a:r>
+              <a:rPr lang="en-US" sz="3600" dirty="0">
+                <a:gradFill>
+                  <a:gsLst>
+                    <a:gs pos="2917">
+                      <a:schemeClr val="tx1"/>
+                    </a:gs>
+                    <a:gs pos="30000">
+                      <a:schemeClr val="tx1"/>
+                    </a:gs>
+                  </a:gsLst>
+                  <a:lin ang="5400000" scaled="0"/>
+                </a:gradFill>
+              </a:rPr>
+              <a:t>Strong interest in PaaS and consistent operational model to increase agility and lower management overhead.</a:t>
+            </a:r>
+          </a:p>
+          <a:p>
+            <a:pPr marL="0" indent="0">
+              <a:buNone/>
+            </a:pPr>
+            <a:endParaRPr lang="en-US" sz="3200" i="1" dirty="0"/>
+          </a:p>
+        </p:txBody>
+      </p:sp>
+    </p:spTree>
+    <p:extLst>
+      <p:ext uri="{BB962C8B-B14F-4D97-AF65-F5344CB8AC3E}">
+        <p14:creationId xmlns:p14="http://schemas.microsoft.com/office/powerpoint/2010/main" val="3429127010"/>
+      </p:ext>
+    </p:extLst>
+  </p:cSld>
+  <p:clrMapOvr>
+    <a:masterClrMapping/>
+  </p:clrMapOvr>
+  <mc:AlternateContent xmlns:mc="http://schemas.openxmlformats.org/markup-compatibility/2006" xmlns:p14="http://schemas.microsoft.com/office/powerpoint/2010/main">
+    <mc:Choice Requires="p14">
+      <p:transition p14:dur="0"/>
+    </mc:Choice>
+    <mc:Fallback xmlns="">
+      <p:transition/>
+    </mc:Fallback>
+  </mc:AlternateContent>
+</p:sld>
+</file>
+
+<file path=ppt/slides/slide40.xml><?xml version="1.0" encoding="utf-8"?>
 <p:sld xmlns:a="http://schemas.openxmlformats.org/drawingml/2006/main" xmlns:r="http://schemas.openxmlformats.org/officeDocument/2006/relationships" xmlns:p="http://schemas.openxmlformats.org/presentationml/2006/main">
   <p:cSld>
     <p:spTree>
@@ -29414,7 +30049,7 @@
 </p:sld>
 </file>
 
-<file path=ppt/slides/slide39.xml><?xml version="1.0" encoding="utf-8"?>
+<file path=ppt/slides/slide41.xml><?xml version="1.0" encoding="utf-8"?>
 <p:sld xmlns:a="http://schemas.openxmlformats.org/drawingml/2006/main" xmlns:r="http://schemas.openxmlformats.org/officeDocument/2006/relationships" xmlns:p="http://schemas.openxmlformats.org/presentationml/2006/main">
   <p:cSld>
     <p:spTree>
@@ -29791,251 +30426,7 @@
 </p:sld>
 </file>
 
-<file path=ppt/slides/slide4.xml><?xml version="1.0" encoding="utf-8"?>
-<p:sld xmlns:a="http://schemas.openxmlformats.org/drawingml/2006/main" xmlns:r="http://schemas.openxmlformats.org/officeDocument/2006/relationships" xmlns:p="http://schemas.openxmlformats.org/presentationml/2006/main">
-  <p:cSld>
-    <p:spTree>
-      <p:nvGrpSpPr>
-        <p:cNvPr id="1" name=""/>
-        <p:cNvGrpSpPr/>
-        <p:nvPr/>
-      </p:nvGrpSpPr>
-      <p:grpSpPr>
-        <a:xfrm>
-          <a:off x="0" y="0"/>
-          <a:ext cx="0" cy="0"/>
-          <a:chOff x="0" y="0"/>
-          <a:chExt cx="0" cy="0"/>
-        </a:xfrm>
-      </p:grpSpPr>
-      <p:sp>
-        <p:nvSpPr>
-          <p:cNvPr id="2" name="Title 1"/>
-          <p:cNvSpPr>
-            <a:spLocks noGrp="1"/>
-          </p:cNvSpPr>
-          <p:nvPr>
-            <p:ph type="title"/>
-          </p:nvPr>
-        </p:nvSpPr>
-        <p:spPr/>
-        <p:txBody>
-          <a:bodyPr>
-            <a:normAutofit fontScale="90000"/>
-          </a:bodyPr>
-          <a:lstStyle/>
-          <a:p>
-            <a:r>
-              <a:rPr lang="en-US" sz="4900" dirty="0">
-                <a:solidFill>
-                  <a:schemeClr val="tx1"/>
-                </a:solidFill>
-                <a:cs typeface="Segoe UI" panose="020B0502040204020203" pitchFamily="34" charset="0"/>
-              </a:rPr>
-              <a:t>Customer situation - </a:t>
-            </a:r>
-            <a:r>
-              <a:rPr lang="en-US" sz="4900" dirty="0">
-                <a:solidFill>
-                  <a:schemeClr val="tx1"/>
-                </a:solidFill>
-              </a:rPr>
-              <a:t>Contoso Financial</a:t>
-            </a:r>
-            <a:br>
-              <a:rPr lang="en-US" sz="4800" i="1" dirty="0"/>
-            </a:br>
-            <a:br>
-              <a:rPr lang="en-US" dirty="0">
-                <a:solidFill>
-                  <a:schemeClr val="tx1"/>
-                </a:solidFill>
-                <a:latin typeface="Segoe UI" panose="020B0502040204020203" pitchFamily="34" charset="0"/>
-              </a:rPr>
-            </a:br>
-            <a:endParaRPr lang="en-US" sz="3236" dirty="0">
-              <a:solidFill>
-                <a:schemeClr val="tx1"/>
-              </a:solidFill>
-              <a:latin typeface="Segoe UI" panose="020B0502040204020203" pitchFamily="34" charset="0"/>
-            </a:endParaRPr>
-          </a:p>
-        </p:txBody>
-      </p:sp>
-      <p:sp>
-        <p:nvSpPr>
-          <p:cNvPr id="5" name="Text Placeholder 4">
-            <a:extLst>
-              <a:ext uri="{FF2B5EF4-FFF2-40B4-BE49-F238E27FC236}">
-                <a16:creationId xmlns:a16="http://schemas.microsoft.com/office/drawing/2014/main" id="{2747A1CA-9959-4552-B25E-ADE90B252A6B}"/>
-              </a:ext>
-            </a:extLst>
-          </p:cNvPr>
-          <p:cNvSpPr>
-            <a:spLocks noGrp="1"/>
-          </p:cNvSpPr>
-          <p:nvPr>
-            <p:ph type="body" sz="quarter" idx="10"/>
-          </p:nvPr>
-        </p:nvSpPr>
-        <p:spPr>
-          <a:xfrm>
-            <a:off x="452063" y="1189177"/>
-            <a:ext cx="11054993" cy="5770811"/>
-          </a:xfrm>
-        </p:spPr>
-        <p:txBody>
-          <a:bodyPr/>
-          <a:lstStyle/>
-          <a:p>
-            <a:pPr marL="571500" indent="-571500">
-              <a:spcAft>
-                <a:spcPts val="600"/>
-              </a:spcAft>
-              <a:buFont typeface="Arial" panose="020B0604020202020204" pitchFamily="34" charset="0"/>
-              <a:buChar char="•"/>
-            </a:pPr>
-            <a:r>
-              <a:rPr lang="en-US" sz="3600" dirty="0">
-                <a:gradFill>
-                  <a:gsLst>
-                    <a:gs pos="2917">
-                      <a:schemeClr val="tx1"/>
-                    </a:gs>
-                    <a:gs pos="30000">
-                      <a:schemeClr val="tx1"/>
-                    </a:gs>
-                  </a:gsLst>
-                  <a:lin ang="5400000" scaled="0"/>
-                </a:gradFill>
-              </a:rPr>
-              <a:t>Headquartered in Dallas, TX with a substantial residential mortgage business.</a:t>
-            </a:r>
-          </a:p>
-          <a:p>
-            <a:pPr marL="571500" indent="-571500">
-              <a:spcAft>
-                <a:spcPts val="600"/>
-              </a:spcAft>
-              <a:buFont typeface="Arial" panose="020B0604020202020204" pitchFamily="34" charset="0"/>
-              <a:buChar char="•"/>
-            </a:pPr>
-            <a:endParaRPr lang="en-US" sz="2800" dirty="0">
-              <a:gradFill>
-                <a:gsLst>
-                  <a:gs pos="2917">
-                    <a:schemeClr val="tx1"/>
-                  </a:gs>
-                  <a:gs pos="30000">
-                    <a:schemeClr val="tx1"/>
-                  </a:gs>
-                </a:gsLst>
-                <a:lin ang="5400000" scaled="0"/>
-              </a:gradFill>
-            </a:endParaRPr>
-          </a:p>
-          <a:p>
-            <a:pPr marL="571500" indent="-571500">
-              <a:spcAft>
-                <a:spcPts val="600"/>
-              </a:spcAft>
-              <a:buFont typeface="Arial" panose="020B0604020202020204" pitchFamily="34" charset="0"/>
-              <a:buChar char="•"/>
-            </a:pPr>
-            <a:r>
-              <a:rPr lang="en-US" sz="3600" dirty="0">
-                <a:gradFill>
-                  <a:gsLst>
-                    <a:gs pos="2917">
-                      <a:schemeClr val="tx1"/>
-                    </a:gs>
-                    <a:gs pos="30000">
-                      <a:schemeClr val="tx1"/>
-                    </a:gs>
-                  </a:gsLst>
-                  <a:lin ang="5400000" scaled="0"/>
-                </a:gradFill>
-              </a:rPr>
-              <a:t>Moving to a cloud first model as part of a larger digital transformation. </a:t>
-            </a:r>
-          </a:p>
-          <a:p>
-            <a:pPr marL="571500" indent="-571500">
-              <a:spcAft>
-                <a:spcPts val="600"/>
-              </a:spcAft>
-              <a:buFont typeface="Arial" panose="020B0604020202020204" pitchFamily="34" charset="0"/>
-              <a:buChar char="•"/>
-            </a:pPr>
-            <a:endParaRPr lang="en-US" sz="2800" dirty="0">
-              <a:gradFill>
-                <a:gsLst>
-                  <a:gs pos="2917">
-                    <a:schemeClr val="tx1"/>
-                  </a:gs>
-                  <a:gs pos="30000">
-                    <a:schemeClr val="tx1"/>
-                  </a:gs>
-                </a:gsLst>
-                <a:lin ang="5400000" scaled="0"/>
-              </a:gradFill>
-            </a:endParaRPr>
-          </a:p>
-          <a:p>
-            <a:pPr marL="571500" indent="-571500">
-              <a:spcAft>
-                <a:spcPts val="600"/>
-              </a:spcAft>
-              <a:buFont typeface="Arial" panose="020B0604020202020204" pitchFamily="34" charset="0"/>
-              <a:buChar char="•"/>
-            </a:pPr>
-            <a:r>
-              <a:rPr lang="en-US" sz="3600" dirty="0">
-                <a:gradFill>
-                  <a:gsLst>
-                    <a:gs pos="2917">
-                      <a:schemeClr val="tx1"/>
-                    </a:gs>
-                    <a:gs pos="30000">
-                      <a:schemeClr val="tx1"/>
-                    </a:gs>
-                  </a:gsLst>
-                  <a:lin ang="5400000" scaled="0"/>
-                </a:gradFill>
-              </a:rPr>
-              <a:t>Strong interest in PaaS and consistent operational model to increase agility and lower management overhead.</a:t>
-            </a:r>
-          </a:p>
-          <a:p>
-            <a:pPr marL="0" indent="0">
-              <a:buNone/>
-            </a:pPr>
-            <a:endParaRPr lang="en-US" sz="3200" i="1" dirty="0"/>
-          </a:p>
-        </p:txBody>
-      </p:sp>
-    </p:spTree>
-    <p:extLst>
-      <p:ext uri="{BB962C8B-B14F-4D97-AF65-F5344CB8AC3E}">
-        <p14:creationId xmlns:p14="http://schemas.microsoft.com/office/powerpoint/2010/main" val="3429127010"/>
-      </p:ext>
-    </p:extLst>
-  </p:cSld>
-  <p:clrMapOvr>
-    <a:masterClrMapping/>
-  </p:clrMapOvr>
-  <mc:AlternateContent xmlns:mc="http://schemas.openxmlformats.org/markup-compatibility/2006" xmlns:p14="http://schemas.microsoft.com/office/powerpoint/2010/main">
-    <mc:Choice Requires="p14">
-      <p:transition p14:dur="0"/>
-    </mc:Choice>
-    <mc:Fallback xmlns="">
-      <p:transition/>
-    </mc:Fallback>
-  </mc:AlternateContent>
-</p:sld>
-</file>
-
-<file path=ppt/slides/slide40.xml><?xml version="1.0" encoding="utf-8"?>
+<file path=ppt/slides/slide42.xml><?xml version="1.0" encoding="utf-8"?>
 <p:sld xmlns:a="http://schemas.openxmlformats.org/drawingml/2006/main" xmlns:r="http://schemas.openxmlformats.org/officeDocument/2006/relationships" xmlns:p="http://schemas.openxmlformats.org/presentationml/2006/main">
   <p:cSld>
     <p:spTree>
@@ -30145,7 +30536,7 @@
 </p:sld>
 </file>
 
-<file path=ppt/slides/slide41.xml><?xml version="1.0" encoding="utf-8"?>
+<file path=ppt/slides/slide43.xml><?xml version="1.0" encoding="utf-8"?>
 <p:sld xmlns:a="http://schemas.openxmlformats.org/drawingml/2006/main" xmlns:r="http://schemas.openxmlformats.org/officeDocument/2006/relationships" xmlns:p="http://schemas.openxmlformats.org/presentationml/2006/main">
   <p:cSld>
     <p:spTree>
@@ -30352,249 +30743,6 @@
 </p:sld>
 </file>
 
-<file path=ppt/slides/slide42.xml><?xml version="1.0" encoding="utf-8"?>
-<p:sld xmlns:a="http://schemas.openxmlformats.org/drawingml/2006/main" xmlns:r="http://schemas.openxmlformats.org/officeDocument/2006/relationships" xmlns:p="http://schemas.openxmlformats.org/presentationml/2006/main">
-  <p:cSld>
-    <p:spTree>
-      <p:nvGrpSpPr>
-        <p:cNvPr id="1" name=""/>
-        <p:cNvGrpSpPr/>
-        <p:nvPr/>
-      </p:nvGrpSpPr>
-      <p:grpSpPr>
-        <a:xfrm>
-          <a:off x="0" y="0"/>
-          <a:ext cx="0" cy="0"/>
-          <a:chOff x="0" y="0"/>
-          <a:chExt cx="0" cy="0"/>
-        </a:xfrm>
-      </p:grpSpPr>
-      <p:sp>
-        <p:nvSpPr>
-          <p:cNvPr id="2" name="Title 1"/>
-          <p:cNvSpPr>
-            <a:spLocks noGrp="1"/>
-          </p:cNvSpPr>
-          <p:nvPr>
-            <p:ph type="title"/>
-          </p:nvPr>
-        </p:nvSpPr>
-        <p:spPr/>
-        <p:txBody>
-          <a:bodyPr>
-            <a:normAutofit fontScale="90000"/>
-          </a:bodyPr>
-          <a:lstStyle/>
-          <a:p>
-            <a:r>
-              <a:rPr lang="en-US" sz="4900" dirty="0">
-                <a:solidFill>
-                  <a:schemeClr val="tx1"/>
-                </a:solidFill>
-                <a:cs typeface="Segoe UI" panose="020B0502040204020203" pitchFamily="34" charset="0"/>
-              </a:rPr>
-              <a:t>Preferred solution: networking</a:t>
-            </a:r>
-            <a:br>
-              <a:rPr lang="en-US" dirty="0">
-                <a:solidFill>
-                  <a:schemeClr val="tx1"/>
-                </a:solidFill>
-                <a:latin typeface="Segoe UI" panose="020B0502040204020203" pitchFamily="34" charset="0"/>
-              </a:rPr>
-            </a:br>
-            <a:endParaRPr lang="en-US" sz="3236" dirty="0">
-              <a:solidFill>
-                <a:schemeClr val="tx1"/>
-              </a:solidFill>
-              <a:latin typeface="Segoe UI" panose="020B0502040204020203" pitchFamily="34" charset="0"/>
-            </a:endParaRPr>
-          </a:p>
-        </p:txBody>
-      </p:sp>
-      <p:sp>
-        <p:nvSpPr>
-          <p:cNvPr id="5" name="Text Placeholder 4">
-            <a:extLst>
-              <a:ext uri="{FF2B5EF4-FFF2-40B4-BE49-F238E27FC236}">
-                <a16:creationId xmlns:a16="http://schemas.microsoft.com/office/drawing/2014/main" id="{E28EDA45-933E-4B85-A0FB-C545307C4490}"/>
-              </a:ext>
-            </a:extLst>
-          </p:cNvPr>
-          <p:cNvSpPr>
-            <a:spLocks noGrp="1"/>
-          </p:cNvSpPr>
-          <p:nvPr>
-            <p:ph type="body" sz="quarter" idx="10"/>
-          </p:nvPr>
-        </p:nvSpPr>
-        <p:spPr>
-          <a:xfrm>
-            <a:off x="269240" y="955911"/>
-            <a:ext cx="11653523" cy="3902094"/>
-          </a:xfrm>
-        </p:spPr>
-        <p:txBody>
-          <a:bodyPr/>
-          <a:lstStyle/>
-          <a:p>
-            <a:pPr lvl="0"/>
-            <a:endParaRPr lang="en-US" dirty="0"/>
-          </a:p>
-          <a:p>
-            <a:pPr marL="0" lvl="0" indent="0">
-              <a:buNone/>
-            </a:pPr>
-            <a:r>
-              <a:rPr lang="en-US" dirty="0"/>
-              <a:t>The initial proof of concept will start with providing a S2S VPN between the virtual network the Azure Web App is connected to and Azure Stack Hub and another S2S Gateway between the Azure Stack Hub Datacenter in FT and the Contoso Regional HQ. </a:t>
-            </a:r>
-          </a:p>
-          <a:p>
-            <a:pPr lvl="1"/>
-            <a:endParaRPr lang="en-US" sz="2000" dirty="0"/>
-          </a:p>
-        </p:txBody>
-      </p:sp>
-    </p:spTree>
-    <p:extLst>
-      <p:ext uri="{BB962C8B-B14F-4D97-AF65-F5344CB8AC3E}">
-        <p14:creationId xmlns:p14="http://schemas.microsoft.com/office/powerpoint/2010/main" val="1529762918"/>
-      </p:ext>
-    </p:extLst>
-  </p:cSld>
-  <p:clrMapOvr>
-    <a:masterClrMapping/>
-  </p:clrMapOvr>
-  <mc:AlternateContent xmlns:mc="http://schemas.openxmlformats.org/markup-compatibility/2006" xmlns:p14="http://schemas.microsoft.com/office/powerpoint/2010/main">
-    <mc:Choice Requires="p14">
-      <p:transition p14:dur="0"/>
-    </mc:Choice>
-    <mc:Fallback xmlns="">
-      <p:transition/>
-    </mc:Fallback>
-  </mc:AlternateContent>
-</p:sld>
-</file>
-
-<file path=ppt/slides/slide43.xml><?xml version="1.0" encoding="utf-8"?>
-<p:sld xmlns:a="http://schemas.openxmlformats.org/drawingml/2006/main" xmlns:r="http://schemas.openxmlformats.org/officeDocument/2006/relationships" xmlns:p="http://schemas.openxmlformats.org/presentationml/2006/main">
-  <p:cSld>
-    <p:spTree>
-      <p:nvGrpSpPr>
-        <p:cNvPr id="1" name=""/>
-        <p:cNvGrpSpPr/>
-        <p:nvPr/>
-      </p:nvGrpSpPr>
-      <p:grpSpPr>
-        <a:xfrm>
-          <a:off x="0" y="0"/>
-          <a:ext cx="0" cy="0"/>
-          <a:chOff x="0" y="0"/>
-          <a:chExt cx="0" cy="0"/>
-        </a:xfrm>
-      </p:grpSpPr>
-      <p:sp>
-        <p:nvSpPr>
-          <p:cNvPr id="2" name="Title 1"/>
-          <p:cNvSpPr>
-            <a:spLocks noGrp="1"/>
-          </p:cNvSpPr>
-          <p:nvPr>
-            <p:ph type="title"/>
-          </p:nvPr>
-        </p:nvSpPr>
-        <p:spPr/>
-        <p:txBody>
-          <a:bodyPr>
-            <a:normAutofit fontScale="90000"/>
-          </a:bodyPr>
-          <a:lstStyle/>
-          <a:p>
-            <a:r>
-              <a:rPr lang="en-US" sz="4900" dirty="0">
-                <a:solidFill>
-                  <a:schemeClr val="tx1"/>
-                </a:solidFill>
-                <a:cs typeface="Segoe UI" panose="020B0502040204020203" pitchFamily="34" charset="0"/>
-              </a:rPr>
-              <a:t>Preferred solution: networking</a:t>
-            </a:r>
-            <a:br>
-              <a:rPr lang="en-US" dirty="0">
-                <a:solidFill>
-                  <a:schemeClr val="tx1"/>
-                </a:solidFill>
-                <a:latin typeface="Segoe UI" panose="020B0502040204020203" pitchFamily="34" charset="0"/>
-              </a:rPr>
-            </a:br>
-            <a:endParaRPr lang="en-US" sz="3236" dirty="0">
-              <a:solidFill>
-                <a:schemeClr val="tx1"/>
-              </a:solidFill>
-              <a:latin typeface="Segoe UI" panose="020B0502040204020203" pitchFamily="34" charset="0"/>
-            </a:endParaRPr>
-          </a:p>
-        </p:txBody>
-      </p:sp>
-      <p:sp>
-        <p:nvSpPr>
-          <p:cNvPr id="5" name="Text Placeholder 4">
-            <a:extLst>
-              <a:ext uri="{FF2B5EF4-FFF2-40B4-BE49-F238E27FC236}">
-                <a16:creationId xmlns:a16="http://schemas.microsoft.com/office/drawing/2014/main" id="{E28EDA45-933E-4B85-A0FB-C545307C4490}"/>
-              </a:ext>
-            </a:extLst>
-          </p:cNvPr>
-          <p:cNvSpPr>
-            <a:spLocks noGrp="1"/>
-          </p:cNvSpPr>
-          <p:nvPr>
-            <p:ph type="body" sz="quarter" idx="10"/>
-          </p:nvPr>
-        </p:nvSpPr>
-        <p:spPr>
-          <a:xfrm>
-            <a:off x="390415" y="1221766"/>
-            <a:ext cx="11532345" cy="4672048"/>
-          </a:xfrm>
-        </p:spPr>
-        <p:txBody>
-          <a:bodyPr/>
-          <a:lstStyle/>
-          <a:p>
-            <a:pPr marL="0" lvl="0" indent="0">
-              <a:buNone/>
-            </a:pPr>
-            <a:r>
-              <a:rPr lang="en-US" sz="3600" dirty="0"/>
-              <a:t>For the future, both S2S and ExpressRoute will be configured for routing using BGP ensuring the best connections possible and one set of configurations for routing.  FT will provide the Public ASN number for the routes from their datacenter network in Dallas.  FT will also configure the BGP connections between their datacenter and the new routers on-premises at the Contoso Dallas office. Contoso’s public IP space will be leveraged along with the addition of public IP space from FT.</a:t>
-            </a:r>
-            <a:endParaRPr lang="en-US" sz="2032" dirty="0"/>
-          </a:p>
-        </p:txBody>
-      </p:sp>
-    </p:spTree>
-    <p:extLst>
-      <p:ext uri="{BB962C8B-B14F-4D97-AF65-F5344CB8AC3E}">
-        <p14:creationId xmlns:p14="http://schemas.microsoft.com/office/powerpoint/2010/main" val="1467942121"/>
-      </p:ext>
-    </p:extLst>
-  </p:cSld>
-  <p:clrMapOvr>
-    <a:masterClrMapping/>
-  </p:clrMapOvr>
-  <mc:AlternateContent xmlns:mc="http://schemas.openxmlformats.org/markup-compatibility/2006" xmlns:p14="http://schemas.microsoft.com/office/powerpoint/2010/main">
-    <mc:Choice Requires="p14">
-      <p:transition p14:dur="0"/>
-    </mc:Choice>
-    <mc:Fallback xmlns="">
-      <p:transition/>
-    </mc:Fallback>
-  </mc:AlternateContent>
-</p:sld>
-</file>
-
 <file path=ppt/slides/slide44.xml><?xml version="1.0" encoding="utf-8"?>
 <p:sld xmlns:a="http://schemas.openxmlformats.org/drawingml/2006/main" xmlns:r="http://schemas.openxmlformats.org/officeDocument/2006/relationships" xmlns:p="http://schemas.openxmlformats.org/presentationml/2006/main">
   <p:cSld>
@@ -30636,15 +30784,7 @@
                 </a:solidFill>
                 <a:cs typeface="Segoe UI" panose="020B0502040204020203" pitchFamily="34" charset="0"/>
               </a:rPr>
-              <a:t>Customer </a:t>
-            </a:r>
-            <a:r>
-              <a:rPr lang="en-US" sz="4900" dirty="0">
-                <a:solidFill>
-                  <a:schemeClr val="tx1"/>
-                </a:solidFill>
-              </a:rPr>
-              <a:t>objections handling</a:t>
+              <a:t>Preferred solution: networking</a:t>
             </a:r>
             <a:br>
               <a:rPr lang="en-US" dirty="0">
@@ -30665,188 +30805,52 @@
       </p:sp>
       <p:sp>
         <p:nvSpPr>
-          <p:cNvPr id="9" name="TextBox 8">
+          <p:cNvPr id="5" name="Text Placeholder 4">
             <a:extLst>
               <a:ext uri="{FF2B5EF4-FFF2-40B4-BE49-F238E27FC236}">
-                <a16:creationId xmlns:a16="http://schemas.microsoft.com/office/drawing/2014/main" id="{1436F8EA-C4FB-4C98-AEB1-08DF6713D14E}"/>
+                <a16:creationId xmlns:a16="http://schemas.microsoft.com/office/drawing/2014/main" id="{E28EDA45-933E-4B85-A0FB-C545307C4490}"/>
               </a:ext>
             </a:extLst>
           </p:cNvPr>
-          <p:cNvSpPr txBox="1"/>
-          <p:nvPr/>
+          <p:cNvSpPr>
+            <a:spLocks noGrp="1"/>
+          </p:cNvSpPr>
+          <p:nvPr>
+            <p:ph type="body" sz="quarter" idx="10"/>
+          </p:nvPr>
         </p:nvSpPr>
         <p:spPr>
           <a:xfrm>
-            <a:off x="269240" y="1609350"/>
-            <a:ext cx="11720596" cy="4167295"/>
+            <a:off x="269240" y="955911"/>
+            <a:ext cx="11653523" cy="3902094"/>
           </a:xfrm>
-          <a:prstGeom prst="rect">
-            <a:avLst/>
-          </a:prstGeom>
-          <a:noFill/>
         </p:spPr>
         <p:txBody>
-          <a:bodyPr wrap="square" lIns="182880" tIns="146304" rIns="182880" bIns="146304" rtlCol="0">
-            <a:spAutoFit/>
-          </a:bodyPr>
+          <a:bodyPr/>
           <a:lstStyle/>
           <a:p>
-            <a:pPr>
-              <a:lnSpc>
-                <a:spcPct val="90000"/>
-              </a:lnSpc>
-              <a:spcAft>
-                <a:spcPts val="600"/>
-              </a:spcAft>
+            <a:pPr lvl="0"/>
+            <a:endParaRPr lang="en-US" dirty="0"/>
+          </a:p>
+          <a:p>
+            <a:pPr marL="0" lvl="0" indent="0">
+              <a:buNone/>
             </a:pPr>
             <a:r>
-              <a:rPr lang="en-US" sz="2800" dirty="0">
-                <a:gradFill>
-                  <a:gsLst>
-                    <a:gs pos="2917">
-                      <a:schemeClr val="tx1"/>
-                    </a:gs>
-                    <a:gs pos="30000">
-                      <a:schemeClr val="tx1"/>
-                    </a:gs>
-                  </a:gsLst>
-                  <a:lin ang="5400000" scaled="0"/>
-                </a:gradFill>
-                <a:latin typeface="Segoe UI Semilight" panose="020B0402040204020203" pitchFamily="34" charset="0"/>
-                <a:cs typeface="Segoe UI Semilight" panose="020B0402040204020203" pitchFamily="34" charset="0"/>
-              </a:rPr>
-              <a:t>The Customer Data SQL Server database cannot be hosted in the public cloud.</a:t>
-            </a:r>
-            <a:endParaRPr lang="en-US" sz="2800" b="1" i="1" dirty="0">
-              <a:gradFill>
-                <a:gsLst>
-                  <a:gs pos="2917">
-                    <a:schemeClr val="tx1"/>
-                  </a:gs>
-                  <a:gs pos="30000">
-                    <a:schemeClr val="tx1"/>
-                  </a:gs>
-                </a:gsLst>
-                <a:lin ang="5400000" scaled="0"/>
-              </a:gradFill>
-              <a:latin typeface="Segoe UI Semilight" panose="020B0402040204020203" pitchFamily="34" charset="0"/>
-              <a:cs typeface="Segoe UI Semilight" panose="020B0402040204020203" pitchFamily="34" charset="0"/>
-            </a:endParaRPr>
-          </a:p>
-          <a:p>
-            <a:pPr>
-              <a:lnSpc>
-                <a:spcPct val="90000"/>
-              </a:lnSpc>
-              <a:spcAft>
-                <a:spcPts val="600"/>
-              </a:spcAft>
-            </a:pPr>
-            <a:endParaRPr lang="en-US" sz="2800" b="1" i="1" dirty="0">
-              <a:gradFill>
-                <a:gsLst>
-                  <a:gs pos="2917">
-                    <a:schemeClr val="tx1"/>
-                  </a:gs>
-                  <a:gs pos="30000">
-                    <a:schemeClr val="tx1"/>
-                  </a:gs>
-                </a:gsLst>
-                <a:lin ang="5400000" scaled="0"/>
-              </a:gradFill>
-              <a:latin typeface="Segoe UI Semilight" panose="020B0402040204020203" pitchFamily="34" charset="0"/>
-              <a:cs typeface="Segoe UI Semilight" panose="020B0402040204020203" pitchFamily="34" charset="0"/>
-            </a:endParaRPr>
-          </a:p>
-          <a:p>
-            <a:pPr>
-              <a:lnSpc>
-                <a:spcPct val="90000"/>
-              </a:lnSpc>
-              <a:spcAft>
-                <a:spcPts val="600"/>
-              </a:spcAft>
-            </a:pPr>
-            <a:r>
-              <a:rPr lang="en-US" sz="2800" dirty="0">
-                <a:gradFill>
-                  <a:gsLst>
-                    <a:gs pos="2917">
-                      <a:schemeClr val="tx1"/>
-                    </a:gs>
-                    <a:gs pos="30000">
-                      <a:schemeClr val="tx1"/>
-                    </a:gs>
-                  </a:gsLst>
-                  <a:lin ang="5400000" scaled="0"/>
-                </a:gradFill>
-                <a:latin typeface="Segoe UI Semilight" panose="020B0402040204020203" pitchFamily="34" charset="0"/>
-                <a:cs typeface="Segoe UI Semilight" panose="020B0402040204020203" pitchFamily="34" charset="0"/>
-              </a:rPr>
-              <a:t>Potential Answer</a:t>
-            </a:r>
-          </a:p>
-          <a:p>
-            <a:r>
-              <a:rPr lang="en-US" sz="2800" dirty="0">
-                <a:latin typeface="Segoe UI Semilight" panose="020B0402040204020203" pitchFamily="34" charset="0"/>
-                <a:cs typeface="Segoe UI Semilight" panose="020B0402040204020203" pitchFamily="34" charset="0"/>
-              </a:rPr>
-              <a:t>The SQL Server database containing the customer information will be hosted in each of the Azure Stack Hub regions in the FT datacenters. The data will not traverse or be stored in the Global Azure cloud.</a:t>
-            </a:r>
-          </a:p>
-          <a:p>
-            <a:pPr>
-              <a:lnSpc>
-                <a:spcPct val="90000"/>
-              </a:lnSpc>
-              <a:spcAft>
-                <a:spcPts val="600"/>
-              </a:spcAft>
-            </a:pPr>
-            <a:endParaRPr lang="en-US" sz="2400" dirty="0">
-              <a:gradFill>
-                <a:gsLst>
-                  <a:gs pos="2917">
-                    <a:schemeClr val="tx1"/>
-                  </a:gs>
-                  <a:gs pos="30000">
-                    <a:schemeClr val="tx1"/>
-                  </a:gs>
-                </a:gsLst>
-                <a:lin ang="5400000" scaled="0"/>
-              </a:gradFill>
-            </a:endParaRPr>
-          </a:p>
-          <a:p>
-            <a:pPr>
-              <a:lnSpc>
-                <a:spcPct val="90000"/>
-              </a:lnSpc>
-              <a:spcAft>
-                <a:spcPts val="600"/>
-              </a:spcAft>
-            </a:pPr>
-            <a:endParaRPr lang="en-US" sz="2800" dirty="0">
-              <a:gradFill>
-                <a:gsLst>
-                  <a:gs pos="2917">
-                    <a:schemeClr val="tx1"/>
-                  </a:gs>
-                  <a:gs pos="30000">
-                    <a:schemeClr val="tx1"/>
-                  </a:gs>
-                </a:gsLst>
-                <a:lin ang="5400000" scaled="0"/>
-              </a:gradFill>
-            </a:endParaRPr>
+              <a:rPr lang="en-US" dirty="0"/>
+              <a:t>The initial proof of concept will start with providing a S2S VPN between the virtual network the Azure Web App is connected to and Azure Stack Hub and another S2S Gateway between the Azure Stack Hub Datacenter in FT and the Contoso Regional HQ. </a:t>
+            </a:r>
+          </a:p>
+          <a:p>
+            <a:pPr lvl="1"/>
+            <a:endParaRPr lang="en-US" sz="2000" dirty="0"/>
           </a:p>
         </p:txBody>
       </p:sp>
     </p:spTree>
     <p:extLst>
       <p:ext uri="{BB962C8B-B14F-4D97-AF65-F5344CB8AC3E}">
-        <p14:creationId xmlns:p14="http://schemas.microsoft.com/office/powerpoint/2010/main" val="1099180473"/>
+        <p14:creationId xmlns:p14="http://schemas.microsoft.com/office/powerpoint/2010/main" val="1529762918"/>
       </p:ext>
     </p:extLst>
   </p:cSld>
@@ -30861,85 +30865,6 @@
       <p:transition/>
     </mc:Fallback>
   </mc:AlternateContent>
-  <p:timing>
-    <p:tnLst>
-      <p:par>
-        <p:cTn id="1" dur="indefinite" restart="never" nodeType="tmRoot">
-          <p:childTnLst>
-            <p:seq concurrent="1" nextAc="seek">
-              <p:cTn id="2" dur="indefinite" nodeType="mainSeq">
-                <p:childTnLst>
-                  <p:par>
-                    <p:cTn id="3" fill="hold">
-                      <p:stCondLst>
-                        <p:cond delay="indefinite"/>
-                      </p:stCondLst>
-                      <p:childTnLst>
-                        <p:par>
-                          <p:cTn id="4" fill="hold">
-                            <p:stCondLst>
-                              <p:cond delay="0"/>
-                            </p:stCondLst>
-                            <p:childTnLst>
-                              <p:par>
-                                <p:cTn id="5" presetID="1" presetClass="entr" presetSubtype="0" fill="hold" nodeType="clickEffect">
-                                  <p:stCondLst>
-                                    <p:cond delay="0"/>
-                                  </p:stCondLst>
-                                  <p:childTnLst>
-                                    <p:set>
-                                      <p:cBhvr>
-                                        <p:cTn id="6" dur="1" fill="hold">
-                                          <p:stCondLst>
-                                            <p:cond delay="0"/>
-                                          </p:stCondLst>
-                                        </p:cTn>
-                                        <p:tgtEl>
-                                          <p:spTgt spid="9">
-                                            <p:txEl>
-                                              <p:pRg st="2" end="2"/>
-                                            </p:txEl>
-                                          </p:spTgt>
-                                        </p:tgtEl>
-                                        <p:attrNameLst>
-                                          <p:attrName>style.visibility</p:attrName>
-                                        </p:attrNameLst>
-                                      </p:cBhvr>
-                                      <p:to>
-                                        <p:strVal val="visible"/>
-                                      </p:to>
-                                    </p:set>
-                                  </p:childTnLst>
-                                </p:cTn>
-                              </p:par>
-                            </p:childTnLst>
-                          </p:cTn>
-                        </p:par>
-                      </p:childTnLst>
-                    </p:cTn>
-                  </p:par>
-                </p:childTnLst>
-              </p:cTn>
-              <p:prevCondLst>
-                <p:cond evt="onPrev" delay="0">
-                  <p:tgtEl>
-                    <p:sldTgt/>
-                  </p:tgtEl>
-                </p:cond>
-              </p:prevCondLst>
-              <p:nextCondLst>
-                <p:cond evt="onNext" delay="0">
-                  <p:tgtEl>
-                    <p:sldTgt/>
-                  </p:tgtEl>
-                </p:cond>
-              </p:nextCondLst>
-            </p:seq>
-          </p:childTnLst>
-        </p:cTn>
-      </p:par>
-    </p:tnLst>
-  </p:timing>
 </p:sld>
 </file>
 
@@ -30984,15 +30909,7 @@
                 </a:solidFill>
                 <a:cs typeface="Segoe UI" panose="020B0502040204020203" pitchFamily="34" charset="0"/>
               </a:rPr>
-              <a:t>Customer </a:t>
-            </a:r>
-            <a:r>
-              <a:rPr lang="en-US" sz="4900" dirty="0">
-                <a:solidFill>
-                  <a:schemeClr val="tx1"/>
-                </a:solidFill>
-              </a:rPr>
-              <a:t>objections</a:t>
+              <a:t>Preferred solution: networking</a:t>
             </a:r>
             <a:br>
               <a:rPr lang="en-US" dirty="0">
@@ -31013,150 +30930,45 @@
       </p:sp>
       <p:sp>
         <p:nvSpPr>
-          <p:cNvPr id="9" name="TextBox 8">
+          <p:cNvPr id="5" name="Text Placeholder 4">
             <a:extLst>
               <a:ext uri="{FF2B5EF4-FFF2-40B4-BE49-F238E27FC236}">
-                <a16:creationId xmlns:a16="http://schemas.microsoft.com/office/drawing/2014/main" id="{1436F8EA-C4FB-4C98-AEB1-08DF6713D14E}"/>
+                <a16:creationId xmlns:a16="http://schemas.microsoft.com/office/drawing/2014/main" id="{E28EDA45-933E-4B85-A0FB-C545307C4490}"/>
               </a:ext>
             </a:extLst>
           </p:cNvPr>
-          <p:cNvSpPr txBox="1"/>
-          <p:nvPr/>
+          <p:cNvSpPr>
+            <a:spLocks noGrp="1"/>
+          </p:cNvSpPr>
+          <p:nvPr>
+            <p:ph type="body" sz="quarter" idx="10"/>
+          </p:nvPr>
         </p:nvSpPr>
         <p:spPr>
           <a:xfrm>
-            <a:off x="339499" y="1525375"/>
-            <a:ext cx="11720596" cy="5179880"/>
+            <a:off x="390415" y="1221766"/>
+            <a:ext cx="11532345" cy="4672048"/>
           </a:xfrm>
-          <a:prstGeom prst="rect">
-            <a:avLst/>
-          </a:prstGeom>
-          <a:noFill/>
         </p:spPr>
         <p:txBody>
-          <a:bodyPr wrap="square" lIns="182880" tIns="146304" rIns="182880" bIns="146304" rtlCol="0">
-            <a:spAutoFit/>
-          </a:bodyPr>
+          <a:bodyPr/>
           <a:lstStyle/>
           <a:p>
-            <a:pPr>
-              <a:lnSpc>
-                <a:spcPct val="90000"/>
-              </a:lnSpc>
-              <a:spcAft>
-                <a:spcPts val="600"/>
-              </a:spcAft>
+            <a:pPr marL="0" lvl="0" indent="0">
+              <a:buNone/>
             </a:pPr>
             <a:r>
-              <a:rPr lang="en-US" sz="2800" dirty="0">
-                <a:gradFill>
-                  <a:gsLst>
-                    <a:gs pos="2917">
-                      <a:schemeClr val="tx1"/>
-                    </a:gs>
-                    <a:gs pos="30000">
-                      <a:schemeClr val="tx1"/>
-                    </a:gs>
-                  </a:gsLst>
-                  <a:lin ang="5400000" scaled="0"/>
-                </a:gradFill>
-                <a:latin typeface="Segoe UI Semilight" panose="020B0402040204020203" pitchFamily="34" charset="0"/>
-                <a:cs typeface="Segoe UI Semilight" panose="020B0402040204020203" pitchFamily="34" charset="0"/>
-              </a:rPr>
-              <a:t>Contoso will have a very limited staff to manage the US based operations, so minimizing patching of systems and day-to-day management is very important.</a:t>
-            </a:r>
-          </a:p>
-          <a:p>
-            <a:pPr>
-              <a:lnSpc>
-                <a:spcPct val="90000"/>
-              </a:lnSpc>
-              <a:spcAft>
-                <a:spcPts val="600"/>
-              </a:spcAft>
-            </a:pPr>
-            <a:endParaRPr lang="en-US" sz="2800" b="1" i="1" dirty="0">
-              <a:gradFill>
-                <a:gsLst>
-                  <a:gs pos="2917">
-                    <a:schemeClr val="tx1"/>
-                  </a:gs>
-                  <a:gs pos="30000">
-                    <a:schemeClr val="tx1"/>
-                  </a:gs>
-                </a:gsLst>
-                <a:lin ang="5400000" scaled="0"/>
-              </a:gradFill>
-              <a:latin typeface="Segoe UI Semilight" panose="020B0402040204020203" pitchFamily="34" charset="0"/>
-              <a:cs typeface="Segoe UI Semilight" panose="020B0402040204020203" pitchFamily="34" charset="0"/>
-            </a:endParaRPr>
-          </a:p>
-          <a:p>
-            <a:pPr>
-              <a:lnSpc>
-                <a:spcPct val="90000"/>
-              </a:lnSpc>
-              <a:spcAft>
-                <a:spcPts val="600"/>
-              </a:spcAft>
-            </a:pPr>
-            <a:r>
-              <a:rPr lang="en-US" sz="2800" dirty="0">
-                <a:gradFill>
-                  <a:gsLst>
-                    <a:gs pos="2917">
-                      <a:schemeClr val="tx1"/>
-                    </a:gs>
-                    <a:gs pos="30000">
-                      <a:schemeClr val="tx1"/>
-                    </a:gs>
-                  </a:gsLst>
-                  <a:lin ang="5400000" scaled="0"/>
-                </a:gradFill>
-                <a:latin typeface="Segoe UI Semilight" panose="020B0402040204020203" pitchFamily="34" charset="0"/>
-                <a:cs typeface="Segoe UI Semilight" panose="020B0402040204020203" pitchFamily="34" charset="0"/>
-              </a:rPr>
-              <a:t>Potential Answer:</a:t>
-            </a:r>
-          </a:p>
-          <a:p>
-            <a:pPr>
-              <a:lnSpc>
-                <a:spcPct val="90000"/>
-              </a:lnSpc>
-              <a:spcAft>
-                <a:spcPts val="600"/>
-              </a:spcAft>
-            </a:pPr>
-            <a:r>
-              <a:rPr lang="en-US" sz="2800" dirty="0">
-                <a:latin typeface="Segoe UI Semilight" panose="020B0402040204020203" pitchFamily="34" charset="0"/>
-                <a:cs typeface="Segoe UI Semilight" panose="020B0402040204020203" pitchFamily="34" charset="0"/>
-              </a:rPr>
-              <a:t>Majority of the services that form the proposed solution in both Global Azure cloud and Azure Stack Hub are implemented as PaaS services. To manage operating system updates on virtual machines hosting SQL Server instances, Contoso can leverage Azure Automation Update Management. Automated installation of SQL Server specific patches can be implemented by using SQL IaaS Extensions for Azure Stack Hub, available from Azure Stack Hub Marketplace.</a:t>
-            </a:r>
-            <a:endParaRPr lang="en-US" sz="2800" dirty="0">
-              <a:gradFill>
-                <a:gsLst>
-                  <a:gs pos="2917">
-                    <a:schemeClr val="tx1"/>
-                  </a:gs>
-                  <a:gs pos="30000">
-                    <a:schemeClr val="tx1"/>
-                  </a:gs>
-                </a:gsLst>
-                <a:lin ang="5400000" scaled="0"/>
-              </a:gradFill>
-              <a:latin typeface="Segoe UI Semilight" panose="020B0402040204020203" pitchFamily="34" charset="0"/>
-              <a:cs typeface="Segoe UI Semilight" panose="020B0402040204020203" pitchFamily="34" charset="0"/>
-            </a:endParaRPr>
+              <a:rPr lang="en-US" sz="3600" dirty="0"/>
+              <a:t>For the future, both S2S and ExpressRoute will be configured for routing using BGP ensuring the best connections possible and one set of configurations for routing.  FT will provide the Public ASN number for the routes from their datacenter network in Dallas.  FT will also configure the BGP connections between their datacenter and the new routers on-premises at the Contoso Dallas office. Contoso’s public IP space will be leveraged along with the addition of public IP space from FT.</a:t>
+            </a:r>
+            <a:endParaRPr lang="en-US" sz="2032" dirty="0"/>
           </a:p>
         </p:txBody>
       </p:sp>
     </p:spTree>
     <p:extLst>
       <p:ext uri="{BB962C8B-B14F-4D97-AF65-F5344CB8AC3E}">
-        <p14:creationId xmlns:p14="http://schemas.microsoft.com/office/powerpoint/2010/main" val="1057146432"/>
+        <p14:creationId xmlns:p14="http://schemas.microsoft.com/office/powerpoint/2010/main" val="1467942121"/>
       </p:ext>
     </p:extLst>
   </p:cSld>
@@ -31171,85 +30983,6 @@
       <p:transition/>
     </mc:Fallback>
   </mc:AlternateContent>
-  <p:timing>
-    <p:tnLst>
-      <p:par>
-        <p:cTn id="1" dur="indefinite" restart="never" nodeType="tmRoot">
-          <p:childTnLst>
-            <p:seq concurrent="1" nextAc="seek">
-              <p:cTn id="2" dur="indefinite" nodeType="mainSeq">
-                <p:childTnLst>
-                  <p:par>
-                    <p:cTn id="3" fill="hold">
-                      <p:stCondLst>
-                        <p:cond delay="indefinite"/>
-                      </p:stCondLst>
-                      <p:childTnLst>
-                        <p:par>
-                          <p:cTn id="4" fill="hold">
-                            <p:stCondLst>
-                              <p:cond delay="0"/>
-                            </p:stCondLst>
-                            <p:childTnLst>
-                              <p:par>
-                                <p:cTn id="5" presetID="1" presetClass="entr" presetSubtype="0" fill="hold" nodeType="clickEffect">
-                                  <p:stCondLst>
-                                    <p:cond delay="0"/>
-                                  </p:stCondLst>
-                                  <p:childTnLst>
-                                    <p:set>
-                                      <p:cBhvr>
-                                        <p:cTn id="6" dur="1" fill="hold">
-                                          <p:stCondLst>
-                                            <p:cond delay="0"/>
-                                          </p:stCondLst>
-                                        </p:cTn>
-                                        <p:tgtEl>
-                                          <p:spTgt spid="9">
-                                            <p:txEl>
-                                              <p:pRg st="2" end="2"/>
-                                            </p:txEl>
-                                          </p:spTgt>
-                                        </p:tgtEl>
-                                        <p:attrNameLst>
-                                          <p:attrName>style.visibility</p:attrName>
-                                        </p:attrNameLst>
-                                      </p:cBhvr>
-                                      <p:to>
-                                        <p:strVal val="visible"/>
-                                      </p:to>
-                                    </p:set>
-                                  </p:childTnLst>
-                                </p:cTn>
-                              </p:par>
-                            </p:childTnLst>
-                          </p:cTn>
-                        </p:par>
-                      </p:childTnLst>
-                    </p:cTn>
-                  </p:par>
-                </p:childTnLst>
-              </p:cTn>
-              <p:prevCondLst>
-                <p:cond evt="onPrev" delay="0">
-                  <p:tgtEl>
-                    <p:sldTgt/>
-                  </p:tgtEl>
-                </p:cond>
-              </p:prevCondLst>
-              <p:nextCondLst>
-                <p:cond evt="onNext" delay="0">
-                  <p:tgtEl>
-                    <p:sldTgt/>
-                  </p:tgtEl>
-                </p:cond>
-              </p:nextCondLst>
-            </p:seq>
-          </p:childTnLst>
-        </p:cTn>
-      </p:par>
-    </p:tnLst>
-  </p:timing>
 </p:sld>
 </file>
 
@@ -31302,7 +31035,7 @@
                   <a:schemeClr val="tx1"/>
                 </a:solidFill>
               </a:rPr>
-              <a:t>objections</a:t>
+              <a:t>objections handling</a:t>
             </a:r>
             <a:br>
               <a:rPr lang="en-US" dirty="0">
@@ -31335,8 +31068,8 @@
         </p:nvSpPr>
         <p:spPr>
           <a:xfrm>
-            <a:off x="339499" y="1525375"/>
-            <a:ext cx="11720596" cy="5179880"/>
+            <a:off x="269240" y="1609350"/>
+            <a:ext cx="11720596" cy="4167295"/>
           </a:xfrm>
           <a:prstGeom prst="rect">
             <a:avLst/>
@@ -31373,7 +31106,7 @@
                 <a:latin typeface="Segoe UI Semilight" panose="020B0402040204020203" pitchFamily="34" charset="0"/>
                 <a:cs typeface="Segoe UI Semilight" panose="020B0402040204020203" pitchFamily="34" charset="0"/>
               </a:rPr>
-              <a:t>Having to manage multiple environments is bound to increase administrative overhead. Is there really a consistent approach we can use in hybrid scenarios?</a:t>
+              <a:t>The Customer Data SQL Server database cannot be hosted in the public cloud.</a:t>
             </a:r>
             <a:endParaRPr lang="en-US" sz="2800" b="1" i="1" dirty="0">
               <a:gradFill>
@@ -31441,7 +31174,16 @@
                 <a:latin typeface="Segoe UI Semilight" panose="020B0402040204020203" pitchFamily="34" charset="0"/>
                 <a:cs typeface="Segoe UI Semilight" panose="020B0402040204020203" pitchFamily="34" charset="0"/>
               </a:rPr>
-              <a:t>Potential Answer:</a:t>
+              <a:t>Potential Answer</a:t>
+            </a:r>
+          </a:p>
+          <a:p>
+            <a:r>
+              <a:rPr lang="en-US" sz="2800" dirty="0">
+                <a:latin typeface="Segoe UI Semilight" panose="020B0402040204020203" pitchFamily="34" charset="0"/>
+                <a:cs typeface="Segoe UI Semilight" panose="020B0402040204020203" pitchFamily="34" charset="0"/>
+              </a:rPr>
+              <a:t>The SQL Server database containing the customer information will be hosted in each of the Azure Stack Hub regions in the FT datacenters. The data will not traverse or be stored in the Global Azure cloud.</a:t>
             </a:r>
           </a:p>
           <a:p>
@@ -31453,13 +31195,29 @@
                 <a:spcPts val="600"/>
               </a:spcAft>
             </a:pPr>
-            <a:r>
-              <a:rPr lang="en-US" sz="2800" dirty="0">
-                <a:latin typeface="Segoe UI Semilight" panose="020B0402040204020203" pitchFamily="34" charset="0"/>
-                <a:cs typeface="Segoe UI Semilight" panose="020B0402040204020203" pitchFamily="34" charset="0"/>
-              </a:rPr>
-              <a:t>Contoso will consider implementing Azure Arc for Servers (once it reaches General Availability). This will allow management of Windows and Linux servers residing in on-premises environments and hosted by 3rd party service providers in the manner similar to that applicable to Azure VMs. These features include Azure Policy-based guest configuration, tags, support for resource-context access to Log Analytics logs, as well as deployment of and management via Azure VM extensions.</a:t>
-            </a:r>
+            <a:endParaRPr lang="en-US" sz="2400" dirty="0">
+              <a:gradFill>
+                <a:gsLst>
+                  <a:gs pos="2917">
+                    <a:schemeClr val="tx1"/>
+                  </a:gs>
+                  <a:gs pos="30000">
+                    <a:schemeClr val="tx1"/>
+                  </a:gs>
+                </a:gsLst>
+                <a:lin ang="5400000" scaled="0"/>
+              </a:gradFill>
+            </a:endParaRPr>
+          </a:p>
+          <a:p>
+            <a:pPr>
+              <a:lnSpc>
+                <a:spcPct val="90000"/>
+              </a:lnSpc>
+              <a:spcAft>
+                <a:spcPts val="600"/>
+              </a:spcAft>
+            </a:pPr>
             <a:endParaRPr lang="en-US" sz="2800" dirty="0">
               <a:gradFill>
                 <a:gsLst>
@@ -31472,8 +31230,6 @@
                 </a:gsLst>
                 <a:lin ang="5400000" scaled="0"/>
               </a:gradFill>
-              <a:latin typeface="Segoe UI Semilight" panose="020B0402040204020203" pitchFamily="34" charset="0"/>
-              <a:cs typeface="Segoe UI Semilight" panose="020B0402040204020203" pitchFamily="34" charset="0"/>
             </a:endParaRPr>
           </a:p>
         </p:txBody>
@@ -31481,7 +31237,7 @@
     </p:spTree>
     <p:extLst>
       <p:ext uri="{BB962C8B-B14F-4D97-AF65-F5344CB8AC3E}">
-        <p14:creationId xmlns:p14="http://schemas.microsoft.com/office/powerpoint/2010/main" val="138546368"/>
+        <p14:creationId xmlns:p14="http://schemas.microsoft.com/office/powerpoint/2010/main" val="1099180473"/>
       </p:ext>
     </p:extLst>
   </p:cSld>
@@ -31660,8 +31416,8 @@
         </p:nvSpPr>
         <p:spPr>
           <a:xfrm>
-            <a:off x="339499" y="1099705"/>
-            <a:ext cx="11720596" cy="5721566"/>
+            <a:off x="339499" y="1525375"/>
+            <a:ext cx="11720596" cy="5179880"/>
           </a:xfrm>
           <a:prstGeom prst="rect">
             <a:avLst/>
@@ -31698,23 +31454,8 @@
                 <a:latin typeface="Segoe UI Semilight" panose="020B0402040204020203" pitchFamily="34" charset="0"/>
                 <a:cs typeface="Segoe UI Semilight" panose="020B0402040204020203" pitchFamily="34" charset="0"/>
               </a:rPr>
-              <a:t>I'm confused about the differences between different Azure Stack portfolio offerings. Would Azure Stack HCI, Azure Stack Hub, or Azure Stack Edge help us accomplish our objectives with the least amount of administrative overhead? </a:t>
-            </a:r>
-            <a:endParaRPr lang="en-US" sz="2800" b="1" i="1" dirty="0">
-              <a:gradFill>
-                <a:gsLst>
-                  <a:gs pos="2917">
-                    <a:schemeClr val="tx1"/>
-                  </a:gs>
-                  <a:gs pos="30000">
-                    <a:schemeClr val="tx1"/>
-                  </a:gs>
-                </a:gsLst>
-                <a:lin ang="5400000" scaled="0"/>
-              </a:gradFill>
-              <a:latin typeface="Segoe UI Semilight" panose="020B0402040204020203" pitchFamily="34" charset="0"/>
-              <a:cs typeface="Segoe UI Semilight" panose="020B0402040204020203" pitchFamily="34" charset="0"/>
-            </a:endParaRPr>
+              <a:t>Contoso will have a very limited staff to manage the US based operations, so minimizing patching of systems and day-to-day management is very important.</a:t>
+            </a:r>
           </a:p>
           <a:p>
             <a:pPr>
@@ -31780,71 +31521,33 @@
             </a:pPr>
             <a:r>
               <a:rPr lang="en-US" sz="2800" dirty="0">
+                <a:latin typeface="Segoe UI Semilight" panose="020B0402040204020203" pitchFamily="34" charset="0"/>
                 <a:cs typeface="Segoe UI Semilight" panose="020B0402040204020203" pitchFamily="34" charset="0"/>
               </a:rPr>
-              <a:t>Azure Stack Hub uses the same underlying technologies as Azure Global cloud, which includes the core IaaS, SaaS, and PaaS capabilities.</a:t>
-            </a:r>
-          </a:p>
-          <a:p>
-            <a:pPr>
-              <a:lnSpc>
-                <a:spcPct val="90000"/>
-              </a:lnSpc>
-              <a:spcAft>
-                <a:spcPts val="600"/>
-              </a:spcAft>
-            </a:pPr>
-            <a:r>
-              <a:rPr lang="en-US" sz="2800" dirty="0">
-                <a:gradFill>
-                  <a:gsLst>
-                    <a:gs pos="2917">
-                      <a:schemeClr val="tx1"/>
-                    </a:gs>
-                    <a:gs pos="30000">
-                      <a:schemeClr val="tx1"/>
-                    </a:gs>
-                  </a:gsLst>
-                  <a:lin ang="5400000" scaled="0"/>
-                </a:gradFill>
-                <a:cs typeface="Segoe UI Semilight" panose="020B0402040204020203" pitchFamily="34" charset="0"/>
-              </a:rPr>
-              <a:t>Azure Stack HCI solutions facilitates implementing and management of virtual machines in a Microsoft-validated, on-premises HCI deployments.</a:t>
-            </a:r>
-          </a:p>
-          <a:p>
-            <a:pPr>
-              <a:lnSpc>
-                <a:spcPct val="90000"/>
-              </a:lnSpc>
-              <a:spcAft>
-                <a:spcPts val="600"/>
-              </a:spcAft>
-            </a:pPr>
-            <a:r>
-              <a:rPr lang="en-US" sz="2800" dirty="0">
-                <a:gradFill>
-                  <a:gsLst>
-                    <a:gs pos="2917">
-                      <a:schemeClr val="tx1"/>
-                    </a:gs>
-                    <a:gs pos="30000">
-                      <a:schemeClr val="tx1"/>
-                    </a:gs>
-                  </a:gsLst>
-                  <a:lin ang="5400000" scaled="0"/>
-                </a:gradFill>
-                <a:cs typeface="Segoe UI Semilight" panose="020B0402040204020203" pitchFamily="34" charset="0"/>
-              </a:rPr>
-              <a:t>Azure Stack Edge is an AI-enabled, Microsoft-provided edge computing device with network data transfer capabilities, which primary use cases involve ML inferencing preprocessing of data before sending it to Azure.</a:t>
-            </a:r>
+              <a:t>Majority of the services that form the proposed solution in both Global Azure cloud and Azure Stack Hub are implemented as PaaS services. To manage operating system updates on virtual machines hosting SQL Server instances, Contoso can leverage Azure Automation Update Management. Automated installation of SQL Server specific patches can be implemented by using SQL IaaS Extensions for Azure Stack Hub, available from Azure Stack Hub Marketplace.</a:t>
+            </a:r>
+            <a:endParaRPr lang="en-US" sz="2800" dirty="0">
+              <a:gradFill>
+                <a:gsLst>
+                  <a:gs pos="2917">
+                    <a:schemeClr val="tx1"/>
+                  </a:gs>
+                  <a:gs pos="30000">
+                    <a:schemeClr val="tx1"/>
+                  </a:gs>
+                </a:gsLst>
+                <a:lin ang="5400000" scaled="0"/>
+              </a:gradFill>
+              <a:latin typeface="Segoe UI Semilight" panose="020B0402040204020203" pitchFamily="34" charset="0"/>
+              <a:cs typeface="Segoe UI Semilight" panose="020B0402040204020203" pitchFamily="34" charset="0"/>
+            </a:endParaRPr>
           </a:p>
         </p:txBody>
       </p:sp>
     </p:spTree>
     <p:extLst>
       <p:ext uri="{BB962C8B-B14F-4D97-AF65-F5344CB8AC3E}">
-        <p14:creationId xmlns:p14="http://schemas.microsoft.com/office/powerpoint/2010/main" val="356443926"/>
+        <p14:creationId xmlns:p14="http://schemas.microsoft.com/office/powerpoint/2010/main" val="1057146432"/>
       </p:ext>
     </p:extLst>
   </p:cSld>
@@ -32023,8 +31726,8 @@
         </p:nvSpPr>
         <p:spPr>
           <a:xfrm>
-            <a:off x="339499" y="1422343"/>
-            <a:ext cx="11720596" cy="5481501"/>
+            <a:off x="339499" y="1525375"/>
+            <a:ext cx="11720596" cy="5179880"/>
           </a:xfrm>
           <a:prstGeom prst="rect">
             <a:avLst/>
@@ -32061,8 +31764,23 @@
                 <a:latin typeface="Segoe UI Semilight" panose="020B0402040204020203" pitchFamily="34" charset="0"/>
                 <a:cs typeface="Segoe UI Semilight" panose="020B0402040204020203" pitchFamily="34" charset="0"/>
               </a:rPr>
-              <a:t>The developer team acknowledged that the existing application architecture is designed for running on Windows virtual machines, but PaaS is the future they envision. How should they transition to this model?</a:t>
-            </a:r>
+              <a:t>Having to manage multiple environments is bound to increase administrative overhead. Is there really a consistent approach we can use in hybrid scenarios?</a:t>
+            </a:r>
+            <a:endParaRPr lang="en-US" sz="2800" b="1" i="1" dirty="0">
+              <a:gradFill>
+                <a:gsLst>
+                  <a:gs pos="2917">
+                    <a:schemeClr val="tx1"/>
+                  </a:gs>
+                  <a:gs pos="30000">
+                    <a:schemeClr val="tx1"/>
+                  </a:gs>
+                </a:gsLst>
+                <a:lin ang="5400000" scaled="0"/>
+              </a:gradFill>
+              <a:latin typeface="Segoe UI Semilight" panose="020B0402040204020203" pitchFamily="34" charset="0"/>
+              <a:cs typeface="Segoe UI Semilight" panose="020B0402040204020203" pitchFamily="34" charset="0"/>
+            </a:endParaRPr>
           </a:p>
           <a:p>
             <a:pPr>
@@ -32114,16 +31832,24 @@
                 <a:latin typeface="Segoe UI Semilight" panose="020B0402040204020203" pitchFamily="34" charset="0"/>
                 <a:cs typeface="Segoe UI Semilight" panose="020B0402040204020203" pitchFamily="34" charset="0"/>
               </a:rPr>
-              <a:t>Potential Answer</a:t>
-            </a:r>
-          </a:p>
-          <a:p>
+              <a:t>Potential Answer:</a:t>
+            </a:r>
+          </a:p>
+          <a:p>
+            <a:pPr>
+              <a:lnSpc>
+                <a:spcPct val="90000"/>
+              </a:lnSpc>
+              <a:spcAft>
+                <a:spcPts val="600"/>
+              </a:spcAft>
+            </a:pPr>
             <a:r>
               <a:rPr lang="en-US" sz="2800" dirty="0">
                 <a:latin typeface="Segoe UI Semilight" panose="020B0402040204020203" pitchFamily="34" charset="0"/>
                 <a:cs typeface="Segoe UI Semilight" panose="020B0402040204020203" pitchFamily="34" charset="0"/>
               </a:rPr>
-              <a:t>The application code base can be modernized by converting the Windows Services to Azure Functions, messaging based code could use Azure Storage Queues or Service Bus, and code that reads and writes from the file system could be updated to use Azure Storage. Finally, application code that writes to SQL Server could be updated to use SQL Database for data that can be transferred to Azure Global or to SQL database service in Azure Stack Hub. </a:t>
+              <a:t>Contoso will consider implementing Azure Arc for Servers (once it reaches General Availability). This will allow management of Windows and Linux servers residing in on-premises environments and hosted by 3rd party service providers in the manner similar to that applicable to Azure VMs. These features include Azure Policy-based guest configuration, tags, support for resource-context access to Log Analytics logs, as well as deployment of and management via Azure VM extensions.</a:t>
             </a:r>
             <a:endParaRPr lang="en-US" sz="2800" dirty="0">
               <a:gradFill>
@@ -32146,7 +31872,7 @@
     </p:spTree>
     <p:extLst>
       <p:ext uri="{BB962C8B-B14F-4D97-AF65-F5344CB8AC3E}">
-        <p14:creationId xmlns:p14="http://schemas.microsoft.com/office/powerpoint/2010/main" val="1372105831"/>
+        <p14:creationId xmlns:p14="http://schemas.microsoft.com/office/powerpoint/2010/main" val="138546368"/>
       </p:ext>
     </p:extLst>
   </p:cSld>
@@ -32325,8 +32051,8 @@
         </p:nvSpPr>
         <p:spPr>
           <a:xfrm>
-            <a:off x="339498" y="1273448"/>
-            <a:ext cx="11720596" cy="4404283"/>
+            <a:off x="339499" y="1099705"/>
+            <a:ext cx="11720596" cy="5721566"/>
           </a:xfrm>
           <a:prstGeom prst="rect">
             <a:avLst/>
@@ -32363,8 +32089,23 @@
                 <a:latin typeface="Segoe UI Semilight" panose="020B0402040204020203" pitchFamily="34" charset="0"/>
                 <a:cs typeface="Segoe UI Semilight" panose="020B0402040204020203" pitchFamily="34" charset="0"/>
               </a:rPr>
-              <a:t>One of the key reasons Contoso wants to go to the cloud is to take advantage of tools and services for automated deployments and application development. Do any of Azure Stack portfolio offerings accommodate this approach or do we have to develop and support two distinct operational models?</a:t>
-            </a:r>
+              <a:t>I'm confused about the differences between different Azure Stack portfolio offerings. Would Azure Stack HCI, Azure Stack Hub, or Azure Stack Edge help us accomplish our objectives with the least amount of administrative overhead? </a:t>
+            </a:r>
+            <a:endParaRPr lang="en-US" sz="2800" b="1" i="1" dirty="0">
+              <a:gradFill>
+                <a:gsLst>
+                  <a:gs pos="2917">
+                    <a:schemeClr val="tx1"/>
+                  </a:gs>
+                  <a:gs pos="30000">
+                    <a:schemeClr val="tx1"/>
+                  </a:gs>
+                </a:gsLst>
+                <a:lin ang="5400000" scaled="0"/>
+              </a:gradFill>
+              <a:latin typeface="Segoe UI Semilight" panose="020B0402040204020203" pitchFamily="34" charset="0"/>
+              <a:cs typeface="Segoe UI Semilight" panose="020B0402040204020203" pitchFamily="34" charset="0"/>
+            </a:endParaRPr>
           </a:p>
           <a:p>
             <a:pPr>
@@ -32416,7 +32157,7 @@
                 <a:latin typeface="Segoe UI Semilight" panose="020B0402040204020203" pitchFamily="34" charset="0"/>
                 <a:cs typeface="Segoe UI Semilight" panose="020B0402040204020203" pitchFamily="34" charset="0"/>
               </a:rPr>
-              <a:t>Potential Answer</a:t>
+              <a:t>Potential Answer:</a:t>
             </a:r>
           </a:p>
           <a:p>
@@ -32430,33 +32171,71 @@
             </a:pPr>
             <a:r>
               <a:rPr lang="en-US" sz="2800" dirty="0">
-                <a:latin typeface="Segoe UI Semilight" panose="020B0402040204020203" pitchFamily="34" charset="0"/>
                 <a:cs typeface="Segoe UI Semilight" panose="020B0402040204020203" pitchFamily="34" charset="0"/>
               </a:rPr>
-              <a:t>While there will be minor differences with connectivity/environment information, if the resources are supported in both clouds, the developer and tooling experience will be consistent.</a:t>
-            </a:r>
-            <a:endParaRPr lang="en-US" sz="2800" dirty="0">
-              <a:gradFill>
-                <a:gsLst>
-                  <a:gs pos="2917">
-                    <a:schemeClr val="tx1"/>
-                  </a:gs>
-                  <a:gs pos="30000">
-                    <a:schemeClr val="tx1"/>
-                  </a:gs>
-                </a:gsLst>
-                <a:lin ang="5400000" scaled="0"/>
-              </a:gradFill>
-              <a:latin typeface="Segoe UI Semilight" panose="020B0402040204020203" pitchFamily="34" charset="0"/>
-              <a:cs typeface="Segoe UI Semilight" panose="020B0402040204020203" pitchFamily="34" charset="0"/>
-            </a:endParaRPr>
+              <a:t>Azure Stack Hub uses the same underlying technologies as Azure Global cloud, which includes the core IaaS, SaaS, and PaaS capabilities.</a:t>
+            </a:r>
+          </a:p>
+          <a:p>
+            <a:pPr>
+              <a:lnSpc>
+                <a:spcPct val="90000"/>
+              </a:lnSpc>
+              <a:spcAft>
+                <a:spcPts val="600"/>
+              </a:spcAft>
+            </a:pPr>
+            <a:r>
+              <a:rPr lang="en-US" sz="2800" dirty="0">
+                <a:gradFill>
+                  <a:gsLst>
+                    <a:gs pos="2917">
+                      <a:schemeClr val="tx1"/>
+                    </a:gs>
+                    <a:gs pos="30000">
+                      <a:schemeClr val="tx1"/>
+                    </a:gs>
+                  </a:gsLst>
+                  <a:lin ang="5400000" scaled="0"/>
+                </a:gradFill>
+                <a:cs typeface="Segoe UI Semilight" panose="020B0402040204020203" pitchFamily="34" charset="0"/>
+              </a:rPr>
+              <a:t>Azure Stack HCI solutions facilitates implementing and management of virtual machines in a Microsoft-validated, on-premises HCI deployments.</a:t>
+            </a:r>
+          </a:p>
+          <a:p>
+            <a:pPr>
+              <a:lnSpc>
+                <a:spcPct val="90000"/>
+              </a:lnSpc>
+              <a:spcAft>
+                <a:spcPts val="600"/>
+              </a:spcAft>
+            </a:pPr>
+            <a:r>
+              <a:rPr lang="en-US" sz="2800" dirty="0">
+                <a:gradFill>
+                  <a:gsLst>
+                    <a:gs pos="2917">
+                      <a:schemeClr val="tx1"/>
+                    </a:gs>
+                    <a:gs pos="30000">
+                      <a:schemeClr val="tx1"/>
+                    </a:gs>
+                  </a:gsLst>
+                  <a:lin ang="5400000" scaled="0"/>
+                </a:gradFill>
+                <a:cs typeface="Segoe UI Semilight" panose="020B0402040204020203" pitchFamily="34" charset="0"/>
+              </a:rPr>
+              <a:t>Azure Stack Edge is an AI-enabled, Microsoft-provided edge computing device with network data transfer capabilities, which primary use cases involve ML inferencing preprocessing of data before sending it to Azure.</a:t>
+            </a:r>
           </a:p>
         </p:txBody>
       </p:sp>
     </p:spTree>
     <p:extLst>
       <p:ext uri="{BB962C8B-B14F-4D97-AF65-F5344CB8AC3E}">
-        <p14:creationId xmlns:p14="http://schemas.microsoft.com/office/powerpoint/2010/main" val="3234661333"/>
+        <p14:creationId xmlns:p14="http://schemas.microsoft.com/office/powerpoint/2010/main" val="356443926"/>
       </p:ext>
     </p:extLst>
   </p:cSld>
@@ -32879,8 +32658,8 @@
         </p:nvSpPr>
         <p:spPr>
           <a:xfrm>
-            <a:off x="339498" y="1273448"/>
-            <a:ext cx="11720596" cy="4792081"/>
+            <a:off x="339499" y="1422343"/>
+            <a:ext cx="11720596" cy="5481501"/>
           </a:xfrm>
           <a:prstGeom prst="rect">
             <a:avLst/>
@@ -32917,7 +32696,7 @@
                 <a:latin typeface="Segoe UI Semilight" panose="020B0402040204020203" pitchFamily="34" charset="0"/>
                 <a:cs typeface="Segoe UI Semilight" panose="020B0402040204020203" pitchFamily="34" charset="0"/>
               </a:rPr>
-              <a:t>Fabrikam has already its own Azure Active Directory tenant. Will it be necessary to create duplicate accounts for Fabrikam users?</a:t>
+              <a:t>The developer team acknowledged that the existing application architecture is designed for running on Windows virtual machines, but PaaS is the future they envision. How should they transition to this model?</a:t>
             </a:r>
           </a:p>
           <a:p>
@@ -32974,20 +32753,12 @@
             </a:r>
           </a:p>
           <a:p>
-            <a:pPr>
-              <a:lnSpc>
-                <a:spcPct val="90000"/>
-              </a:lnSpc>
-              <a:spcAft>
-                <a:spcPts val="600"/>
-              </a:spcAft>
-            </a:pPr>
             <a:r>
               <a:rPr lang="en-US" sz="2800" dirty="0">
                 <a:latin typeface="Segoe UI Semilight" panose="020B0402040204020203" pitchFamily="34" charset="0"/>
                 <a:cs typeface="Segoe UI Semilight" panose="020B0402040204020203" pitchFamily="34" charset="0"/>
               </a:rPr>
-              <a:t>There is no need for creating duplicate accounts for Fabrikam users. When using Azure Active Directory as the identity provider, Azure Stack Hub supports multi-tenant topology. Once implemented, the topology allows users from different Azure Active Directory tenants provision and access Azure Stack Hub offers directly from the Azure Stack Hub User portal. When using Active Directory Federation Services (AD FS) as the identity provider, multi-tenancy can be provided through federation trusts.</a:t>
+              <a:t>The application code base can be modernized by converting the Windows Services to Azure Functions, messaging based code could use Azure Storage Queues or Service Bus, and code that reads and writes from the file system could be updated to use Azure Storage. Finally, application code that writes to SQL Server could be updated to use SQL Database for data that can be transferred to Azure Global or to SQL database service in Azure Stack Hub. </a:t>
             </a:r>
             <a:endParaRPr lang="en-US" sz="2800" dirty="0">
               <a:gradFill>
@@ -33010,7 +32781,7 @@
     </p:spTree>
     <p:extLst>
       <p:ext uri="{BB962C8B-B14F-4D97-AF65-F5344CB8AC3E}">
-        <p14:creationId xmlns:p14="http://schemas.microsoft.com/office/powerpoint/2010/main" val="2895015349"/>
+        <p14:creationId xmlns:p14="http://schemas.microsoft.com/office/powerpoint/2010/main" val="1372105831"/>
       </p:ext>
     </p:extLst>
   </p:cSld>
@@ -33148,6 +32919,626 @@
                 </a:solidFill>
                 <a:cs typeface="Segoe UI" panose="020B0502040204020203" pitchFamily="34" charset="0"/>
               </a:rPr>
+              <a:t>Customer </a:t>
+            </a:r>
+            <a:r>
+              <a:rPr lang="en-US" sz="4900" dirty="0">
+                <a:solidFill>
+                  <a:schemeClr val="tx1"/>
+                </a:solidFill>
+              </a:rPr>
+              <a:t>objections</a:t>
+            </a:r>
+            <a:br>
+              <a:rPr lang="en-US" dirty="0">
+                <a:solidFill>
+                  <a:schemeClr val="tx1"/>
+                </a:solidFill>
+                <a:latin typeface="Segoe UI" panose="020B0502040204020203" pitchFamily="34" charset="0"/>
+              </a:rPr>
+            </a:br>
+            <a:endParaRPr lang="en-US" sz="3236" dirty="0">
+              <a:solidFill>
+                <a:schemeClr val="tx1"/>
+              </a:solidFill>
+              <a:latin typeface="Segoe UI" panose="020B0502040204020203" pitchFamily="34" charset="0"/>
+            </a:endParaRPr>
+          </a:p>
+        </p:txBody>
+      </p:sp>
+      <p:sp>
+        <p:nvSpPr>
+          <p:cNvPr id="9" name="TextBox 8">
+            <a:extLst>
+              <a:ext uri="{FF2B5EF4-FFF2-40B4-BE49-F238E27FC236}">
+                <a16:creationId xmlns:a16="http://schemas.microsoft.com/office/drawing/2014/main" id="{1436F8EA-C4FB-4C98-AEB1-08DF6713D14E}"/>
+              </a:ext>
+            </a:extLst>
+          </p:cNvPr>
+          <p:cNvSpPr txBox="1"/>
+          <p:nvPr/>
+        </p:nvSpPr>
+        <p:spPr>
+          <a:xfrm>
+            <a:off x="339498" y="1273448"/>
+            <a:ext cx="11720596" cy="4404283"/>
+          </a:xfrm>
+          <a:prstGeom prst="rect">
+            <a:avLst/>
+          </a:prstGeom>
+          <a:noFill/>
+        </p:spPr>
+        <p:txBody>
+          <a:bodyPr wrap="square" lIns="182880" tIns="146304" rIns="182880" bIns="146304" rtlCol="0">
+            <a:spAutoFit/>
+          </a:bodyPr>
+          <a:lstStyle/>
+          <a:p>
+            <a:pPr>
+              <a:lnSpc>
+                <a:spcPct val="90000"/>
+              </a:lnSpc>
+              <a:spcAft>
+                <a:spcPts val="600"/>
+              </a:spcAft>
+            </a:pPr>
+            <a:r>
+              <a:rPr lang="en-US" sz="2800" dirty="0">
+                <a:gradFill>
+                  <a:gsLst>
+                    <a:gs pos="2917">
+                      <a:schemeClr val="tx1"/>
+                    </a:gs>
+                    <a:gs pos="30000">
+                      <a:schemeClr val="tx1"/>
+                    </a:gs>
+                  </a:gsLst>
+                  <a:lin ang="5400000" scaled="0"/>
+                </a:gradFill>
+                <a:latin typeface="Segoe UI Semilight" panose="020B0402040204020203" pitchFamily="34" charset="0"/>
+                <a:cs typeface="Segoe UI Semilight" panose="020B0402040204020203" pitchFamily="34" charset="0"/>
+              </a:rPr>
+              <a:t>One of the key reasons Contoso wants to go to the cloud is to take advantage of tools and services for automated deployments and application development. Do any of Azure Stack portfolio offerings accommodate this approach or do we have to develop and support two distinct operational models?</a:t>
+            </a:r>
+          </a:p>
+          <a:p>
+            <a:pPr>
+              <a:lnSpc>
+                <a:spcPct val="90000"/>
+              </a:lnSpc>
+              <a:spcAft>
+                <a:spcPts val="600"/>
+              </a:spcAft>
+            </a:pPr>
+            <a:endParaRPr lang="en-US" sz="2800" b="1" i="1" dirty="0">
+              <a:gradFill>
+                <a:gsLst>
+                  <a:gs pos="2917">
+                    <a:schemeClr val="tx1"/>
+                  </a:gs>
+                  <a:gs pos="30000">
+                    <a:schemeClr val="tx1"/>
+                  </a:gs>
+                </a:gsLst>
+                <a:lin ang="5400000" scaled="0"/>
+              </a:gradFill>
+              <a:latin typeface="Segoe UI Semilight" panose="020B0402040204020203" pitchFamily="34" charset="0"/>
+              <a:cs typeface="Segoe UI Semilight" panose="020B0402040204020203" pitchFamily="34" charset="0"/>
+            </a:endParaRPr>
+          </a:p>
+          <a:p>
+            <a:pPr>
+              <a:lnSpc>
+                <a:spcPct val="90000"/>
+              </a:lnSpc>
+              <a:spcAft>
+                <a:spcPts val="600"/>
+              </a:spcAft>
+            </a:pPr>
+            <a:r>
+              <a:rPr lang="en-US" sz="2800" dirty="0">
+                <a:gradFill>
+                  <a:gsLst>
+                    <a:gs pos="2917">
+                      <a:schemeClr val="tx1"/>
+                    </a:gs>
+                    <a:gs pos="30000">
+                      <a:schemeClr val="tx1"/>
+                    </a:gs>
+                  </a:gsLst>
+                  <a:lin ang="5400000" scaled="0"/>
+                </a:gradFill>
+                <a:latin typeface="Segoe UI Semilight" panose="020B0402040204020203" pitchFamily="34" charset="0"/>
+                <a:cs typeface="Segoe UI Semilight" panose="020B0402040204020203" pitchFamily="34" charset="0"/>
+              </a:rPr>
+              <a:t>Potential Answer</a:t>
+            </a:r>
+          </a:p>
+          <a:p>
+            <a:pPr>
+              <a:lnSpc>
+                <a:spcPct val="90000"/>
+              </a:lnSpc>
+              <a:spcAft>
+                <a:spcPts val="600"/>
+              </a:spcAft>
+            </a:pPr>
+            <a:r>
+              <a:rPr lang="en-US" sz="2800" dirty="0">
+                <a:latin typeface="Segoe UI Semilight" panose="020B0402040204020203" pitchFamily="34" charset="0"/>
+                <a:cs typeface="Segoe UI Semilight" panose="020B0402040204020203" pitchFamily="34" charset="0"/>
+              </a:rPr>
+              <a:t>While there will be minor differences with connectivity/environment information, if the resources are supported in both clouds, the developer and tooling experience will be consistent.</a:t>
+            </a:r>
+            <a:endParaRPr lang="en-US" sz="2800" dirty="0">
+              <a:gradFill>
+                <a:gsLst>
+                  <a:gs pos="2917">
+                    <a:schemeClr val="tx1"/>
+                  </a:gs>
+                  <a:gs pos="30000">
+                    <a:schemeClr val="tx1"/>
+                  </a:gs>
+                </a:gsLst>
+                <a:lin ang="5400000" scaled="0"/>
+              </a:gradFill>
+              <a:latin typeface="Segoe UI Semilight" panose="020B0402040204020203" pitchFamily="34" charset="0"/>
+              <a:cs typeface="Segoe UI Semilight" panose="020B0402040204020203" pitchFamily="34" charset="0"/>
+            </a:endParaRPr>
+          </a:p>
+        </p:txBody>
+      </p:sp>
+    </p:spTree>
+    <p:extLst>
+      <p:ext uri="{BB962C8B-B14F-4D97-AF65-F5344CB8AC3E}">
+        <p14:creationId xmlns:p14="http://schemas.microsoft.com/office/powerpoint/2010/main" val="3234661333"/>
+      </p:ext>
+    </p:extLst>
+  </p:cSld>
+  <p:clrMapOvr>
+    <a:masterClrMapping/>
+  </p:clrMapOvr>
+  <mc:AlternateContent xmlns:mc="http://schemas.openxmlformats.org/markup-compatibility/2006" xmlns:p14="http://schemas.microsoft.com/office/powerpoint/2010/main">
+    <mc:Choice Requires="p14">
+      <p:transition p14:dur="0"/>
+    </mc:Choice>
+    <mc:Fallback xmlns="">
+      <p:transition/>
+    </mc:Fallback>
+  </mc:AlternateContent>
+  <p:timing>
+    <p:tnLst>
+      <p:par>
+        <p:cTn id="1" dur="indefinite" restart="never" nodeType="tmRoot">
+          <p:childTnLst>
+            <p:seq concurrent="1" nextAc="seek">
+              <p:cTn id="2" dur="indefinite" nodeType="mainSeq">
+                <p:childTnLst>
+                  <p:par>
+                    <p:cTn id="3" fill="hold">
+                      <p:stCondLst>
+                        <p:cond delay="indefinite"/>
+                      </p:stCondLst>
+                      <p:childTnLst>
+                        <p:par>
+                          <p:cTn id="4" fill="hold">
+                            <p:stCondLst>
+                              <p:cond delay="0"/>
+                            </p:stCondLst>
+                            <p:childTnLst>
+                              <p:par>
+                                <p:cTn id="5" presetID="1" presetClass="entr" presetSubtype="0" fill="hold" nodeType="clickEffect">
+                                  <p:stCondLst>
+                                    <p:cond delay="0"/>
+                                  </p:stCondLst>
+                                  <p:childTnLst>
+                                    <p:set>
+                                      <p:cBhvr>
+                                        <p:cTn id="6" dur="1" fill="hold">
+                                          <p:stCondLst>
+                                            <p:cond delay="0"/>
+                                          </p:stCondLst>
+                                        </p:cTn>
+                                        <p:tgtEl>
+                                          <p:spTgt spid="9">
+                                            <p:txEl>
+                                              <p:pRg st="2" end="2"/>
+                                            </p:txEl>
+                                          </p:spTgt>
+                                        </p:tgtEl>
+                                        <p:attrNameLst>
+                                          <p:attrName>style.visibility</p:attrName>
+                                        </p:attrNameLst>
+                                      </p:cBhvr>
+                                      <p:to>
+                                        <p:strVal val="visible"/>
+                                      </p:to>
+                                    </p:set>
+                                  </p:childTnLst>
+                                </p:cTn>
+                              </p:par>
+                            </p:childTnLst>
+                          </p:cTn>
+                        </p:par>
+                      </p:childTnLst>
+                    </p:cTn>
+                  </p:par>
+                </p:childTnLst>
+              </p:cTn>
+              <p:prevCondLst>
+                <p:cond evt="onPrev" delay="0">
+                  <p:tgtEl>
+                    <p:sldTgt/>
+                  </p:tgtEl>
+                </p:cond>
+              </p:prevCondLst>
+              <p:nextCondLst>
+                <p:cond evt="onNext" delay="0">
+                  <p:tgtEl>
+                    <p:sldTgt/>
+                  </p:tgtEl>
+                </p:cond>
+              </p:nextCondLst>
+            </p:seq>
+          </p:childTnLst>
+        </p:cTn>
+      </p:par>
+    </p:tnLst>
+  </p:timing>
+</p:sld>
+</file>
+
+<file path=ppt/slides/slide52.xml><?xml version="1.0" encoding="utf-8"?>
+<p:sld xmlns:a="http://schemas.openxmlformats.org/drawingml/2006/main" xmlns:r="http://schemas.openxmlformats.org/officeDocument/2006/relationships" xmlns:p="http://schemas.openxmlformats.org/presentationml/2006/main">
+  <p:cSld>
+    <p:spTree>
+      <p:nvGrpSpPr>
+        <p:cNvPr id="1" name=""/>
+        <p:cNvGrpSpPr/>
+        <p:nvPr/>
+      </p:nvGrpSpPr>
+      <p:grpSpPr>
+        <a:xfrm>
+          <a:off x="0" y="0"/>
+          <a:ext cx="0" cy="0"/>
+          <a:chOff x="0" y="0"/>
+          <a:chExt cx="0" cy="0"/>
+        </a:xfrm>
+      </p:grpSpPr>
+      <p:sp>
+        <p:nvSpPr>
+          <p:cNvPr id="2" name="Title 1"/>
+          <p:cNvSpPr>
+            <a:spLocks noGrp="1"/>
+          </p:cNvSpPr>
+          <p:nvPr>
+            <p:ph type="title"/>
+          </p:nvPr>
+        </p:nvSpPr>
+        <p:spPr/>
+        <p:txBody>
+          <a:bodyPr>
+            <a:normAutofit fontScale="90000"/>
+          </a:bodyPr>
+          <a:lstStyle/>
+          <a:p>
+            <a:r>
+              <a:rPr lang="en-US" sz="4900" dirty="0">
+                <a:solidFill>
+                  <a:schemeClr val="tx1"/>
+                </a:solidFill>
+                <a:cs typeface="Segoe UI" panose="020B0502040204020203" pitchFamily="34" charset="0"/>
+              </a:rPr>
+              <a:t>Customer </a:t>
+            </a:r>
+            <a:r>
+              <a:rPr lang="en-US" sz="4900" dirty="0">
+                <a:solidFill>
+                  <a:schemeClr val="tx1"/>
+                </a:solidFill>
+              </a:rPr>
+              <a:t>objections</a:t>
+            </a:r>
+            <a:br>
+              <a:rPr lang="en-US" dirty="0">
+                <a:solidFill>
+                  <a:schemeClr val="tx1"/>
+                </a:solidFill>
+                <a:latin typeface="Segoe UI" panose="020B0502040204020203" pitchFamily="34" charset="0"/>
+              </a:rPr>
+            </a:br>
+            <a:endParaRPr lang="en-US" sz="3236" dirty="0">
+              <a:solidFill>
+                <a:schemeClr val="tx1"/>
+              </a:solidFill>
+              <a:latin typeface="Segoe UI" panose="020B0502040204020203" pitchFamily="34" charset="0"/>
+            </a:endParaRPr>
+          </a:p>
+        </p:txBody>
+      </p:sp>
+      <p:sp>
+        <p:nvSpPr>
+          <p:cNvPr id="9" name="TextBox 8">
+            <a:extLst>
+              <a:ext uri="{FF2B5EF4-FFF2-40B4-BE49-F238E27FC236}">
+                <a16:creationId xmlns:a16="http://schemas.microsoft.com/office/drawing/2014/main" id="{1436F8EA-C4FB-4C98-AEB1-08DF6713D14E}"/>
+              </a:ext>
+            </a:extLst>
+          </p:cNvPr>
+          <p:cNvSpPr txBox="1"/>
+          <p:nvPr/>
+        </p:nvSpPr>
+        <p:spPr>
+          <a:xfrm>
+            <a:off x="339498" y="1273448"/>
+            <a:ext cx="11720596" cy="4792081"/>
+          </a:xfrm>
+          <a:prstGeom prst="rect">
+            <a:avLst/>
+          </a:prstGeom>
+          <a:noFill/>
+        </p:spPr>
+        <p:txBody>
+          <a:bodyPr wrap="square" lIns="182880" tIns="146304" rIns="182880" bIns="146304" rtlCol="0">
+            <a:spAutoFit/>
+          </a:bodyPr>
+          <a:lstStyle/>
+          <a:p>
+            <a:pPr>
+              <a:lnSpc>
+                <a:spcPct val="90000"/>
+              </a:lnSpc>
+              <a:spcAft>
+                <a:spcPts val="600"/>
+              </a:spcAft>
+            </a:pPr>
+            <a:r>
+              <a:rPr lang="en-US" sz="2800" dirty="0">
+                <a:gradFill>
+                  <a:gsLst>
+                    <a:gs pos="2917">
+                      <a:schemeClr val="tx1"/>
+                    </a:gs>
+                    <a:gs pos="30000">
+                      <a:schemeClr val="tx1"/>
+                    </a:gs>
+                  </a:gsLst>
+                  <a:lin ang="5400000" scaled="0"/>
+                </a:gradFill>
+                <a:latin typeface="Segoe UI Semilight" panose="020B0402040204020203" pitchFamily="34" charset="0"/>
+                <a:cs typeface="Segoe UI Semilight" panose="020B0402040204020203" pitchFamily="34" charset="0"/>
+              </a:rPr>
+              <a:t>Fabrikam has already its own Azure Active Directory tenant. Will it be necessary to create duplicate accounts for Fabrikam users?</a:t>
+            </a:r>
+          </a:p>
+          <a:p>
+            <a:pPr>
+              <a:lnSpc>
+                <a:spcPct val="90000"/>
+              </a:lnSpc>
+              <a:spcAft>
+                <a:spcPts val="600"/>
+              </a:spcAft>
+            </a:pPr>
+            <a:endParaRPr lang="en-US" sz="2800" b="1" i="1" dirty="0">
+              <a:gradFill>
+                <a:gsLst>
+                  <a:gs pos="2917">
+                    <a:schemeClr val="tx1"/>
+                  </a:gs>
+                  <a:gs pos="30000">
+                    <a:schemeClr val="tx1"/>
+                  </a:gs>
+                </a:gsLst>
+                <a:lin ang="5400000" scaled="0"/>
+              </a:gradFill>
+              <a:latin typeface="Segoe UI Semilight" panose="020B0402040204020203" pitchFamily="34" charset="0"/>
+              <a:cs typeface="Segoe UI Semilight" panose="020B0402040204020203" pitchFamily="34" charset="0"/>
+            </a:endParaRPr>
+          </a:p>
+          <a:p>
+            <a:pPr>
+              <a:lnSpc>
+                <a:spcPct val="90000"/>
+              </a:lnSpc>
+              <a:spcAft>
+                <a:spcPts val="600"/>
+              </a:spcAft>
+            </a:pPr>
+            <a:r>
+              <a:rPr lang="en-US" sz="2800" dirty="0">
+                <a:gradFill>
+                  <a:gsLst>
+                    <a:gs pos="2917">
+                      <a:schemeClr val="tx1"/>
+                    </a:gs>
+                    <a:gs pos="30000">
+                      <a:schemeClr val="tx1"/>
+                    </a:gs>
+                  </a:gsLst>
+                  <a:lin ang="5400000" scaled="0"/>
+                </a:gradFill>
+                <a:latin typeface="Segoe UI Semilight" panose="020B0402040204020203" pitchFamily="34" charset="0"/>
+                <a:cs typeface="Segoe UI Semilight" panose="020B0402040204020203" pitchFamily="34" charset="0"/>
+              </a:rPr>
+              <a:t>Potential Answer</a:t>
+            </a:r>
+          </a:p>
+          <a:p>
+            <a:pPr>
+              <a:lnSpc>
+                <a:spcPct val="90000"/>
+              </a:lnSpc>
+              <a:spcAft>
+                <a:spcPts val="600"/>
+              </a:spcAft>
+            </a:pPr>
+            <a:r>
+              <a:rPr lang="en-US" sz="2800" dirty="0">
+                <a:latin typeface="Segoe UI Semilight" panose="020B0402040204020203" pitchFamily="34" charset="0"/>
+                <a:cs typeface="Segoe UI Semilight" panose="020B0402040204020203" pitchFamily="34" charset="0"/>
+              </a:rPr>
+              <a:t>There is no need for creating duplicate accounts for Fabrikam users. When using Azure Active Directory as the identity provider, Azure Stack Hub supports multi-tenant topology. Once implemented, the topology allows users from different Azure Active Directory tenants provision and access Azure Stack Hub offers directly from the Azure Stack Hub User portal. When using Active Directory Federation Services (AD FS) as the identity provider, multi-tenancy can be provided through federation trusts.</a:t>
+            </a:r>
+            <a:endParaRPr lang="en-US" sz="2800" dirty="0">
+              <a:gradFill>
+                <a:gsLst>
+                  <a:gs pos="2917">
+                    <a:schemeClr val="tx1"/>
+                  </a:gs>
+                  <a:gs pos="30000">
+                    <a:schemeClr val="tx1"/>
+                  </a:gs>
+                </a:gsLst>
+                <a:lin ang="5400000" scaled="0"/>
+              </a:gradFill>
+              <a:latin typeface="Segoe UI Semilight" panose="020B0402040204020203" pitchFamily="34" charset="0"/>
+              <a:cs typeface="Segoe UI Semilight" panose="020B0402040204020203" pitchFamily="34" charset="0"/>
+            </a:endParaRPr>
+          </a:p>
+        </p:txBody>
+      </p:sp>
+    </p:spTree>
+    <p:extLst>
+      <p:ext uri="{BB962C8B-B14F-4D97-AF65-F5344CB8AC3E}">
+        <p14:creationId xmlns:p14="http://schemas.microsoft.com/office/powerpoint/2010/main" val="2895015349"/>
+      </p:ext>
+    </p:extLst>
+  </p:cSld>
+  <p:clrMapOvr>
+    <a:masterClrMapping/>
+  </p:clrMapOvr>
+  <mc:AlternateContent xmlns:mc="http://schemas.openxmlformats.org/markup-compatibility/2006" xmlns:p14="http://schemas.microsoft.com/office/powerpoint/2010/main">
+    <mc:Choice Requires="p14">
+      <p:transition p14:dur="0"/>
+    </mc:Choice>
+    <mc:Fallback xmlns="">
+      <p:transition/>
+    </mc:Fallback>
+  </mc:AlternateContent>
+  <p:timing>
+    <p:tnLst>
+      <p:par>
+        <p:cTn id="1" dur="indefinite" restart="never" nodeType="tmRoot">
+          <p:childTnLst>
+            <p:seq concurrent="1" nextAc="seek">
+              <p:cTn id="2" dur="indefinite" nodeType="mainSeq">
+                <p:childTnLst>
+                  <p:par>
+                    <p:cTn id="3" fill="hold">
+                      <p:stCondLst>
+                        <p:cond delay="indefinite"/>
+                      </p:stCondLst>
+                      <p:childTnLst>
+                        <p:par>
+                          <p:cTn id="4" fill="hold">
+                            <p:stCondLst>
+                              <p:cond delay="0"/>
+                            </p:stCondLst>
+                            <p:childTnLst>
+                              <p:par>
+                                <p:cTn id="5" presetID="1" presetClass="entr" presetSubtype="0" fill="hold" nodeType="clickEffect">
+                                  <p:stCondLst>
+                                    <p:cond delay="0"/>
+                                  </p:stCondLst>
+                                  <p:childTnLst>
+                                    <p:set>
+                                      <p:cBhvr>
+                                        <p:cTn id="6" dur="1" fill="hold">
+                                          <p:stCondLst>
+                                            <p:cond delay="0"/>
+                                          </p:stCondLst>
+                                        </p:cTn>
+                                        <p:tgtEl>
+                                          <p:spTgt spid="9">
+                                            <p:txEl>
+                                              <p:pRg st="2" end="2"/>
+                                            </p:txEl>
+                                          </p:spTgt>
+                                        </p:tgtEl>
+                                        <p:attrNameLst>
+                                          <p:attrName>style.visibility</p:attrName>
+                                        </p:attrNameLst>
+                                      </p:cBhvr>
+                                      <p:to>
+                                        <p:strVal val="visible"/>
+                                      </p:to>
+                                    </p:set>
+                                  </p:childTnLst>
+                                </p:cTn>
+                              </p:par>
+                            </p:childTnLst>
+                          </p:cTn>
+                        </p:par>
+                      </p:childTnLst>
+                    </p:cTn>
+                  </p:par>
+                </p:childTnLst>
+              </p:cTn>
+              <p:prevCondLst>
+                <p:cond evt="onPrev" delay="0">
+                  <p:tgtEl>
+                    <p:sldTgt/>
+                  </p:tgtEl>
+                </p:cond>
+              </p:prevCondLst>
+              <p:nextCondLst>
+                <p:cond evt="onNext" delay="0">
+                  <p:tgtEl>
+                    <p:sldTgt/>
+                  </p:tgtEl>
+                </p:cond>
+              </p:nextCondLst>
+            </p:seq>
+          </p:childTnLst>
+        </p:cTn>
+      </p:par>
+    </p:tnLst>
+  </p:timing>
+</p:sld>
+</file>
+
+<file path=ppt/slides/slide53.xml><?xml version="1.0" encoding="utf-8"?>
+<p:sld xmlns:a="http://schemas.openxmlformats.org/drawingml/2006/main" xmlns:r="http://schemas.openxmlformats.org/officeDocument/2006/relationships" xmlns:p="http://schemas.openxmlformats.org/presentationml/2006/main">
+  <p:cSld>
+    <p:spTree>
+      <p:nvGrpSpPr>
+        <p:cNvPr id="1" name=""/>
+        <p:cNvGrpSpPr/>
+        <p:nvPr/>
+      </p:nvGrpSpPr>
+      <p:grpSpPr>
+        <a:xfrm>
+          <a:off x="0" y="0"/>
+          <a:ext cx="0" cy="0"/>
+          <a:chOff x="0" y="0"/>
+          <a:chExt cx="0" cy="0"/>
+        </a:xfrm>
+      </p:grpSpPr>
+      <p:sp>
+        <p:nvSpPr>
+          <p:cNvPr id="2" name="Title 1"/>
+          <p:cNvSpPr>
+            <a:spLocks noGrp="1"/>
+          </p:cNvSpPr>
+          <p:nvPr>
+            <p:ph type="title"/>
+          </p:nvPr>
+        </p:nvSpPr>
+        <p:spPr/>
+        <p:txBody>
+          <a:bodyPr>
+            <a:normAutofit fontScale="90000"/>
+          </a:bodyPr>
+          <a:lstStyle/>
+          <a:p>
+            <a:r>
+              <a:rPr lang="en-US" sz="4900" dirty="0">
+                <a:solidFill>
+                  <a:schemeClr val="tx1"/>
+                </a:solidFill>
+                <a:cs typeface="Segoe UI" panose="020B0502040204020203" pitchFamily="34" charset="0"/>
+              </a:rPr>
               <a:t>Customer quote</a:t>
             </a:r>
             <a:br>
@@ -33244,7 +33635,7 @@
 </p:sld>
 </file>
 
-<file path=ppt/slides/slide52.xml><?xml version="1.0" encoding="utf-8"?>
+<file path=ppt/slides/slide54.xml><?xml version="1.0" encoding="utf-8"?>
 <p:sld xmlns:a="http://schemas.openxmlformats.org/drawingml/2006/main" xmlns:r="http://schemas.openxmlformats.org/officeDocument/2006/relationships" xmlns:p="http://schemas.openxmlformats.org/presentationml/2006/main">
   <p:cSld>
     <p:bg>
@@ -35280,15 +35671,6 @@
 </file>
 
 <file path=customXml/item1.xml><?xml version="1.0" encoding="utf-8"?>
-<?mso-contentType ?>
-<FormTemplates xmlns="http://schemas.microsoft.com/sharepoint/v3/contenttype/forms">
-  <Display>DocumentLibraryForm</Display>
-  <Edit>DocumentLibraryForm</Edit>
-  <New>DocumentLibraryForm</New>
-</FormTemplates>
-</file>
-
-<file path=customXml/item2.xml><?xml version="1.0" encoding="utf-8"?>
 <ct:contentTypeSchema xmlns:ct="http://schemas.microsoft.com/office/2006/metadata/contentType" xmlns:ma="http://schemas.microsoft.com/office/2006/metadata/properties/metaAttributes" ct:_="" ma:_="" ma:contentTypeName="Document" ma:contentTypeID="0x010100D15DFA3690A15B4081582BBCC6BEAC3E" ma:contentTypeVersion="9" ma:contentTypeDescription="Create a new document." ma:contentTypeScope="" ma:versionID="642da1784587cbe85a7fdbbe4dc36103">
   <xsd:schema xmlns:xsd="http://www.w3.org/2001/XMLSchema" xmlns:xs="http://www.w3.org/2001/XMLSchema" xmlns:p="http://schemas.microsoft.com/office/2006/metadata/properties" xmlns:ns1="http://schemas.microsoft.com/sharepoint/v3" xmlns:ns2="2023ac63-7b75-4916-a9ee-591457758eee" xmlns:ns3="d9c797ad-d7c3-4982-82b7-81352a75e4a5" targetNamespace="http://schemas.microsoft.com/office/2006/metadata/properties" ma:root="true" ma:fieldsID="91198b0246576053cc55dd2c67035a89" ns1:_="" ns2:_="" ns3:_="">
     <xsd:import namespace="http://schemas.microsoft.com/sharepoint/v3"/>
@@ -35490,6 +35872,15 @@
 </ct:contentTypeSchema>
 </file>
 
+<file path=customXml/item2.xml><?xml version="1.0" encoding="utf-8"?>
+<?mso-contentType ?>
+<FormTemplates xmlns="http://schemas.microsoft.com/sharepoint/v3/contenttype/forms">
+  <Display>DocumentLibraryForm</Display>
+  <Edit>DocumentLibraryForm</Edit>
+  <New>DocumentLibraryForm</New>
+</FormTemplates>
+</file>
+
 <file path=customXml/item3.xml><?xml version="1.0" encoding="utf-8"?>
 <p:properties xmlns:p="http://schemas.microsoft.com/office/2006/metadata/properties" xmlns:xsi="http://www.w3.org/2001/XMLSchema-instance" xmlns:pc="http://schemas.microsoft.com/office/infopath/2007/PartnerControls">
   <documentManagement>
@@ -35500,14 +35891,6 @@
 </file>
 
 <file path=customXml/itemProps1.xml><?xml version="1.0" encoding="utf-8"?>
-<ds:datastoreItem xmlns:ds="http://schemas.openxmlformats.org/officeDocument/2006/customXml" ds:itemID="{F18501AF-04CF-4482-BAE1-607B49DDC378}">
-  <ds:schemaRefs>
-    <ds:schemaRef ds:uri="http://schemas.microsoft.com/sharepoint/v3/contenttype/forms"/>
-  </ds:schemaRefs>
-</ds:datastoreItem>
-</file>
-
-<file path=customXml/itemProps2.xml><?xml version="1.0" encoding="utf-8"?>
 <ds:datastoreItem xmlns:ds="http://schemas.openxmlformats.org/officeDocument/2006/customXml" ds:itemID="{255F5BEB-6AD6-480A-8556-C80C5EBC10F2}">
   <ds:schemaRefs>
     <ds:schemaRef ds:uri="http://schemas.microsoft.com/office/2006/metadata/contentType"/>
@@ -35523,6 +35906,14 @@
     <ds:schemaRef ds:uri="http://purl.org/dc/elements/1.1/"/>
     <ds:schemaRef ds:uri="http://purl.org/dc/terms/"/>
     <ds:schemaRef ds:uri="http://schemas.microsoft.com/internal/obd"/>
+  </ds:schemaRefs>
+</ds:datastoreItem>
+</file>
+
+<file path=customXml/itemProps2.xml><?xml version="1.0" encoding="utf-8"?>
+<ds:datastoreItem xmlns:ds="http://schemas.openxmlformats.org/officeDocument/2006/customXml" ds:itemID="{F18501AF-04CF-4482-BAE1-607B49DDC378}">
+  <ds:schemaRefs>
+    <ds:schemaRef ds:uri="http://schemas.microsoft.com/sharepoint/v3/contenttype/forms"/>
   </ds:schemaRefs>
 </ds:datastoreItem>
 </file>

--- a/Whiteboard design session/WDS trainer presentation - Azure Stack.pptx
+++ b/Whiteboard design session/WDS trainer presentation - Azure Stack.pptx
@@ -5055,7 +5055,7 @@
                   <a:prstClr val="black"/>
                 </a:solidFill>
               </a:rPr>
-              <a:t>6/30/2020 2:33 PM</a:t>
+              <a:t>6/30/2020 3:08 PM</a:t>
             </a:fld>
             <a:endParaRPr lang="en-US" dirty="0">
               <a:solidFill>
@@ -24423,10 +24423,10 @@
       </p:sp>
       <p:pic>
         <p:nvPicPr>
-          <p:cNvPr id="4" name="Picture 3">
+          <p:cNvPr id="3" name="Picture 2">
             <a:extLst>
               <a:ext uri="{FF2B5EF4-FFF2-40B4-BE49-F238E27FC236}">
-                <a16:creationId xmlns:a16="http://schemas.microsoft.com/office/drawing/2014/main" id="{DC032BBE-D187-45C1-8A73-B97104375FFC}"/>
+                <a16:creationId xmlns:a16="http://schemas.microsoft.com/office/drawing/2014/main" id="{ADE6ECD2-1114-4E05-91C0-A93E5EF018BF}"/>
               </a:ext>
             </a:extLst>
           </p:cNvPr>
@@ -24443,8 +24443,8 @@
         </p:blipFill>
         <p:spPr>
           <a:xfrm>
-            <a:off x="489234" y="1189175"/>
-            <a:ext cx="9699795" cy="5321351"/>
+            <a:off x="491967" y="1023624"/>
+            <a:ext cx="10114923" cy="5544865"/>
           </a:xfrm>
           <a:prstGeom prst="rect">
             <a:avLst/>
@@ -24550,7 +24550,7 @@
         <p:spPr>
           <a:xfrm>
             <a:off x="271557" y="1077480"/>
-            <a:ext cx="11653523" cy="5834418"/>
+            <a:ext cx="11653523" cy="4992457"/>
           </a:xfrm>
         </p:spPr>
         <p:txBody>
@@ -24606,7 +24606,7 @@
             </a:pPr>
             <a:r>
               <a:rPr lang="en-US" sz="2408" dirty="0"/>
-              <a:t>Global Azure cloud in the North Central US region and an Azure Stack Hub integrated system running in the FT Chicago datacenter </a:t>
+              <a:t>an Azure Stack Hub integrated system running in the FT Chicago datacenter </a:t>
             </a:r>
           </a:p>
           <a:p>
@@ -24628,7 +24628,7 @@
             </a:pPr>
             <a:r>
               <a:rPr lang="en-US" sz="2408" dirty="0"/>
-              <a:t>Global Azure cloud in the Canada Central region and an Azure Stack Hub integrated system running in the FT Toronto datacenter </a:t>
+              <a:t>an Azure Stack Hub integrated system running in the FT Toronto datacenter </a:t>
             </a:r>
           </a:p>
           <a:p>
@@ -24803,10 +24803,10 @@
       </p:sp>
       <p:pic>
         <p:nvPicPr>
-          <p:cNvPr id="5" name="Picture 4">
+          <p:cNvPr id="3" name="Picture 2">
             <a:extLst>
               <a:ext uri="{FF2B5EF4-FFF2-40B4-BE49-F238E27FC236}">
-                <a16:creationId xmlns:a16="http://schemas.microsoft.com/office/drawing/2014/main" id="{0CEFFEE1-24BF-424B-AE63-9CC2F6566CD7}"/>
+                <a16:creationId xmlns:a16="http://schemas.microsoft.com/office/drawing/2014/main" id="{7192A092-C18B-4963-A0DB-21B5141DF5C9}"/>
               </a:ext>
             </a:extLst>
           </p:cNvPr>
@@ -24823,8 +24823,8 @@
         </p:blipFill>
         <p:spPr>
           <a:xfrm>
-            <a:off x="487422" y="1078590"/>
-            <a:ext cx="10134938" cy="5483638"/>
+            <a:off x="428920" y="1029975"/>
+            <a:ext cx="10136647" cy="5553028"/>
           </a:xfrm>
           <a:prstGeom prst="rect">
             <a:avLst/>
@@ -26106,10 +26106,10 @@
       </p:sp>
       <p:pic>
         <p:nvPicPr>
-          <p:cNvPr id="4" name="Picture 3">
+          <p:cNvPr id="5" name="Picture 4">
             <a:extLst>
               <a:ext uri="{FF2B5EF4-FFF2-40B4-BE49-F238E27FC236}">
-                <a16:creationId xmlns:a16="http://schemas.microsoft.com/office/drawing/2014/main" id="{54C57C82-C655-4C94-B7ED-571E19A0BB2C}"/>
+                <a16:creationId xmlns:a16="http://schemas.microsoft.com/office/drawing/2014/main" id="{9538767E-8B51-4A36-AFF7-58719BFD17A8}"/>
               </a:ext>
             </a:extLst>
           </p:cNvPr>
@@ -26126,8 +26126,8 @@
         </p:blipFill>
         <p:spPr>
           <a:xfrm>
-            <a:off x="430718" y="1044022"/>
-            <a:ext cx="9743796" cy="5633418"/>
+            <a:off x="436987" y="994013"/>
+            <a:ext cx="9685581" cy="5758196"/>
           </a:xfrm>
           <a:prstGeom prst="rect">
             <a:avLst/>
@@ -35671,6 +35671,15 @@
 </file>
 
 <file path=customXml/item1.xml><?xml version="1.0" encoding="utf-8"?>
+<?mso-contentType ?>
+<FormTemplates xmlns="http://schemas.microsoft.com/sharepoint/v3/contenttype/forms">
+  <Display>DocumentLibraryForm</Display>
+  <Edit>DocumentLibraryForm</Edit>
+  <New>DocumentLibraryForm</New>
+</FormTemplates>
+</file>
+
+<file path=customXml/item2.xml><?xml version="1.0" encoding="utf-8"?>
 <ct:contentTypeSchema xmlns:ct="http://schemas.microsoft.com/office/2006/metadata/contentType" xmlns:ma="http://schemas.microsoft.com/office/2006/metadata/properties/metaAttributes" ct:_="" ma:_="" ma:contentTypeName="Document" ma:contentTypeID="0x010100D15DFA3690A15B4081582BBCC6BEAC3E" ma:contentTypeVersion="9" ma:contentTypeDescription="Create a new document." ma:contentTypeScope="" ma:versionID="642da1784587cbe85a7fdbbe4dc36103">
   <xsd:schema xmlns:xsd="http://www.w3.org/2001/XMLSchema" xmlns:xs="http://www.w3.org/2001/XMLSchema" xmlns:p="http://schemas.microsoft.com/office/2006/metadata/properties" xmlns:ns1="http://schemas.microsoft.com/sharepoint/v3" xmlns:ns2="2023ac63-7b75-4916-a9ee-591457758eee" xmlns:ns3="d9c797ad-d7c3-4982-82b7-81352a75e4a5" targetNamespace="http://schemas.microsoft.com/office/2006/metadata/properties" ma:root="true" ma:fieldsID="91198b0246576053cc55dd2c67035a89" ns1:_="" ns2:_="" ns3:_="">
     <xsd:import namespace="http://schemas.microsoft.com/sharepoint/v3"/>
@@ -35872,15 +35881,6 @@
 </ct:contentTypeSchema>
 </file>
 
-<file path=customXml/item2.xml><?xml version="1.0" encoding="utf-8"?>
-<?mso-contentType ?>
-<FormTemplates xmlns="http://schemas.microsoft.com/sharepoint/v3/contenttype/forms">
-  <Display>DocumentLibraryForm</Display>
-  <Edit>DocumentLibraryForm</Edit>
-  <New>DocumentLibraryForm</New>
-</FormTemplates>
-</file>
-
 <file path=customXml/item3.xml><?xml version="1.0" encoding="utf-8"?>
 <p:properties xmlns:p="http://schemas.microsoft.com/office/2006/metadata/properties" xmlns:xsi="http://www.w3.org/2001/XMLSchema-instance" xmlns:pc="http://schemas.microsoft.com/office/infopath/2007/PartnerControls">
   <documentManagement>
@@ -35891,6 +35891,14 @@
 </file>
 
 <file path=customXml/itemProps1.xml><?xml version="1.0" encoding="utf-8"?>
+<ds:datastoreItem xmlns:ds="http://schemas.openxmlformats.org/officeDocument/2006/customXml" ds:itemID="{F18501AF-04CF-4482-BAE1-607B49DDC378}">
+  <ds:schemaRefs>
+    <ds:schemaRef ds:uri="http://schemas.microsoft.com/sharepoint/v3/contenttype/forms"/>
+  </ds:schemaRefs>
+</ds:datastoreItem>
+</file>
+
+<file path=customXml/itemProps2.xml><?xml version="1.0" encoding="utf-8"?>
 <ds:datastoreItem xmlns:ds="http://schemas.openxmlformats.org/officeDocument/2006/customXml" ds:itemID="{255F5BEB-6AD6-480A-8556-C80C5EBC10F2}">
   <ds:schemaRefs>
     <ds:schemaRef ds:uri="http://schemas.microsoft.com/office/2006/metadata/contentType"/>
@@ -35906,14 +35914,6 @@
     <ds:schemaRef ds:uri="http://purl.org/dc/elements/1.1/"/>
     <ds:schemaRef ds:uri="http://purl.org/dc/terms/"/>
     <ds:schemaRef ds:uri="http://schemas.microsoft.com/internal/obd"/>
-  </ds:schemaRefs>
-</ds:datastoreItem>
-</file>
-
-<file path=customXml/itemProps2.xml><?xml version="1.0" encoding="utf-8"?>
-<ds:datastoreItem xmlns:ds="http://schemas.openxmlformats.org/officeDocument/2006/customXml" ds:itemID="{F18501AF-04CF-4482-BAE1-607B49DDC378}">
-  <ds:schemaRefs>
-    <ds:schemaRef ds:uri="http://schemas.microsoft.com/sharepoint/v3/contenttype/forms"/>
   </ds:schemaRefs>
 </ds:datastoreItem>
 </file>
